--- a/Document/WebAppFrameworkDev.pptx
+++ b/Document/WebAppFrameworkDev.pptx
@@ -6,10 +6,10 @@
     <p:sldMasterId id="2147483691" r:id="rId2"/>
   </p:sldMasterIdLst>
   <p:notesMasterIdLst>
-    <p:notesMasterId r:id="rId28"/>
+    <p:notesMasterId r:id="rId31"/>
   </p:notesMasterIdLst>
   <p:handoutMasterIdLst>
-    <p:handoutMasterId r:id="rId29"/>
+    <p:handoutMasterId r:id="rId32"/>
   </p:handoutMasterIdLst>
   <p:sldIdLst>
     <p:sldId id="474" r:id="rId3"/>
@@ -32,11 +32,14 @@
     <p:sldId id="700" r:id="rId20"/>
     <p:sldId id="701" r:id="rId21"/>
     <p:sldId id="704" r:id="rId22"/>
-    <p:sldId id="702" r:id="rId23"/>
-    <p:sldId id="703" r:id="rId24"/>
-    <p:sldId id="720" r:id="rId25"/>
-    <p:sldId id="708" r:id="rId26"/>
-    <p:sldId id="680" r:id="rId27"/>
+    <p:sldId id="733" r:id="rId23"/>
+    <p:sldId id="702" r:id="rId24"/>
+    <p:sldId id="703" r:id="rId25"/>
+    <p:sldId id="734" r:id="rId26"/>
+    <p:sldId id="720" r:id="rId27"/>
+    <p:sldId id="731" r:id="rId28"/>
+    <p:sldId id="708" r:id="rId29"/>
+    <p:sldId id="680" r:id="rId30"/>
   </p:sldIdLst>
   <p:sldSz cx="12188825" cy="6858000"/>
   <p:notesSz cx="6858000" cy="9144000"/>
@@ -379,7 +382,7 @@
                   <a:srgbClr val="898989"/>
                 </a:solidFill>
               </a:rPr>
-              <a:t>10/14/2016</a:t>
+              <a:t>11/1/2016</a:t>
             </a:fld>
             <a:endParaRPr lang="en-US">
               <a:solidFill>
@@ -565,7 +568,7 @@
             <a:fld id="{23C0586E-364E-4372-80AA-1C929B9BCABF}" type="datetimeFigureOut">
               <a:rPr lang="en-US" smtClean="0"/>
               <a:pPr/>
-              <a:t>10/14/2016</a:t>
+              <a:t>11/1/2016</a:t>
             </a:fld>
             <a:endParaRPr lang="en-US"/>
           </a:p>
@@ -2118,7 +2121,7 @@
     </p:spTree>
     <p:extLst>
       <p:ext uri="{BB962C8B-B14F-4D97-AF65-F5344CB8AC3E}">
-        <p14:creationId xmlns:p14="http://schemas.microsoft.com/office/powerpoint/2010/main" val="2157000639"/>
+        <p14:creationId xmlns:p14="http://schemas.microsoft.com/office/powerpoint/2010/main" val="2373069685"/>
       </p:ext>
     </p:extLst>
   </p:cSld>
@@ -2304,7 +2307,7 @@
     </p:spTree>
     <p:extLst>
       <p:ext uri="{BB962C8B-B14F-4D97-AF65-F5344CB8AC3E}">
-        <p14:creationId xmlns:p14="http://schemas.microsoft.com/office/powerpoint/2010/main" val="2163269220"/>
+        <p14:creationId xmlns:p14="http://schemas.microsoft.com/office/powerpoint/2010/main" val="2157000639"/>
       </p:ext>
     </p:extLst>
   </p:cSld>
@@ -2397,7 +2400,7 @@
     </p:spTree>
     <p:extLst>
       <p:ext uri="{BB962C8B-B14F-4D97-AF65-F5344CB8AC3E}">
-        <p14:creationId xmlns:p14="http://schemas.microsoft.com/office/powerpoint/2010/main" val="2157000639"/>
+        <p14:creationId xmlns:p14="http://schemas.microsoft.com/office/powerpoint/2010/main" val="281914558"/>
       </p:ext>
     </p:extLst>
   </p:cSld>
@@ -2434,6 +2437,285 @@
             <p:ph type="sldImg"/>
           </p:nvPr>
         </p:nvSpPr>
+        <p:spPr/>
+      </p:sp>
+      <p:sp>
+        <p:nvSpPr>
+          <p:cNvPr id="3" name="Notes Placeholder 2"/>
+          <p:cNvSpPr>
+            <a:spLocks noGrp="1"/>
+          </p:cNvSpPr>
+          <p:nvPr>
+            <p:ph type="body" idx="1"/>
+          </p:nvPr>
+        </p:nvSpPr>
+        <p:spPr/>
+        <p:txBody>
+          <a:bodyPr/>
+          <a:lstStyle/>
+          <a:p>
+            <a:endParaRPr lang="en-GB" dirty="0"/>
+          </a:p>
+        </p:txBody>
+      </p:sp>
+      <p:sp>
+        <p:nvSpPr>
+          <p:cNvPr id="4" name="Slide Number Placeholder 3"/>
+          <p:cNvSpPr>
+            <a:spLocks noGrp="1"/>
+          </p:cNvSpPr>
+          <p:nvPr>
+            <p:ph type="sldNum" sz="quarter" idx="10"/>
+          </p:nvPr>
+        </p:nvSpPr>
+        <p:spPr/>
+        <p:txBody>
+          <a:bodyPr/>
+          <a:lstStyle/>
+          <a:p>
+            <a:fld id="{9A1785EB-84EB-4F15-B69C-46EA3205D168}" type="slidenum">
+              <a:rPr lang="en-GB" smtClean="0">
+                <a:solidFill>
+                  <a:prstClr val="black"/>
+                </a:solidFill>
+              </a:rPr>
+              <a:pPr/>
+              <a:t>25</a:t>
+            </a:fld>
+            <a:endParaRPr lang="en-GB">
+              <a:solidFill>
+                <a:prstClr val="black"/>
+              </a:solidFill>
+            </a:endParaRPr>
+          </a:p>
+        </p:txBody>
+      </p:sp>
+    </p:spTree>
+    <p:extLst>
+      <p:ext uri="{BB962C8B-B14F-4D97-AF65-F5344CB8AC3E}">
+        <p14:creationId xmlns:p14="http://schemas.microsoft.com/office/powerpoint/2010/main" val="2163269220"/>
+      </p:ext>
+    </p:extLst>
+  </p:cSld>
+  <p:clrMapOvr>
+    <a:masterClrMapping/>
+  </p:clrMapOvr>
+</p:notes>
+</file>
+
+<file path=ppt/notesSlides/notesSlide26.xml><?xml version="1.0" encoding="utf-8"?>
+<p:notes xmlns:a="http://schemas.openxmlformats.org/drawingml/2006/main" xmlns:r="http://schemas.openxmlformats.org/officeDocument/2006/relationships" xmlns:p="http://schemas.openxmlformats.org/presentationml/2006/main">
+  <p:cSld>
+    <p:spTree>
+      <p:nvGrpSpPr>
+        <p:cNvPr id="1" name=""/>
+        <p:cNvGrpSpPr/>
+        <p:nvPr/>
+      </p:nvGrpSpPr>
+      <p:grpSpPr>
+        <a:xfrm>
+          <a:off x="0" y="0"/>
+          <a:ext cx="0" cy="0"/>
+          <a:chOff x="0" y="0"/>
+          <a:chExt cx="0" cy="0"/>
+        </a:xfrm>
+      </p:grpSpPr>
+      <p:sp>
+        <p:nvSpPr>
+          <p:cNvPr id="2" name="Slide Image Placeholder 1"/>
+          <p:cNvSpPr>
+            <a:spLocks noGrp="1" noRot="1" noChangeAspect="1"/>
+          </p:cNvSpPr>
+          <p:nvPr>
+            <p:ph type="sldImg"/>
+          </p:nvPr>
+        </p:nvSpPr>
+        <p:spPr/>
+      </p:sp>
+      <p:sp>
+        <p:nvSpPr>
+          <p:cNvPr id="3" name="Notes Placeholder 2"/>
+          <p:cNvSpPr>
+            <a:spLocks noGrp="1"/>
+          </p:cNvSpPr>
+          <p:nvPr>
+            <p:ph type="body" idx="1"/>
+          </p:nvPr>
+        </p:nvSpPr>
+        <p:spPr/>
+        <p:txBody>
+          <a:bodyPr/>
+          <a:lstStyle/>
+          <a:p>
+            <a:endParaRPr lang="en-GB" dirty="0"/>
+          </a:p>
+        </p:txBody>
+      </p:sp>
+      <p:sp>
+        <p:nvSpPr>
+          <p:cNvPr id="4" name="Slide Number Placeholder 3"/>
+          <p:cNvSpPr>
+            <a:spLocks noGrp="1"/>
+          </p:cNvSpPr>
+          <p:nvPr>
+            <p:ph type="sldNum" sz="quarter" idx="10"/>
+          </p:nvPr>
+        </p:nvSpPr>
+        <p:spPr/>
+        <p:txBody>
+          <a:bodyPr/>
+          <a:lstStyle/>
+          <a:p>
+            <a:fld id="{9A1785EB-84EB-4F15-B69C-46EA3205D168}" type="slidenum">
+              <a:rPr lang="en-GB" smtClean="0">
+                <a:solidFill>
+                  <a:prstClr val="black"/>
+                </a:solidFill>
+              </a:rPr>
+              <a:pPr/>
+              <a:t>26</a:t>
+            </a:fld>
+            <a:endParaRPr lang="en-GB">
+              <a:solidFill>
+                <a:prstClr val="black"/>
+              </a:solidFill>
+            </a:endParaRPr>
+          </a:p>
+        </p:txBody>
+      </p:sp>
+    </p:spTree>
+    <p:extLst>
+      <p:ext uri="{BB962C8B-B14F-4D97-AF65-F5344CB8AC3E}">
+        <p14:creationId xmlns:p14="http://schemas.microsoft.com/office/powerpoint/2010/main" val="850406452"/>
+      </p:ext>
+    </p:extLst>
+  </p:cSld>
+  <p:clrMapOvr>
+    <a:masterClrMapping/>
+  </p:clrMapOvr>
+</p:notes>
+</file>
+
+<file path=ppt/notesSlides/notesSlide27.xml><?xml version="1.0" encoding="utf-8"?>
+<p:notes xmlns:a="http://schemas.openxmlformats.org/drawingml/2006/main" xmlns:r="http://schemas.openxmlformats.org/officeDocument/2006/relationships" xmlns:p="http://schemas.openxmlformats.org/presentationml/2006/main">
+  <p:cSld>
+    <p:spTree>
+      <p:nvGrpSpPr>
+        <p:cNvPr id="1" name=""/>
+        <p:cNvGrpSpPr/>
+        <p:nvPr/>
+      </p:nvGrpSpPr>
+      <p:grpSpPr>
+        <a:xfrm>
+          <a:off x="0" y="0"/>
+          <a:ext cx="0" cy="0"/>
+          <a:chOff x="0" y="0"/>
+          <a:chExt cx="0" cy="0"/>
+        </a:xfrm>
+      </p:grpSpPr>
+      <p:sp>
+        <p:nvSpPr>
+          <p:cNvPr id="2" name="Slide Image Placeholder 1"/>
+          <p:cNvSpPr>
+            <a:spLocks noGrp="1" noRot="1" noChangeAspect="1"/>
+          </p:cNvSpPr>
+          <p:nvPr>
+            <p:ph type="sldImg"/>
+          </p:nvPr>
+        </p:nvSpPr>
+        <p:spPr/>
+      </p:sp>
+      <p:sp>
+        <p:nvSpPr>
+          <p:cNvPr id="3" name="Notes Placeholder 2"/>
+          <p:cNvSpPr>
+            <a:spLocks noGrp="1"/>
+          </p:cNvSpPr>
+          <p:nvPr>
+            <p:ph type="body" idx="1"/>
+          </p:nvPr>
+        </p:nvSpPr>
+        <p:spPr/>
+        <p:txBody>
+          <a:bodyPr/>
+          <a:lstStyle/>
+          <a:p>
+            <a:endParaRPr lang="en-GB" dirty="0"/>
+          </a:p>
+        </p:txBody>
+      </p:sp>
+      <p:sp>
+        <p:nvSpPr>
+          <p:cNvPr id="4" name="Slide Number Placeholder 3"/>
+          <p:cNvSpPr>
+            <a:spLocks noGrp="1"/>
+          </p:cNvSpPr>
+          <p:nvPr>
+            <p:ph type="sldNum" sz="quarter" idx="10"/>
+          </p:nvPr>
+        </p:nvSpPr>
+        <p:spPr/>
+        <p:txBody>
+          <a:bodyPr/>
+          <a:lstStyle/>
+          <a:p>
+            <a:fld id="{9A1785EB-84EB-4F15-B69C-46EA3205D168}" type="slidenum">
+              <a:rPr lang="en-GB" smtClean="0">
+                <a:solidFill>
+                  <a:prstClr val="black"/>
+                </a:solidFill>
+              </a:rPr>
+              <a:pPr/>
+              <a:t>27</a:t>
+            </a:fld>
+            <a:endParaRPr lang="en-GB">
+              <a:solidFill>
+                <a:prstClr val="black"/>
+              </a:solidFill>
+            </a:endParaRPr>
+          </a:p>
+        </p:txBody>
+      </p:sp>
+    </p:spTree>
+    <p:extLst>
+      <p:ext uri="{BB962C8B-B14F-4D97-AF65-F5344CB8AC3E}">
+        <p14:creationId xmlns:p14="http://schemas.microsoft.com/office/powerpoint/2010/main" val="2157000639"/>
+      </p:ext>
+    </p:extLst>
+  </p:cSld>
+  <p:clrMapOvr>
+    <a:masterClrMapping/>
+  </p:clrMapOvr>
+</p:notes>
+</file>
+
+<file path=ppt/notesSlides/notesSlide28.xml><?xml version="1.0" encoding="utf-8"?>
+<p:notes xmlns:a="http://schemas.openxmlformats.org/drawingml/2006/main" xmlns:r="http://schemas.openxmlformats.org/officeDocument/2006/relationships" xmlns:p="http://schemas.openxmlformats.org/presentationml/2006/main">
+  <p:cSld>
+    <p:spTree>
+      <p:nvGrpSpPr>
+        <p:cNvPr id="1" name=""/>
+        <p:cNvGrpSpPr/>
+        <p:nvPr/>
+      </p:nvGrpSpPr>
+      <p:grpSpPr>
+        <a:xfrm>
+          <a:off x="0" y="0"/>
+          <a:ext cx="0" cy="0"/>
+          <a:chOff x="0" y="0"/>
+          <a:chExt cx="0" cy="0"/>
+        </a:xfrm>
+      </p:grpSpPr>
+      <p:sp>
+        <p:nvSpPr>
+          <p:cNvPr id="2" name="Slide Image Placeholder 1"/>
+          <p:cNvSpPr>
+            <a:spLocks noGrp="1" noRot="1" noChangeAspect="1"/>
+          </p:cNvSpPr>
+          <p:nvPr>
+            <p:ph type="sldImg"/>
+          </p:nvPr>
+        </p:nvSpPr>
         <p:spPr>
           <a:xfrm>
             <a:off x="382588" y="685800"/>
@@ -2478,7 +2760,7 @@
             <a:fld id="{4A55B9BF-99C7-425D-A1C7-4E0B8871658A}" type="slidenum">
               <a:rPr lang="en-US" smtClean="0"/>
               <a:pPr/>
-              <a:t>25</a:t>
+              <a:t>28</a:t>
             </a:fld>
             <a:endParaRPr lang="en-US"/>
           </a:p>
@@ -23324,7 +23606,7 @@
                 <a:latin typeface="微软雅黑" panose="020B0503020204020204" pitchFamily="34" charset="-122"/>
                 <a:ea typeface="微软雅黑" panose="020B0503020204020204" pitchFamily="34" charset="-122"/>
               </a:rPr>
-              <a:t>i18n Messages is store in table i18n_message</a:t>
+              <a:t>i18n Messages is stored in table i18n_message</a:t>
             </a:r>
           </a:p>
           <a:p>
@@ -24642,19 +24924,11 @@
             </a:pPr>
             <a:r>
               <a:rPr lang="en-US" altLang="zh-CN" sz="2400" dirty="0" err="1"/>
-              <a:t>XXXRepoapmtory</a:t>
+              <a:t>XXXRepository</a:t>
             </a:r>
             <a:r>
               <a:rPr lang="en-US" altLang="zh-CN" sz="2400" dirty="0"/>
-              <a:t>: DAO for </a:t>
-            </a:r>
-            <a:r>
-              <a:rPr lang="en-US" altLang="zh-CN" sz="2400" dirty="0" err="1"/>
-              <a:t>accesapmng</a:t>
-            </a:r>
-            <a:r>
-              <a:rPr lang="en-US" altLang="zh-CN" sz="2400" dirty="0"/>
-              <a:t> entity object</a:t>
+              <a:t>: DAO for accessing entity object</a:t>
             </a:r>
           </a:p>
           <a:p>
@@ -25463,11 +25737,7 @@
           <a:p>
             <a:r>
               <a:rPr lang="en-US" sz="2800" dirty="0"/>
-              <a:t>J</a:t>
-            </a:r>
-            <a:r>
-              <a:rPr lang="en-US" altLang="zh-CN" sz="2800" dirty="0"/>
-              <a:t>SF Bean and Spring Bean</a:t>
+              <a:t>More Tips</a:t>
             </a:r>
             <a:endParaRPr lang="en-US" sz="2000" dirty="0">
               <a:latin typeface="GE汉仪中圆简" panose="02010600000101010101" pitchFamily="2" charset="-122"/>
@@ -25487,7 +25757,7 @@
         <p:spPr bwMode="auto">
           <a:xfrm>
             <a:off x="1250898" y="1362075"/>
-            <a:ext cx="10591331" cy="4514842"/>
+            <a:ext cx="10591331" cy="5068840"/>
           </a:xfrm>
           <a:prstGeom prst="rect">
             <a:avLst/>
@@ -25537,26 +25807,16 @@
               <a:buChar char="•"/>
             </a:pPr>
             <a:r>
-              <a:rPr lang="zh-CN" altLang="en-US" sz="2400" dirty="0">
+              <a:rPr lang="zh-CN" altLang="en-US" b="1" dirty="0">
                 <a:solidFill>
                   <a:schemeClr val="accent1">
                     <a:lumMod val="75000"/>
                   </a:schemeClr>
                 </a:solidFill>
               </a:rPr>
-              <a:t>两类 </a:t>
-            </a:r>
-            <a:r>
-              <a:rPr lang="en-US" altLang="zh-CN" sz="2400" dirty="0">
-                <a:solidFill>
-                  <a:schemeClr val="accent1">
-                    <a:lumMod val="75000"/>
-                  </a:schemeClr>
-                </a:solidFill>
-              </a:rPr>
-              <a:t>Bean</a:t>
-            </a:r>
-            <a:endParaRPr lang="en-US" altLang="zh-CN" sz="2400" dirty="0"/>
+              <a:t>页面的多国语言处理</a:t>
+            </a:r>
+            <a:endParaRPr lang="en-US" altLang="zh-CN" b="1" dirty="0"/>
           </a:p>
           <a:p>
             <a:pPr marL="569378" lvl="2" indent="-342900">
@@ -25564,125 +25824,279 @@
               <a:buChar char="Ø"/>
             </a:pPr>
             <a:r>
-              <a:rPr lang="en-US" altLang="zh-CN" sz="2400" dirty="0"/>
-              <a:t>JSF Managed Bean</a:t>
-            </a:r>
-            <a:r>
-              <a:rPr lang="zh-CN" altLang="en-US" sz="2400" dirty="0"/>
-              <a:t>， 或者叫</a:t>
-            </a:r>
-            <a:r>
-              <a:rPr lang="en-US" altLang="zh-CN" sz="2400" dirty="0"/>
-              <a:t>JSF Bean, </a:t>
-            </a:r>
-            <a:r>
-              <a:rPr lang="zh-CN" altLang="en-US" sz="2400" dirty="0"/>
-              <a:t>或</a:t>
-            </a:r>
-            <a:r>
-              <a:rPr lang="en-US" altLang="zh-CN" sz="2400" dirty="0"/>
-              <a:t>View Bean</a:t>
-            </a:r>
-            <a:r>
-              <a:rPr lang="zh-CN" altLang="en-US" sz="2400" dirty="0"/>
-              <a:t>， 或</a:t>
-            </a:r>
-            <a:r>
-              <a:rPr lang="en-US" altLang="zh-CN" sz="2400" dirty="0"/>
-              <a:t>Back Bean</a:t>
-            </a:r>
-          </a:p>
-          <a:p>
-            <a:pPr marL="1026578" lvl="3" indent="-342900">
-              <a:buFont typeface="Arial" panose="020B0604020202020204" pitchFamily="34" charset="0"/>
-              <a:buChar char="•"/>
-            </a:pPr>
-            <a:r>
-              <a:rPr lang="zh-CN" altLang="en-US" sz="2400" dirty="0"/>
-              <a:t>用途</a:t>
-            </a:r>
-            <a:r>
-              <a:rPr lang="en-US" altLang="zh-CN" sz="2400" dirty="0"/>
-              <a:t>: </a:t>
-            </a:r>
-            <a:r>
-              <a:rPr lang="zh-CN" altLang="en-US" sz="2400" dirty="0"/>
+              <a:rPr lang="zh-CN" altLang="en-US" dirty="0"/>
+              <a:t>绝大部分是第一种情形，就是静态文字的多国语言，比如列表的抬头。这种使用 </a:t>
+            </a:r>
+            <a:r>
+              <a:rPr lang="en-US" altLang="zh-CN" dirty="0" err="1">
+                <a:solidFill>
+                  <a:srgbClr val="FF0000"/>
+                </a:solidFill>
+              </a:rPr>
+              <a:t>msg.messageKey</a:t>
+            </a:r>
+            <a:r>
+              <a:rPr lang="en-US" altLang="zh-CN" dirty="0"/>
               <a:t> </a:t>
             </a:r>
             <a:r>
-              <a:rPr lang="en-US" altLang="zh-CN" sz="2400" dirty="0"/>
-              <a:t>View Controller, </a:t>
-            </a:r>
-            <a:r>
-              <a:rPr lang="zh-CN" altLang="en-US" sz="2400" dirty="0"/>
-              <a:t>被 </a:t>
-            </a:r>
-            <a:r>
-              <a:rPr lang="en-US" altLang="zh-CN" sz="2400" dirty="0" err="1"/>
-              <a:t>xhtml</a:t>
-            </a:r>
-            <a:r>
-              <a:rPr lang="zh-CN" altLang="en-US" sz="2400" dirty="0"/>
-              <a:t>直接调用</a:t>
-            </a:r>
-            <a:endParaRPr lang="en-US" altLang="zh-CN" sz="2400" dirty="0"/>
-          </a:p>
-          <a:p>
-            <a:pPr marL="1026578" lvl="3" indent="-342900">
-              <a:buFont typeface="Arial" panose="020B0604020202020204" pitchFamily="34" charset="0"/>
-              <a:buChar char="•"/>
-            </a:pPr>
-            <a:r>
-              <a:rPr lang="zh-CN" altLang="en-US" sz="2400" dirty="0"/>
-              <a:t>注释 </a:t>
-            </a:r>
-            <a:r>
-              <a:rPr lang="en-US" altLang="zh-CN" sz="2400" dirty="0"/>
-              <a:t>@</a:t>
-            </a:r>
-            <a:r>
-              <a:rPr lang="en-US" altLang="zh-CN" sz="2400" dirty="0" err="1"/>
-              <a:t>ManagedBean</a:t>
-            </a:r>
-            <a:r>
-              <a:rPr lang="zh-CN" altLang="en-US" sz="2400" dirty="0"/>
-              <a:t>，  </a:t>
-            </a:r>
-            <a:r>
-              <a:rPr lang="en-US" altLang="zh-CN" sz="2400" dirty="0"/>
-              <a:t>@</a:t>
-            </a:r>
-            <a:r>
-              <a:rPr lang="en-US" altLang="zh-CN" sz="2400" dirty="0" err="1"/>
-              <a:t>ViewScoped</a:t>
-            </a:r>
-            <a:endParaRPr lang="en-US" altLang="zh-CN" sz="2400" dirty="0"/>
-          </a:p>
-          <a:p>
-            <a:pPr marL="1026578" lvl="3" indent="-342900">
-              <a:buFont typeface="Arial" panose="020B0604020202020204" pitchFamily="34" charset="0"/>
-              <a:buChar char="•"/>
-            </a:pPr>
-            <a:r>
-              <a:rPr lang="zh-CN" altLang="en-US" sz="2400" dirty="0"/>
-              <a:t>被</a:t>
-            </a:r>
-            <a:r>
-              <a:rPr lang="en-US" altLang="zh-CN" sz="2400" dirty="0"/>
-              <a:t>JSF</a:t>
-            </a:r>
-            <a:r>
-              <a:rPr lang="zh-CN" altLang="en-US" sz="2400" dirty="0"/>
-              <a:t>框架管理</a:t>
-            </a:r>
-            <a:endParaRPr lang="en-US" altLang="zh-CN" sz="2400" dirty="0"/>
+              <a:rPr lang="zh-CN" altLang="en-US" dirty="0"/>
+              <a:t>即可</a:t>
+            </a:r>
+            <a:endParaRPr lang="en-US" altLang="zh-CN" dirty="0"/>
+          </a:p>
+          <a:p>
+            <a:pPr marL="226478" lvl="2"/>
+            <a:r>
+              <a:rPr lang="en-US" altLang="zh-CN" dirty="0"/>
+              <a:t>	&lt;</a:t>
+            </a:r>
+            <a:r>
+              <a:rPr lang="en-US" altLang="zh-CN" dirty="0" err="1"/>
+              <a:t>p:column</a:t>
+            </a:r>
+            <a:r>
+              <a:rPr lang="en-US" altLang="zh-CN" dirty="0"/>
+              <a:t> </a:t>
+            </a:r>
+            <a:r>
+              <a:rPr lang="en-US" altLang="zh-CN" dirty="0" err="1"/>
+              <a:t>headerText</a:t>
+            </a:r>
+            <a:r>
+              <a:rPr lang="en-US" altLang="zh-CN" dirty="0"/>
+              <a:t>="#{</a:t>
+            </a:r>
+            <a:r>
+              <a:rPr lang="en-US" altLang="zh-CN" dirty="0" err="1">
+                <a:solidFill>
+                  <a:srgbClr val="FF0000"/>
+                </a:solidFill>
+              </a:rPr>
+              <a:t>msg.patientAddress</a:t>
+            </a:r>
+            <a:r>
+              <a:rPr lang="en-US" altLang="zh-CN" dirty="0"/>
+              <a:t>}" ...."&gt;</a:t>
+            </a:r>
+            <a:endParaRPr lang="en-US" dirty="0"/>
           </a:p>
           <a:p>
             <a:pPr marL="569378" lvl="2" indent="-342900">
               <a:buFont typeface="Wingdings" panose="05000000000000000000" pitchFamily="2" charset="2"/>
               <a:buChar char="Ø"/>
             </a:pPr>
-            <a:endParaRPr lang="en-US" altLang="zh-CN" sz="2400" dirty="0"/>
+            <a:r>
+              <a:rPr lang="zh-CN" altLang="en-US" dirty="0"/>
+              <a:t>另外一种情形是，即数据库记录的某字段的值多国语言。</a:t>
+            </a:r>
+          </a:p>
+          <a:p>
+            <a:pPr marL="226478" lvl="2"/>
+            <a:r>
+              <a:rPr lang="zh-CN" altLang="en-US" dirty="0"/>
+              <a:t>比如列表中的某行数据中的某列</a:t>
+            </a:r>
+            <a:r>
+              <a:rPr lang="en-US" altLang="zh-CN" dirty="0"/>
+              <a:t>(</a:t>
+            </a:r>
+            <a:r>
+              <a:rPr lang="zh-CN" altLang="en-US" dirty="0"/>
+              <a:t>检查状态</a:t>
+            </a:r>
+            <a:r>
+              <a:rPr lang="en-US" altLang="zh-CN" dirty="0"/>
+              <a:t>/</a:t>
+            </a:r>
+            <a:r>
+              <a:rPr lang="zh-CN" altLang="en-US" dirty="0"/>
+              <a:t>患者性别</a:t>
+            </a:r>
+            <a:r>
+              <a:rPr lang="en-US" altLang="zh-CN" dirty="0"/>
+              <a:t>/</a:t>
+            </a:r>
+            <a:r>
+              <a:rPr lang="zh-CN" altLang="en-US" dirty="0"/>
+              <a:t>检查方法名称等</a:t>
+            </a:r>
+            <a:r>
+              <a:rPr lang="en-US" altLang="zh-CN" dirty="0"/>
+              <a:t>)</a:t>
+            </a:r>
+            <a:r>
+              <a:rPr lang="zh-CN" altLang="en-US" dirty="0"/>
+              <a:t>。</a:t>
+            </a:r>
+          </a:p>
+          <a:p>
+            <a:pPr marL="226478" lvl="2"/>
+            <a:r>
+              <a:rPr lang="zh-CN" altLang="en-US" dirty="0"/>
+              <a:t>这种要使用 </a:t>
+            </a:r>
+            <a:r>
+              <a:rPr lang="en-US" altLang="zh-CN" dirty="0" err="1">
+                <a:solidFill>
+                  <a:srgbClr val="FF0000"/>
+                </a:solidFill>
+              </a:rPr>
+              <a:t>fieldMsg.fieldValue</a:t>
+            </a:r>
+            <a:r>
+              <a:rPr lang="en-US" altLang="zh-CN" dirty="0">
+                <a:solidFill>
+                  <a:srgbClr val="FF0000"/>
+                </a:solidFill>
+              </a:rPr>
+              <a:t>(</a:t>
+            </a:r>
+            <a:r>
+              <a:rPr lang="en-US" altLang="zh-CN" dirty="0" err="1">
+                <a:solidFill>
+                  <a:srgbClr val="FF0000"/>
+                </a:solidFill>
+              </a:rPr>
+              <a:t>messageKey</a:t>
+            </a:r>
+            <a:r>
+              <a:rPr lang="en-US" altLang="zh-CN" dirty="0">
+                <a:solidFill>
+                  <a:srgbClr val="FF0000"/>
+                </a:solidFill>
+              </a:rPr>
+              <a:t>)</a:t>
+            </a:r>
+            <a:r>
+              <a:rPr lang="en-US" altLang="zh-CN" dirty="0"/>
+              <a:t> </a:t>
+            </a:r>
+            <a:r>
+              <a:rPr lang="zh-CN" altLang="en-US" dirty="0"/>
+              <a:t>来处理，如下</a:t>
+            </a:r>
+            <a:r>
+              <a:rPr lang="en-US" altLang="zh-CN" dirty="0"/>
+              <a:t>:</a:t>
+            </a:r>
+          </a:p>
+          <a:p>
+            <a:pPr marL="226478" lvl="2"/>
+            <a:r>
+              <a:rPr lang="en-US" altLang="zh-CN" dirty="0"/>
+              <a:t>	&lt;</a:t>
+            </a:r>
+            <a:r>
+              <a:rPr lang="en-US" altLang="zh-CN" dirty="0" err="1"/>
+              <a:t>p:column</a:t>
+            </a:r>
+            <a:r>
+              <a:rPr lang="en-US" altLang="zh-CN" dirty="0"/>
+              <a:t> </a:t>
+            </a:r>
+            <a:r>
+              <a:rPr lang="en-US" altLang="zh-CN" dirty="0" err="1"/>
+              <a:t>headerText</a:t>
+            </a:r>
+            <a:r>
+              <a:rPr lang="en-US" altLang="zh-CN" dirty="0"/>
+              <a:t>="#{</a:t>
+            </a:r>
+            <a:r>
+              <a:rPr lang="en-US" altLang="zh-CN" dirty="0" err="1">
+                <a:solidFill>
+                  <a:srgbClr val="FF0000"/>
+                </a:solidFill>
+              </a:rPr>
+              <a:t>msg.assetType</a:t>
+            </a:r>
+            <a:r>
+              <a:rPr lang="en-US" altLang="zh-CN" dirty="0"/>
+              <a:t>}" ...&gt;</a:t>
+            </a:r>
+          </a:p>
+          <a:p>
+            <a:pPr marL="226478" lvl="2"/>
+            <a:r>
+              <a:rPr lang="en-US" altLang="zh-CN" dirty="0"/>
+              <a:t>		&lt;</a:t>
+            </a:r>
+            <a:r>
+              <a:rPr lang="en-US" altLang="zh-CN" dirty="0" err="1"/>
+              <a:t>h:outputText</a:t>
+            </a:r>
+            <a:r>
+              <a:rPr lang="en-US" altLang="zh-CN" dirty="0"/>
+              <a:t> value="#{</a:t>
+            </a:r>
+            <a:r>
+              <a:rPr lang="en-US" altLang="zh-CN" dirty="0" err="1">
+                <a:solidFill>
+                  <a:srgbClr val="FF0000"/>
+                </a:solidFill>
+              </a:rPr>
+              <a:t>fieldMsg.fieldValue</a:t>
+            </a:r>
+            <a:r>
+              <a:rPr lang="en-US" altLang="zh-CN" dirty="0">
+                <a:solidFill>
+                  <a:srgbClr val="FF0000"/>
+                </a:solidFill>
+              </a:rPr>
+              <a:t>(‘</a:t>
+            </a:r>
+            <a:r>
+              <a:rPr lang="en-US" altLang="zh-CN" dirty="0" err="1">
+                <a:solidFill>
+                  <a:srgbClr val="FF0000"/>
+                </a:solidFill>
+              </a:rPr>
+              <a:t>assetType</a:t>
+            </a:r>
+            <a:r>
+              <a:rPr lang="en-US" altLang="zh-CN" dirty="0">
+                <a:solidFill>
+                  <a:srgbClr val="FF0000"/>
+                </a:solidFill>
+              </a:rPr>
+              <a:t>', </a:t>
+            </a:r>
+            <a:r>
+              <a:rPr lang="en-US" altLang="zh-CN" dirty="0" err="1">
+                <a:solidFill>
+                  <a:srgbClr val="FF0000"/>
+                </a:solidFill>
+              </a:rPr>
+              <a:t>item.assetTypeId</a:t>
+            </a:r>
+            <a:r>
+              <a:rPr lang="en-US" altLang="zh-CN" dirty="0">
+                <a:solidFill>
+                  <a:srgbClr val="FF0000"/>
+                </a:solidFill>
+              </a:rPr>
+              <a:t>)</a:t>
+            </a:r>
+            <a:r>
+              <a:rPr lang="en-US" altLang="zh-CN" dirty="0"/>
+              <a:t>}"/&gt;</a:t>
+            </a:r>
+          </a:p>
+          <a:p>
+            <a:pPr marL="226478" lvl="2"/>
+            <a:r>
+              <a:rPr lang="en-US" altLang="zh-CN" dirty="0"/>
+              <a:t>	&lt;/</a:t>
+            </a:r>
+            <a:r>
+              <a:rPr lang="en-US" altLang="zh-CN" dirty="0" err="1"/>
+              <a:t>p:column</a:t>
+            </a:r>
+            <a:r>
+              <a:rPr lang="en-US" altLang="zh-CN" dirty="0"/>
+              <a:t>&gt;</a:t>
+            </a:r>
           </a:p>
           <a:p>
             <a:pPr marL="569378" lvl="2" indent="-342900">
@@ -25690,102 +26104,222 @@
               <a:buChar char="Ø"/>
             </a:pPr>
             <a:r>
-              <a:rPr lang="en-US" altLang="zh-CN" sz="2400" dirty="0"/>
-              <a:t>Spring Managed Bean (Service or DAO)</a:t>
-            </a:r>
-          </a:p>
-          <a:p>
-            <a:pPr marL="1026578" lvl="3" indent="-342900">
-              <a:buFont typeface="Arial" panose="020B0604020202020204" pitchFamily="34" charset="0"/>
-              <a:buChar char="•"/>
-            </a:pPr>
-            <a:r>
-              <a:rPr lang="zh-CN" altLang="en-US" sz="2400" dirty="0"/>
-              <a:t>用途</a:t>
-            </a:r>
-            <a:r>
-              <a:rPr lang="en-US" altLang="zh-CN" sz="2400" dirty="0"/>
-              <a:t>: </a:t>
-            </a:r>
-            <a:r>
-              <a:rPr lang="zh-CN" altLang="en-US" sz="2400" dirty="0"/>
-              <a:t> 实现 </a:t>
-            </a:r>
-            <a:r>
-              <a:rPr lang="en-US" altLang="zh-CN" sz="2400" dirty="0" err="1"/>
-              <a:t>buapmness</a:t>
-            </a:r>
-            <a:r>
-              <a:rPr lang="en-US" altLang="zh-CN" sz="2400" dirty="0"/>
-              <a:t> logic, </a:t>
-            </a:r>
-            <a:r>
-              <a:rPr lang="zh-CN" altLang="en-US" sz="2400" dirty="0"/>
-              <a:t>以及数据访问层</a:t>
-            </a:r>
-            <a:r>
-              <a:rPr lang="en-US" altLang="zh-CN" sz="2400" dirty="0"/>
-              <a:t>(DAO-Data Access Object, </a:t>
-            </a:r>
-            <a:r>
-              <a:rPr lang="zh-CN" altLang="en-US" sz="2400" dirty="0"/>
-              <a:t>或者叫</a:t>
-            </a:r>
-            <a:r>
-              <a:rPr lang="en-US" altLang="zh-CN" sz="2400" dirty="0" err="1"/>
-              <a:t>Repoapmtory</a:t>
-            </a:r>
-            <a:r>
-              <a:rPr lang="en-US" altLang="zh-CN" sz="2400" dirty="0"/>
-              <a:t>)</a:t>
-            </a:r>
-          </a:p>
-          <a:p>
-            <a:pPr marL="1026578" lvl="3" indent="-342900">
-              <a:buFont typeface="Arial" panose="020B0604020202020204" pitchFamily="34" charset="0"/>
-              <a:buChar char="•"/>
-            </a:pPr>
-            <a:r>
-              <a:rPr lang="zh-CN" altLang="en-US" sz="2400" dirty="0"/>
-              <a:t>注释 </a:t>
-            </a:r>
-            <a:r>
-              <a:rPr lang="en-US" altLang="zh-CN" sz="2400" dirty="0"/>
-              <a:t>@Component</a:t>
-            </a:r>
-          </a:p>
-          <a:p>
-            <a:pPr marL="1026578" lvl="3" indent="-342900">
-              <a:buFont typeface="Arial" panose="020B0604020202020204" pitchFamily="34" charset="0"/>
-              <a:buChar char="•"/>
-            </a:pPr>
-            <a:r>
-              <a:rPr lang="zh-CN" altLang="en-US" sz="2400" dirty="0"/>
-              <a:t>被 </a:t>
-            </a:r>
-            <a:r>
-              <a:rPr lang="en-US" altLang="zh-CN" sz="2400" dirty="0"/>
-              <a:t>Spring </a:t>
-            </a:r>
-            <a:r>
-              <a:rPr lang="zh-CN" altLang="en-US" sz="2400" dirty="0"/>
-              <a:t>框架管理</a:t>
-            </a:r>
-            <a:endParaRPr lang="en-US" altLang="zh-CN" sz="2400" dirty="0"/>
+              <a:rPr lang="zh-CN" altLang="en-US" dirty="0"/>
+              <a:t>此外，在编辑页面，需要获取某字段的可选列表</a:t>
+            </a:r>
+            <a:r>
+              <a:rPr lang="en-US" altLang="zh-CN" dirty="0"/>
+              <a:t>,</a:t>
+            </a:r>
+            <a:r>
+              <a:rPr lang="zh-CN" altLang="en-US" dirty="0"/>
+              <a:t>用于下拉框输入。比如患者来源（门诊</a:t>
+            </a:r>
+            <a:r>
+              <a:rPr lang="en-US" altLang="zh-CN" dirty="0"/>
+              <a:t>/</a:t>
+            </a:r>
+            <a:r>
+              <a:rPr lang="zh-CN" altLang="en-US" dirty="0"/>
+              <a:t>住院</a:t>
+            </a:r>
+            <a:r>
+              <a:rPr lang="en-US" altLang="zh-CN" dirty="0"/>
+              <a:t>/</a:t>
+            </a:r>
+            <a:r>
+              <a:rPr lang="zh-CN" altLang="en-US" dirty="0"/>
+              <a:t>急诊</a:t>
+            </a:r>
+            <a:r>
+              <a:rPr lang="en-US" altLang="zh-CN" dirty="0"/>
+              <a:t>/</a:t>
+            </a:r>
+            <a:r>
+              <a:rPr lang="zh-CN" altLang="en-US" dirty="0"/>
+              <a:t>体检等）</a:t>
+            </a:r>
+            <a:r>
+              <a:rPr lang="en-US" altLang="zh-CN" dirty="0"/>
+              <a:t>, </a:t>
+            </a:r>
+            <a:r>
+              <a:rPr lang="zh-CN" altLang="en-US" dirty="0"/>
+              <a:t>资产类型等等。</a:t>
+            </a:r>
+          </a:p>
+          <a:p>
+            <a:pPr marL="1140878" lvl="4"/>
+            <a:r>
+              <a:rPr lang="en-US" altLang="zh-CN" dirty="0"/>
+              <a:t>&lt;</a:t>
+            </a:r>
+            <a:r>
+              <a:rPr lang="en-US" altLang="zh-CN" dirty="0" err="1"/>
+              <a:t>p:selectOneMenu</a:t>
+            </a:r>
+            <a:r>
+              <a:rPr lang="en-US" altLang="zh-CN" dirty="0"/>
+              <a:t> .....&gt;</a:t>
+            </a:r>
+          </a:p>
+          <a:p>
+            <a:pPr marL="1140878" lvl="4"/>
+            <a:r>
+              <a:rPr lang="en-US" altLang="zh-CN" dirty="0"/>
+              <a:t>	&lt;</a:t>
+            </a:r>
+            <a:r>
+              <a:rPr lang="en-US" altLang="zh-CN" dirty="0" err="1"/>
+              <a:t>f:selectItem</a:t>
+            </a:r>
+            <a:r>
+              <a:rPr lang="en-US" altLang="zh-CN" dirty="0"/>
+              <a:t> </a:t>
+            </a:r>
+            <a:r>
+              <a:rPr lang="en-US" altLang="zh-CN" dirty="0" err="1"/>
+              <a:t>itemLabel</a:t>
+            </a:r>
+            <a:r>
+              <a:rPr lang="en-US" altLang="zh-CN" dirty="0"/>
+              <a:t>="#{</a:t>
+            </a:r>
+            <a:r>
+              <a:rPr lang="en-US" altLang="zh-CN" dirty="0" err="1"/>
+              <a:t>msg.SelectOneMessage</a:t>
+            </a:r>
+            <a:r>
+              <a:rPr lang="en-US" altLang="zh-CN" dirty="0"/>
+              <a:t>}“/&gt;</a:t>
+            </a:r>
+          </a:p>
+          <a:p>
+            <a:pPr marL="1140878" lvl="4"/>
+            <a:r>
+              <a:rPr lang="en-US" altLang="zh-CN" dirty="0"/>
+              <a:t>	&lt;</a:t>
+            </a:r>
+            <a:r>
+              <a:rPr lang="en-US" altLang="zh-CN" dirty="0" err="1"/>
+              <a:t>f:selectItems</a:t>
+            </a:r>
+            <a:r>
+              <a:rPr lang="en-US" altLang="zh-CN" dirty="0"/>
+              <a:t> value="#{</a:t>
+            </a:r>
+            <a:r>
+              <a:rPr lang="en-US" altLang="zh-CN" dirty="0" err="1">
+                <a:solidFill>
+                  <a:srgbClr val="FF0000"/>
+                </a:solidFill>
+              </a:rPr>
+              <a:t>fieldMsg.FieldValueList</a:t>
+            </a:r>
+            <a:r>
+              <a:rPr lang="en-US" altLang="zh-CN" dirty="0">
+                <a:solidFill>
+                  <a:srgbClr val="FF0000"/>
+                </a:solidFill>
+              </a:rPr>
+              <a:t>(‘</a:t>
+            </a:r>
+            <a:r>
+              <a:rPr lang="en-US" altLang="zh-CN" dirty="0" err="1">
+                <a:solidFill>
+                  <a:srgbClr val="FF0000"/>
+                </a:solidFill>
+              </a:rPr>
+              <a:t>assetType</a:t>
+            </a:r>
+            <a:r>
+              <a:rPr lang="en-US" altLang="zh-CN" dirty="0">
+                <a:solidFill>
+                  <a:srgbClr val="FF0000"/>
+                </a:solidFill>
+              </a:rPr>
+              <a:t>'</a:t>
+            </a:r>
+            <a:r>
+              <a:rPr lang="en-US" altLang="zh-CN" dirty="0"/>
+              <a:t>)}“ </a:t>
+            </a:r>
+            <a:r>
+              <a:rPr lang="en-US" altLang="zh-CN" dirty="0" err="1"/>
+              <a:t>var</a:t>
+            </a:r>
+            <a:r>
+              <a:rPr lang="en-US" altLang="zh-CN" dirty="0"/>
+              <a:t>="item"</a:t>
+            </a:r>
+          </a:p>
+          <a:p>
+            <a:pPr marL="1140878" lvl="4"/>
+            <a:r>
+              <a:rPr lang="en-US" altLang="zh-CN" dirty="0"/>
+              <a:t>		</a:t>
+            </a:r>
+            <a:r>
+              <a:rPr lang="en-US" altLang="zh-CN" dirty="0" err="1"/>
+              <a:t>itemLabel</a:t>
+            </a:r>
+            <a:r>
+              <a:rPr lang="en-US" altLang="zh-CN" dirty="0"/>
+              <a:t>="#{</a:t>
+            </a:r>
+            <a:r>
+              <a:rPr lang="en-US" altLang="zh-CN" dirty="0" err="1"/>
+              <a:t>item.value</a:t>
+            </a:r>
+            <a:r>
+              <a:rPr lang="en-US" altLang="zh-CN" dirty="0"/>
+              <a:t>}“  </a:t>
+            </a:r>
+            <a:r>
+              <a:rPr lang="en-US" altLang="zh-CN" dirty="0" err="1"/>
+              <a:t>itemValue</a:t>
+            </a:r>
+            <a:r>
+              <a:rPr lang="en-US" altLang="zh-CN" dirty="0"/>
+              <a:t>="#{</a:t>
+            </a:r>
+            <a:r>
+              <a:rPr lang="en-US" altLang="zh-CN" dirty="0" err="1"/>
+              <a:t>item.msgKey</a:t>
+            </a:r>
+            <a:r>
+              <a:rPr lang="en-US" altLang="zh-CN" dirty="0"/>
+              <a:t>}"/&gt;</a:t>
+            </a:r>
+          </a:p>
+          <a:p>
+            <a:pPr marL="1140878" lvl="4"/>
+            <a:r>
+              <a:rPr lang="en-US" altLang="zh-CN" dirty="0"/>
+              <a:t>&lt;/</a:t>
+            </a:r>
+            <a:r>
+              <a:rPr lang="en-US" altLang="zh-CN" dirty="0" err="1"/>
+              <a:t>p:selectOneMenu</a:t>
+            </a:r>
+            <a:r>
+              <a:rPr lang="en-US" altLang="zh-CN" dirty="0"/>
+              <a:t>&gt;</a:t>
+            </a:r>
           </a:p>
           <a:p>
             <a:pPr marL="569378" lvl="2" indent="-342900">
               <a:buFont typeface="Wingdings" panose="05000000000000000000" pitchFamily="2" charset="2"/>
               <a:buChar char="Ø"/>
             </a:pPr>
-            <a:endParaRPr lang="en-US" altLang="zh-CN" sz="2400" dirty="0"/>
+            <a:endParaRPr lang="en-US" altLang="zh-CN" dirty="0"/>
           </a:p>
         </p:txBody>
       </p:sp>
     </p:spTree>
     <p:extLst>
       <p:ext uri="{BB962C8B-B14F-4D97-AF65-F5344CB8AC3E}">
-        <p14:creationId xmlns:p14="http://schemas.microsoft.com/office/powerpoint/2010/main" val="634984196"/>
+        <p14:creationId xmlns:p14="http://schemas.microsoft.com/office/powerpoint/2010/main" val="1121341764"/>
       </p:ext>
     </p:extLst>
   </p:cSld>
@@ -25928,6 +26462,468 @@
           <a:p>
             <a:r>
               <a:rPr lang="en-US" sz="2800" dirty="0"/>
+              <a:t>J</a:t>
+            </a:r>
+            <a:r>
+              <a:rPr lang="en-US" altLang="zh-CN" sz="2800" dirty="0"/>
+              <a:t>SF Bean and Spring Bean</a:t>
+            </a:r>
+            <a:endParaRPr lang="en-US" sz="2000" dirty="0">
+              <a:latin typeface="GE汉仪中圆简" panose="02010600000101010101" pitchFamily="2" charset="-122"/>
+              <a:ea typeface="GE汉仪中圆简" panose="02010600000101010101" pitchFamily="2" charset="-122"/>
+            </a:endParaRPr>
+          </a:p>
+        </p:txBody>
+      </p:sp>
+      <p:sp>
+        <p:nvSpPr>
+          <p:cNvPr id="6" name="Rectangle 2"/>
+          <p:cNvSpPr>
+            <a:spLocks noChangeArrowheads="1"/>
+          </p:cNvSpPr>
+          <p:nvPr/>
+        </p:nvSpPr>
+        <p:spPr bwMode="auto">
+          <a:xfrm>
+            <a:off x="1250898" y="1362075"/>
+            <a:ext cx="10591331" cy="4514842"/>
+          </a:xfrm>
+          <a:prstGeom prst="rect">
+            <a:avLst/>
+          </a:prstGeom>
+          <a:noFill/>
+          <a:ln>
+            <a:noFill/>
+          </a:ln>
+          <a:effectLst/>
+          <a:extLst>
+            <a:ext uri="{909E8E84-426E-40DD-AFC4-6F175D3DCCD1}">
+              <a14:hiddenFill xmlns:a14="http://schemas.microsoft.com/office/drawing/2010/main">
+                <a:solidFill>
+                  <a:schemeClr val="accent1"/>
+                </a:solidFill>
+              </a14:hiddenFill>
+            </a:ext>
+            <a:ext uri="{91240B29-F687-4F45-9708-019B960494DF}">
+              <a14:hiddenLine xmlns:a14="http://schemas.microsoft.com/office/drawing/2010/main" w="12700">
+                <a:solidFill>
+                  <a:schemeClr val="tx1"/>
+                </a:solidFill>
+                <a:miter lim="800000"/>
+                <a:headEnd type="none" w="sm" len="sm"/>
+                <a:tailEnd type="none" w="sm" len="sm"/>
+              </a14:hiddenLine>
+            </a:ext>
+            <a:ext uri="{AF507438-7753-43E0-B8FC-AC1667EBCBE1}">
+              <a14:hiddenEffects xmlns:a14="http://schemas.microsoft.com/office/drawing/2010/main">
+                <a:effectLst>
+                  <a:outerShdw dist="35921" dir="2700000" algn="ctr" rotWithShape="0">
+                    <a:schemeClr val="bg2"/>
+                  </a:outerShdw>
+                </a:effectLst>
+              </a14:hiddenEffects>
+            </a:ext>
+          </a:extLst>
+        </p:spPr>
+        <p:txBody>
+          <a:bodyPr wrap="square" lIns="82058" tIns="41029" rIns="82058" bIns="41029">
+            <a:spAutoFit/>
+          </a:bodyPr>
+          <a:lstStyle/>
+          <a:p>
+            <a:pPr marL="342900" indent="-342900">
+              <a:buFont typeface="Arial" panose="020B0604020202020204" pitchFamily="34" charset="0"/>
+              <a:buChar char="•"/>
+            </a:pPr>
+            <a:r>
+              <a:rPr lang="zh-CN" altLang="en-US" sz="2400" dirty="0">
+                <a:solidFill>
+                  <a:schemeClr val="accent1">
+                    <a:lumMod val="75000"/>
+                  </a:schemeClr>
+                </a:solidFill>
+              </a:rPr>
+              <a:t>两类 </a:t>
+            </a:r>
+            <a:r>
+              <a:rPr lang="en-US" altLang="zh-CN" sz="2400" dirty="0">
+                <a:solidFill>
+                  <a:schemeClr val="accent1">
+                    <a:lumMod val="75000"/>
+                  </a:schemeClr>
+                </a:solidFill>
+              </a:rPr>
+              <a:t>Bean</a:t>
+            </a:r>
+            <a:endParaRPr lang="en-US" altLang="zh-CN" sz="2400" dirty="0"/>
+          </a:p>
+          <a:p>
+            <a:pPr marL="569378" lvl="2" indent="-342900">
+              <a:buFont typeface="Wingdings" panose="05000000000000000000" pitchFamily="2" charset="2"/>
+              <a:buChar char="Ø"/>
+            </a:pPr>
+            <a:r>
+              <a:rPr lang="en-US" altLang="zh-CN" sz="2400" dirty="0"/>
+              <a:t>JSF Managed Bean</a:t>
+            </a:r>
+            <a:r>
+              <a:rPr lang="zh-CN" altLang="en-US" sz="2400" dirty="0"/>
+              <a:t>， 或者叫</a:t>
+            </a:r>
+            <a:r>
+              <a:rPr lang="en-US" altLang="zh-CN" sz="2400" dirty="0"/>
+              <a:t>JSF Bean, </a:t>
+            </a:r>
+            <a:r>
+              <a:rPr lang="zh-CN" altLang="en-US" sz="2400" dirty="0"/>
+              <a:t>或</a:t>
+            </a:r>
+            <a:r>
+              <a:rPr lang="en-US" altLang="zh-CN" sz="2400" dirty="0"/>
+              <a:t>View Bean</a:t>
+            </a:r>
+            <a:r>
+              <a:rPr lang="zh-CN" altLang="en-US" sz="2400" dirty="0"/>
+              <a:t>， 或</a:t>
+            </a:r>
+            <a:r>
+              <a:rPr lang="en-US" altLang="zh-CN" sz="2400" dirty="0"/>
+              <a:t>Back Bean</a:t>
+            </a:r>
+          </a:p>
+          <a:p>
+            <a:pPr marL="1026578" lvl="3" indent="-342900">
+              <a:buFont typeface="Arial" panose="020B0604020202020204" pitchFamily="34" charset="0"/>
+              <a:buChar char="•"/>
+            </a:pPr>
+            <a:r>
+              <a:rPr lang="zh-CN" altLang="en-US" sz="2400" dirty="0"/>
+              <a:t>用途</a:t>
+            </a:r>
+            <a:r>
+              <a:rPr lang="en-US" altLang="zh-CN" sz="2400" dirty="0"/>
+              <a:t>: </a:t>
+            </a:r>
+            <a:r>
+              <a:rPr lang="zh-CN" altLang="en-US" sz="2400" dirty="0"/>
+              <a:t> </a:t>
+            </a:r>
+            <a:r>
+              <a:rPr lang="en-US" altLang="zh-CN" sz="2400" dirty="0"/>
+              <a:t>View Controller, </a:t>
+            </a:r>
+            <a:r>
+              <a:rPr lang="zh-CN" altLang="en-US" sz="2400" dirty="0"/>
+              <a:t>被 </a:t>
+            </a:r>
+            <a:r>
+              <a:rPr lang="en-US" altLang="zh-CN" sz="2400" dirty="0" err="1"/>
+              <a:t>xhtml</a:t>
+            </a:r>
+            <a:r>
+              <a:rPr lang="zh-CN" altLang="en-US" sz="2400" dirty="0"/>
+              <a:t>直接调用</a:t>
+            </a:r>
+            <a:endParaRPr lang="en-US" altLang="zh-CN" sz="2400" dirty="0"/>
+          </a:p>
+          <a:p>
+            <a:pPr marL="1026578" lvl="3" indent="-342900">
+              <a:buFont typeface="Arial" panose="020B0604020202020204" pitchFamily="34" charset="0"/>
+              <a:buChar char="•"/>
+            </a:pPr>
+            <a:r>
+              <a:rPr lang="zh-CN" altLang="en-US" sz="2400" dirty="0"/>
+              <a:t>注释 </a:t>
+            </a:r>
+            <a:r>
+              <a:rPr lang="en-US" altLang="zh-CN" sz="2400" dirty="0"/>
+              <a:t>@</a:t>
+            </a:r>
+            <a:r>
+              <a:rPr lang="en-US" altLang="zh-CN" sz="2400" dirty="0" err="1"/>
+              <a:t>ManagedBean</a:t>
+            </a:r>
+            <a:r>
+              <a:rPr lang="zh-CN" altLang="en-US" sz="2400" dirty="0"/>
+              <a:t>，  </a:t>
+            </a:r>
+            <a:r>
+              <a:rPr lang="en-US" altLang="zh-CN" sz="2400" dirty="0"/>
+              <a:t>@</a:t>
+            </a:r>
+            <a:r>
+              <a:rPr lang="en-US" altLang="zh-CN" sz="2400" dirty="0" err="1"/>
+              <a:t>ViewScoped</a:t>
+            </a:r>
+            <a:endParaRPr lang="en-US" altLang="zh-CN" sz="2400" dirty="0"/>
+          </a:p>
+          <a:p>
+            <a:pPr marL="1026578" lvl="3" indent="-342900">
+              <a:buFont typeface="Arial" panose="020B0604020202020204" pitchFamily="34" charset="0"/>
+              <a:buChar char="•"/>
+            </a:pPr>
+            <a:r>
+              <a:rPr lang="zh-CN" altLang="en-US" sz="2400" dirty="0"/>
+              <a:t>被</a:t>
+            </a:r>
+            <a:r>
+              <a:rPr lang="en-US" altLang="zh-CN" sz="2400" dirty="0"/>
+              <a:t>JSF</a:t>
+            </a:r>
+            <a:r>
+              <a:rPr lang="zh-CN" altLang="en-US" sz="2400" dirty="0"/>
+              <a:t>框架管理</a:t>
+            </a:r>
+            <a:endParaRPr lang="en-US" altLang="zh-CN" sz="2400" dirty="0"/>
+          </a:p>
+          <a:p>
+            <a:pPr marL="569378" lvl="2" indent="-342900">
+              <a:buFont typeface="Wingdings" panose="05000000000000000000" pitchFamily="2" charset="2"/>
+              <a:buChar char="Ø"/>
+            </a:pPr>
+            <a:endParaRPr lang="en-US" altLang="zh-CN" sz="2400" dirty="0"/>
+          </a:p>
+          <a:p>
+            <a:pPr marL="569378" lvl="2" indent="-342900">
+              <a:buFont typeface="Wingdings" panose="05000000000000000000" pitchFamily="2" charset="2"/>
+              <a:buChar char="Ø"/>
+            </a:pPr>
+            <a:r>
+              <a:rPr lang="en-US" altLang="zh-CN" sz="2400" dirty="0"/>
+              <a:t>Spring Managed Bean (Service or DAO)</a:t>
+            </a:r>
+          </a:p>
+          <a:p>
+            <a:pPr marL="1026578" lvl="3" indent="-342900">
+              <a:buFont typeface="Arial" panose="020B0604020202020204" pitchFamily="34" charset="0"/>
+              <a:buChar char="•"/>
+            </a:pPr>
+            <a:r>
+              <a:rPr lang="zh-CN" altLang="en-US" sz="2400" dirty="0"/>
+              <a:t>用途</a:t>
+            </a:r>
+            <a:r>
+              <a:rPr lang="en-US" altLang="zh-CN" sz="2400" dirty="0"/>
+              <a:t>: </a:t>
+            </a:r>
+            <a:r>
+              <a:rPr lang="zh-CN" altLang="en-US" sz="2400" dirty="0"/>
+              <a:t> 实现 </a:t>
+            </a:r>
+            <a:r>
+              <a:rPr lang="en-US" altLang="zh-CN" sz="2400" dirty="0"/>
+              <a:t>business logic, </a:t>
+            </a:r>
+            <a:r>
+              <a:rPr lang="zh-CN" altLang="en-US" sz="2400" dirty="0"/>
+              <a:t>以及数据访问层</a:t>
+            </a:r>
+            <a:r>
+              <a:rPr lang="en-US" altLang="zh-CN" sz="2400" dirty="0"/>
+              <a:t>(DAO-Data Access Object, </a:t>
+            </a:r>
+            <a:r>
+              <a:rPr lang="zh-CN" altLang="en-US" sz="2400" dirty="0"/>
+              <a:t>或者叫</a:t>
+            </a:r>
+            <a:r>
+              <a:rPr lang="en-US" altLang="zh-CN" sz="2400" dirty="0"/>
+              <a:t>Repository)</a:t>
+            </a:r>
+          </a:p>
+          <a:p>
+            <a:pPr marL="1026578" lvl="3" indent="-342900">
+              <a:buFont typeface="Arial" panose="020B0604020202020204" pitchFamily="34" charset="0"/>
+              <a:buChar char="•"/>
+            </a:pPr>
+            <a:r>
+              <a:rPr lang="zh-CN" altLang="en-US" sz="2400" dirty="0"/>
+              <a:t>标注 </a:t>
+            </a:r>
+            <a:r>
+              <a:rPr lang="en-US" altLang="zh-CN" sz="2400" dirty="0"/>
+              <a:t>@Component, @Repository, @Service, @Controller </a:t>
+            </a:r>
+            <a:r>
+              <a:rPr lang="zh-CN" altLang="en-US" sz="2400" dirty="0"/>
+              <a:t>等</a:t>
+            </a:r>
+            <a:endParaRPr lang="en-US" altLang="zh-CN" sz="2400" dirty="0"/>
+          </a:p>
+          <a:p>
+            <a:pPr marL="1026578" lvl="3" indent="-342900">
+              <a:buFont typeface="Arial" panose="020B0604020202020204" pitchFamily="34" charset="0"/>
+              <a:buChar char="•"/>
+            </a:pPr>
+            <a:r>
+              <a:rPr lang="zh-CN" altLang="en-US" sz="2400" dirty="0"/>
+              <a:t>被 </a:t>
+            </a:r>
+            <a:r>
+              <a:rPr lang="en-US" altLang="zh-CN" sz="2400" dirty="0"/>
+              <a:t>Spring </a:t>
+            </a:r>
+            <a:r>
+              <a:rPr lang="zh-CN" altLang="en-US" sz="2400" dirty="0"/>
+              <a:t>框架管理</a:t>
+            </a:r>
+            <a:endParaRPr lang="en-US" altLang="zh-CN" sz="2400" dirty="0"/>
+          </a:p>
+          <a:p>
+            <a:pPr marL="569378" lvl="2" indent="-342900">
+              <a:buFont typeface="Wingdings" panose="05000000000000000000" pitchFamily="2" charset="2"/>
+              <a:buChar char="Ø"/>
+            </a:pPr>
+            <a:endParaRPr lang="en-US" altLang="zh-CN" sz="2400" dirty="0"/>
+          </a:p>
+        </p:txBody>
+      </p:sp>
+    </p:spTree>
+    <p:extLst>
+      <p:ext uri="{BB962C8B-B14F-4D97-AF65-F5344CB8AC3E}">
+        <p14:creationId xmlns:p14="http://schemas.microsoft.com/office/powerpoint/2010/main" val="634984196"/>
+      </p:ext>
+    </p:extLst>
+  </p:cSld>
+  <p:clrMapOvr>
+    <a:masterClrMapping/>
+  </p:clrMapOvr>
+</p:sld>
+</file>
+
+<file path=ppt/slides/slide23.xml><?xml version="1.0" encoding="utf-8"?>
+<p:sld xmlns:a="http://schemas.openxmlformats.org/drawingml/2006/main" xmlns:r="http://schemas.openxmlformats.org/officeDocument/2006/relationships" xmlns:p="http://schemas.openxmlformats.org/presentationml/2006/main">
+  <p:cSld>
+    <p:spTree>
+      <p:nvGrpSpPr>
+        <p:cNvPr id="1" name=""/>
+        <p:cNvGrpSpPr/>
+        <p:nvPr/>
+      </p:nvGrpSpPr>
+      <p:grpSpPr>
+        <a:xfrm>
+          <a:off x="0" y="0"/>
+          <a:ext cx="0" cy="0"/>
+          <a:chOff x="0" y="0"/>
+          <a:chExt cx="0" cy="0"/>
+        </a:xfrm>
+      </p:grpSpPr>
+      <p:sp>
+        <p:nvSpPr>
+          <p:cNvPr id="5" name="矩形 4"/>
+          <p:cNvSpPr/>
+          <p:nvPr/>
+        </p:nvSpPr>
+        <p:spPr>
+          <a:xfrm>
+            <a:off x="-9839" y="915023"/>
+            <a:ext cx="12198664" cy="111210"/>
+          </a:xfrm>
+          <a:prstGeom prst="rect">
+            <a:avLst/>
+          </a:prstGeom>
+          <a:solidFill>
+            <a:srgbClr val="00B0F0"/>
+          </a:solidFill>
+          <a:ln>
+            <a:noFill/>
+          </a:ln>
+        </p:spPr>
+        <p:style>
+          <a:lnRef idx="2">
+            <a:schemeClr val="accent1">
+              <a:shade val="50000"/>
+            </a:schemeClr>
+          </a:lnRef>
+          <a:fillRef idx="1">
+            <a:schemeClr val="accent1"/>
+          </a:fillRef>
+          <a:effectRef idx="0">
+            <a:schemeClr val="accent1"/>
+          </a:effectRef>
+          <a:fontRef idx="minor">
+            <a:schemeClr val="lt1"/>
+          </a:fontRef>
+        </p:style>
+        <p:txBody>
+          <a:bodyPr rtlCol="0" anchor="ctr"/>
+          <a:lstStyle/>
+          <a:p>
+            <a:pPr algn="ctr"/>
+            <a:endParaRPr lang="zh-CN" altLang="en-US"/>
+          </a:p>
+        </p:txBody>
+      </p:sp>
+      <p:sp>
+        <p:nvSpPr>
+          <p:cNvPr id="2" name="矩形 1"/>
+          <p:cNvSpPr/>
+          <p:nvPr/>
+        </p:nvSpPr>
+        <p:spPr>
+          <a:xfrm>
+            <a:off x="481293" y="425105"/>
+            <a:ext cx="107577" cy="107577"/>
+          </a:xfrm>
+          <a:prstGeom prst="rect">
+            <a:avLst/>
+          </a:prstGeom>
+          <a:solidFill>
+            <a:srgbClr val="00B050"/>
+          </a:solidFill>
+          <a:ln>
+            <a:noFill/>
+          </a:ln>
+        </p:spPr>
+        <p:style>
+          <a:lnRef idx="2">
+            <a:schemeClr val="accent1">
+              <a:shade val="50000"/>
+            </a:schemeClr>
+          </a:lnRef>
+          <a:fillRef idx="1">
+            <a:schemeClr val="accent1"/>
+          </a:fillRef>
+          <a:effectRef idx="0">
+            <a:schemeClr val="accent1"/>
+          </a:effectRef>
+          <a:fontRef idx="minor">
+            <a:schemeClr val="lt1"/>
+          </a:fontRef>
+        </p:style>
+        <p:txBody>
+          <a:bodyPr rtlCol="0" anchor="ctr"/>
+          <a:lstStyle/>
+          <a:p>
+            <a:pPr algn="ctr"/>
+            <a:endParaRPr lang="zh-CN" altLang="en-US"/>
+          </a:p>
+        </p:txBody>
+      </p:sp>
+      <p:sp>
+        <p:nvSpPr>
+          <p:cNvPr id="7" name="TextBox 6"/>
+          <p:cNvSpPr txBox="1"/>
+          <p:nvPr/>
+        </p:nvSpPr>
+        <p:spPr>
+          <a:xfrm>
+            <a:off x="833472" y="263449"/>
+            <a:ext cx="8380865" cy="430887"/>
+          </a:xfrm>
+          <a:prstGeom prst="rect">
+            <a:avLst/>
+          </a:prstGeom>
+          <a:noFill/>
+        </p:spPr>
+        <p:txBody>
+          <a:bodyPr wrap="square" lIns="0" tIns="0" rIns="0" bIns="0" rtlCol="0">
+            <a:spAutoFit/>
+          </a:bodyPr>
+          <a:lstStyle/>
+          <a:p>
+            <a:r>
+              <a:rPr lang="en-US" sz="2800" dirty="0"/>
               <a:t>JSF Bean and Spring Bean</a:t>
             </a:r>
             <a:endParaRPr lang="en-US" sz="2000" dirty="0">
@@ -26319,7 +27315,7 @@
             </a:r>
             <a:r>
               <a:rPr lang="en-US" altLang="zh-CN" sz="2000" dirty="0" err="1"/>
-              <a:t>UserRepoapmtory.class</a:t>
+              <a:t>UserRepository.class</a:t>
             </a:r>
             <a:r>
               <a:rPr lang="en-US" altLang="zh-CN" sz="2000" dirty="0"/>
@@ -27234,7 +28230,7 @@
 </p:sld>
 </file>
 
-<file path=ppt/slides/slide23.xml><?xml version="1.0" encoding="utf-8"?>
+<file path=ppt/slides/slide24.xml><?xml version="1.0" encoding="utf-8"?>
 <p:sld xmlns:a="http://schemas.openxmlformats.org/drawingml/2006/main" xmlns:r="http://schemas.openxmlformats.org/officeDocument/2006/relationships" xmlns:p="http://schemas.openxmlformats.org/presentationml/2006/main">
   <p:cSld>
     <p:spTree>
@@ -27367,7 +28363,11 @@
           <a:p>
             <a:r>
               <a:rPr lang="en-US" sz="2800" dirty="0"/>
-              <a:t>Security and Access Control</a:t>
+              <a:t>J</a:t>
+            </a:r>
+            <a:r>
+              <a:rPr lang="en-US" altLang="zh-CN" sz="2800" dirty="0"/>
+              <a:t>SF Bean and Spring Bean</a:t>
             </a:r>
             <a:endParaRPr lang="en-US" sz="2000" dirty="0">
               <a:latin typeface="GE汉仪中圆简" panose="02010600000101010101" pitchFamily="2" charset="-122"/>
@@ -27386,8 +28386,8 @@
         </p:nvSpPr>
         <p:spPr bwMode="auto">
           <a:xfrm>
-            <a:off x="1250899" y="1362075"/>
-            <a:ext cx="9961052" cy="5191950"/>
+            <a:off x="1250898" y="1362075"/>
+            <a:ext cx="10591331" cy="3591512"/>
           </a:xfrm>
           <a:prstGeom prst="rect">
             <a:avLst/>
@@ -27432,575 +28432,237 @@
           </a:bodyPr>
           <a:lstStyle/>
           <a:p>
-            <a:pPr defTabSz="820738">
-              <a:buFont typeface="Wingdings" pitchFamily="2" charset="2"/>
-              <a:buChar char="ü"/>
-            </a:pPr>
-            <a:r>
-              <a:rPr lang="zh-CN" altLang="en-US" sz="2000" b="1" dirty="0">
-                <a:latin typeface="微软雅黑" panose="020B0503020204020204" pitchFamily="34" charset="-122"/>
-                <a:ea typeface="微软雅黑" panose="020B0503020204020204" pitchFamily="34" charset="-122"/>
-              </a:rPr>
-              <a:t>使用</a:t>
-            </a:r>
-            <a:r>
-              <a:rPr lang="en-US" altLang="zh-CN" sz="2000" b="1" dirty="0">
-                <a:latin typeface="微软雅黑" panose="020B0503020204020204" pitchFamily="34" charset="-122"/>
-                <a:ea typeface="微软雅黑" panose="020B0503020204020204" pitchFamily="34" charset="-122"/>
-              </a:rPr>
-              <a:t>RBAC(role based access control)</a:t>
-            </a:r>
-            <a:endParaRPr lang="en-US" altLang="zh-CN" sz="1600" b="1" dirty="0">
-              <a:latin typeface="微软雅黑" panose="020B0503020204020204" pitchFamily="34" charset="-122"/>
-              <a:ea typeface="微软雅黑" panose="020B0503020204020204" pitchFamily="34" charset="-122"/>
-            </a:endParaRPr>
-          </a:p>
-          <a:p>
-            <a:pPr marL="800100" lvl="1" indent="-342900" defTabSz="820738">
+            <a:pPr marL="342900" indent="-342900">
               <a:buFont typeface="Arial" panose="020B0604020202020204" pitchFamily="34" charset="0"/>
               <a:buChar char="•"/>
             </a:pPr>
             <a:r>
-              <a:rPr lang="en-US" altLang="zh-CN" sz="2000" b="1" dirty="0">
-                <a:latin typeface="微软雅黑" panose="020B0503020204020204" pitchFamily="34" charset="-122"/>
-                <a:ea typeface="微软雅黑" panose="020B0503020204020204" pitchFamily="34" charset="-122"/>
-              </a:rPr>
-              <a:t>URL</a:t>
-            </a:r>
-            <a:r>
-              <a:rPr lang="zh-CN" altLang="en-US" sz="2000" b="1" dirty="0">
-                <a:latin typeface="微软雅黑" panose="020B0503020204020204" pitchFamily="34" charset="-122"/>
-                <a:ea typeface="微软雅黑" panose="020B0503020204020204" pitchFamily="34" charset="-122"/>
-              </a:rPr>
-              <a:t>访问权限控制</a:t>
-            </a:r>
-            <a:endParaRPr lang="en-US" altLang="zh-CN" sz="2000" b="1" dirty="0">
-              <a:latin typeface="微软雅黑" panose="020B0503020204020204" pitchFamily="34" charset="-122"/>
-              <a:ea typeface="微软雅黑" panose="020B0503020204020204" pitchFamily="34" charset="-122"/>
-            </a:endParaRPr>
-          </a:p>
-          <a:p>
-            <a:pPr lvl="2" defTabSz="820738"/>
-            <a:r>
-              <a:rPr lang="zh-CN" altLang="en-US" dirty="0">
-                <a:latin typeface="微软雅黑" panose="020B0503020204020204" pitchFamily="34" charset="-122"/>
-                <a:ea typeface="微软雅黑" panose="020B0503020204020204" pitchFamily="34" charset="-122"/>
+              <a:rPr lang="zh-CN" altLang="en-US" sz="2400" dirty="0">
+                <a:solidFill>
+                  <a:schemeClr val="accent1">
+                    <a:lumMod val="75000"/>
+                  </a:schemeClr>
+                </a:solidFill>
               </a:rPr>
               <a:t>在</a:t>
             </a:r>
             <a:r>
-              <a:rPr lang="en-US" altLang="zh-CN" dirty="0">
-                <a:latin typeface="微软雅黑" panose="020B0503020204020204" pitchFamily="34" charset="-122"/>
-                <a:ea typeface="微软雅黑" panose="020B0503020204020204" pitchFamily="34" charset="-122"/>
-              </a:rPr>
-              <a:t>spring security</a:t>
-            </a:r>
-            <a:r>
-              <a:rPr lang="zh-CN" altLang="en-US" dirty="0">
-                <a:latin typeface="微软雅黑" panose="020B0503020204020204" pitchFamily="34" charset="-122"/>
-                <a:ea typeface="微软雅黑" panose="020B0503020204020204" pitchFamily="34" charset="-122"/>
-              </a:rPr>
-              <a:t>配置中</a:t>
-            </a:r>
-            <a:r>
-              <a:rPr lang="en-US" altLang="zh-CN" dirty="0">
-                <a:latin typeface="微软雅黑" panose="020B0503020204020204" pitchFamily="34" charset="-122"/>
-                <a:ea typeface="微软雅黑" panose="020B0503020204020204" pitchFamily="34" charset="-122"/>
-              </a:rPr>
-              <a:t>(applicationContext-security-http.xml)</a:t>
-            </a:r>
-            <a:r>
-              <a:rPr lang="zh-CN" altLang="en-US" dirty="0">
-                <a:latin typeface="微软雅黑" panose="020B0503020204020204" pitchFamily="34" charset="-122"/>
-                <a:ea typeface="微软雅黑" panose="020B0503020204020204" pitchFamily="34" charset="-122"/>
-              </a:rPr>
-              <a:t>，限定</a:t>
-            </a:r>
-            <a:r>
-              <a:rPr lang="en-US" altLang="zh-CN" dirty="0">
-                <a:latin typeface="微软雅黑" panose="020B0503020204020204" pitchFamily="34" charset="-122"/>
-                <a:ea typeface="微软雅黑" panose="020B0503020204020204" pitchFamily="34" charset="-122"/>
-              </a:rPr>
-              <a:t> URL </a:t>
-            </a:r>
-            <a:r>
-              <a:rPr lang="zh-CN" altLang="en-US" dirty="0">
-                <a:latin typeface="微软雅黑" panose="020B0503020204020204" pitchFamily="34" charset="-122"/>
-                <a:ea typeface="微软雅黑" panose="020B0503020204020204" pitchFamily="34" charset="-122"/>
-              </a:rPr>
-              <a:t>的访问权限，例如</a:t>
-            </a:r>
-            <a:r>
-              <a:rPr lang="en-US" altLang="zh-CN" dirty="0">
-                <a:latin typeface="微软雅黑" panose="020B0503020204020204" pitchFamily="34" charset="-122"/>
-                <a:ea typeface="微软雅黑" panose="020B0503020204020204" pitchFamily="34" charset="-122"/>
-              </a:rPr>
-              <a:t>:</a:t>
-            </a:r>
-          </a:p>
-          <a:p>
-            <a:pPr lvl="2" defTabSz="820738"/>
-            <a:r>
-              <a:rPr lang="en-US" altLang="zh-CN" dirty="0">
-                <a:latin typeface="微软雅黑" panose="020B0503020204020204" pitchFamily="34" charset="-122"/>
-                <a:ea typeface="微软雅黑" panose="020B0503020204020204" pitchFamily="34" charset="-122"/>
-              </a:rPr>
-              <a:t>&lt;intercept-</a:t>
-            </a:r>
-            <a:r>
-              <a:rPr lang="en-US" altLang="zh-CN" dirty="0" err="1">
-                <a:latin typeface="微软雅黑" panose="020B0503020204020204" pitchFamily="34" charset="-122"/>
-                <a:ea typeface="微软雅黑" panose="020B0503020204020204" pitchFamily="34" charset="-122"/>
-              </a:rPr>
-              <a:t>url</a:t>
-            </a:r>
-            <a:r>
-              <a:rPr lang="en-US" altLang="zh-CN" dirty="0">
-                <a:latin typeface="微软雅黑" panose="020B0503020204020204" pitchFamily="34" charset="-122"/>
-                <a:ea typeface="微软雅黑" panose="020B0503020204020204" pitchFamily="34" charset="-122"/>
-              </a:rPr>
-              <a:t> pattern="/</a:t>
-            </a:r>
-            <a:r>
-              <a:rPr lang="en-US" altLang="zh-CN" dirty="0" err="1">
-                <a:latin typeface="微软雅黑" panose="020B0503020204020204" pitchFamily="34" charset="-122"/>
-                <a:ea typeface="微软雅黑" panose="020B0503020204020204" pitchFamily="34" charset="-122"/>
-              </a:rPr>
-              <a:t>home.xhtml</a:t>
-            </a:r>
-            <a:r>
-              <a:rPr lang="en-US" altLang="zh-CN" dirty="0">
-                <a:latin typeface="微软雅黑" panose="020B0503020204020204" pitchFamily="34" charset="-122"/>
-                <a:ea typeface="微软雅黑" panose="020B0503020204020204" pitchFamily="34" charset="-122"/>
-              </a:rPr>
-              <a:t>" access="</a:t>
-            </a:r>
-            <a:r>
-              <a:rPr lang="en-US" altLang="zh-CN" dirty="0" err="1">
-                <a:latin typeface="微软雅黑" panose="020B0503020204020204" pitchFamily="34" charset="-122"/>
-                <a:ea typeface="微软雅黑" panose="020B0503020204020204" pitchFamily="34" charset="-122"/>
-              </a:rPr>
-              <a:t>isAuthenticated</a:t>
-            </a:r>
-            <a:r>
-              <a:rPr lang="en-US" altLang="zh-CN" dirty="0">
-                <a:latin typeface="微软雅黑" panose="020B0503020204020204" pitchFamily="34" charset="-122"/>
-                <a:ea typeface="微软雅黑" panose="020B0503020204020204" pitchFamily="34" charset="-122"/>
-              </a:rPr>
-              <a:t>()"/&gt;</a:t>
-            </a:r>
-          </a:p>
-          <a:p>
-            <a:pPr lvl="2" defTabSz="820738"/>
-            <a:r>
-              <a:rPr lang="en-US" altLang="zh-CN" dirty="0">
-                <a:latin typeface="微软雅黑" panose="020B0503020204020204" pitchFamily="34" charset="-122"/>
-                <a:ea typeface="微软雅黑" panose="020B0503020204020204" pitchFamily="34" charset="-122"/>
-              </a:rPr>
-              <a:t>&lt;intercept-</a:t>
-            </a:r>
-            <a:r>
-              <a:rPr lang="en-US" altLang="zh-CN" dirty="0" err="1">
-                <a:latin typeface="微软雅黑" panose="020B0503020204020204" pitchFamily="34" charset="-122"/>
-                <a:ea typeface="微软雅黑" panose="020B0503020204020204" pitchFamily="34" charset="-122"/>
-              </a:rPr>
-              <a:t>url</a:t>
-            </a:r>
-            <a:r>
-              <a:rPr lang="en-US" altLang="zh-CN" dirty="0">
-                <a:latin typeface="微软雅黑" panose="020B0503020204020204" pitchFamily="34" charset="-122"/>
-                <a:ea typeface="微软雅黑" panose="020B0503020204020204" pitchFamily="34" charset="-122"/>
-              </a:rPr>
-              <a:t> pattern="/portal/**" access="</a:t>
-            </a:r>
-            <a:r>
-              <a:rPr lang="en-US" altLang="zh-CN" dirty="0" err="1">
-                <a:latin typeface="微软雅黑" panose="020B0503020204020204" pitchFamily="34" charset="-122"/>
-                <a:ea typeface="微软雅黑" panose="020B0503020204020204" pitchFamily="34" charset="-122"/>
-              </a:rPr>
-              <a:t>isAuthenticated</a:t>
-            </a:r>
-            <a:r>
-              <a:rPr lang="en-US" altLang="zh-CN" dirty="0">
-                <a:latin typeface="微软雅黑" panose="020B0503020204020204" pitchFamily="34" charset="-122"/>
-                <a:ea typeface="微软雅黑" panose="020B0503020204020204" pitchFamily="34" charset="-122"/>
-              </a:rPr>
-              <a:t>()" /&gt;</a:t>
-            </a:r>
-          </a:p>
-          <a:p>
-            <a:pPr lvl="2" defTabSz="820738"/>
-            <a:r>
-              <a:rPr lang="en-US" altLang="zh-CN" dirty="0">
-                <a:latin typeface="微软雅黑" panose="020B0503020204020204" pitchFamily="34" charset="-122"/>
-                <a:ea typeface="微软雅黑" panose="020B0503020204020204" pitchFamily="34" charset="-122"/>
-              </a:rPr>
-              <a:t>&lt;intercept-</a:t>
-            </a:r>
-            <a:r>
-              <a:rPr lang="en-US" altLang="zh-CN" dirty="0" err="1">
-                <a:latin typeface="微软雅黑" panose="020B0503020204020204" pitchFamily="34" charset="-122"/>
-                <a:ea typeface="微软雅黑" panose="020B0503020204020204" pitchFamily="34" charset="-122"/>
-              </a:rPr>
-              <a:t>url</a:t>
-            </a:r>
-            <a:r>
-              <a:rPr lang="en-US" altLang="zh-CN" dirty="0">
-                <a:latin typeface="微软雅黑" panose="020B0503020204020204" pitchFamily="34" charset="-122"/>
-                <a:ea typeface="微软雅黑" panose="020B0503020204020204" pitchFamily="34" charset="-122"/>
-              </a:rPr>
-              <a:t> pattern="/admin/**" access="</a:t>
-            </a:r>
-            <a:r>
-              <a:rPr lang="en-US" altLang="zh-CN" dirty="0" err="1">
-                <a:latin typeface="微软雅黑" panose="020B0503020204020204" pitchFamily="34" charset="-122"/>
-                <a:ea typeface="微软雅黑" panose="020B0503020204020204" pitchFamily="34" charset="-122"/>
-              </a:rPr>
-              <a:t>hasRole</a:t>
-            </a:r>
-            <a:r>
-              <a:rPr lang="en-US" altLang="zh-CN" dirty="0">
-                <a:latin typeface="微软雅黑" panose="020B0503020204020204" pitchFamily="34" charset="-122"/>
-                <a:ea typeface="微软雅黑" panose="020B0503020204020204" pitchFamily="34" charset="-122"/>
-              </a:rPr>
-              <a:t>('ADMIN') OR </a:t>
-            </a:r>
-            <a:r>
-              <a:rPr lang="en-US" altLang="zh-CN" dirty="0" err="1">
-                <a:latin typeface="微软雅黑" panose="020B0503020204020204" pitchFamily="34" charset="-122"/>
-                <a:ea typeface="微软雅黑" panose="020B0503020204020204" pitchFamily="34" charset="-122"/>
-              </a:rPr>
-              <a:t>hasRole</a:t>
-            </a:r>
-            <a:r>
-              <a:rPr lang="en-US" altLang="zh-CN" dirty="0">
-                <a:latin typeface="微软雅黑" panose="020B0503020204020204" pitchFamily="34" charset="-122"/>
-                <a:ea typeface="微软雅黑" panose="020B0503020204020204" pitchFamily="34" charset="-122"/>
-              </a:rPr>
-              <a:t>(‘</a:t>
-            </a:r>
-            <a:r>
-              <a:rPr lang="en-US" altLang="zh-CN" dirty="0" err="1">
-                <a:latin typeface="微软雅黑" panose="020B0503020204020204" pitchFamily="34" charset="-122"/>
-                <a:ea typeface="微软雅黑" panose="020B0503020204020204" pitchFamily="34" charset="-122"/>
-              </a:rPr>
-              <a:t>SiteAdmin</a:t>
-            </a:r>
-            <a:r>
-              <a:rPr lang="en-US" altLang="zh-CN" dirty="0">
-                <a:latin typeface="微软雅黑" panose="020B0503020204020204" pitchFamily="34" charset="-122"/>
-                <a:ea typeface="微软雅黑" panose="020B0503020204020204" pitchFamily="34" charset="-122"/>
-              </a:rPr>
-              <a:t>')" /&gt;</a:t>
-            </a:r>
-          </a:p>
-          <a:p>
-            <a:pPr marL="800100" lvl="1" indent="-342900" defTabSz="820738">
-              <a:buFont typeface="Arial" panose="020B0604020202020204" pitchFamily="34" charset="0"/>
-              <a:buChar char="•"/>
+              <a:rPr lang="en-US" altLang="zh-CN" sz="2400" dirty="0">
+                <a:solidFill>
+                  <a:schemeClr val="accent1">
+                    <a:lumMod val="75000"/>
+                  </a:schemeClr>
+                </a:solidFill>
+              </a:rPr>
+              <a:t>Spring Bean</a:t>
+            </a:r>
+            <a:r>
+              <a:rPr lang="zh-CN" altLang="en-US" sz="2400" dirty="0">
+                <a:solidFill>
+                  <a:schemeClr val="accent1">
+                    <a:lumMod val="75000"/>
+                  </a:schemeClr>
+                </a:solidFill>
+              </a:rPr>
+              <a:t>中使用其他</a:t>
+            </a:r>
+            <a:r>
+              <a:rPr lang="en-US" altLang="zh-CN" sz="2400" dirty="0">
+                <a:solidFill>
+                  <a:schemeClr val="accent1">
+                    <a:lumMod val="75000"/>
+                  </a:schemeClr>
+                </a:solidFill>
+              </a:rPr>
+              <a:t>Spring Bean</a:t>
+            </a:r>
+            <a:endParaRPr lang="en-US" altLang="zh-CN" sz="2400" dirty="0"/>
+          </a:p>
+          <a:p>
+            <a:pPr marL="569378" lvl="2" indent="-342900">
+              <a:buFont typeface="Wingdings" panose="05000000000000000000" pitchFamily="2" charset="2"/>
+              <a:buChar char="Ø"/>
             </a:pPr>
             <a:r>
-              <a:rPr lang="en-US" altLang="zh-CN" sz="2000" b="1" dirty="0">
-                <a:latin typeface="微软雅黑" panose="020B0503020204020204" pitchFamily="34" charset="-122"/>
-                <a:ea typeface="微软雅黑" panose="020B0503020204020204" pitchFamily="34" charset="-122"/>
-              </a:rPr>
-              <a:t>View</a:t>
-            </a:r>
-            <a:r>
-              <a:rPr lang="zh-CN" altLang="en-US" sz="2000" b="1" dirty="0">
-                <a:latin typeface="微软雅黑" panose="020B0503020204020204" pitchFamily="34" charset="-122"/>
-                <a:ea typeface="微软雅黑" panose="020B0503020204020204" pitchFamily="34" charset="-122"/>
-              </a:rPr>
-              <a:t>页面内功能权限控制</a:t>
-            </a:r>
-            <a:endParaRPr lang="en-US" altLang="zh-CN" sz="2000" b="1" dirty="0">
-              <a:latin typeface="微软雅黑" panose="020B0503020204020204" pitchFamily="34" charset="-122"/>
-              <a:ea typeface="微软雅黑" panose="020B0503020204020204" pitchFamily="34" charset="-122"/>
-            </a:endParaRPr>
-          </a:p>
-          <a:p>
-            <a:pPr lvl="2" defTabSz="820738"/>
-            <a:r>
-              <a:rPr lang="zh-CN" altLang="en-US" dirty="0">
-                <a:latin typeface="微软雅黑" panose="020B0503020204020204" pitchFamily="34" charset="-122"/>
-                <a:ea typeface="微软雅黑" panose="020B0503020204020204" pitchFamily="34" charset="-122"/>
-              </a:rPr>
-              <a:t>页面内的功能访问控制可以使用</a:t>
-            </a:r>
-            <a:r>
-              <a:rPr lang="en-US" altLang="zh-CN" dirty="0">
-                <a:latin typeface="微软雅黑" panose="020B0503020204020204" pitchFamily="34" charset="-122"/>
-                <a:ea typeface="微软雅黑" panose="020B0503020204020204" pitchFamily="34" charset="-122"/>
-              </a:rPr>
-              <a:t> UI </a:t>
-            </a:r>
-            <a:r>
-              <a:rPr lang="zh-CN" altLang="en-US" dirty="0">
-                <a:latin typeface="微软雅黑" panose="020B0503020204020204" pitchFamily="34" charset="-122"/>
-                <a:ea typeface="微软雅黑" panose="020B0503020204020204" pitchFamily="34" charset="-122"/>
-              </a:rPr>
-              <a:t>组件的</a:t>
-            </a:r>
-            <a:endParaRPr lang="en-US" altLang="zh-CN" dirty="0">
-              <a:latin typeface="微软雅黑" panose="020B0503020204020204" pitchFamily="34" charset="-122"/>
-              <a:ea typeface="微软雅黑" panose="020B0503020204020204" pitchFamily="34" charset="-122"/>
-            </a:endParaRPr>
-          </a:p>
-          <a:p>
-            <a:pPr lvl="2" defTabSz="820738"/>
-            <a:r>
-              <a:rPr lang="en-US" altLang="zh-CN" dirty="0">
-                <a:latin typeface="微软雅黑" panose="020B0503020204020204" pitchFamily="34" charset="-122"/>
-                <a:ea typeface="微软雅黑" panose="020B0503020204020204" pitchFamily="34" charset="-122"/>
-              </a:rPr>
-              <a:t>rendered=“#{</a:t>
-            </a:r>
-            <a:r>
-              <a:rPr lang="en-US" altLang="zh-CN" dirty="0" err="1">
-                <a:latin typeface="微软雅黑" panose="020B0503020204020204" pitchFamily="34" charset="-122"/>
-                <a:ea typeface="微软雅黑" panose="020B0503020204020204" pitchFamily="34" charset="-122"/>
-              </a:rPr>
-              <a:t>xxxController.canAccess</a:t>
-            </a:r>
-            <a:r>
-              <a:rPr lang="en-US" altLang="zh-CN" dirty="0">
-                <a:latin typeface="微软雅黑" panose="020B0503020204020204" pitchFamily="34" charset="-122"/>
-                <a:ea typeface="微软雅黑" panose="020B0503020204020204" pitchFamily="34" charset="-122"/>
-              </a:rPr>
-              <a:t>}”</a:t>
-            </a:r>
-            <a:r>
-              <a:rPr lang="zh-CN" altLang="en-US" dirty="0">
-                <a:latin typeface="微软雅黑" panose="020B0503020204020204" pitchFamily="34" charset="-122"/>
-                <a:ea typeface="微软雅黑" panose="020B0503020204020204" pitchFamily="34" charset="-122"/>
-              </a:rPr>
-              <a:t>或 </a:t>
-            </a:r>
-            <a:endParaRPr lang="en-US" altLang="zh-CN" dirty="0">
-              <a:latin typeface="微软雅黑" panose="020B0503020204020204" pitchFamily="34" charset="-122"/>
-              <a:ea typeface="微软雅黑" panose="020B0503020204020204" pitchFamily="34" charset="-122"/>
-            </a:endParaRPr>
-          </a:p>
-          <a:p>
-            <a:pPr lvl="2" defTabSz="820738"/>
-            <a:r>
-              <a:rPr lang="en-US" altLang="zh-CN" dirty="0">
-                <a:latin typeface="微软雅黑" panose="020B0503020204020204" pitchFamily="34" charset="-122"/>
-                <a:ea typeface="微软雅黑" panose="020B0503020204020204" pitchFamily="34" charset="-122"/>
-              </a:rPr>
-              <a:t>button</a:t>
-            </a:r>
-            <a:r>
-              <a:rPr lang="zh-CN" altLang="en-US" dirty="0">
-                <a:latin typeface="微软雅黑" panose="020B0503020204020204" pitchFamily="34" charset="-122"/>
-                <a:ea typeface="微软雅黑" panose="020B0503020204020204" pitchFamily="34" charset="-122"/>
-              </a:rPr>
-              <a:t>组件的</a:t>
-            </a:r>
-            <a:r>
-              <a:rPr lang="en-US" altLang="zh-CN" dirty="0">
-                <a:latin typeface="微软雅黑" panose="020B0503020204020204" pitchFamily="34" charset="-122"/>
-                <a:ea typeface="微软雅黑" panose="020B0503020204020204" pitchFamily="34" charset="-122"/>
-              </a:rPr>
-              <a:t>disabled= “#{</a:t>
-            </a:r>
-            <a:r>
-              <a:rPr lang="en-US" altLang="zh-CN" dirty="0" err="1">
-                <a:latin typeface="微软雅黑" panose="020B0503020204020204" pitchFamily="34" charset="-122"/>
-                <a:ea typeface="微软雅黑" panose="020B0503020204020204" pitchFamily="34" charset="-122"/>
-              </a:rPr>
-              <a:t>xxxController.isEnabled</a:t>
-            </a:r>
-            <a:r>
-              <a:rPr lang="en-US" altLang="zh-CN" dirty="0">
-                <a:latin typeface="微软雅黑" panose="020B0503020204020204" pitchFamily="34" charset="-122"/>
-                <a:ea typeface="微软雅黑" panose="020B0503020204020204" pitchFamily="34" charset="-122"/>
-              </a:rPr>
-              <a:t> ne true}”</a:t>
-            </a:r>
-            <a:r>
-              <a:rPr lang="zh-CN" altLang="en-US" dirty="0">
-                <a:latin typeface="微软雅黑" panose="020B0503020204020204" pitchFamily="34" charset="-122"/>
-                <a:ea typeface="微软雅黑" panose="020B0503020204020204" pitchFamily="34" charset="-122"/>
-              </a:rPr>
-              <a:t>来动态控制</a:t>
-            </a:r>
-            <a:r>
-              <a:rPr lang="en-US" altLang="zh-CN" dirty="0">
-                <a:latin typeface="微软雅黑" panose="020B0503020204020204" pitchFamily="34" charset="-122"/>
-                <a:ea typeface="微软雅黑" panose="020B0503020204020204" pitchFamily="34" charset="-122"/>
-              </a:rPr>
-              <a:t>, </a:t>
-            </a:r>
-            <a:r>
-              <a:rPr lang="zh-CN" altLang="en-US" dirty="0">
-                <a:latin typeface="微软雅黑" panose="020B0503020204020204" pitchFamily="34" charset="-122"/>
-                <a:ea typeface="微软雅黑" panose="020B0503020204020204" pitchFamily="34" charset="-122"/>
-              </a:rPr>
-              <a:t>或</a:t>
-            </a:r>
-            <a:endParaRPr lang="en-US" altLang="zh-CN" dirty="0">
-              <a:latin typeface="微软雅黑" panose="020B0503020204020204" pitchFamily="34" charset="-122"/>
-              <a:ea typeface="微软雅黑" panose="020B0503020204020204" pitchFamily="34" charset="-122"/>
-            </a:endParaRPr>
-          </a:p>
-          <a:p>
-            <a:pPr lvl="2" defTabSz="820738"/>
-            <a:r>
-              <a:rPr lang="en-US" altLang="zh-CN" dirty="0">
-                <a:latin typeface="微软雅黑" panose="020B0503020204020204" pitchFamily="34" charset="-122"/>
-                <a:ea typeface="微软雅黑" panose="020B0503020204020204" pitchFamily="34" charset="-122"/>
-              </a:rPr>
-              <a:t>Input</a:t>
-            </a:r>
-            <a:r>
-              <a:rPr lang="zh-CN" altLang="en-US" dirty="0">
-                <a:latin typeface="微软雅黑" panose="020B0503020204020204" pitchFamily="34" charset="-122"/>
-                <a:ea typeface="微软雅黑" panose="020B0503020204020204" pitchFamily="34" charset="-122"/>
-              </a:rPr>
-              <a:t>组件的</a:t>
-            </a:r>
-            <a:r>
-              <a:rPr lang="en-US" altLang="zh-CN" dirty="0">
-                <a:latin typeface="微软雅黑" panose="020B0503020204020204" pitchFamily="34" charset="-122"/>
-                <a:ea typeface="微软雅黑" panose="020B0503020204020204" pitchFamily="34" charset="-122"/>
-              </a:rPr>
+              <a:rPr lang="zh-CN" altLang="en-US" sz="2400" dirty="0"/>
+              <a:t>使用 </a:t>
+            </a:r>
+            <a:r>
+              <a:rPr lang="en-US" altLang="zh-CN" sz="2400" dirty="0"/>
+              <a:t>@</a:t>
+            </a:r>
+            <a:r>
+              <a:rPr lang="en-US" altLang="zh-CN" sz="2400" dirty="0" err="1"/>
+              <a:t>Autowired</a:t>
+            </a:r>
+            <a:r>
+              <a:rPr lang="en-US" altLang="zh-CN" sz="2400" dirty="0"/>
               <a:t> </a:t>
             </a:r>
             <a:r>
-              <a:rPr lang="en-US" altLang="zh-CN" dirty="0" err="1">
-                <a:latin typeface="微软雅黑" panose="020B0503020204020204" pitchFamily="34" charset="-122"/>
-                <a:ea typeface="微软雅黑" panose="020B0503020204020204" pitchFamily="34" charset="-122"/>
-              </a:rPr>
-              <a:t>readOnly</a:t>
-            </a:r>
-            <a:r>
-              <a:rPr lang="en-US" altLang="zh-CN" dirty="0">
-                <a:latin typeface="微软雅黑" panose="020B0503020204020204" pitchFamily="34" charset="-122"/>
-                <a:ea typeface="微软雅黑" panose="020B0503020204020204" pitchFamily="34" charset="-122"/>
-              </a:rPr>
-              <a:t>=true/false</a:t>
-            </a:r>
-          </a:p>
-          <a:p>
-            <a:pPr marL="800100" lvl="1" indent="-342900" defTabSz="820738">
-              <a:buFont typeface="Arial" panose="020B0604020202020204" pitchFamily="34" charset="0"/>
-              <a:buChar char="•"/>
+              <a:rPr lang="zh-CN" altLang="en-US" sz="2400" dirty="0"/>
+              <a:t>标注</a:t>
+            </a:r>
+            <a:endParaRPr lang="en-US" altLang="zh-CN" sz="2400" dirty="0"/>
+          </a:p>
+          <a:p>
+            <a:pPr marL="1140878" lvl="4"/>
+            <a:r>
+              <a:rPr lang="en-US" altLang="zh-CN" sz="2000" dirty="0"/>
+              <a:t>@</a:t>
+            </a:r>
+            <a:r>
+              <a:rPr lang="en-US" altLang="zh-CN" sz="2000" dirty="0" err="1"/>
+              <a:t>Autowired</a:t>
+            </a:r>
+            <a:endParaRPr lang="en-US" altLang="zh-CN" sz="2000" dirty="0"/>
+          </a:p>
+          <a:p>
+            <a:pPr marL="1140878" lvl="4"/>
+            <a:r>
+              <a:rPr lang="en-US" altLang="zh-CN" sz="2000" dirty="0" err="1"/>
+              <a:t>AssetInfoRepository</a:t>
+            </a:r>
+            <a:r>
+              <a:rPr lang="en-US" altLang="zh-CN" sz="2000" dirty="0"/>
+              <a:t> </a:t>
+            </a:r>
+            <a:r>
+              <a:rPr lang="en-US" altLang="zh-CN" sz="2000" dirty="0" err="1"/>
+              <a:t>assetInfoDao</a:t>
+            </a:r>
+            <a:r>
+              <a:rPr lang="en-US" altLang="zh-CN" sz="2000" dirty="0"/>
+              <a:t>;</a:t>
+            </a:r>
+          </a:p>
+          <a:p>
+            <a:pPr marL="226478" lvl="2"/>
+            <a:r>
+              <a:rPr lang="en-US" altLang="zh-CN" sz="2400" dirty="0"/>
+              <a:t>	</a:t>
+            </a:r>
+            <a:r>
+              <a:rPr lang="zh-CN" altLang="en-US" sz="2400" dirty="0"/>
+              <a:t>则 </a:t>
+            </a:r>
+            <a:r>
+              <a:rPr lang="en-US" altLang="zh-CN" sz="2400" dirty="0"/>
+              <a:t>Spring </a:t>
+            </a:r>
+            <a:r>
+              <a:rPr lang="zh-CN" altLang="en-US" sz="2400" dirty="0"/>
+              <a:t>框架会为你自动注入 </a:t>
+            </a:r>
+            <a:r>
+              <a:rPr lang="en-US" altLang="zh-CN" sz="2400" dirty="0" err="1"/>
+              <a:t>assetInfoDao</a:t>
+            </a:r>
+            <a:r>
+              <a:rPr lang="en-US" altLang="zh-CN" sz="2400" dirty="0"/>
+              <a:t> </a:t>
+            </a:r>
+            <a:r>
+              <a:rPr lang="zh-CN" altLang="en-US" sz="2400" dirty="0"/>
+              <a:t>对象</a:t>
+            </a:r>
+            <a:endParaRPr lang="en-US" altLang="zh-CN" sz="2400" dirty="0"/>
+          </a:p>
+          <a:p>
+            <a:pPr marL="569378" lvl="2" indent="-342900">
+              <a:buFont typeface="Wingdings" panose="05000000000000000000" pitchFamily="2" charset="2"/>
+              <a:buChar char="Ø"/>
             </a:pPr>
-            <a:r>
-              <a:rPr lang="zh-CN" altLang="en-US" sz="2000" b="1" dirty="0">
-                <a:latin typeface="微软雅黑" panose="020B0503020204020204" pitchFamily="34" charset="-122"/>
-                <a:ea typeface="微软雅黑" panose="020B0503020204020204" pitchFamily="34" charset="-122"/>
-              </a:rPr>
-              <a:t>后台程序中判断用户角色的方法</a:t>
-            </a:r>
-            <a:r>
-              <a:rPr lang="en-US" altLang="zh-CN" sz="2000" b="1" dirty="0">
-                <a:latin typeface="微软雅黑" panose="020B0503020204020204" pitchFamily="34" charset="-122"/>
-                <a:ea typeface="微软雅黑" panose="020B0503020204020204" pitchFamily="34" charset="-122"/>
-              </a:rPr>
-              <a:t>:</a:t>
-            </a:r>
-          </a:p>
-          <a:p>
-            <a:pPr lvl="2" defTabSz="820738"/>
-            <a:r>
-              <a:rPr lang="en-US" altLang="zh-CN" dirty="0" err="1">
-                <a:latin typeface="微软雅黑" panose="020B0503020204020204" pitchFamily="34" charset="-122"/>
-                <a:ea typeface="微软雅黑" panose="020B0503020204020204" pitchFamily="34" charset="-122"/>
-              </a:rPr>
-              <a:t>UserContextService.getUserRoles</a:t>
-            </a:r>
-            <a:r>
-              <a:rPr lang="en-US" altLang="zh-CN" dirty="0">
-                <a:latin typeface="微软雅黑" panose="020B0503020204020204" pitchFamily="34" charset="-122"/>
-                <a:ea typeface="微软雅黑" panose="020B0503020204020204" pitchFamily="34" charset="-122"/>
-              </a:rPr>
-              <a:t>();</a:t>
-            </a:r>
-          </a:p>
-          <a:p>
-            <a:pPr lvl="2" defTabSz="820738"/>
-            <a:r>
-              <a:rPr lang="en-US" altLang="zh-CN" dirty="0" err="1">
-                <a:latin typeface="微软雅黑" panose="020B0503020204020204" pitchFamily="34" charset="-122"/>
-                <a:ea typeface="微软雅黑" panose="020B0503020204020204" pitchFamily="34" charset="-122"/>
-              </a:rPr>
-              <a:t>UserContextService.isSuperAdmin</a:t>
-            </a:r>
-            <a:r>
-              <a:rPr lang="en-US" altLang="zh-CN" dirty="0">
-                <a:latin typeface="微软雅黑" panose="020B0503020204020204" pitchFamily="34" charset="-122"/>
-                <a:ea typeface="微软雅黑" panose="020B0503020204020204" pitchFamily="34" charset="-122"/>
-              </a:rPr>
-              <a:t>()</a:t>
-            </a:r>
-          </a:p>
-          <a:p>
-            <a:pPr lvl="2" defTabSz="820738"/>
-            <a:r>
-              <a:rPr lang="en-US" altLang="zh-CN" dirty="0" err="1">
-                <a:latin typeface="微软雅黑" panose="020B0503020204020204" pitchFamily="34" charset="-122"/>
-                <a:ea typeface="微软雅黑" panose="020B0503020204020204" pitchFamily="34" charset="-122"/>
-              </a:rPr>
-              <a:t>UserContextService.isSiteAdmin</a:t>
-            </a:r>
-            <a:r>
-              <a:rPr lang="en-US" altLang="zh-CN" dirty="0">
-                <a:latin typeface="微软雅黑" panose="020B0503020204020204" pitchFamily="34" charset="-122"/>
-                <a:ea typeface="微软雅黑" panose="020B0503020204020204" pitchFamily="34" charset="-122"/>
-              </a:rPr>
-              <a:t>() ;</a:t>
-            </a:r>
-          </a:p>
-          <a:p>
-            <a:pPr lvl="2" defTabSz="820738"/>
-            <a:r>
-              <a:rPr lang="en-US" altLang="zh-CN" dirty="0" err="1">
-                <a:latin typeface="微软雅黑" panose="020B0503020204020204" pitchFamily="34" charset="-122"/>
-                <a:ea typeface="微软雅黑" panose="020B0503020204020204" pitchFamily="34" charset="-122"/>
-              </a:rPr>
-              <a:t>UserContextService.hasRole</a:t>
-            </a:r>
-            <a:r>
-              <a:rPr lang="en-US" altLang="zh-CN" dirty="0">
-                <a:latin typeface="微软雅黑" panose="020B0503020204020204" pitchFamily="34" charset="-122"/>
-                <a:ea typeface="微软雅黑" panose="020B0503020204020204" pitchFamily="34" charset="-122"/>
-              </a:rPr>
-              <a:t> (‘</a:t>
-            </a:r>
-            <a:r>
-              <a:rPr lang="en-US" altLang="zh-CN" dirty="0" err="1">
-                <a:latin typeface="微软雅黑" panose="020B0503020204020204" pitchFamily="34" charset="-122"/>
-                <a:ea typeface="微软雅黑" panose="020B0503020204020204" pitchFamily="34" charset="-122"/>
-              </a:rPr>
-              <a:t>AssetOwner</a:t>
-            </a:r>
-            <a:r>
-              <a:rPr lang="en-US" altLang="zh-CN" dirty="0">
-                <a:latin typeface="微软雅黑" panose="020B0503020204020204" pitchFamily="34" charset="-122"/>
-                <a:ea typeface="微软雅黑" panose="020B0503020204020204" pitchFamily="34" charset="-122"/>
-              </a:rPr>
-              <a:t>’);</a:t>
-            </a:r>
-            <a:r>
-              <a:rPr lang="zh-CN" altLang="en-US" dirty="0">
-                <a:latin typeface="微软雅黑" panose="020B0503020204020204" pitchFamily="34" charset="-122"/>
-                <a:ea typeface="微软雅黑" panose="020B0503020204020204" pitchFamily="34" charset="-122"/>
-              </a:rPr>
-              <a:t>等方法来判断用户的权限</a:t>
-            </a:r>
-            <a:endParaRPr lang="en-US" altLang="zh-CN" dirty="0">
-              <a:latin typeface="微软雅黑" panose="020B0503020204020204" pitchFamily="34" charset="-122"/>
-              <a:ea typeface="微软雅黑" panose="020B0503020204020204" pitchFamily="34" charset="-122"/>
-            </a:endParaRPr>
+            <a:endParaRPr lang="en-US" altLang="zh-CN" sz="2400" dirty="0"/>
+          </a:p>
+          <a:p>
+            <a:pPr marL="569378" lvl="2" indent="-342900">
+              <a:buFont typeface="Wingdings" panose="05000000000000000000" pitchFamily="2" charset="2"/>
+              <a:buChar char="Ø"/>
+            </a:pPr>
+            <a:r>
+              <a:rPr lang="zh-CN" altLang="en-US" sz="2400" dirty="0"/>
+              <a:t>或者使用 </a:t>
+            </a:r>
+            <a:r>
+              <a:rPr lang="en-US" altLang="zh-CN" sz="2400" dirty="0" err="1"/>
+              <a:t>WebUtil.getBean</a:t>
+            </a:r>
+            <a:r>
+              <a:rPr lang="zh-CN" altLang="en-US" sz="2400" dirty="0"/>
+              <a:t>方法</a:t>
+            </a:r>
+            <a:endParaRPr lang="en-US" altLang="zh-CN" sz="2400" dirty="0"/>
+          </a:p>
+          <a:p>
+            <a:pPr marL="1140878" lvl="4"/>
+            <a:r>
+              <a:rPr lang="en-US" altLang="zh-CN" sz="2000" dirty="0" err="1"/>
+              <a:t>AssetInfoRepository</a:t>
+            </a:r>
+            <a:r>
+              <a:rPr lang="en-US" altLang="zh-CN" sz="2000" dirty="0"/>
+              <a:t> </a:t>
+            </a:r>
+            <a:r>
+              <a:rPr lang="en-US" altLang="zh-CN" sz="2000" dirty="0" err="1"/>
+              <a:t>assetInfoDao</a:t>
+            </a:r>
+            <a:r>
+              <a:rPr lang="en-US" altLang="zh-CN" sz="2000" dirty="0"/>
+              <a:t> = </a:t>
+            </a:r>
+            <a:r>
+              <a:rPr lang="en-US" altLang="zh-CN" sz="2000" dirty="0" err="1"/>
+              <a:t>WebUtil.getBean</a:t>
+            </a:r>
+            <a:r>
+              <a:rPr lang="en-US" altLang="zh-CN" sz="2000" dirty="0"/>
+              <a:t>(</a:t>
+            </a:r>
+            <a:r>
+              <a:rPr lang="en-US" altLang="zh-CN" sz="2000" dirty="0" err="1"/>
+              <a:t>AssetInfoRepository.class</a:t>
+            </a:r>
+            <a:r>
+              <a:rPr lang="en-US" altLang="zh-CN" sz="2000" dirty="0"/>
+              <a:t>);</a:t>
+            </a:r>
+          </a:p>
+          <a:p>
+            <a:pPr marL="0" lvl="1" indent="-230722"/>
+            <a:r>
+              <a:rPr lang="en-US" altLang="zh-CN" sz="2400" dirty="0"/>
+              <a:t>	</a:t>
+            </a:r>
+            <a:r>
+              <a:rPr lang="zh-CN" altLang="en-US" sz="2400" dirty="0"/>
+              <a:t>则由你自己掌控何时获取 </a:t>
+            </a:r>
+            <a:r>
+              <a:rPr lang="en-US" altLang="zh-CN" sz="2400" dirty="0" err="1"/>
+              <a:t>assetInfoDao</a:t>
+            </a:r>
+            <a:r>
+              <a:rPr lang="en-US" altLang="zh-CN" sz="2400" dirty="0"/>
+              <a:t> </a:t>
+            </a:r>
+            <a:r>
+              <a:rPr lang="zh-CN" altLang="en-US" sz="2400" dirty="0"/>
+              <a:t>对象</a:t>
+            </a:r>
+            <a:endParaRPr lang="en-US" altLang="zh-CN" sz="2400" dirty="0"/>
+          </a:p>
+          <a:p>
+            <a:pPr marL="0" lvl="1" indent="-230722"/>
+            <a:endParaRPr lang="en-US" altLang="zh-CN" sz="2400" dirty="0"/>
           </a:p>
         </p:txBody>
       </p:sp>
     </p:spTree>
     <p:extLst>
       <p:ext uri="{BB962C8B-B14F-4D97-AF65-F5344CB8AC3E}">
-        <p14:creationId xmlns:p14="http://schemas.microsoft.com/office/powerpoint/2010/main" val="457749833"/>
+        <p14:creationId xmlns:p14="http://schemas.microsoft.com/office/powerpoint/2010/main" val="3568361382"/>
       </p:ext>
     </p:extLst>
   </p:cSld>
@@ -28010,7 +28672,7 @@
 </p:sld>
 </file>
 
-<file path=ppt/slides/slide24.xml><?xml version="1.0" encoding="utf-8"?>
+<file path=ppt/slides/slide25.xml><?xml version="1.0" encoding="utf-8"?>
 <p:sld xmlns:a="http://schemas.openxmlformats.org/drawingml/2006/main" xmlns:r="http://schemas.openxmlformats.org/officeDocument/2006/relationships" xmlns:p="http://schemas.openxmlformats.org/presentationml/2006/main">
   <p:cSld>
     <p:spTree>
@@ -28128,6 +28790,1531 @@
         <p:spPr>
           <a:xfrm>
             <a:off x="833472" y="263449"/>
+            <a:ext cx="8380865" cy="430887"/>
+          </a:xfrm>
+          <a:prstGeom prst="rect">
+            <a:avLst/>
+          </a:prstGeom>
+          <a:noFill/>
+        </p:spPr>
+        <p:txBody>
+          <a:bodyPr wrap="square" lIns="0" tIns="0" rIns="0" bIns="0" rtlCol="0">
+            <a:spAutoFit/>
+          </a:bodyPr>
+          <a:lstStyle/>
+          <a:p>
+            <a:r>
+              <a:rPr lang="en-US" sz="2800" dirty="0"/>
+              <a:t>Security and Access Control</a:t>
+            </a:r>
+            <a:endParaRPr lang="en-US" sz="2000" dirty="0">
+              <a:latin typeface="GE汉仪中圆简" panose="02010600000101010101" pitchFamily="2" charset="-122"/>
+              <a:ea typeface="GE汉仪中圆简" panose="02010600000101010101" pitchFamily="2" charset="-122"/>
+            </a:endParaRPr>
+          </a:p>
+        </p:txBody>
+      </p:sp>
+      <p:sp>
+        <p:nvSpPr>
+          <p:cNvPr id="6" name="Rectangle 2"/>
+          <p:cNvSpPr>
+            <a:spLocks noChangeArrowheads="1"/>
+          </p:cNvSpPr>
+          <p:nvPr/>
+        </p:nvSpPr>
+        <p:spPr bwMode="auto">
+          <a:xfrm>
+            <a:off x="1250899" y="1362075"/>
+            <a:ext cx="9961052" cy="5191950"/>
+          </a:xfrm>
+          <a:prstGeom prst="rect">
+            <a:avLst/>
+          </a:prstGeom>
+          <a:noFill/>
+          <a:ln>
+            <a:noFill/>
+          </a:ln>
+          <a:effectLst/>
+          <a:extLst>
+            <a:ext uri="{909E8E84-426E-40DD-AFC4-6F175D3DCCD1}">
+              <a14:hiddenFill xmlns:a14="http://schemas.microsoft.com/office/drawing/2010/main">
+                <a:solidFill>
+                  <a:schemeClr val="accent1"/>
+                </a:solidFill>
+              </a14:hiddenFill>
+            </a:ext>
+            <a:ext uri="{91240B29-F687-4F45-9708-019B960494DF}">
+              <a14:hiddenLine xmlns:a14="http://schemas.microsoft.com/office/drawing/2010/main" w="12700">
+                <a:solidFill>
+                  <a:schemeClr val="tx1"/>
+                </a:solidFill>
+                <a:miter lim="800000"/>
+                <a:headEnd type="none" w="sm" len="sm"/>
+                <a:tailEnd type="none" w="sm" len="sm"/>
+              </a14:hiddenLine>
+            </a:ext>
+            <a:ext uri="{AF507438-7753-43E0-B8FC-AC1667EBCBE1}">
+              <a14:hiddenEffects xmlns:a14="http://schemas.microsoft.com/office/drawing/2010/main">
+                <a:effectLst>
+                  <a:outerShdw dist="35921" dir="2700000" algn="ctr" rotWithShape="0">
+                    <a:schemeClr val="bg2"/>
+                  </a:outerShdw>
+                </a:effectLst>
+              </a14:hiddenEffects>
+            </a:ext>
+          </a:extLst>
+        </p:spPr>
+        <p:txBody>
+          <a:bodyPr wrap="square" lIns="82058" tIns="41029" rIns="82058" bIns="41029">
+            <a:spAutoFit/>
+          </a:bodyPr>
+          <a:lstStyle/>
+          <a:p>
+            <a:pPr defTabSz="820738">
+              <a:buFont typeface="Wingdings" pitchFamily="2" charset="2"/>
+              <a:buChar char="ü"/>
+            </a:pPr>
+            <a:r>
+              <a:rPr lang="zh-CN" altLang="en-US" sz="2000" b="1" dirty="0">
+                <a:latin typeface="微软雅黑" panose="020B0503020204020204" pitchFamily="34" charset="-122"/>
+                <a:ea typeface="微软雅黑" panose="020B0503020204020204" pitchFamily="34" charset="-122"/>
+              </a:rPr>
+              <a:t>使用</a:t>
+            </a:r>
+            <a:r>
+              <a:rPr lang="en-US" altLang="zh-CN" sz="2000" b="1" dirty="0">
+                <a:latin typeface="微软雅黑" panose="020B0503020204020204" pitchFamily="34" charset="-122"/>
+                <a:ea typeface="微软雅黑" panose="020B0503020204020204" pitchFamily="34" charset="-122"/>
+              </a:rPr>
+              <a:t>RBAC(role based access control)</a:t>
+            </a:r>
+            <a:endParaRPr lang="en-US" altLang="zh-CN" sz="1600" b="1" dirty="0">
+              <a:latin typeface="微软雅黑" panose="020B0503020204020204" pitchFamily="34" charset="-122"/>
+              <a:ea typeface="微软雅黑" panose="020B0503020204020204" pitchFamily="34" charset="-122"/>
+            </a:endParaRPr>
+          </a:p>
+          <a:p>
+            <a:pPr marL="800100" lvl="1" indent="-342900" defTabSz="820738">
+              <a:buFont typeface="Arial" panose="020B0604020202020204" pitchFamily="34" charset="0"/>
+              <a:buChar char="•"/>
+            </a:pPr>
+            <a:r>
+              <a:rPr lang="en-US" altLang="zh-CN" sz="2000" b="1" dirty="0">
+                <a:latin typeface="微软雅黑" panose="020B0503020204020204" pitchFamily="34" charset="-122"/>
+                <a:ea typeface="微软雅黑" panose="020B0503020204020204" pitchFamily="34" charset="-122"/>
+              </a:rPr>
+              <a:t>URL</a:t>
+            </a:r>
+            <a:r>
+              <a:rPr lang="zh-CN" altLang="en-US" sz="2000" b="1" dirty="0">
+                <a:latin typeface="微软雅黑" panose="020B0503020204020204" pitchFamily="34" charset="-122"/>
+                <a:ea typeface="微软雅黑" panose="020B0503020204020204" pitchFamily="34" charset="-122"/>
+              </a:rPr>
+              <a:t>访问权限控制</a:t>
+            </a:r>
+            <a:endParaRPr lang="en-US" altLang="zh-CN" sz="2000" b="1" dirty="0">
+              <a:latin typeface="微软雅黑" panose="020B0503020204020204" pitchFamily="34" charset="-122"/>
+              <a:ea typeface="微软雅黑" panose="020B0503020204020204" pitchFamily="34" charset="-122"/>
+            </a:endParaRPr>
+          </a:p>
+          <a:p>
+            <a:pPr lvl="2" defTabSz="820738"/>
+            <a:r>
+              <a:rPr lang="zh-CN" altLang="en-US" dirty="0">
+                <a:latin typeface="微软雅黑" panose="020B0503020204020204" pitchFamily="34" charset="-122"/>
+                <a:ea typeface="微软雅黑" panose="020B0503020204020204" pitchFamily="34" charset="-122"/>
+              </a:rPr>
+              <a:t>在</a:t>
+            </a:r>
+            <a:r>
+              <a:rPr lang="en-US" altLang="zh-CN" dirty="0">
+                <a:latin typeface="微软雅黑" panose="020B0503020204020204" pitchFamily="34" charset="-122"/>
+                <a:ea typeface="微软雅黑" panose="020B0503020204020204" pitchFamily="34" charset="-122"/>
+              </a:rPr>
+              <a:t>spring security</a:t>
+            </a:r>
+            <a:r>
+              <a:rPr lang="zh-CN" altLang="en-US" dirty="0">
+                <a:latin typeface="微软雅黑" panose="020B0503020204020204" pitchFamily="34" charset="-122"/>
+                <a:ea typeface="微软雅黑" panose="020B0503020204020204" pitchFamily="34" charset="-122"/>
+              </a:rPr>
+              <a:t>配置中</a:t>
+            </a:r>
+            <a:r>
+              <a:rPr lang="en-US" altLang="zh-CN" dirty="0">
+                <a:latin typeface="微软雅黑" panose="020B0503020204020204" pitchFamily="34" charset="-122"/>
+                <a:ea typeface="微软雅黑" panose="020B0503020204020204" pitchFamily="34" charset="-122"/>
+              </a:rPr>
+              <a:t>(applicationContext-security-http.xml)</a:t>
+            </a:r>
+            <a:r>
+              <a:rPr lang="zh-CN" altLang="en-US" dirty="0">
+                <a:latin typeface="微软雅黑" panose="020B0503020204020204" pitchFamily="34" charset="-122"/>
+                <a:ea typeface="微软雅黑" panose="020B0503020204020204" pitchFamily="34" charset="-122"/>
+              </a:rPr>
+              <a:t>，限定</a:t>
+            </a:r>
+            <a:r>
+              <a:rPr lang="en-US" altLang="zh-CN" dirty="0">
+                <a:latin typeface="微软雅黑" panose="020B0503020204020204" pitchFamily="34" charset="-122"/>
+                <a:ea typeface="微软雅黑" panose="020B0503020204020204" pitchFamily="34" charset="-122"/>
+              </a:rPr>
+              <a:t> URL </a:t>
+            </a:r>
+            <a:r>
+              <a:rPr lang="zh-CN" altLang="en-US" dirty="0">
+                <a:latin typeface="微软雅黑" panose="020B0503020204020204" pitchFamily="34" charset="-122"/>
+                <a:ea typeface="微软雅黑" panose="020B0503020204020204" pitchFamily="34" charset="-122"/>
+              </a:rPr>
+              <a:t>的访问权限，例如</a:t>
+            </a:r>
+            <a:r>
+              <a:rPr lang="en-US" altLang="zh-CN" dirty="0">
+                <a:latin typeface="微软雅黑" panose="020B0503020204020204" pitchFamily="34" charset="-122"/>
+                <a:ea typeface="微软雅黑" panose="020B0503020204020204" pitchFamily="34" charset="-122"/>
+              </a:rPr>
+              <a:t>:</a:t>
+            </a:r>
+          </a:p>
+          <a:p>
+            <a:pPr lvl="2" defTabSz="820738"/>
+            <a:r>
+              <a:rPr lang="en-US" altLang="zh-CN" dirty="0">
+                <a:latin typeface="微软雅黑" panose="020B0503020204020204" pitchFamily="34" charset="-122"/>
+                <a:ea typeface="微软雅黑" panose="020B0503020204020204" pitchFamily="34" charset="-122"/>
+              </a:rPr>
+              <a:t>&lt;intercept-</a:t>
+            </a:r>
+            <a:r>
+              <a:rPr lang="en-US" altLang="zh-CN" dirty="0" err="1">
+                <a:latin typeface="微软雅黑" panose="020B0503020204020204" pitchFamily="34" charset="-122"/>
+                <a:ea typeface="微软雅黑" panose="020B0503020204020204" pitchFamily="34" charset="-122"/>
+              </a:rPr>
+              <a:t>url</a:t>
+            </a:r>
+            <a:r>
+              <a:rPr lang="en-US" altLang="zh-CN" dirty="0">
+                <a:latin typeface="微软雅黑" panose="020B0503020204020204" pitchFamily="34" charset="-122"/>
+                <a:ea typeface="微软雅黑" panose="020B0503020204020204" pitchFamily="34" charset="-122"/>
+              </a:rPr>
+              <a:t> pattern="/</a:t>
+            </a:r>
+            <a:r>
+              <a:rPr lang="en-US" altLang="zh-CN" dirty="0" err="1">
+                <a:latin typeface="微软雅黑" panose="020B0503020204020204" pitchFamily="34" charset="-122"/>
+                <a:ea typeface="微软雅黑" panose="020B0503020204020204" pitchFamily="34" charset="-122"/>
+              </a:rPr>
+              <a:t>home.xhtml</a:t>
+            </a:r>
+            <a:r>
+              <a:rPr lang="en-US" altLang="zh-CN" dirty="0">
+                <a:latin typeface="微软雅黑" panose="020B0503020204020204" pitchFamily="34" charset="-122"/>
+                <a:ea typeface="微软雅黑" panose="020B0503020204020204" pitchFamily="34" charset="-122"/>
+              </a:rPr>
+              <a:t>" access="</a:t>
+            </a:r>
+            <a:r>
+              <a:rPr lang="en-US" altLang="zh-CN" dirty="0" err="1">
+                <a:latin typeface="微软雅黑" panose="020B0503020204020204" pitchFamily="34" charset="-122"/>
+                <a:ea typeface="微软雅黑" panose="020B0503020204020204" pitchFamily="34" charset="-122"/>
+              </a:rPr>
+              <a:t>isAuthenticated</a:t>
+            </a:r>
+            <a:r>
+              <a:rPr lang="en-US" altLang="zh-CN" dirty="0">
+                <a:latin typeface="微软雅黑" panose="020B0503020204020204" pitchFamily="34" charset="-122"/>
+                <a:ea typeface="微软雅黑" panose="020B0503020204020204" pitchFamily="34" charset="-122"/>
+              </a:rPr>
+              <a:t>()"/&gt;</a:t>
+            </a:r>
+          </a:p>
+          <a:p>
+            <a:pPr lvl="2" defTabSz="820738"/>
+            <a:r>
+              <a:rPr lang="en-US" altLang="zh-CN" dirty="0">
+                <a:latin typeface="微软雅黑" panose="020B0503020204020204" pitchFamily="34" charset="-122"/>
+                <a:ea typeface="微软雅黑" panose="020B0503020204020204" pitchFamily="34" charset="-122"/>
+              </a:rPr>
+              <a:t>&lt;intercept-</a:t>
+            </a:r>
+            <a:r>
+              <a:rPr lang="en-US" altLang="zh-CN" dirty="0" err="1">
+                <a:latin typeface="微软雅黑" panose="020B0503020204020204" pitchFamily="34" charset="-122"/>
+                <a:ea typeface="微软雅黑" panose="020B0503020204020204" pitchFamily="34" charset="-122"/>
+              </a:rPr>
+              <a:t>url</a:t>
+            </a:r>
+            <a:r>
+              <a:rPr lang="en-US" altLang="zh-CN" dirty="0">
+                <a:latin typeface="微软雅黑" panose="020B0503020204020204" pitchFamily="34" charset="-122"/>
+                <a:ea typeface="微软雅黑" panose="020B0503020204020204" pitchFamily="34" charset="-122"/>
+              </a:rPr>
+              <a:t> pattern="/portal/**" access="</a:t>
+            </a:r>
+            <a:r>
+              <a:rPr lang="en-US" altLang="zh-CN" dirty="0" err="1">
+                <a:latin typeface="微软雅黑" panose="020B0503020204020204" pitchFamily="34" charset="-122"/>
+                <a:ea typeface="微软雅黑" panose="020B0503020204020204" pitchFamily="34" charset="-122"/>
+              </a:rPr>
+              <a:t>isAuthenticated</a:t>
+            </a:r>
+            <a:r>
+              <a:rPr lang="en-US" altLang="zh-CN" dirty="0">
+                <a:latin typeface="微软雅黑" panose="020B0503020204020204" pitchFamily="34" charset="-122"/>
+                <a:ea typeface="微软雅黑" panose="020B0503020204020204" pitchFamily="34" charset="-122"/>
+              </a:rPr>
+              <a:t>()" /&gt;</a:t>
+            </a:r>
+          </a:p>
+          <a:p>
+            <a:pPr lvl="2" defTabSz="820738"/>
+            <a:r>
+              <a:rPr lang="en-US" altLang="zh-CN" dirty="0">
+                <a:latin typeface="微软雅黑" panose="020B0503020204020204" pitchFamily="34" charset="-122"/>
+                <a:ea typeface="微软雅黑" panose="020B0503020204020204" pitchFamily="34" charset="-122"/>
+              </a:rPr>
+              <a:t>&lt;intercept-</a:t>
+            </a:r>
+            <a:r>
+              <a:rPr lang="en-US" altLang="zh-CN" dirty="0" err="1">
+                <a:latin typeface="微软雅黑" panose="020B0503020204020204" pitchFamily="34" charset="-122"/>
+                <a:ea typeface="微软雅黑" panose="020B0503020204020204" pitchFamily="34" charset="-122"/>
+              </a:rPr>
+              <a:t>url</a:t>
+            </a:r>
+            <a:r>
+              <a:rPr lang="en-US" altLang="zh-CN" dirty="0">
+                <a:latin typeface="微软雅黑" panose="020B0503020204020204" pitchFamily="34" charset="-122"/>
+                <a:ea typeface="微软雅黑" panose="020B0503020204020204" pitchFamily="34" charset="-122"/>
+              </a:rPr>
+              <a:t> pattern="/admin/**" access="</a:t>
+            </a:r>
+            <a:r>
+              <a:rPr lang="en-US" altLang="zh-CN" dirty="0" err="1">
+                <a:latin typeface="微软雅黑" panose="020B0503020204020204" pitchFamily="34" charset="-122"/>
+                <a:ea typeface="微软雅黑" panose="020B0503020204020204" pitchFamily="34" charset="-122"/>
+              </a:rPr>
+              <a:t>hasRole</a:t>
+            </a:r>
+            <a:r>
+              <a:rPr lang="en-US" altLang="zh-CN" dirty="0">
+                <a:latin typeface="微软雅黑" panose="020B0503020204020204" pitchFamily="34" charset="-122"/>
+                <a:ea typeface="微软雅黑" panose="020B0503020204020204" pitchFamily="34" charset="-122"/>
+              </a:rPr>
+              <a:t>('ADMIN') OR </a:t>
+            </a:r>
+            <a:r>
+              <a:rPr lang="en-US" altLang="zh-CN" dirty="0" err="1">
+                <a:latin typeface="微软雅黑" panose="020B0503020204020204" pitchFamily="34" charset="-122"/>
+                <a:ea typeface="微软雅黑" panose="020B0503020204020204" pitchFamily="34" charset="-122"/>
+              </a:rPr>
+              <a:t>hasRole</a:t>
+            </a:r>
+            <a:r>
+              <a:rPr lang="en-US" altLang="zh-CN" dirty="0">
+                <a:latin typeface="微软雅黑" panose="020B0503020204020204" pitchFamily="34" charset="-122"/>
+                <a:ea typeface="微软雅黑" panose="020B0503020204020204" pitchFamily="34" charset="-122"/>
+              </a:rPr>
+              <a:t>(‘</a:t>
+            </a:r>
+            <a:r>
+              <a:rPr lang="en-US" altLang="zh-CN" dirty="0" err="1">
+                <a:latin typeface="微软雅黑" panose="020B0503020204020204" pitchFamily="34" charset="-122"/>
+                <a:ea typeface="微软雅黑" panose="020B0503020204020204" pitchFamily="34" charset="-122"/>
+              </a:rPr>
+              <a:t>SiteAdmin</a:t>
+            </a:r>
+            <a:r>
+              <a:rPr lang="en-US" altLang="zh-CN" dirty="0">
+                <a:latin typeface="微软雅黑" panose="020B0503020204020204" pitchFamily="34" charset="-122"/>
+                <a:ea typeface="微软雅黑" panose="020B0503020204020204" pitchFamily="34" charset="-122"/>
+              </a:rPr>
+              <a:t>')" /&gt;</a:t>
+            </a:r>
+          </a:p>
+          <a:p>
+            <a:pPr marL="800100" lvl="1" indent="-342900" defTabSz="820738">
+              <a:buFont typeface="Arial" panose="020B0604020202020204" pitchFamily="34" charset="0"/>
+              <a:buChar char="•"/>
+            </a:pPr>
+            <a:r>
+              <a:rPr lang="en-US" altLang="zh-CN" sz="2000" b="1" dirty="0">
+                <a:latin typeface="微软雅黑" panose="020B0503020204020204" pitchFamily="34" charset="-122"/>
+                <a:ea typeface="微软雅黑" panose="020B0503020204020204" pitchFamily="34" charset="-122"/>
+              </a:rPr>
+              <a:t>View</a:t>
+            </a:r>
+            <a:r>
+              <a:rPr lang="zh-CN" altLang="en-US" sz="2000" b="1" dirty="0">
+                <a:latin typeface="微软雅黑" panose="020B0503020204020204" pitchFamily="34" charset="-122"/>
+                <a:ea typeface="微软雅黑" panose="020B0503020204020204" pitchFamily="34" charset="-122"/>
+              </a:rPr>
+              <a:t>页面内功能权限控制</a:t>
+            </a:r>
+            <a:endParaRPr lang="en-US" altLang="zh-CN" sz="2000" b="1" dirty="0">
+              <a:latin typeface="微软雅黑" panose="020B0503020204020204" pitchFamily="34" charset="-122"/>
+              <a:ea typeface="微软雅黑" panose="020B0503020204020204" pitchFamily="34" charset="-122"/>
+            </a:endParaRPr>
+          </a:p>
+          <a:p>
+            <a:pPr lvl="2" defTabSz="820738"/>
+            <a:r>
+              <a:rPr lang="zh-CN" altLang="en-US" dirty="0">
+                <a:latin typeface="微软雅黑" panose="020B0503020204020204" pitchFamily="34" charset="-122"/>
+                <a:ea typeface="微软雅黑" panose="020B0503020204020204" pitchFamily="34" charset="-122"/>
+              </a:rPr>
+              <a:t>页面内的功能访问控制可以使用</a:t>
+            </a:r>
+            <a:r>
+              <a:rPr lang="en-US" altLang="zh-CN" dirty="0">
+                <a:latin typeface="微软雅黑" panose="020B0503020204020204" pitchFamily="34" charset="-122"/>
+                <a:ea typeface="微软雅黑" panose="020B0503020204020204" pitchFamily="34" charset="-122"/>
+              </a:rPr>
+              <a:t> UI </a:t>
+            </a:r>
+            <a:r>
+              <a:rPr lang="zh-CN" altLang="en-US" dirty="0">
+                <a:latin typeface="微软雅黑" panose="020B0503020204020204" pitchFamily="34" charset="-122"/>
+                <a:ea typeface="微软雅黑" panose="020B0503020204020204" pitchFamily="34" charset="-122"/>
+              </a:rPr>
+              <a:t>组件的</a:t>
+            </a:r>
+            <a:endParaRPr lang="en-US" altLang="zh-CN" dirty="0">
+              <a:latin typeface="微软雅黑" panose="020B0503020204020204" pitchFamily="34" charset="-122"/>
+              <a:ea typeface="微软雅黑" panose="020B0503020204020204" pitchFamily="34" charset="-122"/>
+            </a:endParaRPr>
+          </a:p>
+          <a:p>
+            <a:pPr lvl="2" defTabSz="820738"/>
+            <a:r>
+              <a:rPr lang="en-US" altLang="zh-CN" dirty="0">
+                <a:latin typeface="微软雅黑" panose="020B0503020204020204" pitchFamily="34" charset="-122"/>
+                <a:ea typeface="微软雅黑" panose="020B0503020204020204" pitchFamily="34" charset="-122"/>
+              </a:rPr>
+              <a:t>rendered=“#{</a:t>
+            </a:r>
+            <a:r>
+              <a:rPr lang="en-US" altLang="zh-CN" dirty="0" err="1">
+                <a:latin typeface="微软雅黑" panose="020B0503020204020204" pitchFamily="34" charset="-122"/>
+                <a:ea typeface="微软雅黑" panose="020B0503020204020204" pitchFamily="34" charset="-122"/>
+              </a:rPr>
+              <a:t>xxxController.canAccess</a:t>
+            </a:r>
+            <a:r>
+              <a:rPr lang="en-US" altLang="zh-CN" dirty="0">
+                <a:latin typeface="微软雅黑" panose="020B0503020204020204" pitchFamily="34" charset="-122"/>
+                <a:ea typeface="微软雅黑" panose="020B0503020204020204" pitchFamily="34" charset="-122"/>
+              </a:rPr>
+              <a:t>}”</a:t>
+            </a:r>
+            <a:r>
+              <a:rPr lang="zh-CN" altLang="en-US" dirty="0">
+                <a:latin typeface="微软雅黑" panose="020B0503020204020204" pitchFamily="34" charset="-122"/>
+                <a:ea typeface="微软雅黑" panose="020B0503020204020204" pitchFamily="34" charset="-122"/>
+              </a:rPr>
+              <a:t>或 </a:t>
+            </a:r>
+            <a:endParaRPr lang="en-US" altLang="zh-CN" dirty="0">
+              <a:latin typeface="微软雅黑" panose="020B0503020204020204" pitchFamily="34" charset="-122"/>
+              <a:ea typeface="微软雅黑" panose="020B0503020204020204" pitchFamily="34" charset="-122"/>
+            </a:endParaRPr>
+          </a:p>
+          <a:p>
+            <a:pPr lvl="2" defTabSz="820738"/>
+            <a:r>
+              <a:rPr lang="en-US" altLang="zh-CN" dirty="0">
+                <a:latin typeface="微软雅黑" panose="020B0503020204020204" pitchFamily="34" charset="-122"/>
+                <a:ea typeface="微软雅黑" panose="020B0503020204020204" pitchFamily="34" charset="-122"/>
+              </a:rPr>
+              <a:t>button</a:t>
+            </a:r>
+            <a:r>
+              <a:rPr lang="zh-CN" altLang="en-US" dirty="0">
+                <a:latin typeface="微软雅黑" panose="020B0503020204020204" pitchFamily="34" charset="-122"/>
+                <a:ea typeface="微软雅黑" panose="020B0503020204020204" pitchFamily="34" charset="-122"/>
+              </a:rPr>
+              <a:t>组件的</a:t>
+            </a:r>
+            <a:r>
+              <a:rPr lang="en-US" altLang="zh-CN" dirty="0">
+                <a:latin typeface="微软雅黑" panose="020B0503020204020204" pitchFamily="34" charset="-122"/>
+                <a:ea typeface="微软雅黑" panose="020B0503020204020204" pitchFamily="34" charset="-122"/>
+              </a:rPr>
+              <a:t>disabled= “#{</a:t>
+            </a:r>
+            <a:r>
+              <a:rPr lang="en-US" altLang="zh-CN" dirty="0" err="1">
+                <a:latin typeface="微软雅黑" panose="020B0503020204020204" pitchFamily="34" charset="-122"/>
+                <a:ea typeface="微软雅黑" panose="020B0503020204020204" pitchFamily="34" charset="-122"/>
+              </a:rPr>
+              <a:t>xxxController.isEnabled</a:t>
+            </a:r>
+            <a:r>
+              <a:rPr lang="en-US" altLang="zh-CN" dirty="0">
+                <a:latin typeface="微软雅黑" panose="020B0503020204020204" pitchFamily="34" charset="-122"/>
+                <a:ea typeface="微软雅黑" panose="020B0503020204020204" pitchFamily="34" charset="-122"/>
+              </a:rPr>
+              <a:t> ne true}”</a:t>
+            </a:r>
+            <a:r>
+              <a:rPr lang="zh-CN" altLang="en-US" dirty="0">
+                <a:latin typeface="微软雅黑" panose="020B0503020204020204" pitchFamily="34" charset="-122"/>
+                <a:ea typeface="微软雅黑" panose="020B0503020204020204" pitchFamily="34" charset="-122"/>
+              </a:rPr>
+              <a:t>来动态控制</a:t>
+            </a:r>
+            <a:r>
+              <a:rPr lang="en-US" altLang="zh-CN" dirty="0">
+                <a:latin typeface="微软雅黑" panose="020B0503020204020204" pitchFamily="34" charset="-122"/>
+                <a:ea typeface="微软雅黑" panose="020B0503020204020204" pitchFamily="34" charset="-122"/>
+              </a:rPr>
+              <a:t>, </a:t>
+            </a:r>
+            <a:r>
+              <a:rPr lang="zh-CN" altLang="en-US" dirty="0">
+                <a:latin typeface="微软雅黑" panose="020B0503020204020204" pitchFamily="34" charset="-122"/>
+                <a:ea typeface="微软雅黑" panose="020B0503020204020204" pitchFamily="34" charset="-122"/>
+              </a:rPr>
+              <a:t>或</a:t>
+            </a:r>
+            <a:endParaRPr lang="en-US" altLang="zh-CN" dirty="0">
+              <a:latin typeface="微软雅黑" panose="020B0503020204020204" pitchFamily="34" charset="-122"/>
+              <a:ea typeface="微软雅黑" panose="020B0503020204020204" pitchFamily="34" charset="-122"/>
+            </a:endParaRPr>
+          </a:p>
+          <a:p>
+            <a:pPr lvl="2" defTabSz="820738"/>
+            <a:r>
+              <a:rPr lang="en-US" altLang="zh-CN" dirty="0">
+                <a:latin typeface="微软雅黑" panose="020B0503020204020204" pitchFamily="34" charset="-122"/>
+                <a:ea typeface="微软雅黑" panose="020B0503020204020204" pitchFamily="34" charset="-122"/>
+              </a:rPr>
+              <a:t>Input</a:t>
+            </a:r>
+            <a:r>
+              <a:rPr lang="zh-CN" altLang="en-US" dirty="0">
+                <a:latin typeface="微软雅黑" panose="020B0503020204020204" pitchFamily="34" charset="-122"/>
+                <a:ea typeface="微软雅黑" panose="020B0503020204020204" pitchFamily="34" charset="-122"/>
+              </a:rPr>
+              <a:t>组件的</a:t>
+            </a:r>
+            <a:r>
+              <a:rPr lang="en-US" altLang="zh-CN" dirty="0">
+                <a:latin typeface="微软雅黑" panose="020B0503020204020204" pitchFamily="34" charset="-122"/>
+                <a:ea typeface="微软雅黑" panose="020B0503020204020204" pitchFamily="34" charset="-122"/>
+              </a:rPr>
+              <a:t> </a:t>
+            </a:r>
+            <a:r>
+              <a:rPr lang="en-US" altLang="zh-CN" dirty="0" err="1">
+                <a:latin typeface="微软雅黑" panose="020B0503020204020204" pitchFamily="34" charset="-122"/>
+                <a:ea typeface="微软雅黑" panose="020B0503020204020204" pitchFamily="34" charset="-122"/>
+              </a:rPr>
+              <a:t>readOnly</a:t>
+            </a:r>
+            <a:r>
+              <a:rPr lang="en-US" altLang="zh-CN" dirty="0">
+                <a:latin typeface="微软雅黑" panose="020B0503020204020204" pitchFamily="34" charset="-122"/>
+                <a:ea typeface="微软雅黑" panose="020B0503020204020204" pitchFamily="34" charset="-122"/>
+              </a:rPr>
+              <a:t>=true/false</a:t>
+            </a:r>
+          </a:p>
+          <a:p>
+            <a:pPr marL="800100" lvl="1" indent="-342900" defTabSz="820738">
+              <a:buFont typeface="Arial" panose="020B0604020202020204" pitchFamily="34" charset="0"/>
+              <a:buChar char="•"/>
+            </a:pPr>
+            <a:r>
+              <a:rPr lang="zh-CN" altLang="en-US" sz="2000" b="1" dirty="0">
+                <a:latin typeface="微软雅黑" panose="020B0503020204020204" pitchFamily="34" charset="-122"/>
+                <a:ea typeface="微软雅黑" panose="020B0503020204020204" pitchFamily="34" charset="-122"/>
+              </a:rPr>
+              <a:t>后台程序中判断用户角色的方法</a:t>
+            </a:r>
+            <a:r>
+              <a:rPr lang="en-US" altLang="zh-CN" sz="2000" b="1" dirty="0">
+                <a:latin typeface="微软雅黑" panose="020B0503020204020204" pitchFamily="34" charset="-122"/>
+                <a:ea typeface="微软雅黑" panose="020B0503020204020204" pitchFamily="34" charset="-122"/>
+              </a:rPr>
+              <a:t>:</a:t>
+            </a:r>
+          </a:p>
+          <a:p>
+            <a:pPr lvl="2" defTabSz="820738"/>
+            <a:r>
+              <a:rPr lang="en-US" altLang="zh-CN" dirty="0" err="1">
+                <a:latin typeface="微软雅黑" panose="020B0503020204020204" pitchFamily="34" charset="-122"/>
+                <a:ea typeface="微软雅黑" panose="020B0503020204020204" pitchFamily="34" charset="-122"/>
+              </a:rPr>
+              <a:t>UserContextService.getUserRoles</a:t>
+            </a:r>
+            <a:r>
+              <a:rPr lang="en-US" altLang="zh-CN" dirty="0">
+                <a:latin typeface="微软雅黑" panose="020B0503020204020204" pitchFamily="34" charset="-122"/>
+                <a:ea typeface="微软雅黑" panose="020B0503020204020204" pitchFamily="34" charset="-122"/>
+              </a:rPr>
+              <a:t>();</a:t>
+            </a:r>
+          </a:p>
+          <a:p>
+            <a:pPr lvl="2" defTabSz="820738"/>
+            <a:r>
+              <a:rPr lang="en-US" altLang="zh-CN" dirty="0" err="1">
+                <a:latin typeface="微软雅黑" panose="020B0503020204020204" pitchFamily="34" charset="-122"/>
+                <a:ea typeface="微软雅黑" panose="020B0503020204020204" pitchFamily="34" charset="-122"/>
+              </a:rPr>
+              <a:t>UserContextService.isSuperAdmin</a:t>
+            </a:r>
+            <a:r>
+              <a:rPr lang="en-US" altLang="zh-CN" dirty="0">
+                <a:latin typeface="微软雅黑" panose="020B0503020204020204" pitchFamily="34" charset="-122"/>
+                <a:ea typeface="微软雅黑" panose="020B0503020204020204" pitchFamily="34" charset="-122"/>
+              </a:rPr>
+              <a:t>()</a:t>
+            </a:r>
+          </a:p>
+          <a:p>
+            <a:pPr lvl="2" defTabSz="820738"/>
+            <a:r>
+              <a:rPr lang="en-US" altLang="zh-CN" dirty="0" err="1">
+                <a:latin typeface="微软雅黑" panose="020B0503020204020204" pitchFamily="34" charset="-122"/>
+                <a:ea typeface="微软雅黑" panose="020B0503020204020204" pitchFamily="34" charset="-122"/>
+              </a:rPr>
+              <a:t>UserContextService.isSiteAdmin</a:t>
+            </a:r>
+            <a:r>
+              <a:rPr lang="en-US" altLang="zh-CN" dirty="0">
+                <a:latin typeface="微软雅黑" panose="020B0503020204020204" pitchFamily="34" charset="-122"/>
+                <a:ea typeface="微软雅黑" panose="020B0503020204020204" pitchFamily="34" charset="-122"/>
+              </a:rPr>
+              <a:t>() ;</a:t>
+            </a:r>
+          </a:p>
+          <a:p>
+            <a:pPr lvl="2" defTabSz="820738"/>
+            <a:r>
+              <a:rPr lang="en-US" altLang="zh-CN" dirty="0" err="1">
+                <a:latin typeface="微软雅黑" panose="020B0503020204020204" pitchFamily="34" charset="-122"/>
+                <a:ea typeface="微软雅黑" panose="020B0503020204020204" pitchFamily="34" charset="-122"/>
+              </a:rPr>
+              <a:t>UserContextService.hasRole</a:t>
+            </a:r>
+            <a:r>
+              <a:rPr lang="en-US" altLang="zh-CN" dirty="0">
+                <a:latin typeface="微软雅黑" panose="020B0503020204020204" pitchFamily="34" charset="-122"/>
+                <a:ea typeface="微软雅黑" panose="020B0503020204020204" pitchFamily="34" charset="-122"/>
+              </a:rPr>
+              <a:t> (‘</a:t>
+            </a:r>
+            <a:r>
+              <a:rPr lang="en-US" altLang="zh-CN" dirty="0" err="1">
+                <a:latin typeface="微软雅黑" panose="020B0503020204020204" pitchFamily="34" charset="-122"/>
+                <a:ea typeface="微软雅黑" panose="020B0503020204020204" pitchFamily="34" charset="-122"/>
+              </a:rPr>
+              <a:t>AssetOwner</a:t>
+            </a:r>
+            <a:r>
+              <a:rPr lang="en-US" altLang="zh-CN" dirty="0">
+                <a:latin typeface="微软雅黑" panose="020B0503020204020204" pitchFamily="34" charset="-122"/>
+                <a:ea typeface="微软雅黑" panose="020B0503020204020204" pitchFamily="34" charset="-122"/>
+              </a:rPr>
+              <a:t>’);</a:t>
+            </a:r>
+            <a:r>
+              <a:rPr lang="zh-CN" altLang="en-US" dirty="0">
+                <a:latin typeface="微软雅黑" panose="020B0503020204020204" pitchFamily="34" charset="-122"/>
+                <a:ea typeface="微软雅黑" panose="020B0503020204020204" pitchFamily="34" charset="-122"/>
+              </a:rPr>
+              <a:t>等方法来判断用户的权限</a:t>
+            </a:r>
+            <a:endParaRPr lang="en-US" altLang="zh-CN" dirty="0">
+              <a:latin typeface="微软雅黑" panose="020B0503020204020204" pitchFamily="34" charset="-122"/>
+              <a:ea typeface="微软雅黑" panose="020B0503020204020204" pitchFamily="34" charset="-122"/>
+            </a:endParaRPr>
+          </a:p>
+        </p:txBody>
+      </p:sp>
+    </p:spTree>
+    <p:extLst>
+      <p:ext uri="{BB962C8B-B14F-4D97-AF65-F5344CB8AC3E}">
+        <p14:creationId xmlns:p14="http://schemas.microsoft.com/office/powerpoint/2010/main" val="457749833"/>
+      </p:ext>
+    </p:extLst>
+  </p:cSld>
+  <p:clrMapOvr>
+    <a:masterClrMapping/>
+  </p:clrMapOvr>
+</p:sld>
+</file>
+
+<file path=ppt/slides/slide26.xml><?xml version="1.0" encoding="utf-8"?>
+<p:sld xmlns:a="http://schemas.openxmlformats.org/drawingml/2006/main" xmlns:r="http://schemas.openxmlformats.org/officeDocument/2006/relationships" xmlns:p="http://schemas.openxmlformats.org/presentationml/2006/main">
+  <p:cSld>
+    <p:spTree>
+      <p:nvGrpSpPr>
+        <p:cNvPr id="1" name=""/>
+        <p:cNvGrpSpPr/>
+        <p:nvPr/>
+      </p:nvGrpSpPr>
+      <p:grpSpPr>
+        <a:xfrm>
+          <a:off x="0" y="0"/>
+          <a:ext cx="0" cy="0"/>
+          <a:chOff x="0" y="0"/>
+          <a:chExt cx="0" cy="0"/>
+        </a:xfrm>
+      </p:grpSpPr>
+      <p:sp>
+        <p:nvSpPr>
+          <p:cNvPr id="5" name="矩形 4"/>
+          <p:cNvSpPr/>
+          <p:nvPr/>
+        </p:nvSpPr>
+        <p:spPr>
+          <a:xfrm>
+            <a:off x="-9839" y="915023"/>
+            <a:ext cx="12198664" cy="111210"/>
+          </a:xfrm>
+          <a:prstGeom prst="rect">
+            <a:avLst/>
+          </a:prstGeom>
+          <a:solidFill>
+            <a:srgbClr val="00B0F0"/>
+          </a:solidFill>
+          <a:ln>
+            <a:noFill/>
+          </a:ln>
+        </p:spPr>
+        <p:style>
+          <a:lnRef idx="2">
+            <a:schemeClr val="accent1">
+              <a:shade val="50000"/>
+            </a:schemeClr>
+          </a:lnRef>
+          <a:fillRef idx="1">
+            <a:schemeClr val="accent1"/>
+          </a:fillRef>
+          <a:effectRef idx="0">
+            <a:schemeClr val="accent1"/>
+          </a:effectRef>
+          <a:fontRef idx="minor">
+            <a:schemeClr val="lt1"/>
+          </a:fontRef>
+        </p:style>
+        <p:txBody>
+          <a:bodyPr rtlCol="0" anchor="ctr"/>
+          <a:lstStyle/>
+          <a:p>
+            <a:pPr algn="ctr"/>
+            <a:endParaRPr lang="zh-CN" altLang="en-US"/>
+          </a:p>
+        </p:txBody>
+      </p:sp>
+      <p:sp>
+        <p:nvSpPr>
+          <p:cNvPr id="2" name="矩形 1"/>
+          <p:cNvSpPr/>
+          <p:nvPr/>
+        </p:nvSpPr>
+        <p:spPr>
+          <a:xfrm>
+            <a:off x="481293" y="425105"/>
+            <a:ext cx="107577" cy="107577"/>
+          </a:xfrm>
+          <a:prstGeom prst="rect">
+            <a:avLst/>
+          </a:prstGeom>
+          <a:solidFill>
+            <a:srgbClr val="00B050"/>
+          </a:solidFill>
+          <a:ln>
+            <a:noFill/>
+          </a:ln>
+        </p:spPr>
+        <p:style>
+          <a:lnRef idx="2">
+            <a:schemeClr val="accent1">
+              <a:shade val="50000"/>
+            </a:schemeClr>
+          </a:lnRef>
+          <a:fillRef idx="1">
+            <a:schemeClr val="accent1"/>
+          </a:fillRef>
+          <a:effectRef idx="0">
+            <a:schemeClr val="accent1"/>
+          </a:effectRef>
+          <a:fontRef idx="minor">
+            <a:schemeClr val="lt1"/>
+          </a:fontRef>
+        </p:style>
+        <p:txBody>
+          <a:bodyPr rtlCol="0" anchor="ctr"/>
+          <a:lstStyle/>
+          <a:p>
+            <a:pPr algn="ctr"/>
+            <a:endParaRPr lang="zh-CN" altLang="en-US"/>
+          </a:p>
+        </p:txBody>
+      </p:sp>
+      <p:sp>
+        <p:nvSpPr>
+          <p:cNvPr id="7" name="TextBox 6"/>
+          <p:cNvSpPr txBox="1"/>
+          <p:nvPr/>
+        </p:nvSpPr>
+        <p:spPr>
+          <a:xfrm>
+            <a:off x="833472" y="263449"/>
+            <a:ext cx="8380865" cy="430887"/>
+          </a:xfrm>
+          <a:prstGeom prst="rect">
+            <a:avLst/>
+          </a:prstGeom>
+          <a:noFill/>
+        </p:spPr>
+        <p:txBody>
+          <a:bodyPr wrap="square" lIns="0" tIns="0" rIns="0" bIns="0" rtlCol="0">
+            <a:spAutoFit/>
+          </a:bodyPr>
+          <a:lstStyle/>
+          <a:p>
+            <a:r>
+              <a:rPr lang="en-US" sz="2800" dirty="0"/>
+              <a:t>Native SQL </a:t>
+            </a:r>
+            <a:r>
+              <a:rPr lang="en-US" sz="2800" dirty="0" err="1"/>
+              <a:t>Utils</a:t>
+            </a:r>
+            <a:endParaRPr lang="en-US" sz="2000" dirty="0">
+              <a:latin typeface="GE汉仪中圆简" panose="02010600000101010101" pitchFamily="2" charset="-122"/>
+              <a:ea typeface="GE汉仪中圆简" panose="02010600000101010101" pitchFamily="2" charset="-122"/>
+            </a:endParaRPr>
+          </a:p>
+        </p:txBody>
+      </p:sp>
+      <p:sp>
+        <p:nvSpPr>
+          <p:cNvPr id="6" name="Rectangle 2"/>
+          <p:cNvSpPr>
+            <a:spLocks noChangeArrowheads="1"/>
+          </p:cNvSpPr>
+          <p:nvPr/>
+        </p:nvSpPr>
+        <p:spPr bwMode="auto">
+          <a:xfrm>
+            <a:off x="1250899" y="1362075"/>
+            <a:ext cx="9961052" cy="4976507"/>
+          </a:xfrm>
+          <a:prstGeom prst="rect">
+            <a:avLst/>
+          </a:prstGeom>
+          <a:noFill/>
+          <a:ln>
+            <a:noFill/>
+          </a:ln>
+          <a:effectLst/>
+          <a:extLst>
+            <a:ext uri="{909E8E84-426E-40DD-AFC4-6F175D3DCCD1}">
+              <a14:hiddenFill xmlns:a14="http://schemas.microsoft.com/office/drawing/2010/main">
+                <a:solidFill>
+                  <a:schemeClr val="accent1"/>
+                </a:solidFill>
+              </a14:hiddenFill>
+            </a:ext>
+            <a:ext uri="{91240B29-F687-4F45-9708-019B960494DF}">
+              <a14:hiddenLine xmlns:a14="http://schemas.microsoft.com/office/drawing/2010/main" w="12700">
+                <a:solidFill>
+                  <a:schemeClr val="tx1"/>
+                </a:solidFill>
+                <a:miter lim="800000"/>
+                <a:headEnd type="none" w="sm" len="sm"/>
+                <a:tailEnd type="none" w="sm" len="sm"/>
+              </a14:hiddenLine>
+            </a:ext>
+            <a:ext uri="{AF507438-7753-43E0-B8FC-AC1667EBCBE1}">
+              <a14:hiddenEffects xmlns:a14="http://schemas.microsoft.com/office/drawing/2010/main">
+                <a:effectLst>
+                  <a:outerShdw dist="35921" dir="2700000" algn="ctr" rotWithShape="0">
+                    <a:schemeClr val="bg2"/>
+                  </a:outerShdw>
+                </a:effectLst>
+              </a14:hiddenEffects>
+            </a:ext>
+          </a:extLst>
+        </p:spPr>
+        <p:txBody>
+          <a:bodyPr wrap="square" lIns="82058" tIns="41029" rIns="82058" bIns="41029">
+            <a:spAutoFit/>
+          </a:bodyPr>
+          <a:lstStyle/>
+          <a:p>
+            <a:pPr defTabSz="820738">
+              <a:buFont typeface="Wingdings" pitchFamily="2" charset="2"/>
+              <a:buChar char="ü"/>
+            </a:pPr>
+            <a:r>
+              <a:rPr lang="zh-CN" altLang="en-US" sz="2000" b="1" dirty="0">
+                <a:latin typeface="微软雅黑" panose="020B0503020204020204" pitchFamily="34" charset="-122"/>
+                <a:ea typeface="微软雅黑" panose="020B0503020204020204" pitchFamily="34" charset="-122"/>
+              </a:rPr>
+              <a:t>做报表的时候，可能使用 </a:t>
+            </a:r>
+            <a:r>
+              <a:rPr lang="en-US" altLang="zh-CN" sz="2000" b="1" dirty="0" err="1">
+                <a:latin typeface="微软雅黑" panose="020B0503020204020204" pitchFamily="34" charset="-122"/>
+                <a:ea typeface="微软雅黑" panose="020B0503020204020204" pitchFamily="34" charset="-122"/>
+              </a:rPr>
+              <a:t>NativeSQL</a:t>
+            </a:r>
+            <a:r>
+              <a:rPr lang="en-US" altLang="zh-CN" sz="2000" b="1" dirty="0">
+                <a:latin typeface="微软雅黑" panose="020B0503020204020204" pitchFamily="34" charset="-122"/>
+                <a:ea typeface="微软雅黑" panose="020B0503020204020204" pitchFamily="34" charset="-122"/>
+              </a:rPr>
+              <a:t> </a:t>
+            </a:r>
+            <a:r>
+              <a:rPr lang="zh-CN" altLang="en-US" sz="2000" b="1" dirty="0">
+                <a:latin typeface="微软雅黑" panose="020B0503020204020204" pitchFamily="34" charset="-122"/>
+                <a:ea typeface="微软雅黑" panose="020B0503020204020204" pitchFamily="34" charset="-122"/>
+              </a:rPr>
+              <a:t>比</a:t>
+            </a:r>
+            <a:r>
+              <a:rPr lang="en-US" altLang="zh-CN" sz="2000" b="1" dirty="0">
+                <a:latin typeface="微软雅黑" panose="020B0503020204020204" pitchFamily="34" charset="-122"/>
+                <a:ea typeface="微软雅黑" panose="020B0503020204020204" pitchFamily="34" charset="-122"/>
+              </a:rPr>
+              <a:t>JPA</a:t>
+            </a:r>
+            <a:r>
+              <a:rPr lang="zh-CN" altLang="en-US" sz="2000" b="1" dirty="0">
+                <a:latin typeface="微软雅黑" panose="020B0503020204020204" pitchFamily="34" charset="-122"/>
+                <a:ea typeface="微软雅黑" panose="020B0503020204020204" pitchFamily="34" charset="-122"/>
+              </a:rPr>
+              <a:t>更方便</a:t>
+            </a:r>
+            <a:endParaRPr lang="en-US" altLang="zh-CN" sz="2000" b="1" dirty="0">
+              <a:latin typeface="微软雅黑" panose="020B0503020204020204" pitchFamily="34" charset="-122"/>
+              <a:ea typeface="微软雅黑" panose="020B0503020204020204" pitchFamily="34" charset="-122"/>
+            </a:endParaRPr>
+          </a:p>
+          <a:p>
+            <a:pPr defTabSz="820738"/>
+            <a:r>
+              <a:rPr lang="zh-CN" altLang="en-US" sz="2000" dirty="0">
+                <a:latin typeface="微软雅黑" panose="020B0503020204020204" pitchFamily="34" charset="-122"/>
+                <a:ea typeface="微软雅黑" panose="020B0503020204020204" pitchFamily="34" charset="-122"/>
+              </a:rPr>
+              <a:t>下面是使用 </a:t>
+            </a:r>
+            <a:r>
+              <a:rPr lang="en-US" altLang="zh-CN" sz="2000" dirty="0" err="1">
+                <a:latin typeface="微软雅黑" panose="020B0503020204020204" pitchFamily="34" charset="-122"/>
+                <a:ea typeface="微软雅黑" panose="020B0503020204020204" pitchFamily="34" charset="-122"/>
+              </a:rPr>
+              <a:t>NativeSQL</a:t>
+            </a:r>
+            <a:r>
+              <a:rPr lang="en-US" altLang="zh-CN" sz="2000" dirty="0">
+                <a:latin typeface="微软雅黑" panose="020B0503020204020204" pitchFamily="34" charset="-122"/>
+                <a:ea typeface="微软雅黑" panose="020B0503020204020204" pitchFamily="34" charset="-122"/>
+              </a:rPr>
+              <a:t> </a:t>
+            </a:r>
+            <a:r>
+              <a:rPr lang="zh-CN" altLang="en-US" sz="2000" dirty="0">
+                <a:latin typeface="微软雅黑" panose="020B0503020204020204" pitchFamily="34" charset="-122"/>
+                <a:ea typeface="微软雅黑" panose="020B0503020204020204" pitchFamily="34" charset="-122"/>
+              </a:rPr>
+              <a:t>的例子</a:t>
+            </a:r>
+            <a:r>
+              <a:rPr lang="en-US" altLang="zh-CN" sz="2000" dirty="0">
+                <a:latin typeface="微软雅黑" panose="020B0503020204020204" pitchFamily="34" charset="-122"/>
+                <a:ea typeface="微软雅黑" panose="020B0503020204020204" pitchFamily="34" charset="-122"/>
+              </a:rPr>
+              <a:t>:</a:t>
+            </a:r>
+          </a:p>
+          <a:p>
+            <a:pPr defTabSz="820738"/>
+            <a:endParaRPr lang="en-US" altLang="zh-CN" sz="2000" dirty="0">
+              <a:latin typeface="微软雅黑" panose="020B0503020204020204" pitchFamily="34" charset="-122"/>
+              <a:ea typeface="微软雅黑" panose="020B0503020204020204" pitchFamily="34" charset="-122"/>
+            </a:endParaRPr>
+          </a:p>
+          <a:p>
+            <a:pPr lvl="1" defTabSz="820738"/>
+            <a:r>
+              <a:rPr lang="en-US" altLang="zh-CN" sz="1600" dirty="0">
+                <a:latin typeface="微软雅黑" panose="020B0503020204020204" pitchFamily="34" charset="-122"/>
+                <a:ea typeface="微软雅黑" panose="020B0503020204020204" pitchFamily="34" charset="-122"/>
+              </a:rPr>
+              <a:t>//</a:t>
+            </a:r>
+            <a:r>
+              <a:rPr lang="zh-CN" altLang="en-US" sz="1600" dirty="0">
+                <a:latin typeface="微软雅黑" panose="020B0503020204020204" pitchFamily="34" charset="-122"/>
+                <a:ea typeface="微软雅黑" panose="020B0503020204020204" pitchFamily="34" charset="-122"/>
+              </a:rPr>
+              <a:t>准备 </a:t>
+            </a:r>
+            <a:r>
+              <a:rPr lang="en-US" altLang="zh-CN" sz="1600" dirty="0">
+                <a:latin typeface="微软雅黑" panose="020B0503020204020204" pitchFamily="34" charset="-122"/>
+                <a:ea typeface="微软雅黑" panose="020B0503020204020204" pitchFamily="34" charset="-122"/>
+              </a:rPr>
+              <a:t>SQL </a:t>
+            </a:r>
+            <a:r>
+              <a:rPr lang="zh-CN" altLang="en-US" sz="1600" dirty="0">
+                <a:latin typeface="微软雅黑" panose="020B0503020204020204" pitchFamily="34" charset="-122"/>
+                <a:ea typeface="微软雅黑" panose="020B0503020204020204" pitchFamily="34" charset="-122"/>
+              </a:rPr>
+              <a:t>参数</a:t>
+            </a:r>
+          </a:p>
+          <a:p>
+            <a:pPr lvl="1" defTabSz="820738"/>
+            <a:r>
+              <a:rPr lang="en-US" altLang="zh-CN" sz="1600" dirty="0">
+                <a:latin typeface="微软雅黑" panose="020B0503020204020204" pitchFamily="34" charset="-122"/>
+                <a:ea typeface="微软雅黑" panose="020B0503020204020204" pitchFamily="34" charset="-122"/>
+              </a:rPr>
+              <a:t>Map&lt;String, Object&gt; </a:t>
+            </a:r>
+            <a:r>
+              <a:rPr lang="en-US" altLang="zh-CN" sz="1600" dirty="0" err="1">
+                <a:latin typeface="微软雅黑" panose="020B0503020204020204" pitchFamily="34" charset="-122"/>
+                <a:ea typeface="微软雅黑" panose="020B0503020204020204" pitchFamily="34" charset="-122"/>
+              </a:rPr>
+              <a:t>sqlParams</a:t>
+            </a:r>
+            <a:r>
+              <a:rPr lang="en-US" altLang="zh-CN" sz="1600" dirty="0">
+                <a:latin typeface="微软雅黑" panose="020B0503020204020204" pitchFamily="34" charset="-122"/>
+                <a:ea typeface="微软雅黑" panose="020B0503020204020204" pitchFamily="34" charset="-122"/>
+              </a:rPr>
+              <a:t> = new </a:t>
+            </a:r>
+            <a:r>
+              <a:rPr lang="en-US" altLang="zh-CN" sz="1600" dirty="0" err="1">
+                <a:latin typeface="微软雅黑" panose="020B0503020204020204" pitchFamily="34" charset="-122"/>
+                <a:ea typeface="微软雅黑" panose="020B0503020204020204" pitchFamily="34" charset="-122"/>
+              </a:rPr>
+              <a:t>HashMap</a:t>
+            </a:r>
+            <a:r>
+              <a:rPr lang="en-US" altLang="zh-CN" sz="1600" dirty="0">
+                <a:latin typeface="微软雅黑" panose="020B0503020204020204" pitchFamily="34" charset="-122"/>
+                <a:ea typeface="微软雅黑" panose="020B0503020204020204" pitchFamily="34" charset="-122"/>
+              </a:rPr>
+              <a:t>&lt;&gt;();</a:t>
+            </a:r>
+          </a:p>
+          <a:p>
+            <a:pPr lvl="1" defTabSz="820738"/>
+            <a:r>
+              <a:rPr lang="en-US" altLang="zh-CN" sz="1600" dirty="0" err="1">
+                <a:latin typeface="微软雅黑" panose="020B0503020204020204" pitchFamily="34" charset="-122"/>
+                <a:ea typeface="微软雅黑" panose="020B0503020204020204" pitchFamily="34" charset="-122"/>
+              </a:rPr>
+              <a:t>sqlParams.put</a:t>
+            </a:r>
+            <a:r>
+              <a:rPr lang="en-US" altLang="zh-CN" sz="1600" dirty="0">
+                <a:latin typeface="微软雅黑" panose="020B0503020204020204" pitchFamily="34" charset="-122"/>
+                <a:ea typeface="微软雅黑" panose="020B0503020204020204" pitchFamily="34" charset="-122"/>
+              </a:rPr>
+              <a:t>("</a:t>
+            </a:r>
+            <a:r>
+              <a:rPr lang="en-US" altLang="zh-CN" sz="1600" dirty="0" err="1">
+                <a:latin typeface="微软雅黑" panose="020B0503020204020204" pitchFamily="34" charset="-122"/>
+                <a:ea typeface="微软雅黑" panose="020B0503020204020204" pitchFamily="34" charset="-122"/>
+              </a:rPr>
+              <a:t>hospitalId</a:t>
+            </a:r>
+            <a:r>
+              <a:rPr lang="en-US" altLang="zh-CN" sz="1600" dirty="0">
+                <a:latin typeface="微软雅黑" panose="020B0503020204020204" pitchFamily="34" charset="-122"/>
+                <a:ea typeface="微软雅黑" panose="020B0503020204020204" pitchFamily="34" charset="-122"/>
+              </a:rPr>
+              <a:t>", 1);</a:t>
+            </a:r>
+          </a:p>
+          <a:p>
+            <a:pPr lvl="1" defTabSz="820738"/>
+            <a:r>
+              <a:rPr lang="en-US" altLang="zh-CN" sz="1600" dirty="0" err="1">
+                <a:latin typeface="微软雅黑" panose="020B0503020204020204" pitchFamily="34" charset="-122"/>
+                <a:ea typeface="微软雅黑" panose="020B0503020204020204" pitchFamily="34" charset="-122"/>
+              </a:rPr>
+              <a:t>sqlParams.put</a:t>
+            </a:r>
+            <a:r>
+              <a:rPr lang="en-US" altLang="zh-CN" sz="1600" dirty="0">
+                <a:latin typeface="微软雅黑" panose="020B0503020204020204" pitchFamily="34" charset="-122"/>
+                <a:ea typeface="微软雅黑" panose="020B0503020204020204" pitchFamily="34" charset="-122"/>
+              </a:rPr>
+              <a:t>("</a:t>
+            </a:r>
+            <a:r>
+              <a:rPr lang="en-US" altLang="zh-CN" sz="1600" dirty="0" err="1">
+                <a:latin typeface="微软雅黑" panose="020B0503020204020204" pitchFamily="34" charset="-122"/>
+                <a:ea typeface="微软雅黑" panose="020B0503020204020204" pitchFamily="34" charset="-122"/>
+              </a:rPr>
+              <a:t>assetName</a:t>
+            </a:r>
+            <a:r>
+              <a:rPr lang="en-US" altLang="zh-CN" sz="1600" dirty="0">
+                <a:latin typeface="微软雅黑" panose="020B0503020204020204" pitchFamily="34" charset="-122"/>
+                <a:ea typeface="微软雅黑" panose="020B0503020204020204" pitchFamily="34" charset="-122"/>
+              </a:rPr>
+              <a:t>", "%CT%");</a:t>
+            </a:r>
+          </a:p>
+          <a:p>
+            <a:pPr lvl="1" defTabSz="820738"/>
+            <a:endParaRPr lang="en-US" altLang="zh-CN" sz="1600" dirty="0">
+              <a:latin typeface="微软雅黑" panose="020B0503020204020204" pitchFamily="34" charset="-122"/>
+              <a:ea typeface="微软雅黑" panose="020B0503020204020204" pitchFamily="34" charset="-122"/>
+            </a:endParaRPr>
+          </a:p>
+          <a:p>
+            <a:pPr lvl="1" defTabSz="820738"/>
+            <a:r>
+              <a:rPr lang="en-US" altLang="zh-CN" sz="1600" dirty="0">
+                <a:latin typeface="微软雅黑" panose="020B0503020204020204" pitchFamily="34" charset="-122"/>
+                <a:ea typeface="微软雅黑" panose="020B0503020204020204" pitchFamily="34" charset="-122"/>
+              </a:rPr>
+              <a:t>//</a:t>
+            </a:r>
+            <a:r>
+              <a:rPr lang="zh-CN" altLang="en-US" sz="1600" dirty="0">
+                <a:latin typeface="微软雅黑" panose="020B0503020204020204" pitchFamily="34" charset="-122"/>
+                <a:ea typeface="微软雅黑" panose="020B0503020204020204" pitchFamily="34" charset="-122"/>
+              </a:rPr>
+              <a:t>执行 </a:t>
+            </a:r>
+            <a:r>
+              <a:rPr lang="en-US" altLang="zh-CN" sz="1600" dirty="0">
+                <a:latin typeface="微软雅黑" panose="020B0503020204020204" pitchFamily="34" charset="-122"/>
+                <a:ea typeface="微软雅黑" panose="020B0503020204020204" pitchFamily="34" charset="-122"/>
+              </a:rPr>
+              <a:t>SQL</a:t>
+            </a:r>
+          </a:p>
+          <a:p>
+            <a:pPr lvl="1" defTabSz="820738"/>
+            <a:r>
+              <a:rPr lang="en-US" altLang="zh-CN" sz="1600" dirty="0">
+                <a:latin typeface="微软雅黑" panose="020B0503020204020204" pitchFamily="34" charset="-122"/>
+                <a:ea typeface="微软雅黑" panose="020B0503020204020204" pitchFamily="34" charset="-122"/>
+              </a:rPr>
+              <a:t>List&lt;Map&lt;String, Object&gt;&gt; result = </a:t>
+            </a:r>
+            <a:r>
+              <a:rPr lang="en-US" altLang="zh-CN" sz="1600" dirty="0" err="1">
+                <a:latin typeface="微软雅黑" panose="020B0503020204020204" pitchFamily="34" charset="-122"/>
+                <a:ea typeface="微软雅黑" panose="020B0503020204020204" pitchFamily="34" charset="-122"/>
+              </a:rPr>
+              <a:t>NativeSqlUtil.queryForList</a:t>
+            </a:r>
+            <a:r>
+              <a:rPr lang="en-US" altLang="zh-CN" sz="1600" dirty="0">
+                <a:latin typeface="微软雅黑" panose="020B0503020204020204" pitchFamily="34" charset="-122"/>
+                <a:ea typeface="微软雅黑" panose="020B0503020204020204" pitchFamily="34" charset="-122"/>
+              </a:rPr>
+              <a:t>("select * from </a:t>
+            </a:r>
+            <a:r>
+              <a:rPr lang="en-US" altLang="zh-CN" sz="1600" dirty="0" err="1">
+                <a:latin typeface="微软雅黑" panose="020B0503020204020204" pitchFamily="34" charset="-122"/>
+                <a:ea typeface="微软雅黑" panose="020B0503020204020204" pitchFamily="34" charset="-122"/>
+              </a:rPr>
+              <a:t>asset_info</a:t>
+            </a:r>
+            <a:r>
+              <a:rPr lang="en-US" altLang="zh-CN" sz="1600" dirty="0">
+                <a:latin typeface="微软雅黑" panose="020B0503020204020204" pitchFamily="34" charset="-122"/>
+                <a:ea typeface="微软雅黑" panose="020B0503020204020204" pitchFamily="34" charset="-122"/>
+              </a:rPr>
+              <a:t> where </a:t>
+            </a:r>
+            <a:r>
+              <a:rPr lang="en-US" altLang="zh-CN" sz="1600" dirty="0" err="1">
+                <a:latin typeface="微软雅黑" panose="020B0503020204020204" pitchFamily="34" charset="-122"/>
+                <a:ea typeface="微软雅黑" panose="020B0503020204020204" pitchFamily="34" charset="-122"/>
+              </a:rPr>
+              <a:t>hospital_id</a:t>
+            </a:r>
+            <a:r>
+              <a:rPr lang="en-US" altLang="zh-CN" sz="1600" dirty="0">
+                <a:latin typeface="微软雅黑" panose="020B0503020204020204" pitchFamily="34" charset="-122"/>
+                <a:ea typeface="微软雅黑" panose="020B0503020204020204" pitchFamily="34" charset="-122"/>
+              </a:rPr>
+              <a:t>=:#</a:t>
+            </a:r>
+            <a:r>
+              <a:rPr lang="en-US" altLang="zh-CN" sz="1600" dirty="0" err="1">
+                <a:latin typeface="微软雅黑" panose="020B0503020204020204" pitchFamily="34" charset="-122"/>
+                <a:ea typeface="微软雅黑" panose="020B0503020204020204" pitchFamily="34" charset="-122"/>
+              </a:rPr>
+              <a:t>hospitalId</a:t>
+            </a:r>
+            <a:r>
+              <a:rPr lang="en-US" altLang="zh-CN" sz="1600" dirty="0">
+                <a:latin typeface="微软雅黑" panose="020B0503020204020204" pitchFamily="34" charset="-122"/>
+                <a:ea typeface="微软雅黑" panose="020B0503020204020204" pitchFamily="34" charset="-122"/>
+              </a:rPr>
+              <a:t> and name like :#</a:t>
+            </a:r>
+            <a:r>
+              <a:rPr lang="en-US" altLang="zh-CN" sz="1600" dirty="0" err="1">
+                <a:latin typeface="微软雅黑" panose="020B0503020204020204" pitchFamily="34" charset="-122"/>
+                <a:ea typeface="微软雅黑" panose="020B0503020204020204" pitchFamily="34" charset="-122"/>
+              </a:rPr>
+              <a:t>assetName</a:t>
+            </a:r>
+            <a:r>
+              <a:rPr lang="en-US" altLang="zh-CN" sz="1600" dirty="0">
+                <a:latin typeface="微软雅黑" panose="020B0503020204020204" pitchFamily="34" charset="-122"/>
+                <a:ea typeface="微软雅黑" panose="020B0503020204020204" pitchFamily="34" charset="-122"/>
+              </a:rPr>
+              <a:t>", </a:t>
+            </a:r>
+            <a:r>
+              <a:rPr lang="en-US" altLang="zh-CN" sz="1600" dirty="0" err="1">
+                <a:latin typeface="微软雅黑" panose="020B0503020204020204" pitchFamily="34" charset="-122"/>
+                <a:ea typeface="微软雅黑" panose="020B0503020204020204" pitchFamily="34" charset="-122"/>
+              </a:rPr>
+              <a:t>sqlParams</a:t>
+            </a:r>
+            <a:r>
+              <a:rPr lang="en-US" altLang="zh-CN" sz="1600" dirty="0">
+                <a:latin typeface="微软雅黑" panose="020B0503020204020204" pitchFamily="34" charset="-122"/>
+                <a:ea typeface="微软雅黑" panose="020B0503020204020204" pitchFamily="34" charset="-122"/>
+              </a:rPr>
+              <a:t>);</a:t>
+            </a:r>
+          </a:p>
+          <a:p>
+            <a:pPr lvl="1" defTabSz="820738"/>
+            <a:endParaRPr lang="en-US" altLang="zh-CN" sz="1600" dirty="0">
+              <a:latin typeface="微软雅黑" panose="020B0503020204020204" pitchFamily="34" charset="-122"/>
+              <a:ea typeface="微软雅黑" panose="020B0503020204020204" pitchFamily="34" charset="-122"/>
+            </a:endParaRPr>
+          </a:p>
+          <a:p>
+            <a:pPr lvl="1" defTabSz="820738"/>
+            <a:r>
+              <a:rPr lang="en-US" altLang="zh-CN" sz="1600" dirty="0">
+                <a:latin typeface="微软雅黑" panose="020B0503020204020204" pitchFamily="34" charset="-122"/>
+                <a:ea typeface="微软雅黑" panose="020B0503020204020204" pitchFamily="34" charset="-122"/>
+              </a:rPr>
+              <a:t>//</a:t>
+            </a:r>
+            <a:r>
+              <a:rPr lang="zh-CN" altLang="en-US" sz="1600" dirty="0">
+                <a:latin typeface="微软雅黑" panose="020B0503020204020204" pitchFamily="34" charset="-122"/>
+                <a:ea typeface="微软雅黑" panose="020B0503020204020204" pitchFamily="34" charset="-122"/>
+              </a:rPr>
+              <a:t>取第一行记录的资产名称字段</a:t>
+            </a:r>
+          </a:p>
+          <a:p>
+            <a:pPr lvl="1" defTabSz="820738"/>
+            <a:r>
+              <a:rPr lang="en-US" altLang="zh-CN" sz="1600" dirty="0">
+                <a:latin typeface="微软雅黑" panose="020B0503020204020204" pitchFamily="34" charset="-122"/>
+                <a:ea typeface="微软雅黑" panose="020B0503020204020204" pitchFamily="34" charset="-122"/>
+              </a:rPr>
+              <a:t>String </a:t>
+            </a:r>
+            <a:r>
+              <a:rPr lang="en-US" altLang="zh-CN" sz="1600" dirty="0" err="1">
+                <a:latin typeface="微软雅黑" panose="020B0503020204020204" pitchFamily="34" charset="-122"/>
+                <a:ea typeface="微软雅黑" panose="020B0503020204020204" pitchFamily="34" charset="-122"/>
+              </a:rPr>
+              <a:t>assetName</a:t>
+            </a:r>
+            <a:r>
+              <a:rPr lang="en-US" altLang="zh-CN" sz="1600" dirty="0">
+                <a:latin typeface="微软雅黑" panose="020B0503020204020204" pitchFamily="34" charset="-122"/>
+                <a:ea typeface="微软雅黑" panose="020B0503020204020204" pitchFamily="34" charset="-122"/>
+              </a:rPr>
+              <a:t> = </a:t>
+            </a:r>
+            <a:r>
+              <a:rPr lang="en-US" altLang="zh-CN" sz="1600" dirty="0" err="1">
+                <a:latin typeface="微软雅黑" panose="020B0503020204020204" pitchFamily="34" charset="-122"/>
+                <a:ea typeface="微软雅黑" panose="020B0503020204020204" pitchFamily="34" charset="-122"/>
+              </a:rPr>
+              <a:t>result.get</a:t>
+            </a:r>
+            <a:r>
+              <a:rPr lang="en-US" altLang="zh-CN" sz="1600" dirty="0">
+                <a:latin typeface="微软雅黑" panose="020B0503020204020204" pitchFamily="34" charset="-122"/>
+                <a:ea typeface="微软雅黑" panose="020B0503020204020204" pitchFamily="34" charset="-122"/>
+              </a:rPr>
+              <a:t>(0).get("name").</a:t>
+            </a:r>
+            <a:r>
+              <a:rPr lang="en-US" altLang="zh-CN" sz="1600" dirty="0" err="1">
+                <a:latin typeface="微软雅黑" panose="020B0503020204020204" pitchFamily="34" charset="-122"/>
+                <a:ea typeface="微软雅黑" panose="020B0503020204020204" pitchFamily="34" charset="-122"/>
+              </a:rPr>
+              <a:t>toString</a:t>
+            </a:r>
+            <a:r>
+              <a:rPr lang="en-US" altLang="zh-CN" sz="1600" dirty="0">
+                <a:latin typeface="微软雅黑" panose="020B0503020204020204" pitchFamily="34" charset="-122"/>
+                <a:ea typeface="微软雅黑" panose="020B0503020204020204" pitchFamily="34" charset="-122"/>
+              </a:rPr>
+              <a:t>();</a:t>
+            </a:r>
+          </a:p>
+          <a:p>
+            <a:pPr defTabSz="820738"/>
+            <a:endParaRPr lang="en-US" altLang="zh-CN" sz="2000" dirty="0">
+              <a:latin typeface="微软雅黑" panose="020B0503020204020204" pitchFamily="34" charset="-122"/>
+              <a:ea typeface="微软雅黑" panose="020B0503020204020204" pitchFamily="34" charset="-122"/>
+            </a:endParaRPr>
+          </a:p>
+          <a:p>
+            <a:pPr defTabSz="820738"/>
+            <a:r>
+              <a:rPr lang="en-US" altLang="zh-CN" sz="2000" dirty="0">
+                <a:latin typeface="微软雅黑" panose="020B0503020204020204" pitchFamily="34" charset="-122"/>
+                <a:ea typeface="微软雅黑" panose="020B0503020204020204" pitchFamily="34" charset="-122"/>
+              </a:rPr>
+              <a:t>SQL</a:t>
+            </a:r>
+            <a:r>
+              <a:rPr lang="zh-CN" altLang="en-US" sz="2000" dirty="0">
+                <a:latin typeface="微软雅黑" panose="020B0503020204020204" pitchFamily="34" charset="-122"/>
+                <a:ea typeface="微软雅黑" panose="020B0503020204020204" pitchFamily="34" charset="-122"/>
+              </a:rPr>
+              <a:t>语句中的参数名称必须要使用前缀 </a:t>
+            </a:r>
+            <a:r>
+              <a:rPr lang="en-US" altLang="zh-CN" sz="2000" dirty="0">
+                <a:solidFill>
+                  <a:srgbClr val="FF0000"/>
+                </a:solidFill>
+                <a:highlight>
+                  <a:srgbClr val="FFFF00"/>
+                </a:highlight>
+                <a:latin typeface="微软雅黑" panose="020B0503020204020204" pitchFamily="34" charset="-122"/>
+                <a:ea typeface="微软雅黑" panose="020B0503020204020204" pitchFamily="34" charset="-122"/>
+              </a:rPr>
+              <a:t>:#</a:t>
+            </a:r>
+            <a:r>
+              <a:rPr lang="en-US" altLang="zh-CN" sz="2000" dirty="0">
+                <a:latin typeface="微软雅黑" panose="020B0503020204020204" pitchFamily="34" charset="-122"/>
+                <a:ea typeface="微软雅黑" panose="020B0503020204020204" pitchFamily="34" charset="-122"/>
+              </a:rPr>
+              <a:t>, </a:t>
+            </a:r>
+            <a:r>
+              <a:rPr lang="zh-CN" altLang="en-US" sz="2000" dirty="0">
+                <a:latin typeface="微软雅黑" panose="020B0503020204020204" pitchFamily="34" charset="-122"/>
+                <a:ea typeface="微软雅黑" panose="020B0503020204020204" pitchFamily="34" charset="-122"/>
+              </a:rPr>
+              <a:t>比如上面的参数 </a:t>
+            </a:r>
+            <a:r>
+              <a:rPr lang="en-US" altLang="zh-CN" sz="2000" dirty="0">
+                <a:latin typeface="微软雅黑" panose="020B0503020204020204" pitchFamily="34" charset="-122"/>
+                <a:ea typeface="微软雅黑" panose="020B0503020204020204" pitchFamily="34" charset="-122"/>
+              </a:rPr>
+              <a:t>:#</a:t>
+            </a:r>
+            <a:r>
+              <a:rPr lang="en-US" altLang="zh-CN" sz="2000" dirty="0" err="1">
+                <a:latin typeface="微软雅黑" panose="020B0503020204020204" pitchFamily="34" charset="-122"/>
+                <a:ea typeface="微软雅黑" panose="020B0503020204020204" pitchFamily="34" charset="-122"/>
+              </a:rPr>
+              <a:t>hospitalId</a:t>
+            </a:r>
+            <a:r>
+              <a:rPr lang="en-US" altLang="zh-CN" sz="2000" dirty="0">
+                <a:latin typeface="微软雅黑" panose="020B0503020204020204" pitchFamily="34" charset="-122"/>
+                <a:ea typeface="微软雅黑" panose="020B0503020204020204" pitchFamily="34" charset="-122"/>
+              </a:rPr>
+              <a:t> </a:t>
+            </a:r>
+            <a:r>
+              <a:rPr lang="zh-CN" altLang="en-US" sz="2000" dirty="0">
+                <a:latin typeface="微软雅黑" panose="020B0503020204020204" pitchFamily="34" charset="-122"/>
+                <a:ea typeface="微软雅黑" panose="020B0503020204020204" pitchFamily="34" charset="-122"/>
+              </a:rPr>
+              <a:t>和 </a:t>
+            </a:r>
+            <a:r>
+              <a:rPr lang="en-US" altLang="zh-CN" sz="2000" dirty="0">
+                <a:latin typeface="微软雅黑" panose="020B0503020204020204" pitchFamily="34" charset="-122"/>
+                <a:ea typeface="微软雅黑" panose="020B0503020204020204" pitchFamily="34" charset="-122"/>
+              </a:rPr>
+              <a:t>:#</a:t>
+            </a:r>
+            <a:r>
+              <a:rPr lang="en-US" altLang="zh-CN" sz="2000" dirty="0" err="1">
+                <a:latin typeface="微软雅黑" panose="020B0503020204020204" pitchFamily="34" charset="-122"/>
+                <a:ea typeface="微软雅黑" panose="020B0503020204020204" pitchFamily="34" charset="-122"/>
+              </a:rPr>
+              <a:t>assetName</a:t>
+            </a:r>
+            <a:endParaRPr lang="en-US" altLang="zh-CN" sz="2000" dirty="0">
+              <a:latin typeface="微软雅黑" panose="020B0503020204020204" pitchFamily="34" charset="-122"/>
+              <a:ea typeface="微软雅黑" panose="020B0503020204020204" pitchFamily="34" charset="-122"/>
+            </a:endParaRPr>
+          </a:p>
+          <a:p>
+            <a:pPr defTabSz="820738"/>
+            <a:endParaRPr lang="en-US" altLang="zh-CN" sz="1600" dirty="0">
+              <a:latin typeface="微软雅黑" panose="020B0503020204020204" pitchFamily="34" charset="-122"/>
+              <a:ea typeface="微软雅黑" panose="020B0503020204020204" pitchFamily="34" charset="-122"/>
+            </a:endParaRPr>
+          </a:p>
+        </p:txBody>
+      </p:sp>
+    </p:spTree>
+    <p:extLst>
+      <p:ext uri="{BB962C8B-B14F-4D97-AF65-F5344CB8AC3E}">
+        <p14:creationId xmlns:p14="http://schemas.microsoft.com/office/powerpoint/2010/main" val="527787828"/>
+      </p:ext>
+    </p:extLst>
+  </p:cSld>
+  <p:clrMapOvr>
+    <a:masterClrMapping/>
+  </p:clrMapOvr>
+</p:sld>
+</file>
+
+<file path=ppt/slides/slide27.xml><?xml version="1.0" encoding="utf-8"?>
+<p:sld xmlns:a="http://schemas.openxmlformats.org/drawingml/2006/main" xmlns:r="http://schemas.openxmlformats.org/officeDocument/2006/relationships" xmlns:p="http://schemas.openxmlformats.org/presentationml/2006/main">
+  <p:cSld>
+    <p:spTree>
+      <p:nvGrpSpPr>
+        <p:cNvPr id="1" name=""/>
+        <p:cNvGrpSpPr/>
+        <p:nvPr/>
+      </p:nvGrpSpPr>
+      <p:grpSpPr>
+        <a:xfrm>
+          <a:off x="0" y="0"/>
+          <a:ext cx="0" cy="0"/>
+          <a:chOff x="0" y="0"/>
+          <a:chExt cx="0" cy="0"/>
+        </a:xfrm>
+      </p:grpSpPr>
+      <p:sp>
+        <p:nvSpPr>
+          <p:cNvPr id="5" name="矩形 4"/>
+          <p:cNvSpPr/>
+          <p:nvPr/>
+        </p:nvSpPr>
+        <p:spPr>
+          <a:xfrm>
+            <a:off x="-9839" y="915023"/>
+            <a:ext cx="12198664" cy="111210"/>
+          </a:xfrm>
+          <a:prstGeom prst="rect">
+            <a:avLst/>
+          </a:prstGeom>
+          <a:solidFill>
+            <a:srgbClr val="00B0F0"/>
+          </a:solidFill>
+          <a:ln>
+            <a:noFill/>
+          </a:ln>
+        </p:spPr>
+        <p:style>
+          <a:lnRef idx="2">
+            <a:schemeClr val="accent1">
+              <a:shade val="50000"/>
+            </a:schemeClr>
+          </a:lnRef>
+          <a:fillRef idx="1">
+            <a:schemeClr val="accent1"/>
+          </a:fillRef>
+          <a:effectRef idx="0">
+            <a:schemeClr val="accent1"/>
+          </a:effectRef>
+          <a:fontRef idx="minor">
+            <a:schemeClr val="lt1"/>
+          </a:fontRef>
+        </p:style>
+        <p:txBody>
+          <a:bodyPr rtlCol="0" anchor="ctr"/>
+          <a:lstStyle/>
+          <a:p>
+            <a:pPr algn="ctr"/>
+            <a:endParaRPr lang="zh-CN" altLang="en-US"/>
+          </a:p>
+        </p:txBody>
+      </p:sp>
+      <p:sp>
+        <p:nvSpPr>
+          <p:cNvPr id="2" name="矩形 1"/>
+          <p:cNvSpPr/>
+          <p:nvPr/>
+        </p:nvSpPr>
+        <p:spPr>
+          <a:xfrm>
+            <a:off x="481293" y="425105"/>
+            <a:ext cx="107577" cy="107577"/>
+          </a:xfrm>
+          <a:prstGeom prst="rect">
+            <a:avLst/>
+          </a:prstGeom>
+          <a:solidFill>
+            <a:srgbClr val="00B050"/>
+          </a:solidFill>
+          <a:ln>
+            <a:noFill/>
+          </a:ln>
+        </p:spPr>
+        <p:style>
+          <a:lnRef idx="2">
+            <a:schemeClr val="accent1">
+              <a:shade val="50000"/>
+            </a:schemeClr>
+          </a:lnRef>
+          <a:fillRef idx="1">
+            <a:schemeClr val="accent1"/>
+          </a:fillRef>
+          <a:effectRef idx="0">
+            <a:schemeClr val="accent1"/>
+          </a:effectRef>
+          <a:fontRef idx="minor">
+            <a:schemeClr val="lt1"/>
+          </a:fontRef>
+        </p:style>
+        <p:txBody>
+          <a:bodyPr rtlCol="0" anchor="ctr"/>
+          <a:lstStyle/>
+          <a:p>
+            <a:pPr algn="ctr"/>
+            <a:endParaRPr lang="zh-CN" altLang="en-US"/>
+          </a:p>
+        </p:txBody>
+      </p:sp>
+      <p:sp>
+        <p:nvSpPr>
+          <p:cNvPr id="7" name="TextBox 6"/>
+          <p:cNvSpPr txBox="1"/>
+          <p:nvPr/>
+        </p:nvSpPr>
+        <p:spPr>
+          <a:xfrm>
+            <a:off x="833472" y="263449"/>
             <a:ext cx="8505399" cy="430887"/>
           </a:xfrm>
           <a:prstGeom prst="rect">
@@ -28377,7 +30564,7 @@
 </p:sld>
 </file>
 
-<file path=ppt/slides/slide25.xml><?xml version="1.0" encoding="utf-8"?>
+<file path=ppt/slides/slide28.xml><?xml version="1.0" encoding="utf-8"?>
 <p:sld xmlns:a="http://schemas.openxmlformats.org/drawingml/2006/main" xmlns:r="http://schemas.openxmlformats.org/officeDocument/2006/relationships" xmlns:p="http://schemas.openxmlformats.org/presentationml/2006/main">
   <p:cSld>
     <p:spTree>

--- a/Document/WebAppFrameworkDev.pptx
+++ b/Document/WebAppFrameworkDev.pptx
@@ -382,7 +382,7 @@
                   <a:srgbClr val="898989"/>
                 </a:solidFill>
               </a:rPr>
-              <a:t>11/1/2016</a:t>
+              <a:t>11/2/2016</a:t>
             </a:fld>
             <a:endParaRPr lang="en-US">
               <a:solidFill>
@@ -568,7 +568,7 @@
             <a:fld id="{23C0586E-364E-4372-80AA-1C929B9BCABF}" type="datetimeFigureOut">
               <a:rPr lang="en-US" smtClean="0"/>
               <a:pPr/>
-              <a:t>11/1/2016</a:t>
+              <a:t>11/2/2016</a:t>
             </a:fld>
             <a:endParaRPr lang="en-US"/>
           </a:p>
@@ -26209,12 +26209,12 @@
               <a:t> value="#{</a:t>
             </a:r>
             <a:r>
-              <a:rPr lang="en-US" altLang="zh-CN" dirty="0" err="1">
+              <a:rPr lang="en-US" altLang="zh-CN">
                 <a:solidFill>
                   <a:srgbClr val="FF0000"/>
                 </a:solidFill>
               </a:rPr>
-              <a:t>fieldMsg.FieldValueList</a:t>
+              <a:t>fieldMsg.getFieldValueList</a:t>
             </a:r>
             <a:r>
               <a:rPr lang="en-US" altLang="zh-CN" dirty="0">

--- a/Document/WebAppFrameworkDev.pptx
+++ b/Document/WebAppFrameworkDev.pptx
@@ -6,10 +6,10 @@
     <p:sldMasterId id="2147483691" r:id="rId2"/>
   </p:sldMasterIdLst>
   <p:notesMasterIdLst>
-    <p:notesMasterId r:id="rId31"/>
+    <p:notesMasterId r:id="rId33"/>
   </p:notesMasterIdLst>
   <p:handoutMasterIdLst>
-    <p:handoutMasterId r:id="rId32"/>
+    <p:handoutMasterId r:id="rId34"/>
   </p:handoutMasterIdLst>
   <p:sldIdLst>
     <p:sldId id="474" r:id="rId3"/>
@@ -33,13 +33,15 @@
     <p:sldId id="701" r:id="rId21"/>
     <p:sldId id="704" r:id="rId22"/>
     <p:sldId id="733" r:id="rId23"/>
-    <p:sldId id="702" r:id="rId24"/>
-    <p:sldId id="703" r:id="rId25"/>
-    <p:sldId id="734" r:id="rId26"/>
-    <p:sldId id="720" r:id="rId27"/>
-    <p:sldId id="731" r:id="rId28"/>
-    <p:sldId id="708" r:id="rId29"/>
-    <p:sldId id="680" r:id="rId30"/>
+    <p:sldId id="735" r:id="rId24"/>
+    <p:sldId id="736" r:id="rId25"/>
+    <p:sldId id="702" r:id="rId26"/>
+    <p:sldId id="703" r:id="rId27"/>
+    <p:sldId id="734" r:id="rId28"/>
+    <p:sldId id="720" r:id="rId29"/>
+    <p:sldId id="731" r:id="rId30"/>
+    <p:sldId id="708" r:id="rId31"/>
+    <p:sldId id="680" r:id="rId32"/>
   </p:sldIdLst>
   <p:sldSz cx="12188825" cy="6858000"/>
   <p:notesSz cx="6858000" cy="9144000"/>
@@ -382,7 +384,7 @@
                   <a:srgbClr val="898989"/>
                 </a:solidFill>
               </a:rPr>
-              <a:t>11/2/2016</a:t>
+              <a:t>11/3/2016</a:t>
             </a:fld>
             <a:endParaRPr lang="en-US">
               <a:solidFill>
@@ -568,7 +570,7 @@
             <a:fld id="{23C0586E-364E-4372-80AA-1C929B9BCABF}" type="datetimeFigureOut">
               <a:rPr lang="en-US" smtClean="0"/>
               <a:pPr/>
-              <a:t>11/2/2016</a:t>
+              <a:t>11/3/2016</a:t>
             </a:fld>
             <a:endParaRPr lang="en-US"/>
           </a:p>
@@ -2214,7 +2216,7 @@
     </p:spTree>
     <p:extLst>
       <p:ext uri="{BB962C8B-B14F-4D97-AF65-F5344CB8AC3E}">
-        <p14:creationId xmlns:p14="http://schemas.microsoft.com/office/powerpoint/2010/main" val="2157000639"/>
+        <p14:creationId xmlns:p14="http://schemas.microsoft.com/office/powerpoint/2010/main" val="2374046214"/>
       </p:ext>
     </p:extLst>
   </p:cSld>
@@ -2307,7 +2309,7 @@
     </p:spTree>
     <p:extLst>
       <p:ext uri="{BB962C8B-B14F-4D97-AF65-F5344CB8AC3E}">
-        <p14:creationId xmlns:p14="http://schemas.microsoft.com/office/powerpoint/2010/main" val="2157000639"/>
+        <p14:creationId xmlns:p14="http://schemas.microsoft.com/office/powerpoint/2010/main" val="2310430355"/>
       </p:ext>
     </p:extLst>
   </p:cSld>
@@ -2400,7 +2402,7 @@
     </p:spTree>
     <p:extLst>
       <p:ext uri="{BB962C8B-B14F-4D97-AF65-F5344CB8AC3E}">
-        <p14:creationId xmlns:p14="http://schemas.microsoft.com/office/powerpoint/2010/main" val="281914558"/>
+        <p14:creationId xmlns:p14="http://schemas.microsoft.com/office/powerpoint/2010/main" val="2157000639"/>
       </p:ext>
     </p:extLst>
   </p:cSld>
@@ -2493,7 +2495,7 @@
     </p:spTree>
     <p:extLst>
       <p:ext uri="{BB962C8B-B14F-4D97-AF65-F5344CB8AC3E}">
-        <p14:creationId xmlns:p14="http://schemas.microsoft.com/office/powerpoint/2010/main" val="2163269220"/>
+        <p14:creationId xmlns:p14="http://schemas.microsoft.com/office/powerpoint/2010/main" val="2157000639"/>
       </p:ext>
     </p:extLst>
   </p:cSld>
@@ -2586,7 +2588,7 @@
     </p:spTree>
     <p:extLst>
       <p:ext uri="{BB962C8B-B14F-4D97-AF65-F5344CB8AC3E}">
-        <p14:creationId xmlns:p14="http://schemas.microsoft.com/office/powerpoint/2010/main" val="850406452"/>
+        <p14:creationId xmlns:p14="http://schemas.microsoft.com/office/powerpoint/2010/main" val="281914558"/>
       </p:ext>
     </p:extLst>
   </p:cSld>
@@ -2679,7 +2681,7 @@
     </p:spTree>
     <p:extLst>
       <p:ext uri="{BB962C8B-B14F-4D97-AF65-F5344CB8AC3E}">
-        <p14:creationId xmlns:p14="http://schemas.microsoft.com/office/powerpoint/2010/main" val="2157000639"/>
+        <p14:creationId xmlns:p14="http://schemas.microsoft.com/office/powerpoint/2010/main" val="2163269220"/>
       </p:ext>
     </p:extLst>
   </p:cSld>
@@ -2716,12 +2718,7 @@
             <p:ph type="sldImg"/>
           </p:nvPr>
         </p:nvSpPr>
-        <p:spPr>
-          <a:xfrm>
-            <a:off x="382588" y="685800"/>
-            <a:ext cx="6092825" cy="3429000"/>
-          </a:xfrm>
-        </p:spPr>
+        <p:spPr/>
       </p:sp>
       <p:sp>
         <p:nvSpPr>
@@ -2738,7 +2735,7 @@
           <a:bodyPr/>
           <a:lstStyle/>
           <a:p>
-            <a:endParaRPr lang="en-US" dirty="0"/>
+            <a:endParaRPr lang="en-GB" dirty="0"/>
           </a:p>
         </p:txBody>
       </p:sp>
@@ -2757,19 +2754,120 @@
           <a:bodyPr/>
           <a:lstStyle/>
           <a:p>
-            <a:fld id="{4A55B9BF-99C7-425D-A1C7-4E0B8871658A}" type="slidenum">
-              <a:rPr lang="en-US" smtClean="0"/>
+            <a:fld id="{9A1785EB-84EB-4F15-B69C-46EA3205D168}" type="slidenum">
+              <a:rPr lang="en-GB" smtClean="0">
+                <a:solidFill>
+                  <a:prstClr val="black"/>
+                </a:solidFill>
+              </a:rPr>
               <a:pPr/>
               <a:t>28</a:t>
             </a:fld>
-            <a:endParaRPr lang="en-US"/>
+            <a:endParaRPr lang="en-GB">
+              <a:solidFill>
+                <a:prstClr val="black"/>
+              </a:solidFill>
+            </a:endParaRPr>
           </a:p>
         </p:txBody>
       </p:sp>
     </p:spTree>
     <p:extLst>
       <p:ext uri="{BB962C8B-B14F-4D97-AF65-F5344CB8AC3E}">
-        <p14:creationId xmlns:p14="http://schemas.microsoft.com/office/powerpoint/2010/main" val="1185064935"/>
+        <p14:creationId xmlns:p14="http://schemas.microsoft.com/office/powerpoint/2010/main" val="850406452"/>
+      </p:ext>
+    </p:extLst>
+  </p:cSld>
+  <p:clrMapOvr>
+    <a:masterClrMapping/>
+  </p:clrMapOvr>
+</p:notes>
+</file>
+
+<file path=ppt/notesSlides/notesSlide29.xml><?xml version="1.0" encoding="utf-8"?>
+<p:notes xmlns:a="http://schemas.openxmlformats.org/drawingml/2006/main" xmlns:r="http://schemas.openxmlformats.org/officeDocument/2006/relationships" xmlns:p="http://schemas.openxmlformats.org/presentationml/2006/main">
+  <p:cSld>
+    <p:spTree>
+      <p:nvGrpSpPr>
+        <p:cNvPr id="1" name=""/>
+        <p:cNvGrpSpPr/>
+        <p:nvPr/>
+      </p:nvGrpSpPr>
+      <p:grpSpPr>
+        <a:xfrm>
+          <a:off x="0" y="0"/>
+          <a:ext cx="0" cy="0"/>
+          <a:chOff x="0" y="0"/>
+          <a:chExt cx="0" cy="0"/>
+        </a:xfrm>
+      </p:grpSpPr>
+      <p:sp>
+        <p:nvSpPr>
+          <p:cNvPr id="2" name="Slide Image Placeholder 1"/>
+          <p:cNvSpPr>
+            <a:spLocks noGrp="1" noRot="1" noChangeAspect="1"/>
+          </p:cNvSpPr>
+          <p:nvPr>
+            <p:ph type="sldImg"/>
+          </p:nvPr>
+        </p:nvSpPr>
+        <p:spPr/>
+      </p:sp>
+      <p:sp>
+        <p:nvSpPr>
+          <p:cNvPr id="3" name="Notes Placeholder 2"/>
+          <p:cNvSpPr>
+            <a:spLocks noGrp="1"/>
+          </p:cNvSpPr>
+          <p:nvPr>
+            <p:ph type="body" idx="1"/>
+          </p:nvPr>
+        </p:nvSpPr>
+        <p:spPr/>
+        <p:txBody>
+          <a:bodyPr/>
+          <a:lstStyle/>
+          <a:p>
+            <a:endParaRPr lang="en-GB" dirty="0"/>
+          </a:p>
+        </p:txBody>
+      </p:sp>
+      <p:sp>
+        <p:nvSpPr>
+          <p:cNvPr id="4" name="Slide Number Placeholder 3"/>
+          <p:cNvSpPr>
+            <a:spLocks noGrp="1"/>
+          </p:cNvSpPr>
+          <p:nvPr>
+            <p:ph type="sldNum" sz="quarter" idx="10"/>
+          </p:nvPr>
+        </p:nvSpPr>
+        <p:spPr/>
+        <p:txBody>
+          <a:bodyPr/>
+          <a:lstStyle/>
+          <a:p>
+            <a:fld id="{9A1785EB-84EB-4F15-B69C-46EA3205D168}" type="slidenum">
+              <a:rPr lang="en-GB" smtClean="0">
+                <a:solidFill>
+                  <a:prstClr val="black"/>
+                </a:solidFill>
+              </a:rPr>
+              <a:pPr/>
+              <a:t>29</a:t>
+            </a:fld>
+            <a:endParaRPr lang="en-GB">
+              <a:solidFill>
+                <a:prstClr val="black"/>
+              </a:solidFill>
+            </a:endParaRPr>
+          </a:p>
+        </p:txBody>
+      </p:sp>
+    </p:spTree>
+    <p:extLst>
+      <p:ext uri="{BB962C8B-B14F-4D97-AF65-F5344CB8AC3E}">
+        <p14:creationId xmlns:p14="http://schemas.microsoft.com/office/powerpoint/2010/main" val="2157000639"/>
       </p:ext>
     </p:extLst>
   </p:cSld>
@@ -2863,6 +2961,96 @@
     <p:extLst>
       <p:ext uri="{BB962C8B-B14F-4D97-AF65-F5344CB8AC3E}">
         <p14:creationId xmlns:p14="http://schemas.microsoft.com/office/powerpoint/2010/main" val="2157000639"/>
+      </p:ext>
+    </p:extLst>
+  </p:cSld>
+  <p:clrMapOvr>
+    <a:masterClrMapping/>
+  </p:clrMapOvr>
+</p:notes>
+</file>
+
+<file path=ppt/notesSlides/notesSlide30.xml><?xml version="1.0" encoding="utf-8"?>
+<p:notes xmlns:a="http://schemas.openxmlformats.org/drawingml/2006/main" xmlns:r="http://schemas.openxmlformats.org/officeDocument/2006/relationships" xmlns:p="http://schemas.openxmlformats.org/presentationml/2006/main">
+  <p:cSld>
+    <p:spTree>
+      <p:nvGrpSpPr>
+        <p:cNvPr id="1" name=""/>
+        <p:cNvGrpSpPr/>
+        <p:nvPr/>
+      </p:nvGrpSpPr>
+      <p:grpSpPr>
+        <a:xfrm>
+          <a:off x="0" y="0"/>
+          <a:ext cx="0" cy="0"/>
+          <a:chOff x="0" y="0"/>
+          <a:chExt cx="0" cy="0"/>
+        </a:xfrm>
+      </p:grpSpPr>
+      <p:sp>
+        <p:nvSpPr>
+          <p:cNvPr id="2" name="Slide Image Placeholder 1"/>
+          <p:cNvSpPr>
+            <a:spLocks noGrp="1" noRot="1" noChangeAspect="1"/>
+          </p:cNvSpPr>
+          <p:nvPr>
+            <p:ph type="sldImg"/>
+          </p:nvPr>
+        </p:nvSpPr>
+        <p:spPr>
+          <a:xfrm>
+            <a:off x="382588" y="685800"/>
+            <a:ext cx="6092825" cy="3429000"/>
+          </a:xfrm>
+        </p:spPr>
+      </p:sp>
+      <p:sp>
+        <p:nvSpPr>
+          <p:cNvPr id="3" name="Notes Placeholder 2"/>
+          <p:cNvSpPr>
+            <a:spLocks noGrp="1"/>
+          </p:cNvSpPr>
+          <p:nvPr>
+            <p:ph type="body" idx="1"/>
+          </p:nvPr>
+        </p:nvSpPr>
+        <p:spPr/>
+        <p:txBody>
+          <a:bodyPr/>
+          <a:lstStyle/>
+          <a:p>
+            <a:endParaRPr lang="en-US" dirty="0"/>
+          </a:p>
+        </p:txBody>
+      </p:sp>
+      <p:sp>
+        <p:nvSpPr>
+          <p:cNvPr id="4" name="Slide Number Placeholder 3"/>
+          <p:cNvSpPr>
+            <a:spLocks noGrp="1"/>
+          </p:cNvSpPr>
+          <p:nvPr>
+            <p:ph type="sldNum" sz="quarter" idx="10"/>
+          </p:nvPr>
+        </p:nvSpPr>
+        <p:spPr/>
+        <p:txBody>
+          <a:bodyPr/>
+          <a:lstStyle/>
+          <a:p>
+            <a:fld id="{4A55B9BF-99C7-425D-A1C7-4E0B8871658A}" type="slidenum">
+              <a:rPr lang="en-US" smtClean="0"/>
+              <a:pPr/>
+              <a:t>30</a:t>
+            </a:fld>
+            <a:endParaRPr lang="en-US"/>
+          </a:p>
+        </p:txBody>
+      </p:sp>
+    </p:spTree>
+    <p:extLst>
+      <p:ext uri="{BB962C8B-B14F-4D97-AF65-F5344CB8AC3E}">
+        <p14:creationId xmlns:p14="http://schemas.microsoft.com/office/powerpoint/2010/main" val="1185064935"/>
       </p:ext>
     </p:extLst>
   </p:cSld>
@@ -26462,6 +26650,1354 @@
           <a:p>
             <a:r>
               <a:rPr lang="en-US" sz="2800" dirty="0"/>
+              <a:t>More Tips</a:t>
+            </a:r>
+            <a:endParaRPr lang="en-US" sz="2000" dirty="0">
+              <a:latin typeface="GE汉仪中圆简" panose="02010600000101010101" pitchFamily="2" charset="-122"/>
+              <a:ea typeface="GE汉仪中圆简" panose="02010600000101010101" pitchFamily="2" charset="-122"/>
+            </a:endParaRPr>
+          </a:p>
+        </p:txBody>
+      </p:sp>
+      <p:sp>
+        <p:nvSpPr>
+          <p:cNvPr id="6" name="Rectangle 2"/>
+          <p:cNvSpPr>
+            <a:spLocks noChangeArrowheads="1"/>
+          </p:cNvSpPr>
+          <p:nvPr/>
+        </p:nvSpPr>
+        <p:spPr bwMode="auto">
+          <a:xfrm>
+            <a:off x="1250898" y="1362075"/>
+            <a:ext cx="10591331" cy="4699508"/>
+          </a:xfrm>
+          <a:prstGeom prst="rect">
+            <a:avLst/>
+          </a:prstGeom>
+          <a:noFill/>
+          <a:ln>
+            <a:noFill/>
+          </a:ln>
+          <a:effectLst/>
+          <a:extLst>
+            <a:ext uri="{909E8E84-426E-40DD-AFC4-6F175D3DCCD1}">
+              <a14:hiddenFill xmlns:a14="http://schemas.microsoft.com/office/drawing/2010/main">
+                <a:solidFill>
+                  <a:schemeClr val="accent1"/>
+                </a:solidFill>
+              </a14:hiddenFill>
+            </a:ext>
+            <a:ext uri="{91240B29-F687-4F45-9708-019B960494DF}">
+              <a14:hiddenLine xmlns:a14="http://schemas.microsoft.com/office/drawing/2010/main" w="12700">
+                <a:solidFill>
+                  <a:schemeClr val="tx1"/>
+                </a:solidFill>
+                <a:miter lim="800000"/>
+                <a:headEnd type="none" w="sm" len="sm"/>
+                <a:tailEnd type="none" w="sm" len="sm"/>
+              </a14:hiddenLine>
+            </a:ext>
+            <a:ext uri="{AF507438-7753-43E0-B8FC-AC1667EBCBE1}">
+              <a14:hiddenEffects xmlns:a14="http://schemas.microsoft.com/office/drawing/2010/main">
+                <a:effectLst>
+                  <a:outerShdw dist="35921" dir="2700000" algn="ctr" rotWithShape="0">
+                    <a:schemeClr val="bg2"/>
+                  </a:outerShdw>
+                </a:effectLst>
+              </a14:hiddenEffects>
+            </a:ext>
+          </a:extLst>
+        </p:spPr>
+        <p:txBody>
+          <a:bodyPr wrap="square" lIns="82058" tIns="41029" rIns="82058" bIns="41029">
+            <a:spAutoFit/>
+          </a:bodyPr>
+          <a:lstStyle/>
+          <a:p>
+            <a:pPr marL="342900" indent="-342900">
+              <a:buFont typeface="Arial" panose="020B0604020202020204" pitchFamily="34" charset="0"/>
+              <a:buChar char="•"/>
+            </a:pPr>
+            <a:r>
+              <a:rPr lang="en-US" altLang="zh-CN" b="1" dirty="0">
+                <a:solidFill>
+                  <a:schemeClr val="accent1">
+                    <a:lumMod val="75000"/>
+                  </a:schemeClr>
+                </a:solidFill>
+              </a:rPr>
+              <a:t>Material Design</a:t>
+            </a:r>
+            <a:r>
+              <a:rPr lang="zh-CN" altLang="en-US" b="1" dirty="0">
+                <a:solidFill>
+                  <a:schemeClr val="accent1">
+                    <a:lumMod val="75000"/>
+                  </a:schemeClr>
+                </a:solidFill>
+              </a:rPr>
+              <a:t>的特殊输入类型</a:t>
+            </a:r>
+            <a:endParaRPr lang="en-US" altLang="zh-CN" b="1" dirty="0">
+              <a:solidFill>
+                <a:schemeClr val="accent1">
+                  <a:lumMod val="75000"/>
+                </a:schemeClr>
+              </a:solidFill>
+            </a:endParaRPr>
+          </a:p>
+          <a:p>
+            <a:pPr marL="226478" lvl="2"/>
+            <a:r>
+              <a:rPr lang="zh-CN" altLang="en-US" dirty="0"/>
+              <a:t>一般的输入方式是</a:t>
+            </a:r>
+            <a:r>
+              <a:rPr lang="en-US" altLang="zh-CN" dirty="0"/>
+              <a:t>:</a:t>
+            </a:r>
+          </a:p>
+          <a:p>
+            <a:pPr marL="1140878" lvl="4"/>
+            <a:r>
+              <a:rPr lang="en-US" altLang="zh-CN" sz="1200" dirty="0"/>
+              <a:t>&lt;</a:t>
+            </a:r>
+            <a:r>
+              <a:rPr lang="en-US" altLang="zh-CN" sz="1200" dirty="0" err="1"/>
+              <a:t>h:panelGroup</a:t>
+            </a:r>
+            <a:r>
+              <a:rPr lang="en-US" altLang="zh-CN" sz="1200" dirty="0"/>
+              <a:t> </a:t>
+            </a:r>
+            <a:r>
+              <a:rPr lang="en-US" altLang="zh-CN" sz="1200" dirty="0" err="1"/>
+              <a:t>styleClass</a:t>
+            </a:r>
+            <a:r>
+              <a:rPr lang="en-US" altLang="zh-CN" sz="1200" dirty="0"/>
+              <a:t>="</a:t>
+            </a:r>
+            <a:r>
+              <a:rPr lang="en-US" altLang="zh-CN" sz="1200" dirty="0">
+                <a:solidFill>
+                  <a:srgbClr val="FF0000"/>
+                </a:solidFill>
+              </a:rPr>
+              <a:t>md-</a:t>
+            </a:r>
+            <a:r>
+              <a:rPr lang="en-US" altLang="zh-CN" sz="1200" dirty="0" err="1">
+                <a:solidFill>
+                  <a:srgbClr val="FF0000"/>
+                </a:solidFill>
+              </a:rPr>
+              <a:t>inputfield</a:t>
+            </a:r>
+            <a:r>
+              <a:rPr lang="en-US" altLang="zh-CN" sz="1200" dirty="0"/>
+              <a:t>"&gt;</a:t>
+            </a:r>
+          </a:p>
+          <a:p>
+            <a:pPr marL="1140878" lvl="4"/>
+            <a:r>
+              <a:rPr lang="en-US" altLang="zh-CN" sz="1200" dirty="0"/>
+              <a:t>	&lt;</a:t>
+            </a:r>
+            <a:r>
+              <a:rPr lang="en-US" sz="1200" dirty="0"/>
+              <a:t> p:inputText</a:t>
+            </a:r>
+            <a:r>
+              <a:rPr lang="en-US" altLang="zh-CN" sz="1200" dirty="0"/>
+              <a:t> value="#{</a:t>
+            </a:r>
+            <a:r>
+              <a:rPr lang="en-US" altLang="zh-CN" sz="1200" dirty="0" err="1"/>
+              <a:t>userAccountController.selected.xxxxx</a:t>
+            </a:r>
+            <a:r>
+              <a:rPr lang="en-US" altLang="zh-CN" sz="1200" dirty="0"/>
+              <a:t>}"/&gt;</a:t>
+            </a:r>
+          </a:p>
+          <a:p>
+            <a:pPr marL="1140878" lvl="4"/>
+            <a:r>
+              <a:rPr lang="en-US" altLang="zh-CN" sz="1200" dirty="0"/>
+              <a:t>	 &lt;</a:t>
+            </a:r>
+            <a:r>
+              <a:rPr lang="en-US" altLang="zh-CN" sz="1200" dirty="0">
+                <a:solidFill>
+                  <a:srgbClr val="FF0000"/>
+                </a:solidFill>
+              </a:rPr>
+              <a:t>label</a:t>
+            </a:r>
+            <a:r>
+              <a:rPr lang="en-US" altLang="zh-CN" sz="1200" dirty="0"/>
+              <a:t>&gt;#{</a:t>
+            </a:r>
+            <a:r>
+              <a:rPr lang="en-US" altLang="zh-CN" sz="1200" dirty="0" err="1"/>
+              <a:t>msg.login_name</a:t>
+            </a:r>
+            <a:r>
+              <a:rPr lang="en-US" altLang="zh-CN" sz="1200" dirty="0"/>
+              <a:t>}*&lt;/</a:t>
+            </a:r>
+            <a:r>
+              <a:rPr lang="en-US" altLang="zh-CN" sz="1200" dirty="0">
+                <a:solidFill>
+                  <a:srgbClr val="FF0000"/>
+                </a:solidFill>
+              </a:rPr>
+              <a:t>label</a:t>
+            </a:r>
+            <a:r>
+              <a:rPr lang="en-US" altLang="zh-CN" sz="1200" dirty="0"/>
+              <a:t>&gt;</a:t>
+            </a:r>
+          </a:p>
+          <a:p>
+            <a:pPr marL="1140878" lvl="4"/>
+            <a:r>
+              <a:rPr lang="en-US" altLang="zh-CN" sz="1200" dirty="0"/>
+              <a:t>&lt;/</a:t>
+            </a:r>
+            <a:r>
+              <a:rPr lang="en-US" altLang="zh-CN" sz="1200" dirty="0" err="1"/>
+              <a:t>h:panelGroup</a:t>
+            </a:r>
+            <a:r>
+              <a:rPr lang="en-US" altLang="zh-CN" sz="1200" dirty="0"/>
+              <a:t>&gt; </a:t>
+            </a:r>
+          </a:p>
+          <a:p>
+            <a:pPr marL="226478" lvl="2"/>
+            <a:r>
+              <a:rPr lang="zh-CN" altLang="en-US" sz="1200" dirty="0"/>
+              <a:t>以下的几个输入类型要特殊设置</a:t>
+            </a:r>
+            <a:r>
+              <a:rPr lang="en-US" altLang="zh-CN" sz="1200" dirty="0"/>
+              <a:t>:</a:t>
+            </a:r>
+          </a:p>
+          <a:p>
+            <a:pPr marL="512228" lvl="2" indent="-285750">
+              <a:buFont typeface="Wingdings" panose="05000000000000000000" pitchFamily="2" charset="2"/>
+              <a:buChar char="Ø"/>
+            </a:pPr>
+            <a:r>
+              <a:rPr lang="zh-CN" altLang="en-US" dirty="0"/>
+              <a:t>勾选框：</a:t>
+            </a:r>
+            <a:r>
+              <a:rPr lang="zh-CN" altLang="en-US" sz="1200" dirty="0"/>
+              <a:t>无需</a:t>
+            </a:r>
+            <a:r>
+              <a:rPr lang="en-US" altLang="zh-CN" sz="1200" dirty="0"/>
+              <a:t> &lt;label&gt;</a:t>
+            </a:r>
+            <a:r>
+              <a:rPr lang="zh-CN" altLang="en-US" sz="1200" dirty="0"/>
+              <a:t>控件</a:t>
+            </a:r>
+            <a:r>
+              <a:rPr lang="en-US" altLang="zh-CN" sz="1200" dirty="0"/>
+              <a:t>,  </a:t>
+            </a:r>
+            <a:r>
+              <a:rPr lang="en-US" altLang="zh-CN" sz="1200" dirty="0" err="1"/>
+              <a:t>itemLabel</a:t>
+            </a:r>
+            <a:r>
+              <a:rPr lang="zh-CN" altLang="en-US" sz="1200" dirty="0"/>
+              <a:t>代替了</a:t>
+            </a:r>
+            <a:r>
+              <a:rPr lang="en-US" altLang="zh-CN" sz="1200" dirty="0"/>
+              <a:t> label</a:t>
+            </a:r>
+          </a:p>
+          <a:p>
+            <a:pPr marL="1140878" lvl="4"/>
+            <a:r>
+              <a:rPr lang="en-US" altLang="zh-CN" sz="1200" dirty="0"/>
+              <a:t>&lt;</a:t>
+            </a:r>
+            <a:r>
+              <a:rPr lang="en-US" altLang="zh-CN" sz="1200" dirty="0" err="1"/>
+              <a:t>h:panelGroup</a:t>
+            </a:r>
+            <a:r>
+              <a:rPr lang="en-US" altLang="zh-CN" sz="1200" dirty="0"/>
+              <a:t> </a:t>
+            </a:r>
+            <a:r>
+              <a:rPr lang="en-US" altLang="zh-CN" sz="1200" dirty="0" err="1"/>
+              <a:t>styleClass</a:t>
+            </a:r>
+            <a:r>
+              <a:rPr lang="en-US" altLang="zh-CN" sz="1200" dirty="0"/>
+              <a:t>="</a:t>
+            </a:r>
+            <a:r>
+              <a:rPr lang="en-US" altLang="zh-CN" sz="1200" dirty="0">
+                <a:solidFill>
+                  <a:srgbClr val="FF0000"/>
+                </a:solidFill>
+              </a:rPr>
+              <a:t>md-</a:t>
+            </a:r>
+            <a:r>
+              <a:rPr lang="en-US" altLang="zh-CN" sz="1200" dirty="0" err="1">
+                <a:solidFill>
+                  <a:srgbClr val="FF0000"/>
+                </a:solidFill>
+              </a:rPr>
+              <a:t>inputfield</a:t>
+            </a:r>
+            <a:r>
+              <a:rPr lang="en-US" altLang="zh-CN" sz="1200" dirty="0"/>
+              <a:t>"&gt;</a:t>
+            </a:r>
+          </a:p>
+          <a:p>
+            <a:pPr marL="1140878" lvl="4"/>
+            <a:r>
+              <a:rPr lang="en-US" altLang="zh-CN" sz="1200" dirty="0"/>
+              <a:t>	&lt;</a:t>
+            </a:r>
+            <a:r>
+              <a:rPr lang="en-US" altLang="zh-CN" sz="1200" dirty="0" err="1"/>
+              <a:t>p:selectBooleanCheckbox</a:t>
+            </a:r>
+            <a:r>
+              <a:rPr lang="en-US" altLang="zh-CN" sz="1200" dirty="0"/>
+              <a:t> </a:t>
+            </a:r>
+            <a:r>
+              <a:rPr lang="en-US" altLang="zh-CN" sz="1200" dirty="0" err="1">
+                <a:solidFill>
+                  <a:srgbClr val="FF0000"/>
+                </a:solidFill>
+              </a:rPr>
+              <a:t>itemLabel</a:t>
+            </a:r>
+            <a:r>
+              <a:rPr lang="en-US" altLang="zh-CN" sz="1200" dirty="0">
+                <a:solidFill>
+                  <a:srgbClr val="FF0000"/>
+                </a:solidFill>
+              </a:rPr>
+              <a:t>=</a:t>
+            </a:r>
+            <a:r>
+              <a:rPr lang="en-US" altLang="zh-CN" sz="1200" dirty="0"/>
+              <a:t>"#{</a:t>
+            </a:r>
+            <a:r>
+              <a:rPr lang="en-US" altLang="zh-CN" sz="1200" dirty="0" err="1"/>
+              <a:t>msg.isSuperAdmin</a:t>
+            </a:r>
+            <a:r>
+              <a:rPr lang="en-US" altLang="zh-CN" sz="1200" dirty="0"/>
+              <a:t>}*" value="#{</a:t>
+            </a:r>
+            <a:r>
+              <a:rPr lang="en-US" altLang="zh-CN" sz="1200" dirty="0" err="1"/>
+              <a:t>userAccountController.selected.isSuperAdmin</a:t>
+            </a:r>
+            <a:r>
+              <a:rPr lang="en-US" altLang="zh-CN" sz="1200" dirty="0"/>
+              <a:t>}"/&gt;</a:t>
+            </a:r>
+          </a:p>
+          <a:p>
+            <a:pPr marL="1140878" lvl="4"/>
+            <a:r>
+              <a:rPr lang="en-US" altLang="zh-CN" sz="1200" dirty="0"/>
+              <a:t>&lt;/</a:t>
+            </a:r>
+            <a:r>
+              <a:rPr lang="en-US" altLang="zh-CN" sz="1200" dirty="0" err="1"/>
+              <a:t>h:panelGroup</a:t>
+            </a:r>
+            <a:r>
+              <a:rPr lang="en-US" altLang="zh-CN" sz="1200" dirty="0"/>
+              <a:t>&gt;</a:t>
+            </a:r>
+          </a:p>
+          <a:p>
+            <a:pPr marL="226478" lvl="2"/>
+            <a:endParaRPr lang="en-US" altLang="zh-CN" sz="1200" dirty="0"/>
+          </a:p>
+          <a:p>
+            <a:pPr marL="512228" lvl="2" indent="-285750">
+              <a:buFont typeface="Wingdings" panose="05000000000000000000" pitchFamily="2" charset="2"/>
+              <a:buChar char="Ø"/>
+            </a:pPr>
+            <a:r>
+              <a:rPr lang="zh-CN" altLang="en-US" dirty="0"/>
+              <a:t>单选下拉框</a:t>
+            </a:r>
+            <a:r>
+              <a:rPr lang="en-US" altLang="zh-CN" dirty="0"/>
+              <a:t>: </a:t>
+            </a:r>
+          </a:p>
+          <a:p>
+            <a:pPr marL="226478" lvl="2"/>
+            <a:r>
+              <a:rPr lang="en-US" altLang="zh-CN" sz="1200" dirty="0"/>
+              <a:t>h:panelGroup</a:t>
+            </a:r>
+            <a:r>
+              <a:rPr lang="zh-CN" altLang="en-US" sz="1200" dirty="0"/>
+              <a:t>不要设置 </a:t>
+            </a:r>
+            <a:r>
+              <a:rPr lang="en-US" altLang="zh-CN" sz="1200" dirty="0"/>
+              <a:t>class md-</a:t>
+            </a:r>
+            <a:r>
+              <a:rPr lang="en-US" altLang="zh-CN" sz="1200" dirty="0" err="1"/>
+              <a:t>inputfield</a:t>
+            </a:r>
+            <a:r>
+              <a:rPr lang="en-US" altLang="zh-CN" sz="1200" dirty="0"/>
+              <a:t>, </a:t>
+            </a:r>
+            <a:r>
+              <a:rPr lang="zh-CN" altLang="en-US" sz="1200" dirty="0"/>
+              <a:t>但</a:t>
+            </a:r>
+            <a:r>
+              <a:rPr lang="en-US" altLang="zh-CN" sz="1200" dirty="0"/>
+              <a:t>&lt;label&gt;</a:t>
+            </a:r>
+            <a:r>
+              <a:rPr lang="zh-CN" altLang="en-US" sz="1200" dirty="0"/>
+              <a:t>控件要加</a:t>
+            </a:r>
+            <a:r>
+              <a:rPr lang="en-US" altLang="zh-CN" sz="1200" dirty="0"/>
+              <a:t>class="md-</a:t>
+            </a:r>
+            <a:r>
+              <a:rPr lang="en-US" altLang="zh-CN" sz="1200" dirty="0" err="1"/>
+              <a:t>inputfield</a:t>
+            </a:r>
+            <a:r>
+              <a:rPr lang="en-US" altLang="zh-CN" sz="1200" dirty="0"/>
+              <a:t> </a:t>
+            </a:r>
+            <a:r>
+              <a:rPr lang="en-US" altLang="zh-CN" sz="1200" dirty="0" err="1"/>
+              <a:t>labelOnTop</a:t>
+            </a:r>
+            <a:r>
+              <a:rPr lang="en-US" altLang="zh-CN" sz="1200" dirty="0"/>
+              <a:t>”: </a:t>
+            </a:r>
+          </a:p>
+          <a:p>
+            <a:pPr marL="1140878" lvl="4"/>
+            <a:r>
+              <a:rPr lang="en-US" altLang="zh-CN" sz="1200" dirty="0"/>
+              <a:t>&lt;</a:t>
+            </a:r>
+            <a:r>
+              <a:rPr lang="en-US" altLang="zh-CN" sz="1200" dirty="0" err="1"/>
+              <a:t>h:panelGroup</a:t>
+            </a:r>
+            <a:r>
+              <a:rPr lang="en-US" altLang="zh-CN" sz="1200" dirty="0"/>
+              <a:t>&gt;</a:t>
+            </a:r>
+          </a:p>
+          <a:p>
+            <a:pPr marL="1140878" lvl="4"/>
+            <a:r>
+              <a:rPr lang="en-US" altLang="zh-CN" sz="1200" dirty="0"/>
+              <a:t>	&lt;</a:t>
+            </a:r>
+            <a:r>
+              <a:rPr lang="en-US" altLang="zh-CN" sz="1200" dirty="0" err="1"/>
+              <a:t>p:selectOneMenu</a:t>
+            </a:r>
+            <a:r>
+              <a:rPr lang="en-US" altLang="zh-CN" sz="1200" dirty="0"/>
+              <a:t> ……&gt;</a:t>
+            </a:r>
+          </a:p>
+          <a:p>
+            <a:pPr marL="1140878" lvl="4"/>
+            <a:r>
+              <a:rPr lang="en-US" altLang="zh-CN" sz="1200" dirty="0"/>
+              <a:t>		&lt;</a:t>
+            </a:r>
+            <a:r>
+              <a:rPr lang="en-US" altLang="zh-CN" sz="1200" dirty="0" err="1"/>
+              <a:t>f:selectItem</a:t>
+            </a:r>
+            <a:r>
+              <a:rPr lang="en-US" altLang="zh-CN" sz="1200" dirty="0"/>
+              <a:t> </a:t>
+            </a:r>
+            <a:r>
+              <a:rPr lang="en-US" altLang="zh-CN" sz="1200" dirty="0" err="1"/>
+              <a:t>itemLabel</a:t>
+            </a:r>
+            <a:r>
+              <a:rPr lang="en-US" altLang="zh-CN" sz="1200" dirty="0"/>
+              <a:t>="#{</a:t>
+            </a:r>
+            <a:r>
+              <a:rPr lang="en-US" altLang="zh-CN" sz="1200" dirty="0" err="1"/>
+              <a:t>msg.SelectOneMessage</a:t>
+            </a:r>
+            <a:r>
+              <a:rPr lang="en-US" altLang="zh-CN" sz="1200" dirty="0"/>
+              <a:t>}"/&gt;</a:t>
+            </a:r>
+          </a:p>
+          <a:p>
+            <a:pPr marL="1140878" lvl="4"/>
+            <a:r>
+              <a:rPr lang="en-US" altLang="zh-CN" sz="1200" dirty="0"/>
+              <a:t>		&lt;</a:t>
+            </a:r>
+            <a:r>
+              <a:rPr lang="en-US" altLang="zh-CN" sz="1200" dirty="0" err="1"/>
+              <a:t>f:selectItems</a:t>
+            </a:r>
+            <a:r>
+              <a:rPr lang="en-US" altLang="zh-CN" sz="1200" dirty="0"/>
+              <a:t> value="#{</a:t>
+            </a:r>
+            <a:r>
+              <a:rPr lang="en-US" altLang="zh-CN" sz="1200" dirty="0" err="1"/>
+              <a:t>fieldMsg.getFieldValueList</a:t>
+            </a:r>
+            <a:r>
+              <a:rPr lang="en-US" altLang="zh-CN" sz="1200" dirty="0"/>
+              <a:t>('</a:t>
+            </a:r>
+            <a:r>
+              <a:rPr lang="en-US" altLang="zh-CN" sz="1200" dirty="0" err="1"/>
+              <a:t>asset_group</a:t>
+            </a:r>
+            <a:r>
+              <a:rPr lang="en-US" altLang="zh-CN" sz="1200" dirty="0"/>
+              <a:t>')}" </a:t>
+            </a:r>
+            <a:r>
+              <a:rPr lang="en-US" altLang="zh-CN" sz="1200" dirty="0" err="1"/>
+              <a:t>var</a:t>
+            </a:r>
+            <a:r>
+              <a:rPr lang="en-US" altLang="zh-CN" sz="1200" dirty="0"/>
+              <a:t>="item" </a:t>
+            </a:r>
+            <a:r>
+              <a:rPr lang="en-US" altLang="zh-CN" sz="1200" dirty="0" err="1"/>
+              <a:t>itemLabel</a:t>
+            </a:r>
+            <a:r>
+              <a:rPr lang="en-US" altLang="zh-CN" sz="1200" dirty="0"/>
+              <a:t>="#{</a:t>
+            </a:r>
+            <a:r>
+              <a:rPr lang="en-US" altLang="zh-CN" sz="1200" dirty="0" err="1"/>
+              <a:t>item.value</a:t>
+            </a:r>
+            <a:r>
+              <a:rPr lang="en-US" altLang="zh-CN" sz="1200" dirty="0"/>
+              <a:t>}" I				 </a:t>
+            </a:r>
+            <a:r>
+              <a:rPr lang="en-US" altLang="zh-CN" sz="1200" dirty="0" err="1"/>
+              <a:t>temValue</a:t>
+            </a:r>
+            <a:r>
+              <a:rPr lang="en-US" altLang="zh-CN" sz="1200" dirty="0"/>
+              <a:t>="#{</a:t>
+            </a:r>
+            <a:r>
+              <a:rPr lang="en-US" altLang="zh-CN" sz="1200" dirty="0" err="1"/>
+              <a:t>item.msgKey</a:t>
+            </a:r>
+            <a:r>
+              <a:rPr lang="en-US" altLang="zh-CN" sz="1200" dirty="0"/>
+              <a:t>}"/&gt;</a:t>
+            </a:r>
+          </a:p>
+          <a:p>
+            <a:pPr marL="1140878" lvl="4"/>
+            <a:r>
+              <a:rPr lang="en-US" altLang="zh-CN" sz="1200" dirty="0"/>
+              <a:t>	&lt;/</a:t>
+            </a:r>
+            <a:r>
+              <a:rPr lang="en-US" altLang="zh-CN" sz="1200" dirty="0" err="1"/>
+              <a:t>p:selectOneMenu</a:t>
+            </a:r>
+            <a:r>
+              <a:rPr lang="en-US" altLang="zh-CN" sz="1200" dirty="0"/>
+              <a:t>&gt;</a:t>
+            </a:r>
+          </a:p>
+          <a:p>
+            <a:pPr marL="1140878" lvl="4"/>
+            <a:r>
+              <a:rPr lang="en-US" altLang="zh-CN" sz="1200" dirty="0"/>
+              <a:t>	&lt;label </a:t>
+            </a:r>
+            <a:r>
+              <a:rPr lang="en-US" altLang="zh-CN" sz="1200" dirty="0">
+                <a:solidFill>
+                  <a:srgbClr val="FF0000"/>
+                </a:solidFill>
+              </a:rPr>
+              <a:t>class="md-</a:t>
+            </a:r>
+            <a:r>
+              <a:rPr lang="en-US" altLang="zh-CN" sz="1200" dirty="0" err="1">
+                <a:solidFill>
+                  <a:srgbClr val="FF0000"/>
+                </a:solidFill>
+              </a:rPr>
+              <a:t>inputfield</a:t>
+            </a:r>
+            <a:r>
+              <a:rPr lang="en-US" altLang="zh-CN" sz="1200" dirty="0">
+                <a:solidFill>
+                  <a:srgbClr val="FF0000"/>
+                </a:solidFill>
+              </a:rPr>
+              <a:t> </a:t>
+            </a:r>
+            <a:r>
+              <a:rPr lang="en-US" altLang="zh-CN" sz="1200" dirty="0" err="1">
+                <a:solidFill>
+                  <a:srgbClr val="FF0000"/>
+                </a:solidFill>
+              </a:rPr>
+              <a:t>labelOnTop</a:t>
+            </a:r>
+            <a:r>
+              <a:rPr lang="en-US" altLang="zh-CN" sz="1200" dirty="0">
+                <a:solidFill>
+                  <a:srgbClr val="FF0000"/>
+                </a:solidFill>
+              </a:rPr>
+              <a:t>"</a:t>
+            </a:r>
+            <a:r>
+              <a:rPr lang="en-US" altLang="zh-CN" sz="1200" dirty="0"/>
+              <a:t>&gt;#{</a:t>
+            </a:r>
+            <a:r>
+              <a:rPr lang="en-US" altLang="zh-CN" sz="1200" dirty="0" err="1"/>
+              <a:t>msg.AssetGroup</a:t>
+            </a:r>
+            <a:r>
+              <a:rPr lang="en-US" altLang="zh-CN" sz="1200" dirty="0"/>
+              <a:t>}*&lt;/label&gt;</a:t>
+            </a:r>
+          </a:p>
+          <a:p>
+            <a:pPr marL="1140878" lvl="4"/>
+            <a:r>
+              <a:rPr lang="en-US" altLang="zh-CN" sz="1200" dirty="0"/>
+              <a:t>&lt;/</a:t>
+            </a:r>
+            <a:r>
+              <a:rPr lang="en-US" altLang="zh-CN" sz="1200" dirty="0" err="1"/>
+              <a:t>h:panelGroup</a:t>
+            </a:r>
+            <a:r>
+              <a:rPr lang="en-US" altLang="zh-CN" sz="1200" dirty="0"/>
+              <a:t>&gt;</a:t>
+            </a:r>
+          </a:p>
+          <a:p>
+            <a:pPr marL="1140878" lvl="4"/>
+            <a:endParaRPr lang="en-US" altLang="zh-CN" sz="1200" dirty="0"/>
+          </a:p>
+        </p:txBody>
+      </p:sp>
+    </p:spTree>
+    <p:extLst>
+      <p:ext uri="{BB962C8B-B14F-4D97-AF65-F5344CB8AC3E}">
+        <p14:creationId xmlns:p14="http://schemas.microsoft.com/office/powerpoint/2010/main" val="15976976"/>
+      </p:ext>
+    </p:extLst>
+  </p:cSld>
+  <p:clrMapOvr>
+    <a:masterClrMapping/>
+  </p:clrMapOvr>
+</p:sld>
+</file>
+
+<file path=ppt/slides/slide23.xml><?xml version="1.0" encoding="utf-8"?>
+<p:sld xmlns:a="http://schemas.openxmlformats.org/drawingml/2006/main" xmlns:r="http://schemas.openxmlformats.org/officeDocument/2006/relationships" xmlns:p="http://schemas.openxmlformats.org/presentationml/2006/main">
+  <p:cSld>
+    <p:spTree>
+      <p:nvGrpSpPr>
+        <p:cNvPr id="1" name=""/>
+        <p:cNvGrpSpPr/>
+        <p:nvPr/>
+      </p:nvGrpSpPr>
+      <p:grpSpPr>
+        <a:xfrm>
+          <a:off x="0" y="0"/>
+          <a:ext cx="0" cy="0"/>
+          <a:chOff x="0" y="0"/>
+          <a:chExt cx="0" cy="0"/>
+        </a:xfrm>
+      </p:grpSpPr>
+      <p:sp>
+        <p:nvSpPr>
+          <p:cNvPr id="5" name="矩形 4"/>
+          <p:cNvSpPr/>
+          <p:nvPr/>
+        </p:nvSpPr>
+        <p:spPr>
+          <a:xfrm>
+            <a:off x="-9839" y="915023"/>
+            <a:ext cx="12198664" cy="111210"/>
+          </a:xfrm>
+          <a:prstGeom prst="rect">
+            <a:avLst/>
+          </a:prstGeom>
+          <a:solidFill>
+            <a:srgbClr val="00B0F0"/>
+          </a:solidFill>
+          <a:ln>
+            <a:noFill/>
+          </a:ln>
+        </p:spPr>
+        <p:style>
+          <a:lnRef idx="2">
+            <a:schemeClr val="accent1">
+              <a:shade val="50000"/>
+            </a:schemeClr>
+          </a:lnRef>
+          <a:fillRef idx="1">
+            <a:schemeClr val="accent1"/>
+          </a:fillRef>
+          <a:effectRef idx="0">
+            <a:schemeClr val="accent1"/>
+          </a:effectRef>
+          <a:fontRef idx="minor">
+            <a:schemeClr val="lt1"/>
+          </a:fontRef>
+        </p:style>
+        <p:txBody>
+          <a:bodyPr rtlCol="0" anchor="ctr"/>
+          <a:lstStyle/>
+          <a:p>
+            <a:pPr algn="ctr"/>
+            <a:endParaRPr lang="zh-CN" altLang="en-US"/>
+          </a:p>
+        </p:txBody>
+      </p:sp>
+      <p:sp>
+        <p:nvSpPr>
+          <p:cNvPr id="7" name="TextBox 6"/>
+          <p:cNvSpPr txBox="1"/>
+          <p:nvPr/>
+        </p:nvSpPr>
+        <p:spPr>
+          <a:xfrm>
+            <a:off x="833472" y="263449"/>
+            <a:ext cx="8380865" cy="430887"/>
+          </a:xfrm>
+          <a:prstGeom prst="rect">
+            <a:avLst/>
+          </a:prstGeom>
+          <a:noFill/>
+        </p:spPr>
+        <p:txBody>
+          <a:bodyPr wrap="square" lIns="0" tIns="0" rIns="0" bIns="0" rtlCol="0">
+            <a:spAutoFit/>
+          </a:bodyPr>
+          <a:lstStyle/>
+          <a:p>
+            <a:r>
+              <a:rPr lang="en-US" sz="2800" dirty="0"/>
+              <a:t>More Tips</a:t>
+            </a:r>
+            <a:endParaRPr lang="en-US" sz="2000" dirty="0">
+              <a:latin typeface="GE汉仪中圆简" panose="02010600000101010101" pitchFamily="2" charset="-122"/>
+              <a:ea typeface="GE汉仪中圆简" panose="02010600000101010101" pitchFamily="2" charset="-122"/>
+            </a:endParaRPr>
+          </a:p>
+        </p:txBody>
+      </p:sp>
+      <p:sp>
+        <p:nvSpPr>
+          <p:cNvPr id="6" name="Rectangle 2"/>
+          <p:cNvSpPr>
+            <a:spLocks noChangeArrowheads="1"/>
+          </p:cNvSpPr>
+          <p:nvPr/>
+        </p:nvSpPr>
+        <p:spPr bwMode="auto">
+          <a:xfrm>
+            <a:off x="1250898" y="1362075"/>
+            <a:ext cx="10591331" cy="2483517"/>
+          </a:xfrm>
+          <a:prstGeom prst="rect">
+            <a:avLst/>
+          </a:prstGeom>
+          <a:noFill/>
+          <a:ln>
+            <a:noFill/>
+          </a:ln>
+          <a:effectLst/>
+          <a:extLst>
+            <a:ext uri="{909E8E84-426E-40DD-AFC4-6F175D3DCCD1}">
+              <a14:hiddenFill xmlns:a14="http://schemas.microsoft.com/office/drawing/2010/main">
+                <a:solidFill>
+                  <a:schemeClr val="accent1"/>
+                </a:solidFill>
+              </a14:hiddenFill>
+            </a:ext>
+            <a:ext uri="{91240B29-F687-4F45-9708-019B960494DF}">
+              <a14:hiddenLine xmlns:a14="http://schemas.microsoft.com/office/drawing/2010/main" w="12700">
+                <a:solidFill>
+                  <a:schemeClr val="tx1"/>
+                </a:solidFill>
+                <a:miter lim="800000"/>
+                <a:headEnd type="none" w="sm" len="sm"/>
+                <a:tailEnd type="none" w="sm" len="sm"/>
+              </a14:hiddenLine>
+            </a:ext>
+            <a:ext uri="{AF507438-7753-43E0-B8FC-AC1667EBCBE1}">
+              <a14:hiddenEffects xmlns:a14="http://schemas.microsoft.com/office/drawing/2010/main">
+                <a:effectLst>
+                  <a:outerShdw dist="35921" dir="2700000" algn="ctr" rotWithShape="0">
+                    <a:schemeClr val="bg2"/>
+                  </a:outerShdw>
+                </a:effectLst>
+              </a14:hiddenEffects>
+            </a:ext>
+          </a:extLst>
+        </p:spPr>
+        <p:txBody>
+          <a:bodyPr wrap="square" lIns="82058" tIns="41029" rIns="82058" bIns="41029">
+            <a:spAutoFit/>
+          </a:bodyPr>
+          <a:lstStyle/>
+          <a:p>
+            <a:pPr marL="342900" indent="-342900">
+              <a:buFont typeface="Arial" panose="020B0604020202020204" pitchFamily="34" charset="0"/>
+              <a:buChar char="•"/>
+            </a:pPr>
+            <a:r>
+              <a:rPr lang="en-US" altLang="zh-CN" b="1" dirty="0">
+                <a:solidFill>
+                  <a:schemeClr val="accent1">
+                    <a:lumMod val="75000"/>
+                  </a:schemeClr>
+                </a:solidFill>
+              </a:rPr>
+              <a:t>Material Design</a:t>
+            </a:r>
+            <a:r>
+              <a:rPr lang="zh-CN" altLang="en-US" b="1" dirty="0">
+                <a:solidFill>
+                  <a:schemeClr val="accent1">
+                    <a:lumMod val="75000"/>
+                  </a:schemeClr>
+                </a:solidFill>
+              </a:rPr>
+              <a:t>的特殊输入类型</a:t>
+            </a:r>
+            <a:endParaRPr lang="en-US" altLang="zh-CN" b="1" dirty="0">
+              <a:solidFill>
+                <a:schemeClr val="accent1">
+                  <a:lumMod val="75000"/>
+                </a:schemeClr>
+              </a:solidFill>
+            </a:endParaRPr>
+          </a:p>
+          <a:p>
+            <a:pPr marL="512228" lvl="2" indent="-285750">
+              <a:buFont typeface="Wingdings" panose="05000000000000000000" pitchFamily="2" charset="2"/>
+              <a:buChar char="Ø"/>
+            </a:pPr>
+            <a:r>
+              <a:rPr lang="zh-CN" altLang="en-US" dirty="0"/>
+              <a:t>单选 </a:t>
+            </a:r>
+            <a:r>
+              <a:rPr lang="en-US" altLang="zh-CN" dirty="0"/>
+              <a:t>radio Group, </a:t>
+            </a:r>
+            <a:r>
+              <a:rPr lang="zh-CN" altLang="en-US" dirty="0"/>
+              <a:t>类似于上述的单选下拉框</a:t>
+            </a:r>
+            <a:r>
+              <a:rPr lang="en-US" altLang="zh-CN" dirty="0"/>
+              <a:t>: </a:t>
+            </a:r>
+          </a:p>
+          <a:p>
+            <a:pPr marL="226478" lvl="2"/>
+            <a:r>
+              <a:rPr lang="en-US" altLang="zh-CN" sz="1200" dirty="0"/>
+              <a:t>h:panelGroup</a:t>
+            </a:r>
+            <a:r>
+              <a:rPr lang="zh-CN" altLang="en-US" sz="1200" dirty="0"/>
+              <a:t>不要设置 </a:t>
+            </a:r>
+            <a:r>
+              <a:rPr lang="en-US" altLang="zh-CN" sz="1200" dirty="0"/>
+              <a:t>class md-</a:t>
+            </a:r>
+            <a:r>
+              <a:rPr lang="en-US" altLang="zh-CN" sz="1200" dirty="0" err="1"/>
+              <a:t>inputfield</a:t>
+            </a:r>
+            <a:r>
+              <a:rPr lang="en-US" altLang="zh-CN" sz="1200" dirty="0"/>
+              <a:t>, </a:t>
+            </a:r>
+            <a:r>
+              <a:rPr lang="zh-CN" altLang="en-US" sz="1200" dirty="0"/>
+              <a:t>但</a:t>
+            </a:r>
+            <a:r>
+              <a:rPr lang="en-US" altLang="zh-CN" sz="1200" dirty="0"/>
+              <a:t>&lt;label&gt;</a:t>
+            </a:r>
+            <a:r>
+              <a:rPr lang="zh-CN" altLang="en-US" sz="1200" dirty="0"/>
+              <a:t>控件要加</a:t>
+            </a:r>
+            <a:r>
+              <a:rPr lang="en-US" altLang="zh-CN" sz="1200" dirty="0"/>
+              <a:t>class="md-</a:t>
+            </a:r>
+            <a:r>
+              <a:rPr lang="en-US" altLang="zh-CN" sz="1200" dirty="0" err="1"/>
+              <a:t>inputfield</a:t>
+            </a:r>
+            <a:r>
+              <a:rPr lang="en-US" altLang="zh-CN" sz="1200" dirty="0"/>
+              <a:t> </a:t>
+            </a:r>
+            <a:r>
+              <a:rPr lang="en-US" altLang="zh-CN" sz="1200" dirty="0" err="1"/>
+              <a:t>labelOnTop</a:t>
+            </a:r>
+            <a:r>
+              <a:rPr lang="en-US" altLang="zh-CN" sz="1200" dirty="0"/>
+              <a:t>”: </a:t>
+            </a:r>
+          </a:p>
+          <a:p>
+            <a:pPr marL="1140878" lvl="4"/>
+            <a:r>
+              <a:rPr lang="en-US" altLang="zh-CN" sz="1200" dirty="0"/>
+              <a:t>&lt;</a:t>
+            </a:r>
+            <a:r>
+              <a:rPr lang="en-US" altLang="zh-CN" sz="1200" dirty="0" err="1"/>
+              <a:t>h:panelGroup</a:t>
+            </a:r>
+            <a:r>
+              <a:rPr lang="en-US" altLang="zh-CN" sz="1200" dirty="0"/>
+              <a:t>&gt;</a:t>
+            </a:r>
+          </a:p>
+          <a:p>
+            <a:pPr marL="1140878" lvl="4"/>
+            <a:r>
+              <a:rPr lang="en-US" altLang="zh-CN" sz="1200" dirty="0"/>
+              <a:t>	&lt;</a:t>
+            </a:r>
+            <a:r>
+              <a:rPr lang="en-US" altLang="zh-CN" sz="1200" dirty="0" err="1"/>
+              <a:t>p:selectOneRadio</a:t>
+            </a:r>
+            <a:r>
+              <a:rPr lang="en-US" altLang="zh-CN" sz="1200" dirty="0"/>
+              <a:t> ….&gt;</a:t>
+            </a:r>
+          </a:p>
+          <a:p>
+            <a:pPr marL="1140878" lvl="4"/>
+            <a:r>
+              <a:rPr lang="en-US" altLang="zh-CN" sz="1200" dirty="0"/>
+              <a:t>		&lt;</a:t>
+            </a:r>
+            <a:r>
+              <a:rPr lang="en-US" altLang="zh-CN" sz="1200" dirty="0" err="1"/>
+              <a:t>f:selectItem</a:t>
+            </a:r>
+            <a:r>
+              <a:rPr lang="en-US" altLang="zh-CN" sz="1200" dirty="0"/>
+              <a:t> </a:t>
+            </a:r>
+            <a:r>
+              <a:rPr lang="en-US" altLang="zh-CN" sz="1200" dirty="0" err="1"/>
+              <a:t>itemLabel</a:t>
+            </a:r>
+            <a:r>
+              <a:rPr lang="en-US" altLang="zh-CN" sz="1200" dirty="0"/>
+              <a:t>="</a:t>
+            </a:r>
+            <a:r>
+              <a:rPr lang="zh-CN" altLang="en-US" sz="1200" dirty="0"/>
+              <a:t>选项</a:t>
+            </a:r>
+            <a:r>
+              <a:rPr lang="en-US" altLang="zh-CN" sz="1200" dirty="0"/>
+              <a:t>1" </a:t>
+            </a:r>
+            <a:r>
+              <a:rPr lang="en-US" altLang="zh-CN" sz="1200" dirty="0" err="1"/>
+              <a:t>itemValue</a:t>
+            </a:r>
+            <a:r>
+              <a:rPr lang="en-US" altLang="zh-CN" sz="1200" dirty="0"/>
+              <a:t>="1" /&gt;</a:t>
+            </a:r>
+          </a:p>
+          <a:p>
+            <a:pPr marL="1140878" lvl="4"/>
+            <a:r>
+              <a:rPr lang="en-US" altLang="zh-CN" sz="1200" dirty="0"/>
+              <a:t>		&lt;</a:t>
+            </a:r>
+            <a:r>
+              <a:rPr lang="en-US" altLang="zh-CN" sz="1200" dirty="0" err="1"/>
+              <a:t>f:selectItem</a:t>
+            </a:r>
+            <a:r>
+              <a:rPr lang="en-US" altLang="zh-CN" sz="1200" dirty="0"/>
+              <a:t> </a:t>
+            </a:r>
+            <a:r>
+              <a:rPr lang="en-US" altLang="zh-CN" sz="1200" dirty="0" err="1"/>
+              <a:t>itemLabel</a:t>
+            </a:r>
+            <a:r>
+              <a:rPr lang="en-US" altLang="zh-CN" sz="1200" dirty="0"/>
+              <a:t>="</a:t>
+            </a:r>
+            <a:r>
+              <a:rPr lang="zh-CN" altLang="en-US" sz="1200" dirty="0"/>
+              <a:t>选项</a:t>
+            </a:r>
+            <a:r>
+              <a:rPr lang="en-US" altLang="zh-CN" sz="1200" dirty="0"/>
+              <a:t>2" </a:t>
+            </a:r>
+            <a:r>
+              <a:rPr lang="en-US" altLang="zh-CN" sz="1200" dirty="0" err="1"/>
+              <a:t>itemValue</a:t>
+            </a:r>
+            <a:r>
+              <a:rPr lang="en-US" altLang="zh-CN" sz="1200" dirty="0"/>
+              <a:t>="2" /&gt;</a:t>
+            </a:r>
+          </a:p>
+          <a:p>
+            <a:pPr marL="1140878" lvl="4"/>
+            <a:r>
+              <a:rPr lang="en-US" altLang="zh-CN" sz="1200" dirty="0"/>
+              <a:t>		&lt;</a:t>
+            </a:r>
+            <a:r>
+              <a:rPr lang="en-US" altLang="zh-CN" sz="1200" dirty="0" err="1"/>
+              <a:t>f:selectItem</a:t>
+            </a:r>
+            <a:r>
+              <a:rPr lang="en-US" altLang="zh-CN" sz="1200" dirty="0"/>
+              <a:t> </a:t>
+            </a:r>
+            <a:r>
+              <a:rPr lang="en-US" altLang="zh-CN" sz="1200" dirty="0" err="1"/>
+              <a:t>itemLabel</a:t>
+            </a:r>
+            <a:r>
+              <a:rPr lang="en-US" altLang="zh-CN" sz="1200" dirty="0"/>
+              <a:t>="</a:t>
+            </a:r>
+            <a:r>
+              <a:rPr lang="zh-CN" altLang="en-US" sz="1200" dirty="0"/>
+              <a:t>选项</a:t>
+            </a:r>
+            <a:r>
+              <a:rPr lang="en-US" altLang="zh-CN" sz="1200" dirty="0"/>
+              <a:t>3" </a:t>
+            </a:r>
+            <a:r>
+              <a:rPr lang="en-US" altLang="zh-CN" sz="1200" dirty="0" err="1"/>
+              <a:t>itemValue</a:t>
+            </a:r>
+            <a:r>
+              <a:rPr lang="en-US" altLang="zh-CN" sz="1200" dirty="0"/>
+              <a:t>="3" /&gt;</a:t>
+            </a:r>
+          </a:p>
+          <a:p>
+            <a:pPr marL="1140878" lvl="4"/>
+            <a:r>
+              <a:rPr lang="en-US" altLang="zh-CN" sz="1200" dirty="0"/>
+              <a:t>	&lt;/</a:t>
+            </a:r>
+            <a:r>
+              <a:rPr lang="en-US" altLang="zh-CN" sz="1200" dirty="0" err="1"/>
+              <a:t>p:selectOneRadio</a:t>
+            </a:r>
+            <a:r>
+              <a:rPr lang="en-US" altLang="zh-CN" sz="1200" dirty="0"/>
+              <a:t>&gt;</a:t>
+            </a:r>
+          </a:p>
+          <a:p>
+            <a:pPr marL="1140878" lvl="4"/>
+            <a:r>
+              <a:rPr lang="en-US" altLang="zh-CN" sz="1200" dirty="0"/>
+              <a:t>	&lt;label </a:t>
+            </a:r>
+            <a:r>
+              <a:rPr lang="en-US" altLang="zh-CN" sz="1200" dirty="0">
+                <a:solidFill>
+                  <a:srgbClr val="FF0000"/>
+                </a:solidFill>
+              </a:rPr>
+              <a:t>class="md-</a:t>
+            </a:r>
+            <a:r>
+              <a:rPr lang="en-US" altLang="zh-CN" sz="1200" dirty="0" err="1">
+                <a:solidFill>
+                  <a:srgbClr val="FF0000"/>
+                </a:solidFill>
+              </a:rPr>
+              <a:t>inputfield</a:t>
+            </a:r>
+            <a:r>
+              <a:rPr lang="en-US" altLang="zh-CN" sz="1200" dirty="0">
+                <a:solidFill>
+                  <a:srgbClr val="FF0000"/>
+                </a:solidFill>
+              </a:rPr>
+              <a:t> </a:t>
+            </a:r>
+            <a:r>
+              <a:rPr lang="en-US" altLang="zh-CN" sz="1200" dirty="0" err="1">
+                <a:solidFill>
+                  <a:srgbClr val="FF0000"/>
+                </a:solidFill>
+              </a:rPr>
+              <a:t>labelOnTop</a:t>
+            </a:r>
+            <a:r>
+              <a:rPr lang="en-US" altLang="zh-CN" sz="1200" dirty="0">
+                <a:solidFill>
+                  <a:srgbClr val="FF0000"/>
+                </a:solidFill>
+              </a:rPr>
+              <a:t>"</a:t>
+            </a:r>
+            <a:r>
+              <a:rPr lang="en-US" altLang="zh-CN" sz="1200" dirty="0"/>
+              <a:t>&gt;#{</a:t>
+            </a:r>
+            <a:r>
+              <a:rPr lang="en-US" altLang="zh-CN" sz="1200" dirty="0" err="1"/>
+              <a:t>msg.OptionLabel</a:t>
+            </a:r>
+            <a:r>
+              <a:rPr lang="en-US" altLang="zh-CN" sz="1200" dirty="0"/>
+              <a:t>}*&lt;/label&gt;</a:t>
+            </a:r>
+          </a:p>
+          <a:p>
+            <a:pPr marL="1140878" lvl="4"/>
+            <a:r>
+              <a:rPr lang="en-US" altLang="zh-CN" sz="1200" dirty="0"/>
+              <a:t>&lt;/</a:t>
+            </a:r>
+            <a:r>
+              <a:rPr lang="en-US" altLang="zh-CN" sz="1200" dirty="0" err="1"/>
+              <a:t>h:panelGroup</a:t>
+            </a:r>
+            <a:r>
+              <a:rPr lang="en-US" altLang="zh-CN" sz="1200" dirty="0"/>
+              <a:t>&gt;</a:t>
+            </a:r>
+          </a:p>
+          <a:p>
+            <a:pPr marL="1140878" lvl="4"/>
+            <a:endParaRPr lang="en-US" altLang="zh-CN" sz="1200" dirty="0"/>
+          </a:p>
+        </p:txBody>
+      </p:sp>
+    </p:spTree>
+    <p:extLst>
+      <p:ext uri="{BB962C8B-B14F-4D97-AF65-F5344CB8AC3E}">
+        <p14:creationId xmlns:p14="http://schemas.microsoft.com/office/powerpoint/2010/main" val="3648441550"/>
+      </p:ext>
+    </p:extLst>
+  </p:cSld>
+  <p:clrMapOvr>
+    <a:masterClrMapping/>
+  </p:clrMapOvr>
+</p:sld>
+</file>
+
+<file path=ppt/slides/slide24.xml><?xml version="1.0" encoding="utf-8"?>
+<p:sld xmlns:a="http://schemas.openxmlformats.org/drawingml/2006/main" xmlns:r="http://schemas.openxmlformats.org/officeDocument/2006/relationships" xmlns:p="http://schemas.openxmlformats.org/presentationml/2006/main">
+  <p:cSld>
+    <p:spTree>
+      <p:nvGrpSpPr>
+        <p:cNvPr id="1" name=""/>
+        <p:cNvGrpSpPr/>
+        <p:nvPr/>
+      </p:nvGrpSpPr>
+      <p:grpSpPr>
+        <a:xfrm>
+          <a:off x="0" y="0"/>
+          <a:ext cx="0" cy="0"/>
+          <a:chOff x="0" y="0"/>
+          <a:chExt cx="0" cy="0"/>
+        </a:xfrm>
+      </p:grpSpPr>
+      <p:sp>
+        <p:nvSpPr>
+          <p:cNvPr id="5" name="矩形 4"/>
+          <p:cNvSpPr/>
+          <p:nvPr/>
+        </p:nvSpPr>
+        <p:spPr>
+          <a:xfrm>
+            <a:off x="-9839" y="915023"/>
+            <a:ext cx="12198664" cy="111210"/>
+          </a:xfrm>
+          <a:prstGeom prst="rect">
+            <a:avLst/>
+          </a:prstGeom>
+          <a:solidFill>
+            <a:srgbClr val="00B0F0"/>
+          </a:solidFill>
+          <a:ln>
+            <a:noFill/>
+          </a:ln>
+        </p:spPr>
+        <p:style>
+          <a:lnRef idx="2">
+            <a:schemeClr val="accent1">
+              <a:shade val="50000"/>
+            </a:schemeClr>
+          </a:lnRef>
+          <a:fillRef idx="1">
+            <a:schemeClr val="accent1"/>
+          </a:fillRef>
+          <a:effectRef idx="0">
+            <a:schemeClr val="accent1"/>
+          </a:effectRef>
+          <a:fontRef idx="minor">
+            <a:schemeClr val="lt1"/>
+          </a:fontRef>
+        </p:style>
+        <p:txBody>
+          <a:bodyPr rtlCol="0" anchor="ctr"/>
+          <a:lstStyle/>
+          <a:p>
+            <a:pPr algn="ctr"/>
+            <a:endParaRPr lang="zh-CN" altLang="en-US"/>
+          </a:p>
+        </p:txBody>
+      </p:sp>
+      <p:sp>
+        <p:nvSpPr>
+          <p:cNvPr id="2" name="矩形 1"/>
+          <p:cNvSpPr/>
+          <p:nvPr/>
+        </p:nvSpPr>
+        <p:spPr>
+          <a:xfrm>
+            <a:off x="481293" y="425105"/>
+            <a:ext cx="107577" cy="107577"/>
+          </a:xfrm>
+          <a:prstGeom prst="rect">
+            <a:avLst/>
+          </a:prstGeom>
+          <a:solidFill>
+            <a:srgbClr val="00B050"/>
+          </a:solidFill>
+          <a:ln>
+            <a:noFill/>
+          </a:ln>
+        </p:spPr>
+        <p:style>
+          <a:lnRef idx="2">
+            <a:schemeClr val="accent1">
+              <a:shade val="50000"/>
+            </a:schemeClr>
+          </a:lnRef>
+          <a:fillRef idx="1">
+            <a:schemeClr val="accent1"/>
+          </a:fillRef>
+          <a:effectRef idx="0">
+            <a:schemeClr val="accent1"/>
+          </a:effectRef>
+          <a:fontRef idx="minor">
+            <a:schemeClr val="lt1"/>
+          </a:fontRef>
+        </p:style>
+        <p:txBody>
+          <a:bodyPr rtlCol="0" anchor="ctr"/>
+          <a:lstStyle/>
+          <a:p>
+            <a:pPr algn="ctr"/>
+            <a:endParaRPr lang="zh-CN" altLang="en-US"/>
+          </a:p>
+        </p:txBody>
+      </p:sp>
+      <p:sp>
+        <p:nvSpPr>
+          <p:cNvPr id="7" name="TextBox 6"/>
+          <p:cNvSpPr txBox="1"/>
+          <p:nvPr/>
+        </p:nvSpPr>
+        <p:spPr>
+          <a:xfrm>
+            <a:off x="833472" y="263449"/>
+            <a:ext cx="8380865" cy="430887"/>
+          </a:xfrm>
+          <a:prstGeom prst="rect">
+            <a:avLst/>
+          </a:prstGeom>
+          <a:noFill/>
+        </p:spPr>
+        <p:txBody>
+          <a:bodyPr wrap="square" lIns="0" tIns="0" rIns="0" bIns="0" rtlCol="0">
+            <a:spAutoFit/>
+          </a:bodyPr>
+          <a:lstStyle/>
+          <a:p>
+            <a:r>
+              <a:rPr lang="en-US" sz="2800" dirty="0"/>
               <a:t>J</a:t>
             </a:r>
             <a:r>
@@ -26791,7 +28327,7 @@
 </p:sld>
 </file>
 
-<file path=ppt/slides/slide23.xml><?xml version="1.0" encoding="utf-8"?>
+<file path=ppt/slides/slide25.xml><?xml version="1.0" encoding="utf-8"?>
 <p:sld xmlns:a="http://schemas.openxmlformats.org/drawingml/2006/main" xmlns:r="http://schemas.openxmlformats.org/officeDocument/2006/relationships" xmlns:p="http://schemas.openxmlformats.org/presentationml/2006/main">
   <p:cSld>
     <p:spTree>
@@ -28230,7 +29766,7 @@
 </p:sld>
 </file>
 
-<file path=ppt/slides/slide24.xml><?xml version="1.0" encoding="utf-8"?>
+<file path=ppt/slides/slide26.xml><?xml version="1.0" encoding="utf-8"?>
 <p:sld xmlns:a="http://schemas.openxmlformats.org/drawingml/2006/main" xmlns:r="http://schemas.openxmlformats.org/officeDocument/2006/relationships" xmlns:p="http://schemas.openxmlformats.org/presentationml/2006/main">
   <p:cSld>
     <p:spTree>
@@ -28672,7 +30208,7 @@
 </p:sld>
 </file>
 
-<file path=ppt/slides/slide25.xml><?xml version="1.0" encoding="utf-8"?>
+<file path=ppt/slides/slide27.xml><?xml version="1.0" encoding="utf-8"?>
 <p:sld xmlns:a="http://schemas.openxmlformats.org/drawingml/2006/main" xmlns:r="http://schemas.openxmlformats.org/officeDocument/2006/relationships" xmlns:p="http://schemas.openxmlformats.org/presentationml/2006/main">
   <p:cSld>
     <p:spTree>
@@ -29448,7 +30984,7 @@
 </p:sld>
 </file>
 
-<file path=ppt/slides/slide26.xml><?xml version="1.0" encoding="utf-8"?>
+<file path=ppt/slides/slide28.xml><?xml version="1.0" encoding="utf-8"?>
 <p:sld xmlns:a="http://schemas.openxmlformats.org/drawingml/2006/main" xmlns:r="http://schemas.openxmlformats.org/officeDocument/2006/relationships" xmlns:p="http://schemas.openxmlformats.org/presentationml/2006/main">
   <p:cSld>
     <p:spTree>
@@ -30197,7 +31733,7 @@
 </p:sld>
 </file>
 
-<file path=ppt/slides/slide27.xml><?xml version="1.0" encoding="utf-8"?>
+<file path=ppt/slides/slide29.xml><?xml version="1.0" encoding="utf-8"?>
 <p:sld xmlns:a="http://schemas.openxmlformats.org/drawingml/2006/main" xmlns:r="http://schemas.openxmlformats.org/officeDocument/2006/relationships" xmlns:p="http://schemas.openxmlformats.org/presentationml/2006/main">
   <p:cSld>
     <p:spTree>
@@ -30564,7 +32100,353 @@
 </p:sld>
 </file>
 
-<file path=ppt/slides/slide28.xml><?xml version="1.0" encoding="utf-8"?>
+<file path=ppt/slides/slide3.xml><?xml version="1.0" encoding="utf-8"?>
+<p:sld xmlns:a="http://schemas.openxmlformats.org/drawingml/2006/main" xmlns:r="http://schemas.openxmlformats.org/officeDocument/2006/relationships" xmlns:p="http://schemas.openxmlformats.org/presentationml/2006/main">
+  <p:cSld>
+    <p:spTree>
+      <p:nvGrpSpPr>
+        <p:cNvPr id="1" name=""/>
+        <p:cNvGrpSpPr/>
+        <p:nvPr/>
+      </p:nvGrpSpPr>
+      <p:grpSpPr>
+        <a:xfrm>
+          <a:off x="0" y="0"/>
+          <a:ext cx="0" cy="0"/>
+          <a:chOff x="0" y="0"/>
+          <a:chExt cx="0" cy="0"/>
+        </a:xfrm>
+      </p:grpSpPr>
+      <p:sp>
+        <p:nvSpPr>
+          <p:cNvPr id="5" name="矩形 4"/>
+          <p:cNvSpPr/>
+          <p:nvPr/>
+        </p:nvSpPr>
+        <p:spPr>
+          <a:xfrm>
+            <a:off x="-9839" y="915023"/>
+            <a:ext cx="12198664" cy="111210"/>
+          </a:xfrm>
+          <a:prstGeom prst="rect">
+            <a:avLst/>
+          </a:prstGeom>
+          <a:solidFill>
+            <a:srgbClr val="00B0F0"/>
+          </a:solidFill>
+          <a:ln>
+            <a:noFill/>
+          </a:ln>
+        </p:spPr>
+        <p:style>
+          <a:lnRef idx="2">
+            <a:schemeClr val="accent1">
+              <a:shade val="50000"/>
+            </a:schemeClr>
+          </a:lnRef>
+          <a:fillRef idx="1">
+            <a:schemeClr val="accent1"/>
+          </a:fillRef>
+          <a:effectRef idx="0">
+            <a:schemeClr val="accent1"/>
+          </a:effectRef>
+          <a:fontRef idx="minor">
+            <a:schemeClr val="lt1"/>
+          </a:fontRef>
+        </p:style>
+        <p:txBody>
+          <a:bodyPr rtlCol="0" anchor="ctr"/>
+          <a:lstStyle/>
+          <a:p>
+            <a:pPr algn="ctr"/>
+            <a:endParaRPr lang="zh-CN" altLang="en-US"/>
+          </a:p>
+        </p:txBody>
+      </p:sp>
+      <p:sp>
+        <p:nvSpPr>
+          <p:cNvPr id="2" name="矩形 1"/>
+          <p:cNvSpPr/>
+          <p:nvPr/>
+        </p:nvSpPr>
+        <p:spPr>
+          <a:xfrm>
+            <a:off x="481293" y="425105"/>
+            <a:ext cx="107577" cy="107577"/>
+          </a:xfrm>
+          <a:prstGeom prst="rect">
+            <a:avLst/>
+          </a:prstGeom>
+          <a:solidFill>
+            <a:srgbClr val="00B050"/>
+          </a:solidFill>
+          <a:ln>
+            <a:noFill/>
+          </a:ln>
+        </p:spPr>
+        <p:style>
+          <a:lnRef idx="2">
+            <a:schemeClr val="accent1">
+              <a:shade val="50000"/>
+            </a:schemeClr>
+          </a:lnRef>
+          <a:fillRef idx="1">
+            <a:schemeClr val="accent1"/>
+          </a:fillRef>
+          <a:effectRef idx="0">
+            <a:schemeClr val="accent1"/>
+          </a:effectRef>
+          <a:fontRef idx="minor">
+            <a:schemeClr val="lt1"/>
+          </a:fontRef>
+        </p:style>
+        <p:txBody>
+          <a:bodyPr rtlCol="0" anchor="ctr"/>
+          <a:lstStyle/>
+          <a:p>
+            <a:pPr algn="ctr"/>
+            <a:endParaRPr lang="zh-CN" altLang="en-US"/>
+          </a:p>
+        </p:txBody>
+      </p:sp>
+      <p:sp>
+        <p:nvSpPr>
+          <p:cNvPr id="7" name="TextBox 6"/>
+          <p:cNvSpPr txBox="1"/>
+          <p:nvPr/>
+        </p:nvSpPr>
+        <p:spPr>
+          <a:xfrm>
+            <a:off x="833472" y="263449"/>
+            <a:ext cx="8380865" cy="430887"/>
+          </a:xfrm>
+          <a:prstGeom prst="rect">
+            <a:avLst/>
+          </a:prstGeom>
+          <a:noFill/>
+        </p:spPr>
+        <p:txBody>
+          <a:bodyPr wrap="square" lIns="0" tIns="0" rIns="0" bIns="0" rtlCol="0">
+            <a:spAutoFit/>
+          </a:bodyPr>
+          <a:lstStyle/>
+          <a:p>
+            <a:r>
+              <a:rPr lang="en-US" sz="2800" dirty="0"/>
+              <a:t>Project Code Structure</a:t>
+            </a:r>
+            <a:endParaRPr lang="en-US" sz="2000" dirty="0">
+              <a:latin typeface="GE汉仪中圆简" panose="02010600000101010101" pitchFamily="2" charset="-122"/>
+              <a:ea typeface="GE汉仪中圆简" panose="02010600000101010101" pitchFamily="2" charset="-122"/>
+            </a:endParaRPr>
+          </a:p>
+        </p:txBody>
+      </p:sp>
+      <p:sp>
+        <p:nvSpPr>
+          <p:cNvPr id="6" name="Rectangle 2"/>
+          <p:cNvSpPr>
+            <a:spLocks noChangeArrowheads="1"/>
+          </p:cNvSpPr>
+          <p:nvPr/>
+        </p:nvSpPr>
+        <p:spPr bwMode="auto">
+          <a:xfrm>
+            <a:off x="1250898" y="1362075"/>
+            <a:ext cx="10591331" cy="3376069"/>
+          </a:xfrm>
+          <a:prstGeom prst="rect">
+            <a:avLst/>
+          </a:prstGeom>
+          <a:noFill/>
+          <a:ln>
+            <a:noFill/>
+          </a:ln>
+          <a:effectLst/>
+          <a:extLst>
+            <a:ext uri="{909E8E84-426E-40DD-AFC4-6F175D3DCCD1}">
+              <a14:hiddenFill xmlns:a14="http://schemas.microsoft.com/office/drawing/2010/main">
+                <a:solidFill>
+                  <a:schemeClr val="accent1"/>
+                </a:solidFill>
+              </a14:hiddenFill>
+            </a:ext>
+            <a:ext uri="{91240B29-F687-4F45-9708-019B960494DF}">
+              <a14:hiddenLine xmlns:a14="http://schemas.microsoft.com/office/drawing/2010/main" w="12700">
+                <a:solidFill>
+                  <a:schemeClr val="tx1"/>
+                </a:solidFill>
+                <a:miter lim="800000"/>
+                <a:headEnd type="none" w="sm" len="sm"/>
+                <a:tailEnd type="none" w="sm" len="sm"/>
+              </a14:hiddenLine>
+            </a:ext>
+            <a:ext uri="{AF507438-7753-43E0-B8FC-AC1667EBCBE1}">
+              <a14:hiddenEffects xmlns:a14="http://schemas.microsoft.com/office/drawing/2010/main">
+                <a:effectLst>
+                  <a:outerShdw dist="35921" dir="2700000" algn="ctr" rotWithShape="0">
+                    <a:schemeClr val="bg2"/>
+                  </a:outerShdw>
+                </a:effectLst>
+              </a14:hiddenEffects>
+            </a:ext>
+          </a:extLst>
+        </p:spPr>
+        <p:txBody>
+          <a:bodyPr wrap="square" lIns="82058" tIns="41029" rIns="82058" bIns="41029">
+            <a:spAutoFit/>
+          </a:bodyPr>
+          <a:lstStyle/>
+          <a:p>
+            <a:pPr defTabSz="820738"/>
+            <a:r>
+              <a:rPr lang="en-US" altLang="zh-CN" sz="2200" b="1" dirty="0">
+                <a:solidFill>
+                  <a:schemeClr val="accent1"/>
+                </a:solidFill>
+                <a:latin typeface="微软雅黑" panose="020B0503020204020204" pitchFamily="34" charset="-122"/>
+                <a:ea typeface="微软雅黑" panose="020B0503020204020204" pitchFamily="34" charset="-122"/>
+              </a:rPr>
+              <a:t>Java packages</a:t>
+            </a:r>
+          </a:p>
+          <a:p>
+            <a:pPr marL="342900" indent="-342900">
+              <a:buFont typeface="Arial" panose="020B0604020202020204" pitchFamily="34" charset="0"/>
+              <a:buChar char="•"/>
+            </a:pPr>
+            <a:r>
+              <a:rPr lang="en-US" altLang="zh-CN" sz="2400" dirty="0" err="1"/>
+              <a:t>com.ge.apm.domain</a:t>
+            </a:r>
+            <a:r>
+              <a:rPr lang="en-US" altLang="zh-CN" sz="2400" dirty="0"/>
+              <a:t>:  entity objects</a:t>
+            </a:r>
+          </a:p>
+          <a:p>
+            <a:pPr marL="342900" indent="-342900">
+              <a:buFont typeface="Arial" panose="020B0604020202020204" pitchFamily="34" charset="0"/>
+              <a:buChar char="•"/>
+            </a:pPr>
+            <a:r>
+              <a:rPr lang="en-US" altLang="zh-CN" sz="2400" dirty="0" err="1"/>
+              <a:t>com.ge.apm.dao</a:t>
+            </a:r>
+            <a:r>
+              <a:rPr lang="en-US" altLang="zh-CN" sz="2400" dirty="0"/>
+              <a:t>:  data access objects</a:t>
+            </a:r>
+          </a:p>
+          <a:p>
+            <a:pPr marL="342900" indent="-342900">
+              <a:buFont typeface="Arial" panose="020B0604020202020204" pitchFamily="34" charset="0"/>
+              <a:buChar char="•"/>
+            </a:pPr>
+            <a:r>
+              <a:rPr lang="en-US" altLang="zh-CN" sz="2400" dirty="0" err="1"/>
+              <a:t>com.ge.apm.service</a:t>
+            </a:r>
+            <a:r>
+              <a:rPr lang="en-US" altLang="zh-CN" sz="2400" dirty="0"/>
+              <a:t>:  business logic beans</a:t>
+            </a:r>
+          </a:p>
+          <a:p>
+            <a:pPr marL="342900" indent="-342900">
+              <a:buFont typeface="Arial" panose="020B0604020202020204" pitchFamily="34" charset="0"/>
+              <a:buChar char="•"/>
+            </a:pPr>
+            <a:r>
+              <a:rPr lang="en-US" altLang="zh-CN" sz="2400" dirty="0" err="1"/>
+              <a:t>com.ge.apm.view</a:t>
+            </a:r>
+            <a:r>
+              <a:rPr lang="en-US" altLang="zh-CN" sz="2400" dirty="0"/>
+              <a:t>:  JSF managed beans</a:t>
+            </a:r>
+          </a:p>
+          <a:p>
+            <a:pPr marL="342900" indent="-342900">
+              <a:buFont typeface="Arial" panose="020B0604020202020204" pitchFamily="34" charset="0"/>
+              <a:buChar char="•"/>
+            </a:pPr>
+            <a:r>
+              <a:rPr lang="en-US" altLang="zh-CN" sz="2400" dirty="0" err="1"/>
+              <a:t>com.ge.apm.web</a:t>
+            </a:r>
+            <a:r>
+              <a:rPr lang="en-US" altLang="zh-CN" sz="2400" dirty="0"/>
+              <a:t>:  Spring MVC controllers</a:t>
+            </a:r>
+          </a:p>
+          <a:p>
+            <a:pPr marL="342900" indent="-342900">
+              <a:buFont typeface="Arial" panose="020B0604020202020204" pitchFamily="34" charset="0"/>
+              <a:buChar char="•"/>
+            </a:pPr>
+            <a:endParaRPr lang="en-US" altLang="zh-CN" sz="2400" dirty="0"/>
+          </a:p>
+          <a:p>
+            <a:r>
+              <a:rPr lang="en-US" altLang="zh-CN" sz="2400" dirty="0">
+                <a:solidFill>
+                  <a:schemeClr val="accent1"/>
+                </a:solidFill>
+              </a:rPr>
+              <a:t>Web App folders</a:t>
+            </a:r>
+          </a:p>
+          <a:p>
+            <a:pPr marL="342900" indent="-342900">
+              <a:buFont typeface="Arial" panose="020B0604020202020204" pitchFamily="34" charset="0"/>
+              <a:buChar char="•"/>
+            </a:pPr>
+            <a:r>
+              <a:rPr lang="en-US" altLang="zh-CN" sz="2400" dirty="0"/>
+              <a:t>resources: resource files( </a:t>
+            </a:r>
+            <a:r>
+              <a:rPr lang="en-US" altLang="zh-CN" sz="2400" dirty="0" err="1"/>
+              <a:t>js</a:t>
+            </a:r>
+            <a:r>
+              <a:rPr lang="en-US" altLang="zh-CN" sz="2400" dirty="0"/>
+              <a:t>/</a:t>
+            </a:r>
+            <a:r>
+              <a:rPr lang="en-US" altLang="zh-CN" sz="2400" dirty="0" err="1"/>
+              <a:t>css</a:t>
+            </a:r>
+            <a:r>
+              <a:rPr lang="en-US" altLang="zh-CN" sz="2400" dirty="0"/>
+              <a:t>/icon/</a:t>
+            </a:r>
+            <a:r>
+              <a:rPr lang="en-US" altLang="zh-CN" sz="2400" dirty="0" err="1"/>
+              <a:t>img</a:t>
+            </a:r>
+            <a:r>
+              <a:rPr lang="en-US" altLang="zh-CN" sz="2400" dirty="0"/>
+              <a:t>, etc.)</a:t>
+            </a:r>
+          </a:p>
+        </p:txBody>
+      </p:sp>
+    </p:spTree>
+    <p:extLst>
+      <p:ext uri="{BB962C8B-B14F-4D97-AF65-F5344CB8AC3E}">
+        <p14:creationId xmlns:p14="http://schemas.microsoft.com/office/powerpoint/2010/main" val="190351268"/>
+      </p:ext>
+    </p:extLst>
+  </p:cSld>
+  <p:clrMapOvr>
+    <a:masterClrMapping/>
+  </p:clrMapOvr>
+</p:sld>
+</file>
+
+<file path=ppt/slides/slide30.xml><?xml version="1.0" encoding="utf-8"?>
 <p:sld xmlns:a="http://schemas.openxmlformats.org/drawingml/2006/main" xmlns:r="http://schemas.openxmlformats.org/officeDocument/2006/relationships" xmlns:p="http://schemas.openxmlformats.org/presentationml/2006/main">
   <p:cSld>
     <p:spTree>
@@ -30653,352 +32535,6 @@
     <p:extLst>
       <p:ext uri="{BB962C8B-B14F-4D97-AF65-F5344CB8AC3E}">
         <p14:creationId xmlns:p14="http://schemas.microsoft.com/office/powerpoint/2010/main" val="1426060085"/>
-      </p:ext>
-    </p:extLst>
-  </p:cSld>
-  <p:clrMapOvr>
-    <a:masterClrMapping/>
-  </p:clrMapOvr>
-</p:sld>
-</file>
-
-<file path=ppt/slides/slide3.xml><?xml version="1.0" encoding="utf-8"?>
-<p:sld xmlns:a="http://schemas.openxmlformats.org/drawingml/2006/main" xmlns:r="http://schemas.openxmlformats.org/officeDocument/2006/relationships" xmlns:p="http://schemas.openxmlformats.org/presentationml/2006/main">
-  <p:cSld>
-    <p:spTree>
-      <p:nvGrpSpPr>
-        <p:cNvPr id="1" name=""/>
-        <p:cNvGrpSpPr/>
-        <p:nvPr/>
-      </p:nvGrpSpPr>
-      <p:grpSpPr>
-        <a:xfrm>
-          <a:off x="0" y="0"/>
-          <a:ext cx="0" cy="0"/>
-          <a:chOff x="0" y="0"/>
-          <a:chExt cx="0" cy="0"/>
-        </a:xfrm>
-      </p:grpSpPr>
-      <p:sp>
-        <p:nvSpPr>
-          <p:cNvPr id="5" name="矩形 4"/>
-          <p:cNvSpPr/>
-          <p:nvPr/>
-        </p:nvSpPr>
-        <p:spPr>
-          <a:xfrm>
-            <a:off x="-9839" y="915023"/>
-            <a:ext cx="12198664" cy="111210"/>
-          </a:xfrm>
-          <a:prstGeom prst="rect">
-            <a:avLst/>
-          </a:prstGeom>
-          <a:solidFill>
-            <a:srgbClr val="00B0F0"/>
-          </a:solidFill>
-          <a:ln>
-            <a:noFill/>
-          </a:ln>
-        </p:spPr>
-        <p:style>
-          <a:lnRef idx="2">
-            <a:schemeClr val="accent1">
-              <a:shade val="50000"/>
-            </a:schemeClr>
-          </a:lnRef>
-          <a:fillRef idx="1">
-            <a:schemeClr val="accent1"/>
-          </a:fillRef>
-          <a:effectRef idx="0">
-            <a:schemeClr val="accent1"/>
-          </a:effectRef>
-          <a:fontRef idx="minor">
-            <a:schemeClr val="lt1"/>
-          </a:fontRef>
-        </p:style>
-        <p:txBody>
-          <a:bodyPr rtlCol="0" anchor="ctr"/>
-          <a:lstStyle/>
-          <a:p>
-            <a:pPr algn="ctr"/>
-            <a:endParaRPr lang="zh-CN" altLang="en-US"/>
-          </a:p>
-        </p:txBody>
-      </p:sp>
-      <p:sp>
-        <p:nvSpPr>
-          <p:cNvPr id="2" name="矩形 1"/>
-          <p:cNvSpPr/>
-          <p:nvPr/>
-        </p:nvSpPr>
-        <p:spPr>
-          <a:xfrm>
-            <a:off x="481293" y="425105"/>
-            <a:ext cx="107577" cy="107577"/>
-          </a:xfrm>
-          <a:prstGeom prst="rect">
-            <a:avLst/>
-          </a:prstGeom>
-          <a:solidFill>
-            <a:srgbClr val="00B050"/>
-          </a:solidFill>
-          <a:ln>
-            <a:noFill/>
-          </a:ln>
-        </p:spPr>
-        <p:style>
-          <a:lnRef idx="2">
-            <a:schemeClr val="accent1">
-              <a:shade val="50000"/>
-            </a:schemeClr>
-          </a:lnRef>
-          <a:fillRef idx="1">
-            <a:schemeClr val="accent1"/>
-          </a:fillRef>
-          <a:effectRef idx="0">
-            <a:schemeClr val="accent1"/>
-          </a:effectRef>
-          <a:fontRef idx="minor">
-            <a:schemeClr val="lt1"/>
-          </a:fontRef>
-        </p:style>
-        <p:txBody>
-          <a:bodyPr rtlCol="0" anchor="ctr"/>
-          <a:lstStyle/>
-          <a:p>
-            <a:pPr algn="ctr"/>
-            <a:endParaRPr lang="zh-CN" altLang="en-US"/>
-          </a:p>
-        </p:txBody>
-      </p:sp>
-      <p:sp>
-        <p:nvSpPr>
-          <p:cNvPr id="7" name="TextBox 6"/>
-          <p:cNvSpPr txBox="1"/>
-          <p:nvPr/>
-        </p:nvSpPr>
-        <p:spPr>
-          <a:xfrm>
-            <a:off x="833472" y="263449"/>
-            <a:ext cx="8380865" cy="430887"/>
-          </a:xfrm>
-          <a:prstGeom prst="rect">
-            <a:avLst/>
-          </a:prstGeom>
-          <a:noFill/>
-        </p:spPr>
-        <p:txBody>
-          <a:bodyPr wrap="square" lIns="0" tIns="0" rIns="0" bIns="0" rtlCol="0">
-            <a:spAutoFit/>
-          </a:bodyPr>
-          <a:lstStyle/>
-          <a:p>
-            <a:r>
-              <a:rPr lang="en-US" sz="2800" dirty="0"/>
-              <a:t>Project Code Structure</a:t>
-            </a:r>
-            <a:endParaRPr lang="en-US" sz="2000" dirty="0">
-              <a:latin typeface="GE汉仪中圆简" panose="02010600000101010101" pitchFamily="2" charset="-122"/>
-              <a:ea typeface="GE汉仪中圆简" panose="02010600000101010101" pitchFamily="2" charset="-122"/>
-            </a:endParaRPr>
-          </a:p>
-        </p:txBody>
-      </p:sp>
-      <p:sp>
-        <p:nvSpPr>
-          <p:cNvPr id="6" name="Rectangle 2"/>
-          <p:cNvSpPr>
-            <a:spLocks noChangeArrowheads="1"/>
-          </p:cNvSpPr>
-          <p:nvPr/>
-        </p:nvSpPr>
-        <p:spPr bwMode="auto">
-          <a:xfrm>
-            <a:off x="1250898" y="1362075"/>
-            <a:ext cx="10591331" cy="3376069"/>
-          </a:xfrm>
-          <a:prstGeom prst="rect">
-            <a:avLst/>
-          </a:prstGeom>
-          <a:noFill/>
-          <a:ln>
-            <a:noFill/>
-          </a:ln>
-          <a:effectLst/>
-          <a:extLst>
-            <a:ext uri="{909E8E84-426E-40DD-AFC4-6F175D3DCCD1}">
-              <a14:hiddenFill xmlns:a14="http://schemas.microsoft.com/office/drawing/2010/main">
-                <a:solidFill>
-                  <a:schemeClr val="accent1"/>
-                </a:solidFill>
-              </a14:hiddenFill>
-            </a:ext>
-            <a:ext uri="{91240B29-F687-4F45-9708-019B960494DF}">
-              <a14:hiddenLine xmlns:a14="http://schemas.microsoft.com/office/drawing/2010/main" w="12700">
-                <a:solidFill>
-                  <a:schemeClr val="tx1"/>
-                </a:solidFill>
-                <a:miter lim="800000"/>
-                <a:headEnd type="none" w="sm" len="sm"/>
-                <a:tailEnd type="none" w="sm" len="sm"/>
-              </a14:hiddenLine>
-            </a:ext>
-            <a:ext uri="{AF507438-7753-43E0-B8FC-AC1667EBCBE1}">
-              <a14:hiddenEffects xmlns:a14="http://schemas.microsoft.com/office/drawing/2010/main">
-                <a:effectLst>
-                  <a:outerShdw dist="35921" dir="2700000" algn="ctr" rotWithShape="0">
-                    <a:schemeClr val="bg2"/>
-                  </a:outerShdw>
-                </a:effectLst>
-              </a14:hiddenEffects>
-            </a:ext>
-          </a:extLst>
-        </p:spPr>
-        <p:txBody>
-          <a:bodyPr wrap="square" lIns="82058" tIns="41029" rIns="82058" bIns="41029">
-            <a:spAutoFit/>
-          </a:bodyPr>
-          <a:lstStyle/>
-          <a:p>
-            <a:pPr defTabSz="820738"/>
-            <a:r>
-              <a:rPr lang="en-US" altLang="zh-CN" sz="2200" b="1" dirty="0">
-                <a:solidFill>
-                  <a:schemeClr val="accent1"/>
-                </a:solidFill>
-                <a:latin typeface="微软雅黑" panose="020B0503020204020204" pitchFamily="34" charset="-122"/>
-                <a:ea typeface="微软雅黑" panose="020B0503020204020204" pitchFamily="34" charset="-122"/>
-              </a:rPr>
-              <a:t>Java packages</a:t>
-            </a:r>
-          </a:p>
-          <a:p>
-            <a:pPr marL="342900" indent="-342900">
-              <a:buFont typeface="Arial" panose="020B0604020202020204" pitchFamily="34" charset="0"/>
-              <a:buChar char="•"/>
-            </a:pPr>
-            <a:r>
-              <a:rPr lang="en-US" altLang="zh-CN" sz="2400" dirty="0" err="1"/>
-              <a:t>com.ge.apm.domain</a:t>
-            </a:r>
-            <a:r>
-              <a:rPr lang="en-US" altLang="zh-CN" sz="2400" dirty="0"/>
-              <a:t>:  entity objects</a:t>
-            </a:r>
-          </a:p>
-          <a:p>
-            <a:pPr marL="342900" indent="-342900">
-              <a:buFont typeface="Arial" panose="020B0604020202020204" pitchFamily="34" charset="0"/>
-              <a:buChar char="•"/>
-            </a:pPr>
-            <a:r>
-              <a:rPr lang="en-US" altLang="zh-CN" sz="2400" dirty="0" err="1"/>
-              <a:t>com.ge.apm.dao</a:t>
-            </a:r>
-            <a:r>
-              <a:rPr lang="en-US" altLang="zh-CN" sz="2400" dirty="0"/>
-              <a:t>:  data access objects</a:t>
-            </a:r>
-          </a:p>
-          <a:p>
-            <a:pPr marL="342900" indent="-342900">
-              <a:buFont typeface="Arial" panose="020B0604020202020204" pitchFamily="34" charset="0"/>
-              <a:buChar char="•"/>
-            </a:pPr>
-            <a:r>
-              <a:rPr lang="en-US" altLang="zh-CN" sz="2400" dirty="0" err="1"/>
-              <a:t>com.ge.apm.service</a:t>
-            </a:r>
-            <a:r>
-              <a:rPr lang="en-US" altLang="zh-CN" sz="2400" dirty="0"/>
-              <a:t>:  business logic beans</a:t>
-            </a:r>
-          </a:p>
-          <a:p>
-            <a:pPr marL="342900" indent="-342900">
-              <a:buFont typeface="Arial" panose="020B0604020202020204" pitchFamily="34" charset="0"/>
-              <a:buChar char="•"/>
-            </a:pPr>
-            <a:r>
-              <a:rPr lang="en-US" altLang="zh-CN" sz="2400" dirty="0" err="1"/>
-              <a:t>com.ge.apm.view</a:t>
-            </a:r>
-            <a:r>
-              <a:rPr lang="en-US" altLang="zh-CN" sz="2400" dirty="0"/>
-              <a:t>:  JSF managed beans</a:t>
-            </a:r>
-          </a:p>
-          <a:p>
-            <a:pPr marL="342900" indent="-342900">
-              <a:buFont typeface="Arial" panose="020B0604020202020204" pitchFamily="34" charset="0"/>
-              <a:buChar char="•"/>
-            </a:pPr>
-            <a:r>
-              <a:rPr lang="en-US" altLang="zh-CN" sz="2400" dirty="0" err="1"/>
-              <a:t>com.ge.apm.web</a:t>
-            </a:r>
-            <a:r>
-              <a:rPr lang="en-US" altLang="zh-CN" sz="2400" dirty="0"/>
-              <a:t>:  Spring MVC controllers</a:t>
-            </a:r>
-          </a:p>
-          <a:p>
-            <a:pPr marL="342900" indent="-342900">
-              <a:buFont typeface="Arial" panose="020B0604020202020204" pitchFamily="34" charset="0"/>
-              <a:buChar char="•"/>
-            </a:pPr>
-            <a:endParaRPr lang="en-US" altLang="zh-CN" sz="2400" dirty="0"/>
-          </a:p>
-          <a:p>
-            <a:r>
-              <a:rPr lang="en-US" altLang="zh-CN" sz="2400" dirty="0">
-                <a:solidFill>
-                  <a:schemeClr val="accent1"/>
-                </a:solidFill>
-              </a:rPr>
-              <a:t>Web App folders</a:t>
-            </a:r>
-          </a:p>
-          <a:p>
-            <a:pPr marL="342900" indent="-342900">
-              <a:buFont typeface="Arial" panose="020B0604020202020204" pitchFamily="34" charset="0"/>
-              <a:buChar char="•"/>
-            </a:pPr>
-            <a:r>
-              <a:rPr lang="en-US" altLang="zh-CN" sz="2400" dirty="0"/>
-              <a:t>resources: resource files( </a:t>
-            </a:r>
-            <a:r>
-              <a:rPr lang="en-US" altLang="zh-CN" sz="2400" dirty="0" err="1"/>
-              <a:t>js</a:t>
-            </a:r>
-            <a:r>
-              <a:rPr lang="en-US" altLang="zh-CN" sz="2400" dirty="0"/>
-              <a:t>/</a:t>
-            </a:r>
-            <a:r>
-              <a:rPr lang="en-US" altLang="zh-CN" sz="2400" dirty="0" err="1"/>
-              <a:t>css</a:t>
-            </a:r>
-            <a:r>
-              <a:rPr lang="en-US" altLang="zh-CN" sz="2400" dirty="0"/>
-              <a:t>/icon/</a:t>
-            </a:r>
-            <a:r>
-              <a:rPr lang="en-US" altLang="zh-CN" sz="2400" dirty="0" err="1"/>
-              <a:t>img</a:t>
-            </a:r>
-            <a:r>
-              <a:rPr lang="en-US" altLang="zh-CN" sz="2400" dirty="0"/>
-              <a:t>, etc.)</a:t>
-            </a:r>
-          </a:p>
-        </p:txBody>
-      </p:sp>
-    </p:spTree>
-    <p:extLst>
-      <p:ext uri="{BB962C8B-B14F-4D97-AF65-F5344CB8AC3E}">
-        <p14:creationId xmlns:p14="http://schemas.microsoft.com/office/powerpoint/2010/main" val="190351268"/>
       </p:ext>
     </p:extLst>
   </p:cSld>

--- a/Document/WebAppFrameworkDev.pptx
+++ b/Document/WebAppFrameworkDev.pptx
@@ -6,10 +6,10 @@
     <p:sldMasterId id="2147483691" r:id="rId2"/>
   </p:sldMasterIdLst>
   <p:notesMasterIdLst>
-    <p:notesMasterId r:id="rId33"/>
+    <p:notesMasterId r:id="rId34"/>
   </p:notesMasterIdLst>
   <p:handoutMasterIdLst>
-    <p:handoutMasterId r:id="rId34"/>
+    <p:handoutMasterId r:id="rId35"/>
   </p:handoutMasterIdLst>
   <p:sldIdLst>
     <p:sldId id="474" r:id="rId3"/>
@@ -35,13 +35,14 @@
     <p:sldId id="733" r:id="rId23"/>
     <p:sldId id="735" r:id="rId24"/>
     <p:sldId id="736" r:id="rId25"/>
-    <p:sldId id="702" r:id="rId26"/>
-    <p:sldId id="703" r:id="rId27"/>
-    <p:sldId id="734" r:id="rId28"/>
-    <p:sldId id="720" r:id="rId29"/>
-    <p:sldId id="731" r:id="rId30"/>
-    <p:sldId id="708" r:id="rId31"/>
-    <p:sldId id="680" r:id="rId32"/>
+    <p:sldId id="737" r:id="rId26"/>
+    <p:sldId id="702" r:id="rId27"/>
+    <p:sldId id="703" r:id="rId28"/>
+    <p:sldId id="734" r:id="rId29"/>
+    <p:sldId id="720" r:id="rId30"/>
+    <p:sldId id="731" r:id="rId31"/>
+    <p:sldId id="708" r:id="rId32"/>
+    <p:sldId id="680" r:id="rId33"/>
   </p:sldIdLst>
   <p:sldSz cx="12188825" cy="6858000"/>
   <p:notesSz cx="6858000" cy="9144000"/>
@@ -384,7 +385,7 @@
                   <a:srgbClr val="898989"/>
                 </a:solidFill>
               </a:rPr>
-              <a:t>11/3/2016</a:t>
+              <a:t>11/4/2016</a:t>
             </a:fld>
             <a:endParaRPr lang="en-US">
               <a:solidFill>
@@ -570,7 +571,7 @@
             <a:fld id="{23C0586E-364E-4372-80AA-1C929B9BCABF}" type="datetimeFigureOut">
               <a:rPr lang="en-US" smtClean="0"/>
               <a:pPr/>
-              <a:t>11/3/2016</a:t>
+              <a:t>11/4/2016</a:t>
             </a:fld>
             <a:endParaRPr lang="en-US"/>
           </a:p>
@@ -2402,7 +2403,7 @@
     </p:spTree>
     <p:extLst>
       <p:ext uri="{BB962C8B-B14F-4D97-AF65-F5344CB8AC3E}">
-        <p14:creationId xmlns:p14="http://schemas.microsoft.com/office/powerpoint/2010/main" val="2157000639"/>
+        <p14:creationId xmlns:p14="http://schemas.microsoft.com/office/powerpoint/2010/main" val="627321752"/>
       </p:ext>
     </p:extLst>
   </p:cSld>
@@ -2588,7 +2589,7 @@
     </p:spTree>
     <p:extLst>
       <p:ext uri="{BB962C8B-B14F-4D97-AF65-F5344CB8AC3E}">
-        <p14:creationId xmlns:p14="http://schemas.microsoft.com/office/powerpoint/2010/main" val="281914558"/>
+        <p14:creationId xmlns:p14="http://schemas.microsoft.com/office/powerpoint/2010/main" val="2157000639"/>
       </p:ext>
     </p:extLst>
   </p:cSld>
@@ -2681,7 +2682,7 @@
     </p:spTree>
     <p:extLst>
       <p:ext uri="{BB962C8B-B14F-4D97-AF65-F5344CB8AC3E}">
-        <p14:creationId xmlns:p14="http://schemas.microsoft.com/office/powerpoint/2010/main" val="2163269220"/>
+        <p14:creationId xmlns:p14="http://schemas.microsoft.com/office/powerpoint/2010/main" val="281914558"/>
       </p:ext>
     </p:extLst>
   </p:cSld>
@@ -2774,7 +2775,7 @@
     </p:spTree>
     <p:extLst>
       <p:ext uri="{BB962C8B-B14F-4D97-AF65-F5344CB8AC3E}">
-        <p14:creationId xmlns:p14="http://schemas.microsoft.com/office/powerpoint/2010/main" val="850406452"/>
+        <p14:creationId xmlns:p14="http://schemas.microsoft.com/office/powerpoint/2010/main" val="2163269220"/>
       </p:ext>
     </p:extLst>
   </p:cSld>
@@ -2867,7 +2868,7 @@
     </p:spTree>
     <p:extLst>
       <p:ext uri="{BB962C8B-B14F-4D97-AF65-F5344CB8AC3E}">
-        <p14:creationId xmlns:p14="http://schemas.microsoft.com/office/powerpoint/2010/main" val="2157000639"/>
+        <p14:creationId xmlns:p14="http://schemas.microsoft.com/office/powerpoint/2010/main" val="850406452"/>
       </p:ext>
     </p:extLst>
   </p:cSld>
@@ -2997,12 +2998,7 @@
             <p:ph type="sldImg"/>
           </p:nvPr>
         </p:nvSpPr>
-        <p:spPr>
-          <a:xfrm>
-            <a:off x="382588" y="685800"/>
-            <a:ext cx="6092825" cy="3429000"/>
-          </a:xfrm>
-        </p:spPr>
+        <p:spPr/>
       </p:sp>
       <p:sp>
         <p:nvSpPr>
@@ -3019,7 +3015,7 @@
           <a:bodyPr/>
           <a:lstStyle/>
           <a:p>
-            <a:endParaRPr lang="en-US" dirty="0"/>
+            <a:endParaRPr lang="en-GB" dirty="0"/>
           </a:p>
         </p:txBody>
       </p:sp>
@@ -3038,10 +3034,108 @@
           <a:bodyPr/>
           <a:lstStyle/>
           <a:p>
+            <a:fld id="{9A1785EB-84EB-4F15-B69C-46EA3205D168}" type="slidenum">
+              <a:rPr lang="en-GB" smtClean="0">
+                <a:solidFill>
+                  <a:prstClr val="black"/>
+                </a:solidFill>
+              </a:rPr>
+              <a:pPr/>
+              <a:t>30</a:t>
+            </a:fld>
+            <a:endParaRPr lang="en-GB">
+              <a:solidFill>
+                <a:prstClr val="black"/>
+              </a:solidFill>
+            </a:endParaRPr>
+          </a:p>
+        </p:txBody>
+      </p:sp>
+    </p:spTree>
+    <p:extLst>
+      <p:ext uri="{BB962C8B-B14F-4D97-AF65-F5344CB8AC3E}">
+        <p14:creationId xmlns:p14="http://schemas.microsoft.com/office/powerpoint/2010/main" val="2157000639"/>
+      </p:ext>
+    </p:extLst>
+  </p:cSld>
+  <p:clrMapOvr>
+    <a:masterClrMapping/>
+  </p:clrMapOvr>
+</p:notes>
+</file>
+
+<file path=ppt/notesSlides/notesSlide31.xml><?xml version="1.0" encoding="utf-8"?>
+<p:notes xmlns:a="http://schemas.openxmlformats.org/drawingml/2006/main" xmlns:r="http://schemas.openxmlformats.org/officeDocument/2006/relationships" xmlns:p="http://schemas.openxmlformats.org/presentationml/2006/main">
+  <p:cSld>
+    <p:spTree>
+      <p:nvGrpSpPr>
+        <p:cNvPr id="1" name=""/>
+        <p:cNvGrpSpPr/>
+        <p:nvPr/>
+      </p:nvGrpSpPr>
+      <p:grpSpPr>
+        <a:xfrm>
+          <a:off x="0" y="0"/>
+          <a:ext cx="0" cy="0"/>
+          <a:chOff x="0" y="0"/>
+          <a:chExt cx="0" cy="0"/>
+        </a:xfrm>
+      </p:grpSpPr>
+      <p:sp>
+        <p:nvSpPr>
+          <p:cNvPr id="2" name="Slide Image Placeholder 1"/>
+          <p:cNvSpPr>
+            <a:spLocks noGrp="1" noRot="1" noChangeAspect="1"/>
+          </p:cNvSpPr>
+          <p:nvPr>
+            <p:ph type="sldImg"/>
+          </p:nvPr>
+        </p:nvSpPr>
+        <p:spPr>
+          <a:xfrm>
+            <a:off x="382588" y="685800"/>
+            <a:ext cx="6092825" cy="3429000"/>
+          </a:xfrm>
+        </p:spPr>
+      </p:sp>
+      <p:sp>
+        <p:nvSpPr>
+          <p:cNvPr id="3" name="Notes Placeholder 2"/>
+          <p:cNvSpPr>
+            <a:spLocks noGrp="1"/>
+          </p:cNvSpPr>
+          <p:nvPr>
+            <p:ph type="body" idx="1"/>
+          </p:nvPr>
+        </p:nvSpPr>
+        <p:spPr/>
+        <p:txBody>
+          <a:bodyPr/>
+          <a:lstStyle/>
+          <a:p>
+            <a:endParaRPr lang="en-US" dirty="0"/>
+          </a:p>
+        </p:txBody>
+      </p:sp>
+      <p:sp>
+        <p:nvSpPr>
+          <p:cNvPr id="4" name="Slide Number Placeholder 3"/>
+          <p:cNvSpPr>
+            <a:spLocks noGrp="1"/>
+          </p:cNvSpPr>
+          <p:nvPr>
+            <p:ph type="sldNum" sz="quarter" idx="10"/>
+          </p:nvPr>
+        </p:nvSpPr>
+        <p:spPr/>
+        <p:txBody>
+          <a:bodyPr/>
+          <a:lstStyle/>
+          <a:p>
             <a:fld id="{4A55B9BF-99C7-425D-A1C7-4E0B8871658A}" type="slidenum">
               <a:rPr lang="en-US" smtClean="0"/>
               <a:pPr/>
-              <a:t>30</a:t>
+              <a:t>31</a:t>
             </a:fld>
             <a:endParaRPr lang="en-US"/>
           </a:p>
@@ -27930,6 +28024,554 @@
       </p:sp>
       <p:sp>
         <p:nvSpPr>
+          <p:cNvPr id="7" name="TextBox 6"/>
+          <p:cNvSpPr txBox="1"/>
+          <p:nvPr/>
+        </p:nvSpPr>
+        <p:spPr>
+          <a:xfrm>
+            <a:off x="833472" y="263449"/>
+            <a:ext cx="8380865" cy="430887"/>
+          </a:xfrm>
+          <a:prstGeom prst="rect">
+            <a:avLst/>
+          </a:prstGeom>
+          <a:noFill/>
+        </p:spPr>
+        <p:txBody>
+          <a:bodyPr wrap="square" lIns="0" tIns="0" rIns="0" bIns="0" rtlCol="0">
+            <a:spAutoFit/>
+          </a:bodyPr>
+          <a:lstStyle/>
+          <a:p>
+            <a:r>
+              <a:rPr lang="en-US" sz="2800" dirty="0"/>
+              <a:t>More Tips</a:t>
+            </a:r>
+            <a:endParaRPr lang="en-US" sz="2000" dirty="0">
+              <a:latin typeface="GE汉仪中圆简" panose="02010600000101010101" pitchFamily="2" charset="-122"/>
+              <a:ea typeface="GE汉仪中圆简" panose="02010600000101010101" pitchFamily="2" charset="-122"/>
+            </a:endParaRPr>
+          </a:p>
+        </p:txBody>
+      </p:sp>
+      <p:sp>
+        <p:nvSpPr>
+          <p:cNvPr id="6" name="Rectangle 2"/>
+          <p:cNvSpPr>
+            <a:spLocks noChangeArrowheads="1"/>
+          </p:cNvSpPr>
+          <p:nvPr/>
+        </p:nvSpPr>
+        <p:spPr bwMode="auto">
+          <a:xfrm>
+            <a:off x="1250898" y="1362075"/>
+            <a:ext cx="10591331" cy="4484064"/>
+          </a:xfrm>
+          <a:prstGeom prst="rect">
+            <a:avLst/>
+          </a:prstGeom>
+          <a:noFill/>
+          <a:ln>
+            <a:noFill/>
+          </a:ln>
+          <a:effectLst/>
+          <a:extLst>
+            <a:ext uri="{909E8E84-426E-40DD-AFC4-6F175D3DCCD1}">
+              <a14:hiddenFill xmlns:a14="http://schemas.microsoft.com/office/drawing/2010/main">
+                <a:solidFill>
+                  <a:schemeClr val="accent1"/>
+                </a:solidFill>
+              </a14:hiddenFill>
+            </a:ext>
+            <a:ext uri="{91240B29-F687-4F45-9708-019B960494DF}">
+              <a14:hiddenLine xmlns:a14="http://schemas.microsoft.com/office/drawing/2010/main" w="12700">
+                <a:solidFill>
+                  <a:schemeClr val="tx1"/>
+                </a:solidFill>
+                <a:miter lim="800000"/>
+                <a:headEnd type="none" w="sm" len="sm"/>
+                <a:tailEnd type="none" w="sm" len="sm"/>
+              </a14:hiddenLine>
+            </a:ext>
+            <a:ext uri="{AF507438-7753-43E0-B8FC-AC1667EBCBE1}">
+              <a14:hiddenEffects xmlns:a14="http://schemas.microsoft.com/office/drawing/2010/main">
+                <a:effectLst>
+                  <a:outerShdw dist="35921" dir="2700000" algn="ctr" rotWithShape="0">
+                    <a:schemeClr val="bg2"/>
+                  </a:outerShdw>
+                </a:effectLst>
+              </a14:hiddenEffects>
+            </a:ext>
+          </a:extLst>
+        </p:spPr>
+        <p:txBody>
+          <a:bodyPr wrap="square" lIns="82058" tIns="41029" rIns="82058" bIns="41029">
+            <a:spAutoFit/>
+          </a:bodyPr>
+          <a:lstStyle/>
+          <a:p>
+            <a:pPr marL="342900" indent="-342900">
+              <a:buFont typeface="Arial" panose="020B0604020202020204" pitchFamily="34" charset="0"/>
+              <a:buChar char="•"/>
+            </a:pPr>
+            <a:r>
+              <a:rPr lang="en-US" altLang="zh-CN" b="1" dirty="0" err="1">
+                <a:solidFill>
+                  <a:schemeClr val="accent1">
+                    <a:lumMod val="75000"/>
+                  </a:schemeClr>
+                </a:solidFill>
+              </a:rPr>
+              <a:t>JpaCRUDController</a:t>
+            </a:r>
+            <a:r>
+              <a:rPr lang="en-US" altLang="zh-CN" b="1" dirty="0">
+                <a:solidFill>
+                  <a:schemeClr val="accent1">
+                    <a:lumMod val="75000"/>
+                  </a:schemeClr>
+                </a:solidFill>
+              </a:rPr>
+              <a:t> </a:t>
+            </a:r>
+            <a:r>
+              <a:rPr lang="zh-CN" altLang="en-US" b="1" dirty="0">
+                <a:solidFill>
+                  <a:schemeClr val="accent1">
+                    <a:lumMod val="75000"/>
+                  </a:schemeClr>
+                </a:solidFill>
+              </a:rPr>
+              <a:t>对</a:t>
+            </a:r>
+            <a:r>
+              <a:rPr lang="en-US" altLang="zh-CN" b="1" dirty="0">
+                <a:solidFill>
+                  <a:schemeClr val="accent1">
+                    <a:lumMod val="75000"/>
+                  </a:schemeClr>
+                </a:solidFill>
+              </a:rPr>
+              <a:t>Site/Hospital</a:t>
+            </a:r>
+            <a:r>
+              <a:rPr lang="zh-CN" altLang="en-US" b="1" dirty="0">
+                <a:solidFill>
+                  <a:schemeClr val="accent1">
+                    <a:lumMod val="75000"/>
+                  </a:schemeClr>
+                </a:solidFill>
+              </a:rPr>
+              <a:t>数据的过滤的支持</a:t>
+            </a:r>
+            <a:endParaRPr lang="en-US" altLang="zh-CN" b="1" dirty="0">
+              <a:solidFill>
+                <a:schemeClr val="accent1">
+                  <a:lumMod val="75000"/>
+                </a:schemeClr>
+              </a:solidFill>
+            </a:endParaRPr>
+          </a:p>
+          <a:p>
+            <a:pPr marL="512228" lvl="2" indent="-285750">
+              <a:buFont typeface="Wingdings" panose="05000000000000000000" pitchFamily="2" charset="2"/>
+              <a:buChar char="Ø"/>
+            </a:pPr>
+            <a:r>
+              <a:rPr lang="zh-CN" altLang="en-US" dirty="0"/>
+              <a:t>设置 </a:t>
+            </a:r>
+            <a:r>
+              <a:rPr lang="en-US" altLang="zh-CN" dirty="0" err="1"/>
+              <a:t>filterBySite</a:t>
+            </a:r>
+            <a:r>
+              <a:rPr lang="en-US" altLang="zh-CN" dirty="0"/>
+              <a:t> = true, </a:t>
+            </a:r>
+            <a:r>
+              <a:rPr lang="zh-CN" altLang="en-US" dirty="0"/>
+              <a:t>则自动实现过滤条件： </a:t>
+            </a:r>
+            <a:r>
+              <a:rPr lang="en-US" altLang="zh-CN" dirty="0" err="1"/>
+              <a:t>siteId</a:t>
+            </a:r>
+            <a:r>
+              <a:rPr lang="en-US" altLang="zh-CN" dirty="0"/>
+              <a:t>=</a:t>
+            </a:r>
+            <a:r>
+              <a:rPr lang="zh-CN" altLang="en-US" dirty="0"/>
+              <a:t>当前登录者</a:t>
+            </a:r>
+            <a:r>
+              <a:rPr lang="en-US" altLang="zh-CN" dirty="0"/>
+              <a:t>.</a:t>
+            </a:r>
+            <a:r>
+              <a:rPr lang="en-US" altLang="zh-CN" dirty="0" err="1"/>
+              <a:t>siteId</a:t>
+            </a:r>
+            <a:endParaRPr lang="en-US" altLang="zh-CN" dirty="0"/>
+          </a:p>
+          <a:p>
+            <a:pPr marL="512228" lvl="2" indent="-285750">
+              <a:buFont typeface="Wingdings" panose="05000000000000000000" pitchFamily="2" charset="2"/>
+              <a:buChar char="Ø"/>
+            </a:pPr>
+            <a:r>
+              <a:rPr lang="zh-CN" altLang="en-US" dirty="0"/>
+              <a:t>设置 </a:t>
+            </a:r>
+            <a:r>
+              <a:rPr lang="en-US" altLang="zh-CN" dirty="0" err="1"/>
+              <a:t>filterByHospital</a:t>
+            </a:r>
+            <a:r>
+              <a:rPr lang="en-US" altLang="zh-CN" dirty="0"/>
+              <a:t> = true, </a:t>
+            </a:r>
+            <a:r>
+              <a:rPr lang="zh-CN" altLang="en-US" dirty="0"/>
+              <a:t>则自动实现过滤条件： </a:t>
+            </a:r>
+            <a:r>
+              <a:rPr lang="en-US" altLang="zh-CN" dirty="0" err="1"/>
+              <a:t>hospitalId</a:t>
+            </a:r>
+            <a:r>
+              <a:rPr lang="en-US" altLang="zh-CN" dirty="0"/>
+              <a:t>=</a:t>
+            </a:r>
+            <a:r>
+              <a:rPr lang="zh-CN" altLang="en-US" dirty="0"/>
+              <a:t>当前登录者</a:t>
+            </a:r>
+            <a:r>
+              <a:rPr lang="en-US" altLang="zh-CN" dirty="0"/>
+              <a:t>.</a:t>
+            </a:r>
+            <a:r>
+              <a:rPr lang="en-US" altLang="zh-CN" dirty="0" err="1"/>
+              <a:t>hospitalId</a:t>
+            </a:r>
+            <a:endParaRPr lang="en-US" altLang="zh-CN" dirty="0"/>
+          </a:p>
+          <a:p>
+            <a:pPr marL="226478" lvl="2"/>
+            <a:endParaRPr lang="en-US" altLang="zh-CN" sz="1400" dirty="0"/>
+          </a:p>
+          <a:p>
+            <a:pPr marL="226478" lvl="2"/>
+            <a:r>
+              <a:rPr lang="zh-CN" altLang="en-US" sz="1400" dirty="0"/>
+              <a:t>例如：</a:t>
+            </a:r>
+            <a:endParaRPr lang="en-US" altLang="zh-CN" sz="1400" dirty="0"/>
+          </a:p>
+          <a:p>
+            <a:pPr marL="1140878" lvl="4"/>
+            <a:r>
+              <a:rPr lang="en-US" altLang="zh-CN" sz="1400" dirty="0"/>
+              <a:t>@</a:t>
+            </a:r>
+            <a:r>
+              <a:rPr lang="en-US" altLang="zh-CN" sz="1400" dirty="0" err="1"/>
+              <a:t>ManagedBean</a:t>
+            </a:r>
+            <a:endParaRPr lang="en-US" altLang="zh-CN" sz="1400" dirty="0"/>
+          </a:p>
+          <a:p>
+            <a:pPr marL="1140878" lvl="4"/>
+            <a:r>
+              <a:rPr lang="en-US" altLang="zh-CN" sz="1400" dirty="0"/>
+              <a:t>@</a:t>
+            </a:r>
+            <a:r>
+              <a:rPr lang="en-US" altLang="zh-CN" sz="1400" dirty="0" err="1"/>
+              <a:t>ViewScoped</a:t>
+            </a:r>
+            <a:endParaRPr lang="en-US" altLang="zh-CN" sz="1400" dirty="0"/>
+          </a:p>
+          <a:p>
+            <a:pPr marL="1140878" lvl="4"/>
+            <a:r>
+              <a:rPr lang="en-US" altLang="zh-CN" sz="1400" dirty="0"/>
+              <a:t>public class </a:t>
+            </a:r>
+            <a:r>
+              <a:rPr lang="en-US" altLang="zh-CN" sz="1400" dirty="0" err="1"/>
+              <a:t>AssetInfoController</a:t>
+            </a:r>
+            <a:r>
+              <a:rPr lang="en-US" altLang="zh-CN" sz="1400" dirty="0"/>
+              <a:t> extends </a:t>
+            </a:r>
+            <a:r>
+              <a:rPr lang="en-US" altLang="zh-CN" sz="1400" dirty="0" err="1"/>
+              <a:t>JpaCRUDController</a:t>
+            </a:r>
+            <a:r>
+              <a:rPr lang="en-US" altLang="zh-CN" sz="1400" dirty="0"/>
+              <a:t>&lt;</a:t>
+            </a:r>
+            <a:r>
+              <a:rPr lang="en-US" altLang="zh-CN" sz="1400" dirty="0" err="1"/>
+              <a:t>AssetInfo</a:t>
+            </a:r>
+            <a:r>
+              <a:rPr lang="en-US" altLang="zh-CN" sz="1400" dirty="0"/>
+              <a:t>&gt; {</a:t>
+            </a:r>
+          </a:p>
+          <a:p>
+            <a:pPr marL="1140878" lvl="4"/>
+            <a:endParaRPr lang="en-US" altLang="zh-CN" sz="1400" dirty="0"/>
+          </a:p>
+          <a:p>
+            <a:pPr marL="1140878" lvl="4"/>
+            <a:r>
+              <a:rPr lang="en-US" altLang="zh-CN" sz="1400" dirty="0"/>
+              <a:t>	@Override</a:t>
+            </a:r>
+          </a:p>
+          <a:p>
+            <a:pPr marL="1140878" lvl="4"/>
+            <a:r>
+              <a:rPr lang="en-US" altLang="zh-CN" sz="1400" dirty="0"/>
+              <a:t>	protected void </a:t>
+            </a:r>
+            <a:r>
+              <a:rPr lang="en-US" altLang="zh-CN" sz="1400" dirty="0" err="1"/>
+              <a:t>init</a:t>
+            </a:r>
+            <a:r>
+              <a:rPr lang="en-US" altLang="zh-CN" sz="1400" dirty="0"/>
+              <a:t>() {</a:t>
+            </a:r>
+          </a:p>
+          <a:p>
+            <a:pPr marL="1140878" lvl="4"/>
+            <a:r>
+              <a:rPr lang="en-US" altLang="zh-CN" sz="1400" dirty="0"/>
+              <a:t>		</a:t>
+            </a:r>
+            <a:r>
+              <a:rPr lang="en-US" altLang="zh-CN" sz="1400" dirty="0" err="1">
+                <a:solidFill>
+                  <a:srgbClr val="FF0000"/>
+                </a:solidFill>
+              </a:rPr>
+              <a:t>filterByHospital</a:t>
+            </a:r>
+            <a:r>
+              <a:rPr lang="en-US" altLang="zh-CN" sz="1400" dirty="0">
+                <a:solidFill>
+                  <a:srgbClr val="FF0000"/>
+                </a:solidFill>
+              </a:rPr>
+              <a:t>=true;</a:t>
+            </a:r>
+          </a:p>
+          <a:p>
+            <a:pPr marL="1140878" lvl="4"/>
+            <a:r>
+              <a:rPr lang="en-US" altLang="zh-CN" sz="1400" dirty="0"/>
+              <a:t>		//</a:t>
+            </a:r>
+            <a:r>
+              <a:rPr lang="zh-CN" altLang="en-US" sz="1400" dirty="0"/>
+              <a:t>或者</a:t>
+            </a:r>
+            <a:r>
+              <a:rPr lang="en-US" altLang="zh-CN" sz="1400" dirty="0"/>
+              <a:t> </a:t>
+            </a:r>
+            <a:r>
+              <a:rPr lang="en-US" altLang="zh-CN" sz="1400" dirty="0" err="1">
+                <a:solidFill>
+                  <a:srgbClr val="FF0000"/>
+                </a:solidFill>
+              </a:rPr>
+              <a:t>filterBySite</a:t>
+            </a:r>
+            <a:r>
+              <a:rPr lang="en-US" altLang="zh-CN" sz="1400" dirty="0">
+                <a:solidFill>
+                  <a:srgbClr val="FF0000"/>
+                </a:solidFill>
+              </a:rPr>
+              <a:t> = true;</a:t>
+            </a:r>
+          </a:p>
+          <a:p>
+            <a:pPr marL="1140878" lvl="4"/>
+            <a:r>
+              <a:rPr lang="en-US" altLang="zh-CN" sz="1400" dirty="0"/>
+              <a:t>		….</a:t>
+            </a:r>
+          </a:p>
+          <a:p>
+            <a:pPr marL="1140878" lvl="4"/>
+            <a:r>
+              <a:rPr lang="en-US" altLang="zh-CN" sz="1400" dirty="0"/>
+              <a:t>	}</a:t>
+            </a:r>
+          </a:p>
+          <a:p>
+            <a:pPr marL="1140878" lvl="4"/>
+            <a:r>
+              <a:rPr lang="en-US" altLang="zh-CN" sz="1400" dirty="0"/>
+              <a:t>	….</a:t>
+            </a:r>
+          </a:p>
+          <a:p>
+            <a:pPr marL="1140878" lvl="4"/>
+            <a:r>
+              <a:rPr lang="en-US" altLang="zh-CN" sz="1400" dirty="0"/>
+              <a:t>}</a:t>
+            </a:r>
+          </a:p>
+          <a:p>
+            <a:pPr marL="512228" lvl="2" indent="-285750">
+              <a:buFont typeface="Wingdings" panose="05000000000000000000" pitchFamily="2" charset="2"/>
+              <a:buChar char="Ø"/>
+            </a:pPr>
+            <a:r>
+              <a:rPr lang="en-US" altLang="zh-CN" dirty="0" err="1"/>
+              <a:t>filterBySite</a:t>
+            </a:r>
+            <a:r>
+              <a:rPr lang="en-US" altLang="zh-CN" dirty="0"/>
+              <a:t> </a:t>
+            </a:r>
+            <a:r>
+              <a:rPr lang="zh-CN" altLang="en-US" dirty="0"/>
+              <a:t>与 </a:t>
+            </a:r>
+            <a:r>
+              <a:rPr lang="en-US" altLang="zh-CN" dirty="0" err="1"/>
+              <a:t>filterByHospital</a:t>
+            </a:r>
+            <a:r>
+              <a:rPr lang="en-US" altLang="zh-CN" dirty="0"/>
+              <a:t> </a:t>
+            </a:r>
+            <a:r>
+              <a:rPr lang="zh-CN" altLang="en-US" dirty="0"/>
+              <a:t>两个标志同时设置为 </a:t>
+            </a:r>
+            <a:r>
+              <a:rPr lang="en-US" altLang="zh-CN" dirty="0"/>
+              <a:t>true, </a:t>
+            </a:r>
+            <a:r>
+              <a:rPr lang="zh-CN" altLang="en-US" dirty="0"/>
+              <a:t>或者只设置其中一个为</a:t>
+            </a:r>
+            <a:r>
+              <a:rPr lang="en-US" altLang="zh-CN" dirty="0"/>
+              <a:t>true, </a:t>
+            </a:r>
+            <a:r>
+              <a:rPr lang="zh-CN" altLang="en-US" dirty="0"/>
+              <a:t>或者全部设置为 </a:t>
+            </a:r>
+            <a:r>
+              <a:rPr lang="en-US" altLang="zh-CN" dirty="0"/>
+              <a:t>false(</a:t>
+            </a:r>
+            <a:r>
+              <a:rPr lang="zh-CN" altLang="en-US" dirty="0"/>
+              <a:t>默认都是 </a:t>
+            </a:r>
+            <a:r>
+              <a:rPr lang="en-US" altLang="zh-CN" dirty="0"/>
+              <a:t>false)</a:t>
+            </a:r>
+          </a:p>
+        </p:txBody>
+      </p:sp>
+    </p:spTree>
+    <p:extLst>
+      <p:ext uri="{BB962C8B-B14F-4D97-AF65-F5344CB8AC3E}">
+        <p14:creationId xmlns:p14="http://schemas.microsoft.com/office/powerpoint/2010/main" val="1856382370"/>
+      </p:ext>
+    </p:extLst>
+  </p:cSld>
+  <p:clrMapOvr>
+    <a:masterClrMapping/>
+  </p:clrMapOvr>
+</p:sld>
+</file>
+
+<file path=ppt/slides/slide25.xml><?xml version="1.0" encoding="utf-8"?>
+<p:sld xmlns:a="http://schemas.openxmlformats.org/drawingml/2006/main" xmlns:r="http://schemas.openxmlformats.org/officeDocument/2006/relationships" xmlns:p="http://schemas.openxmlformats.org/presentationml/2006/main">
+  <p:cSld>
+    <p:spTree>
+      <p:nvGrpSpPr>
+        <p:cNvPr id="1" name=""/>
+        <p:cNvGrpSpPr/>
+        <p:nvPr/>
+      </p:nvGrpSpPr>
+      <p:grpSpPr>
+        <a:xfrm>
+          <a:off x="0" y="0"/>
+          <a:ext cx="0" cy="0"/>
+          <a:chOff x="0" y="0"/>
+          <a:chExt cx="0" cy="0"/>
+        </a:xfrm>
+      </p:grpSpPr>
+      <p:sp>
+        <p:nvSpPr>
+          <p:cNvPr id="5" name="矩形 4"/>
+          <p:cNvSpPr/>
+          <p:nvPr/>
+        </p:nvSpPr>
+        <p:spPr>
+          <a:xfrm>
+            <a:off x="-9839" y="915023"/>
+            <a:ext cx="12198664" cy="111210"/>
+          </a:xfrm>
+          <a:prstGeom prst="rect">
+            <a:avLst/>
+          </a:prstGeom>
+          <a:solidFill>
+            <a:srgbClr val="00B0F0"/>
+          </a:solidFill>
+          <a:ln>
+            <a:noFill/>
+          </a:ln>
+        </p:spPr>
+        <p:style>
+          <a:lnRef idx="2">
+            <a:schemeClr val="accent1">
+              <a:shade val="50000"/>
+            </a:schemeClr>
+          </a:lnRef>
+          <a:fillRef idx="1">
+            <a:schemeClr val="accent1"/>
+          </a:fillRef>
+          <a:effectRef idx="0">
+            <a:schemeClr val="accent1"/>
+          </a:effectRef>
+          <a:fontRef idx="minor">
+            <a:schemeClr val="lt1"/>
+          </a:fontRef>
+        </p:style>
+        <p:txBody>
+          <a:bodyPr rtlCol="0" anchor="ctr"/>
+          <a:lstStyle/>
+          <a:p>
+            <a:pPr algn="ctr"/>
+            <a:endParaRPr lang="zh-CN" altLang="en-US"/>
+          </a:p>
+        </p:txBody>
+      </p:sp>
+      <p:sp>
+        <p:nvSpPr>
           <p:cNvPr id="2" name="矩形 1"/>
           <p:cNvSpPr/>
           <p:nvPr/>
@@ -28327,7 +28969,7 @@
 </p:sld>
 </file>
 
-<file path=ppt/slides/slide25.xml><?xml version="1.0" encoding="utf-8"?>
+<file path=ppt/slides/slide26.xml><?xml version="1.0" encoding="utf-8"?>
 <p:sld xmlns:a="http://schemas.openxmlformats.org/drawingml/2006/main" xmlns:r="http://schemas.openxmlformats.org/officeDocument/2006/relationships" xmlns:p="http://schemas.openxmlformats.org/presentationml/2006/main">
   <p:cSld>
     <p:spTree>
@@ -29766,7 +30408,7 @@
 </p:sld>
 </file>
 
-<file path=ppt/slides/slide26.xml><?xml version="1.0" encoding="utf-8"?>
+<file path=ppt/slides/slide27.xml><?xml version="1.0" encoding="utf-8"?>
 <p:sld xmlns:a="http://schemas.openxmlformats.org/drawingml/2006/main" xmlns:r="http://schemas.openxmlformats.org/officeDocument/2006/relationships" xmlns:p="http://schemas.openxmlformats.org/presentationml/2006/main">
   <p:cSld>
     <p:spTree>
@@ -30208,7 +30850,7 @@
 </p:sld>
 </file>
 
-<file path=ppt/slides/slide27.xml><?xml version="1.0" encoding="utf-8"?>
+<file path=ppt/slides/slide28.xml><?xml version="1.0" encoding="utf-8"?>
 <p:sld xmlns:a="http://schemas.openxmlformats.org/drawingml/2006/main" xmlns:r="http://schemas.openxmlformats.org/officeDocument/2006/relationships" xmlns:p="http://schemas.openxmlformats.org/presentationml/2006/main">
   <p:cSld>
     <p:spTree>
@@ -30984,7 +31626,7 @@
 </p:sld>
 </file>
 
-<file path=ppt/slides/slide28.xml><?xml version="1.0" encoding="utf-8"?>
+<file path=ppt/slides/slide29.xml><?xml version="1.0" encoding="utf-8"?>
 <p:sld xmlns:a="http://schemas.openxmlformats.org/drawingml/2006/main" xmlns:r="http://schemas.openxmlformats.org/officeDocument/2006/relationships" xmlns:p="http://schemas.openxmlformats.org/presentationml/2006/main">
   <p:cSld>
     <p:spTree>
@@ -31733,7 +32375,7 @@
 </p:sld>
 </file>
 
-<file path=ppt/slides/slide29.xml><?xml version="1.0" encoding="utf-8"?>
+<file path=ppt/slides/slide3.xml><?xml version="1.0" encoding="utf-8"?>
 <p:sld xmlns:a="http://schemas.openxmlformats.org/drawingml/2006/main" xmlns:r="http://schemas.openxmlformats.org/officeDocument/2006/relationships" xmlns:p="http://schemas.openxmlformats.org/presentationml/2006/main">
   <p:cSld>
     <p:spTree>
@@ -31851,7 +32493,7 @@
         <p:spPr>
           <a:xfrm>
             <a:off x="833472" y="263449"/>
-            <a:ext cx="8505399" cy="430887"/>
+            <a:ext cx="8380865" cy="430887"/>
           </a:xfrm>
           <a:prstGeom prst="rect">
             <a:avLst/>
@@ -31866,7 +32508,7 @@
           <a:p>
             <a:r>
               <a:rPr lang="en-US" sz="2800" dirty="0"/>
-              <a:t>References</a:t>
+              <a:t>Project Code Structure</a:t>
             </a:r>
             <a:endParaRPr lang="en-US" sz="2000" dirty="0">
               <a:latin typeface="GE汉仪中圆简" panose="02010600000101010101" pitchFamily="2" charset="-122"/>
@@ -31885,8 +32527,8 @@
         </p:nvSpPr>
         <p:spPr bwMode="auto">
           <a:xfrm>
-            <a:off x="1250899" y="1362075"/>
-            <a:ext cx="9961052" cy="4637952"/>
+            <a:off x="1250898" y="1362075"/>
+            <a:ext cx="10591331" cy="3376069"/>
           </a:xfrm>
           <a:prstGeom prst="rect">
             <a:avLst/>
@@ -31931,166 +32573,145 @@
           </a:bodyPr>
           <a:lstStyle/>
           <a:p>
-            <a:pPr defTabSz="820738">
-              <a:buFont typeface="Wingdings" pitchFamily="2" charset="2"/>
-              <a:buChar char="ü"/>
-            </a:pPr>
+            <a:pPr defTabSz="820738"/>
             <a:r>
               <a:rPr lang="en-US" altLang="zh-CN" sz="2200" b="1" dirty="0">
-                <a:latin typeface="微软雅黑" panose="020B0503020204020204" pitchFamily="34" charset="-122"/>
-                <a:ea typeface="微软雅黑" panose="020B0503020204020204" pitchFamily="34" charset="-122"/>
-              </a:rPr>
-              <a:t>Spring framework</a:t>
-            </a:r>
-          </a:p>
-          <a:p>
-            <a:pPr lvl="1" defTabSz="820738"/>
-            <a:r>
-              <a:rPr lang="en-US" altLang="zh-CN" sz="2200" dirty="0">
-                <a:latin typeface="微软雅黑" panose="020B0503020204020204" pitchFamily="34" charset="-122"/>
-                <a:ea typeface="微软雅黑" panose="020B0503020204020204" pitchFamily="34" charset="-122"/>
-              </a:rPr>
-              <a:t>Spring Core, Spring Data JPA, Spring MVC, Spring Security:</a:t>
-            </a:r>
-          </a:p>
-          <a:p>
-            <a:pPr marL="800100" lvl="1" indent="-342900" defTabSz="820738">
+                <a:solidFill>
+                  <a:schemeClr val="accent1"/>
+                </a:solidFill>
+                <a:latin typeface="微软雅黑" panose="020B0503020204020204" pitchFamily="34" charset="-122"/>
+                <a:ea typeface="微软雅黑" panose="020B0503020204020204" pitchFamily="34" charset="-122"/>
+              </a:rPr>
+              <a:t>Java packages</a:t>
+            </a:r>
+          </a:p>
+          <a:p>
+            <a:pPr marL="342900" indent="-342900">
               <a:buFont typeface="Arial" panose="020B0604020202020204" pitchFamily="34" charset="0"/>
               <a:buChar char="•"/>
             </a:pPr>
             <a:r>
-              <a:rPr lang="en-US" altLang="zh-CN" sz="2200" dirty="0">
-                <a:latin typeface="微软雅黑" panose="020B0503020204020204" pitchFamily="34" charset="-122"/>
-                <a:ea typeface="微软雅黑" panose="020B0503020204020204" pitchFamily="34" charset="-122"/>
-                <a:hlinkClick r:id="rId3"/>
-              </a:rPr>
-              <a:t>http://spring.io/</a:t>
-            </a:r>
-            <a:endParaRPr lang="en-US" altLang="zh-CN" sz="2200" dirty="0">
-              <a:latin typeface="微软雅黑" panose="020B0503020204020204" pitchFamily="34" charset="-122"/>
-              <a:ea typeface="微软雅黑" panose="020B0503020204020204" pitchFamily="34" charset="-122"/>
-            </a:endParaRPr>
-          </a:p>
-          <a:p>
-            <a:pPr marL="800100" lvl="1" indent="-342900" defTabSz="820738">
+              <a:rPr lang="en-US" altLang="zh-CN" sz="2400" dirty="0" err="1"/>
+              <a:t>com.ge.apm.domain</a:t>
+            </a:r>
+            <a:r>
+              <a:rPr lang="en-US" altLang="zh-CN" sz="2400" dirty="0"/>
+              <a:t>:  entity objects</a:t>
+            </a:r>
+          </a:p>
+          <a:p>
+            <a:pPr marL="342900" indent="-342900">
               <a:buFont typeface="Arial" panose="020B0604020202020204" pitchFamily="34" charset="0"/>
               <a:buChar char="•"/>
             </a:pPr>
-            <a:endParaRPr lang="en-US" altLang="zh-CN" sz="2200" dirty="0">
-              <a:latin typeface="微软雅黑" panose="020B0503020204020204" pitchFamily="34" charset="-122"/>
-              <a:ea typeface="微软雅黑" panose="020B0503020204020204" pitchFamily="34" charset="-122"/>
-            </a:endParaRPr>
-          </a:p>
-          <a:p>
-            <a:pPr defTabSz="820738">
-              <a:buFont typeface="Wingdings" pitchFamily="2" charset="2"/>
-              <a:buChar char="ü"/>
-            </a:pPr>
-            <a:r>
-              <a:rPr lang="en-US" altLang="zh-CN" sz="2200" b="1" dirty="0" err="1">
-                <a:latin typeface="微软雅黑" panose="020B0503020204020204" pitchFamily="34" charset="-122"/>
-                <a:ea typeface="微软雅黑" panose="020B0503020204020204" pitchFamily="34" charset="-122"/>
-              </a:rPr>
-              <a:t>Primefaces</a:t>
-            </a:r>
-            <a:endParaRPr lang="en-US" altLang="zh-CN" sz="2200" b="1" dirty="0">
-              <a:latin typeface="微软雅黑" panose="020B0503020204020204" pitchFamily="34" charset="-122"/>
-              <a:ea typeface="微软雅黑" panose="020B0503020204020204" pitchFamily="34" charset="-122"/>
-            </a:endParaRPr>
-          </a:p>
-          <a:p>
-            <a:pPr lvl="1" defTabSz="820738"/>
-            <a:r>
-              <a:rPr lang="en-US" altLang="zh-CN" sz="2200" dirty="0" err="1">
-                <a:latin typeface="微软雅黑" panose="020B0503020204020204" pitchFamily="34" charset="-122"/>
-                <a:ea typeface="微软雅黑" panose="020B0503020204020204" pitchFamily="34" charset="-122"/>
-              </a:rPr>
-              <a:t>Primefaces</a:t>
-            </a:r>
-            <a:r>
-              <a:rPr lang="en-US" altLang="zh-CN" sz="2200" dirty="0">
-                <a:latin typeface="微软雅黑" panose="020B0503020204020204" pitchFamily="34" charset="-122"/>
-                <a:ea typeface="微软雅黑" panose="020B0503020204020204" pitchFamily="34" charset="-122"/>
-              </a:rPr>
-              <a:t> online demo and documentation:</a:t>
-            </a:r>
-          </a:p>
-          <a:p>
-            <a:pPr marL="800100" lvl="1" indent="-342900" defTabSz="820738">
+            <a:r>
+              <a:rPr lang="en-US" altLang="zh-CN" sz="2400" dirty="0" err="1"/>
+              <a:t>com.ge.apm.dao</a:t>
+            </a:r>
+            <a:r>
+              <a:rPr lang="en-US" altLang="zh-CN" sz="2400" dirty="0"/>
+              <a:t>:  data access objects</a:t>
+            </a:r>
+          </a:p>
+          <a:p>
+            <a:pPr marL="342900" indent="-342900">
               <a:buFont typeface="Arial" panose="020B0604020202020204" pitchFamily="34" charset="0"/>
               <a:buChar char="•"/>
             </a:pPr>
             <a:r>
-              <a:rPr lang="en-US" sz="2400" dirty="0">
-                <a:hlinkClick r:id="rId4"/>
-              </a:rPr>
-              <a:t>http://www.primefaces.org</a:t>
-            </a:r>
-            <a:endParaRPr lang="en-US" sz="2400" dirty="0"/>
-          </a:p>
-          <a:p>
-            <a:pPr lvl="1" defTabSz="820738"/>
-            <a:endParaRPr lang="en-US" sz="2400" dirty="0"/>
-          </a:p>
-          <a:p>
-            <a:pPr lvl="1" defTabSz="820738"/>
-            <a:r>
-              <a:rPr lang="en-US" sz="2400" dirty="0" err="1"/>
-              <a:t>PrimeFaces</a:t>
-            </a:r>
-            <a:r>
-              <a:rPr lang="en-US" sz="2400" dirty="0"/>
-              <a:t> </a:t>
-            </a:r>
-            <a:r>
-              <a:rPr lang="zh-CN" altLang="en-US" sz="2400" dirty="0"/>
-              <a:t>开发者文档</a:t>
+              <a:rPr lang="en-US" altLang="zh-CN" sz="2400" dirty="0" err="1"/>
+              <a:t>com.ge.apm.service</a:t>
             </a:r>
             <a:r>
               <a:rPr lang="en-US" altLang="zh-CN" sz="2400" dirty="0"/>
-              <a:t>:</a:t>
-            </a:r>
-            <a:endParaRPr lang="en-US" sz="2400" dirty="0"/>
-          </a:p>
-          <a:p>
-            <a:pPr marL="800100" lvl="1" indent="-342900" defTabSz="820738">
+              <a:t>:  business logic beans</a:t>
+            </a:r>
+          </a:p>
+          <a:p>
+            <a:pPr marL="342900" indent="-342900">
               <a:buFont typeface="Arial" panose="020B0604020202020204" pitchFamily="34" charset="0"/>
               <a:buChar char="•"/>
             </a:pPr>
             <a:r>
-              <a:rPr lang="en-US" sz="2400" dirty="0">
-                <a:hlinkClick r:id="rId5"/>
-              </a:rPr>
-              <a:t>http://www.primefaces.org/docs/guide/primefaces_user_guide_6_0.pdf</a:t>
-            </a:r>
-            <a:endParaRPr lang="en-US" sz="2400" dirty="0"/>
-          </a:p>
-          <a:p>
-            <a:pPr marL="800100" lvl="1" indent="-342900" defTabSz="820738">
+              <a:rPr lang="en-US" altLang="zh-CN" sz="2400" dirty="0" err="1"/>
+              <a:t>com.ge.apm.view</a:t>
+            </a:r>
+            <a:r>
+              <a:rPr lang="en-US" altLang="zh-CN" sz="2400" dirty="0"/>
+              <a:t>:  JSF managed beans</a:t>
+            </a:r>
+          </a:p>
+          <a:p>
+            <a:pPr marL="342900" indent="-342900">
               <a:buFont typeface="Arial" panose="020B0604020202020204" pitchFamily="34" charset="0"/>
               <a:buChar char="•"/>
             </a:pPr>
-            <a:endParaRPr lang="en-US" altLang="zh-CN" sz="2200" dirty="0">
-              <a:latin typeface="微软雅黑" panose="020B0503020204020204" pitchFamily="34" charset="-122"/>
-              <a:ea typeface="微软雅黑" panose="020B0503020204020204" pitchFamily="34" charset="-122"/>
-            </a:endParaRPr>
-          </a:p>
-          <a:p>
-            <a:pPr marL="800100" lvl="1" indent="-342900" defTabSz="820738">
+            <a:r>
+              <a:rPr lang="en-US" altLang="zh-CN" sz="2400" dirty="0" err="1"/>
+              <a:t>com.ge.apm.web</a:t>
+            </a:r>
+            <a:r>
+              <a:rPr lang="en-US" altLang="zh-CN" sz="2400" dirty="0"/>
+              <a:t>:  Spring MVC controllers</a:t>
+            </a:r>
+          </a:p>
+          <a:p>
+            <a:pPr marL="342900" indent="-342900">
               <a:buFont typeface="Arial" panose="020B0604020202020204" pitchFamily="34" charset="0"/>
               <a:buChar char="•"/>
             </a:pPr>
-            <a:endParaRPr lang="en-US" altLang="zh-CN" sz="2200" dirty="0">
-              <a:latin typeface="微软雅黑" panose="020B0503020204020204" pitchFamily="34" charset="-122"/>
-              <a:ea typeface="微软雅黑" panose="020B0503020204020204" pitchFamily="34" charset="-122"/>
-            </a:endParaRPr>
+            <a:endParaRPr lang="en-US" altLang="zh-CN" sz="2400" dirty="0"/>
+          </a:p>
+          <a:p>
+            <a:r>
+              <a:rPr lang="en-US" altLang="zh-CN" sz="2400" dirty="0">
+                <a:solidFill>
+                  <a:schemeClr val="accent1"/>
+                </a:solidFill>
+              </a:rPr>
+              <a:t>Web App folders</a:t>
+            </a:r>
+          </a:p>
+          <a:p>
+            <a:pPr marL="342900" indent="-342900">
+              <a:buFont typeface="Arial" panose="020B0604020202020204" pitchFamily="34" charset="0"/>
+              <a:buChar char="•"/>
+            </a:pPr>
+            <a:r>
+              <a:rPr lang="en-US" altLang="zh-CN" sz="2400" dirty="0"/>
+              <a:t>resources: resource files( </a:t>
+            </a:r>
+            <a:r>
+              <a:rPr lang="en-US" altLang="zh-CN" sz="2400" dirty="0" err="1"/>
+              <a:t>js</a:t>
+            </a:r>
+            <a:r>
+              <a:rPr lang="en-US" altLang="zh-CN" sz="2400" dirty="0"/>
+              <a:t>/</a:t>
+            </a:r>
+            <a:r>
+              <a:rPr lang="en-US" altLang="zh-CN" sz="2400" dirty="0" err="1"/>
+              <a:t>css</a:t>
+            </a:r>
+            <a:r>
+              <a:rPr lang="en-US" altLang="zh-CN" sz="2400" dirty="0"/>
+              <a:t>/icon/</a:t>
+            </a:r>
+            <a:r>
+              <a:rPr lang="en-US" altLang="zh-CN" sz="2400" dirty="0" err="1"/>
+              <a:t>img</a:t>
+            </a:r>
+            <a:r>
+              <a:rPr lang="en-US" altLang="zh-CN" sz="2400" dirty="0"/>
+              <a:t>, etc.)</a:t>
+            </a:r>
           </a:p>
         </p:txBody>
       </p:sp>
     </p:spTree>
     <p:extLst>
       <p:ext uri="{BB962C8B-B14F-4D97-AF65-F5344CB8AC3E}">
-        <p14:creationId xmlns:p14="http://schemas.microsoft.com/office/powerpoint/2010/main" val="4164413206"/>
+        <p14:creationId xmlns:p14="http://schemas.microsoft.com/office/powerpoint/2010/main" val="190351268"/>
       </p:ext>
     </p:extLst>
   </p:cSld>
@@ -32100,7 +32721,7 @@
 </p:sld>
 </file>
 
-<file path=ppt/slides/slide3.xml><?xml version="1.0" encoding="utf-8"?>
+<file path=ppt/slides/slide30.xml><?xml version="1.0" encoding="utf-8"?>
 <p:sld xmlns:a="http://schemas.openxmlformats.org/drawingml/2006/main" xmlns:r="http://schemas.openxmlformats.org/officeDocument/2006/relationships" xmlns:p="http://schemas.openxmlformats.org/presentationml/2006/main">
   <p:cSld>
     <p:spTree>
@@ -32218,7 +32839,7 @@
         <p:spPr>
           <a:xfrm>
             <a:off x="833472" y="263449"/>
-            <a:ext cx="8380865" cy="430887"/>
+            <a:ext cx="8505399" cy="430887"/>
           </a:xfrm>
           <a:prstGeom prst="rect">
             <a:avLst/>
@@ -32233,7 +32854,7 @@
           <a:p>
             <a:r>
               <a:rPr lang="en-US" sz="2800" dirty="0"/>
-              <a:t>Project Code Structure</a:t>
+              <a:t>References</a:t>
             </a:r>
             <a:endParaRPr lang="en-US" sz="2000" dirty="0">
               <a:latin typeface="GE汉仪中圆简" panose="02010600000101010101" pitchFamily="2" charset="-122"/>
@@ -32252,8 +32873,8 @@
         </p:nvSpPr>
         <p:spPr bwMode="auto">
           <a:xfrm>
-            <a:off x="1250898" y="1362075"/>
-            <a:ext cx="10591331" cy="3376069"/>
+            <a:off x="1250899" y="1362075"/>
+            <a:ext cx="9961052" cy="4637952"/>
           </a:xfrm>
           <a:prstGeom prst="rect">
             <a:avLst/>
@@ -32298,145 +32919,166 @@
           </a:bodyPr>
           <a:lstStyle/>
           <a:p>
-            <a:pPr defTabSz="820738"/>
+            <a:pPr defTabSz="820738">
+              <a:buFont typeface="Wingdings" pitchFamily="2" charset="2"/>
+              <a:buChar char="ü"/>
+            </a:pPr>
             <a:r>
               <a:rPr lang="en-US" altLang="zh-CN" sz="2200" b="1" dirty="0">
-                <a:solidFill>
-                  <a:schemeClr val="accent1"/>
-                </a:solidFill>
-                <a:latin typeface="微软雅黑" panose="020B0503020204020204" pitchFamily="34" charset="-122"/>
-                <a:ea typeface="微软雅黑" panose="020B0503020204020204" pitchFamily="34" charset="-122"/>
-              </a:rPr>
-              <a:t>Java packages</a:t>
-            </a:r>
-          </a:p>
-          <a:p>
-            <a:pPr marL="342900" indent="-342900">
+                <a:latin typeface="微软雅黑" panose="020B0503020204020204" pitchFamily="34" charset="-122"/>
+                <a:ea typeface="微软雅黑" panose="020B0503020204020204" pitchFamily="34" charset="-122"/>
+              </a:rPr>
+              <a:t>Spring framework</a:t>
+            </a:r>
+          </a:p>
+          <a:p>
+            <a:pPr lvl="1" defTabSz="820738"/>
+            <a:r>
+              <a:rPr lang="en-US" altLang="zh-CN" sz="2200" dirty="0">
+                <a:latin typeface="微软雅黑" panose="020B0503020204020204" pitchFamily="34" charset="-122"/>
+                <a:ea typeface="微软雅黑" panose="020B0503020204020204" pitchFamily="34" charset="-122"/>
+              </a:rPr>
+              <a:t>Spring Core, Spring Data JPA, Spring MVC, Spring Security:</a:t>
+            </a:r>
+          </a:p>
+          <a:p>
+            <a:pPr marL="800100" lvl="1" indent="-342900" defTabSz="820738">
               <a:buFont typeface="Arial" panose="020B0604020202020204" pitchFamily="34" charset="0"/>
               <a:buChar char="•"/>
             </a:pPr>
             <a:r>
-              <a:rPr lang="en-US" altLang="zh-CN" sz="2400" dirty="0" err="1"/>
-              <a:t>com.ge.apm.domain</a:t>
-            </a:r>
-            <a:r>
-              <a:rPr lang="en-US" altLang="zh-CN" sz="2400" dirty="0"/>
-              <a:t>:  entity objects</a:t>
-            </a:r>
-          </a:p>
-          <a:p>
-            <a:pPr marL="342900" indent="-342900">
+              <a:rPr lang="en-US" altLang="zh-CN" sz="2200" dirty="0">
+                <a:latin typeface="微软雅黑" panose="020B0503020204020204" pitchFamily="34" charset="-122"/>
+                <a:ea typeface="微软雅黑" panose="020B0503020204020204" pitchFamily="34" charset="-122"/>
+                <a:hlinkClick r:id="rId3"/>
+              </a:rPr>
+              <a:t>http://spring.io/</a:t>
+            </a:r>
+            <a:endParaRPr lang="en-US" altLang="zh-CN" sz="2200" dirty="0">
+              <a:latin typeface="微软雅黑" panose="020B0503020204020204" pitchFamily="34" charset="-122"/>
+              <a:ea typeface="微软雅黑" panose="020B0503020204020204" pitchFamily="34" charset="-122"/>
+            </a:endParaRPr>
+          </a:p>
+          <a:p>
+            <a:pPr marL="800100" lvl="1" indent="-342900" defTabSz="820738">
               <a:buFont typeface="Arial" panose="020B0604020202020204" pitchFamily="34" charset="0"/>
               <a:buChar char="•"/>
             </a:pPr>
-            <a:r>
-              <a:rPr lang="en-US" altLang="zh-CN" sz="2400" dirty="0" err="1"/>
-              <a:t>com.ge.apm.dao</a:t>
-            </a:r>
-            <a:r>
-              <a:rPr lang="en-US" altLang="zh-CN" sz="2400" dirty="0"/>
-              <a:t>:  data access objects</a:t>
-            </a:r>
-          </a:p>
-          <a:p>
-            <a:pPr marL="342900" indent="-342900">
+            <a:endParaRPr lang="en-US" altLang="zh-CN" sz="2200" dirty="0">
+              <a:latin typeface="微软雅黑" panose="020B0503020204020204" pitchFamily="34" charset="-122"/>
+              <a:ea typeface="微软雅黑" panose="020B0503020204020204" pitchFamily="34" charset="-122"/>
+            </a:endParaRPr>
+          </a:p>
+          <a:p>
+            <a:pPr defTabSz="820738">
+              <a:buFont typeface="Wingdings" pitchFamily="2" charset="2"/>
+              <a:buChar char="ü"/>
+            </a:pPr>
+            <a:r>
+              <a:rPr lang="en-US" altLang="zh-CN" sz="2200" b="1" dirty="0" err="1">
+                <a:latin typeface="微软雅黑" panose="020B0503020204020204" pitchFamily="34" charset="-122"/>
+                <a:ea typeface="微软雅黑" panose="020B0503020204020204" pitchFamily="34" charset="-122"/>
+              </a:rPr>
+              <a:t>Primefaces</a:t>
+            </a:r>
+            <a:endParaRPr lang="en-US" altLang="zh-CN" sz="2200" b="1" dirty="0">
+              <a:latin typeface="微软雅黑" panose="020B0503020204020204" pitchFamily="34" charset="-122"/>
+              <a:ea typeface="微软雅黑" panose="020B0503020204020204" pitchFamily="34" charset="-122"/>
+            </a:endParaRPr>
+          </a:p>
+          <a:p>
+            <a:pPr lvl="1" defTabSz="820738"/>
+            <a:r>
+              <a:rPr lang="en-US" altLang="zh-CN" sz="2200" dirty="0" err="1">
+                <a:latin typeface="微软雅黑" panose="020B0503020204020204" pitchFamily="34" charset="-122"/>
+                <a:ea typeface="微软雅黑" panose="020B0503020204020204" pitchFamily="34" charset="-122"/>
+              </a:rPr>
+              <a:t>Primefaces</a:t>
+            </a:r>
+            <a:r>
+              <a:rPr lang="en-US" altLang="zh-CN" sz="2200" dirty="0">
+                <a:latin typeface="微软雅黑" panose="020B0503020204020204" pitchFamily="34" charset="-122"/>
+                <a:ea typeface="微软雅黑" panose="020B0503020204020204" pitchFamily="34" charset="-122"/>
+              </a:rPr>
+              <a:t> online demo and documentation:</a:t>
+            </a:r>
+          </a:p>
+          <a:p>
+            <a:pPr marL="800100" lvl="1" indent="-342900" defTabSz="820738">
               <a:buFont typeface="Arial" panose="020B0604020202020204" pitchFamily="34" charset="0"/>
               <a:buChar char="•"/>
             </a:pPr>
             <a:r>
-              <a:rPr lang="en-US" altLang="zh-CN" sz="2400" dirty="0" err="1"/>
-              <a:t>com.ge.apm.service</a:t>
+              <a:rPr lang="en-US" sz="2400" dirty="0">
+                <a:hlinkClick r:id="rId4"/>
+              </a:rPr>
+              <a:t>http://www.primefaces.org</a:t>
+            </a:r>
+            <a:endParaRPr lang="en-US" sz="2400" dirty="0"/>
+          </a:p>
+          <a:p>
+            <a:pPr lvl="1" defTabSz="820738"/>
+            <a:endParaRPr lang="en-US" sz="2400" dirty="0"/>
+          </a:p>
+          <a:p>
+            <a:pPr lvl="1" defTabSz="820738"/>
+            <a:r>
+              <a:rPr lang="en-US" sz="2400" dirty="0" err="1"/>
+              <a:t>PrimeFaces</a:t>
+            </a:r>
+            <a:r>
+              <a:rPr lang="en-US" sz="2400" dirty="0"/>
+              <a:t> </a:t>
+            </a:r>
+            <a:r>
+              <a:rPr lang="zh-CN" altLang="en-US" sz="2400" dirty="0"/>
+              <a:t>开发者文档</a:t>
             </a:r>
             <a:r>
               <a:rPr lang="en-US" altLang="zh-CN" sz="2400" dirty="0"/>
-              <a:t>:  business logic beans</a:t>
-            </a:r>
-          </a:p>
-          <a:p>
-            <a:pPr marL="342900" indent="-342900">
+              <a:t>:</a:t>
+            </a:r>
+            <a:endParaRPr lang="en-US" sz="2400" dirty="0"/>
+          </a:p>
+          <a:p>
+            <a:pPr marL="800100" lvl="1" indent="-342900" defTabSz="820738">
               <a:buFont typeface="Arial" panose="020B0604020202020204" pitchFamily="34" charset="0"/>
               <a:buChar char="•"/>
             </a:pPr>
             <a:r>
-              <a:rPr lang="en-US" altLang="zh-CN" sz="2400" dirty="0" err="1"/>
-              <a:t>com.ge.apm.view</a:t>
-            </a:r>
-            <a:r>
-              <a:rPr lang="en-US" altLang="zh-CN" sz="2400" dirty="0"/>
-              <a:t>:  JSF managed beans</a:t>
-            </a:r>
-          </a:p>
-          <a:p>
-            <a:pPr marL="342900" indent="-342900">
+              <a:rPr lang="en-US" sz="2400" dirty="0">
+                <a:hlinkClick r:id="rId5"/>
+              </a:rPr>
+              <a:t>http://www.primefaces.org/docs/guide/primefaces_user_guide_6_0.pdf</a:t>
+            </a:r>
+            <a:endParaRPr lang="en-US" sz="2400" dirty="0"/>
+          </a:p>
+          <a:p>
+            <a:pPr marL="800100" lvl="1" indent="-342900" defTabSz="820738">
               <a:buFont typeface="Arial" panose="020B0604020202020204" pitchFamily="34" charset="0"/>
               <a:buChar char="•"/>
             </a:pPr>
-            <a:r>
-              <a:rPr lang="en-US" altLang="zh-CN" sz="2400" dirty="0" err="1"/>
-              <a:t>com.ge.apm.web</a:t>
-            </a:r>
-            <a:r>
-              <a:rPr lang="en-US" altLang="zh-CN" sz="2400" dirty="0"/>
-              <a:t>:  Spring MVC controllers</a:t>
-            </a:r>
-          </a:p>
-          <a:p>
-            <a:pPr marL="342900" indent="-342900">
+            <a:endParaRPr lang="en-US" altLang="zh-CN" sz="2200" dirty="0">
+              <a:latin typeface="微软雅黑" panose="020B0503020204020204" pitchFamily="34" charset="-122"/>
+              <a:ea typeface="微软雅黑" panose="020B0503020204020204" pitchFamily="34" charset="-122"/>
+            </a:endParaRPr>
+          </a:p>
+          <a:p>
+            <a:pPr marL="800100" lvl="1" indent="-342900" defTabSz="820738">
               <a:buFont typeface="Arial" panose="020B0604020202020204" pitchFamily="34" charset="0"/>
               <a:buChar char="•"/>
             </a:pPr>
-            <a:endParaRPr lang="en-US" altLang="zh-CN" sz="2400" dirty="0"/>
-          </a:p>
-          <a:p>
-            <a:r>
-              <a:rPr lang="en-US" altLang="zh-CN" sz="2400" dirty="0">
-                <a:solidFill>
-                  <a:schemeClr val="accent1"/>
-                </a:solidFill>
-              </a:rPr>
-              <a:t>Web App folders</a:t>
-            </a:r>
-          </a:p>
-          <a:p>
-            <a:pPr marL="342900" indent="-342900">
-              <a:buFont typeface="Arial" panose="020B0604020202020204" pitchFamily="34" charset="0"/>
-              <a:buChar char="•"/>
-            </a:pPr>
-            <a:r>
-              <a:rPr lang="en-US" altLang="zh-CN" sz="2400" dirty="0"/>
-              <a:t>resources: resource files( </a:t>
-            </a:r>
-            <a:r>
-              <a:rPr lang="en-US" altLang="zh-CN" sz="2400" dirty="0" err="1"/>
-              <a:t>js</a:t>
-            </a:r>
-            <a:r>
-              <a:rPr lang="en-US" altLang="zh-CN" sz="2400" dirty="0"/>
-              <a:t>/</a:t>
-            </a:r>
-            <a:r>
-              <a:rPr lang="en-US" altLang="zh-CN" sz="2400" dirty="0" err="1"/>
-              <a:t>css</a:t>
-            </a:r>
-            <a:r>
-              <a:rPr lang="en-US" altLang="zh-CN" sz="2400" dirty="0"/>
-              <a:t>/icon/</a:t>
-            </a:r>
-            <a:r>
-              <a:rPr lang="en-US" altLang="zh-CN" sz="2400" dirty="0" err="1"/>
-              <a:t>img</a:t>
-            </a:r>
-            <a:r>
-              <a:rPr lang="en-US" altLang="zh-CN" sz="2400" dirty="0"/>
-              <a:t>, etc.)</a:t>
-            </a:r>
+            <a:endParaRPr lang="en-US" altLang="zh-CN" sz="2200" dirty="0">
+              <a:latin typeface="微软雅黑" panose="020B0503020204020204" pitchFamily="34" charset="-122"/>
+              <a:ea typeface="微软雅黑" panose="020B0503020204020204" pitchFamily="34" charset="-122"/>
+            </a:endParaRPr>
           </a:p>
         </p:txBody>
       </p:sp>
     </p:spTree>
     <p:extLst>
       <p:ext uri="{BB962C8B-B14F-4D97-AF65-F5344CB8AC3E}">
-        <p14:creationId xmlns:p14="http://schemas.microsoft.com/office/powerpoint/2010/main" val="190351268"/>
+        <p14:creationId xmlns:p14="http://schemas.microsoft.com/office/powerpoint/2010/main" val="4164413206"/>
       </p:ext>
     </p:extLst>
   </p:cSld>
@@ -32446,7 +33088,7 @@
 </p:sld>
 </file>
 
-<file path=ppt/slides/slide30.xml><?xml version="1.0" encoding="utf-8"?>
+<file path=ppt/slides/slide31.xml><?xml version="1.0" encoding="utf-8"?>
 <p:sld xmlns:a="http://schemas.openxmlformats.org/drawingml/2006/main" xmlns:r="http://schemas.openxmlformats.org/officeDocument/2006/relationships" xmlns:p="http://schemas.openxmlformats.org/presentationml/2006/main">
   <p:cSld>
     <p:spTree>

--- a/Document/WebAppFrameworkDev.pptx
+++ b/Document/WebAppFrameworkDev.pptx
@@ -6,10 +6,10 @@
     <p:sldMasterId id="2147483691" r:id="rId2"/>
   </p:sldMasterIdLst>
   <p:notesMasterIdLst>
-    <p:notesMasterId r:id="rId34"/>
+    <p:notesMasterId r:id="rId35"/>
   </p:notesMasterIdLst>
   <p:handoutMasterIdLst>
-    <p:handoutMasterId r:id="rId35"/>
+    <p:handoutMasterId r:id="rId36"/>
   </p:handoutMasterIdLst>
   <p:sldIdLst>
     <p:sldId id="474" r:id="rId3"/>
@@ -36,13 +36,14 @@
     <p:sldId id="735" r:id="rId24"/>
     <p:sldId id="736" r:id="rId25"/>
     <p:sldId id="737" r:id="rId26"/>
-    <p:sldId id="702" r:id="rId27"/>
-    <p:sldId id="703" r:id="rId28"/>
-    <p:sldId id="734" r:id="rId29"/>
-    <p:sldId id="720" r:id="rId30"/>
-    <p:sldId id="731" r:id="rId31"/>
-    <p:sldId id="708" r:id="rId32"/>
-    <p:sldId id="680" r:id="rId33"/>
+    <p:sldId id="738" r:id="rId27"/>
+    <p:sldId id="702" r:id="rId28"/>
+    <p:sldId id="703" r:id="rId29"/>
+    <p:sldId id="734" r:id="rId30"/>
+    <p:sldId id="720" r:id="rId31"/>
+    <p:sldId id="731" r:id="rId32"/>
+    <p:sldId id="708" r:id="rId33"/>
+    <p:sldId id="680" r:id="rId34"/>
   </p:sldIdLst>
   <p:sldSz cx="12188825" cy="6858000"/>
   <p:notesSz cx="6858000" cy="9144000"/>
@@ -2496,7 +2497,7 @@
     </p:spTree>
     <p:extLst>
       <p:ext uri="{BB962C8B-B14F-4D97-AF65-F5344CB8AC3E}">
-        <p14:creationId xmlns:p14="http://schemas.microsoft.com/office/powerpoint/2010/main" val="2157000639"/>
+        <p14:creationId xmlns:p14="http://schemas.microsoft.com/office/powerpoint/2010/main" val="3739907605"/>
       </p:ext>
     </p:extLst>
   </p:cSld>
@@ -2682,7 +2683,7 @@
     </p:spTree>
     <p:extLst>
       <p:ext uri="{BB962C8B-B14F-4D97-AF65-F5344CB8AC3E}">
-        <p14:creationId xmlns:p14="http://schemas.microsoft.com/office/powerpoint/2010/main" val="281914558"/>
+        <p14:creationId xmlns:p14="http://schemas.microsoft.com/office/powerpoint/2010/main" val="2157000639"/>
       </p:ext>
     </p:extLst>
   </p:cSld>
@@ -2775,7 +2776,7 @@
     </p:spTree>
     <p:extLst>
       <p:ext uri="{BB962C8B-B14F-4D97-AF65-F5344CB8AC3E}">
-        <p14:creationId xmlns:p14="http://schemas.microsoft.com/office/powerpoint/2010/main" val="2163269220"/>
+        <p14:creationId xmlns:p14="http://schemas.microsoft.com/office/powerpoint/2010/main" val="281914558"/>
       </p:ext>
     </p:extLst>
   </p:cSld>
@@ -2868,7 +2869,7 @@
     </p:spTree>
     <p:extLst>
       <p:ext uri="{BB962C8B-B14F-4D97-AF65-F5344CB8AC3E}">
-        <p14:creationId xmlns:p14="http://schemas.microsoft.com/office/powerpoint/2010/main" val="850406452"/>
+        <p14:creationId xmlns:p14="http://schemas.microsoft.com/office/powerpoint/2010/main" val="2163269220"/>
       </p:ext>
     </p:extLst>
   </p:cSld>
@@ -3054,7 +3055,7 @@
     </p:spTree>
     <p:extLst>
       <p:ext uri="{BB962C8B-B14F-4D97-AF65-F5344CB8AC3E}">
-        <p14:creationId xmlns:p14="http://schemas.microsoft.com/office/powerpoint/2010/main" val="2157000639"/>
+        <p14:creationId xmlns:p14="http://schemas.microsoft.com/office/powerpoint/2010/main" val="850406452"/>
       </p:ext>
     </p:extLst>
   </p:cSld>
@@ -3091,12 +3092,7 @@
             <p:ph type="sldImg"/>
           </p:nvPr>
         </p:nvSpPr>
-        <p:spPr>
-          <a:xfrm>
-            <a:off x="382588" y="685800"/>
-            <a:ext cx="6092825" cy="3429000"/>
-          </a:xfrm>
-        </p:spPr>
+        <p:spPr/>
       </p:sp>
       <p:sp>
         <p:nvSpPr>
@@ -3113,7 +3109,7 @@
           <a:bodyPr/>
           <a:lstStyle/>
           <a:p>
-            <a:endParaRPr lang="en-US" dirty="0"/>
+            <a:endParaRPr lang="en-GB" dirty="0"/>
           </a:p>
         </p:txBody>
       </p:sp>
@@ -3132,10 +3128,108 @@
           <a:bodyPr/>
           <a:lstStyle/>
           <a:p>
+            <a:fld id="{9A1785EB-84EB-4F15-B69C-46EA3205D168}" type="slidenum">
+              <a:rPr lang="en-GB" smtClean="0">
+                <a:solidFill>
+                  <a:prstClr val="black"/>
+                </a:solidFill>
+              </a:rPr>
+              <a:pPr/>
+              <a:t>31</a:t>
+            </a:fld>
+            <a:endParaRPr lang="en-GB">
+              <a:solidFill>
+                <a:prstClr val="black"/>
+              </a:solidFill>
+            </a:endParaRPr>
+          </a:p>
+        </p:txBody>
+      </p:sp>
+    </p:spTree>
+    <p:extLst>
+      <p:ext uri="{BB962C8B-B14F-4D97-AF65-F5344CB8AC3E}">
+        <p14:creationId xmlns:p14="http://schemas.microsoft.com/office/powerpoint/2010/main" val="2157000639"/>
+      </p:ext>
+    </p:extLst>
+  </p:cSld>
+  <p:clrMapOvr>
+    <a:masterClrMapping/>
+  </p:clrMapOvr>
+</p:notes>
+</file>
+
+<file path=ppt/notesSlides/notesSlide32.xml><?xml version="1.0" encoding="utf-8"?>
+<p:notes xmlns:a="http://schemas.openxmlformats.org/drawingml/2006/main" xmlns:r="http://schemas.openxmlformats.org/officeDocument/2006/relationships" xmlns:p="http://schemas.openxmlformats.org/presentationml/2006/main">
+  <p:cSld>
+    <p:spTree>
+      <p:nvGrpSpPr>
+        <p:cNvPr id="1" name=""/>
+        <p:cNvGrpSpPr/>
+        <p:nvPr/>
+      </p:nvGrpSpPr>
+      <p:grpSpPr>
+        <a:xfrm>
+          <a:off x="0" y="0"/>
+          <a:ext cx="0" cy="0"/>
+          <a:chOff x="0" y="0"/>
+          <a:chExt cx="0" cy="0"/>
+        </a:xfrm>
+      </p:grpSpPr>
+      <p:sp>
+        <p:nvSpPr>
+          <p:cNvPr id="2" name="Slide Image Placeholder 1"/>
+          <p:cNvSpPr>
+            <a:spLocks noGrp="1" noRot="1" noChangeAspect="1"/>
+          </p:cNvSpPr>
+          <p:nvPr>
+            <p:ph type="sldImg"/>
+          </p:nvPr>
+        </p:nvSpPr>
+        <p:spPr>
+          <a:xfrm>
+            <a:off x="382588" y="685800"/>
+            <a:ext cx="6092825" cy="3429000"/>
+          </a:xfrm>
+        </p:spPr>
+      </p:sp>
+      <p:sp>
+        <p:nvSpPr>
+          <p:cNvPr id="3" name="Notes Placeholder 2"/>
+          <p:cNvSpPr>
+            <a:spLocks noGrp="1"/>
+          </p:cNvSpPr>
+          <p:nvPr>
+            <p:ph type="body" idx="1"/>
+          </p:nvPr>
+        </p:nvSpPr>
+        <p:spPr/>
+        <p:txBody>
+          <a:bodyPr/>
+          <a:lstStyle/>
+          <a:p>
+            <a:endParaRPr lang="en-US" dirty="0"/>
+          </a:p>
+        </p:txBody>
+      </p:sp>
+      <p:sp>
+        <p:nvSpPr>
+          <p:cNvPr id="4" name="Slide Number Placeholder 3"/>
+          <p:cNvSpPr>
+            <a:spLocks noGrp="1"/>
+          </p:cNvSpPr>
+          <p:nvPr>
+            <p:ph type="sldNum" sz="quarter" idx="10"/>
+          </p:nvPr>
+        </p:nvSpPr>
+        <p:spPr/>
+        <p:txBody>
+          <a:bodyPr/>
+          <a:lstStyle/>
+          <a:p>
             <a:fld id="{4A55B9BF-99C7-425D-A1C7-4E0B8871658A}" type="slidenum">
               <a:rPr lang="en-US" smtClean="0"/>
               <a:pPr/>
-              <a:t>31</a:t>
+              <a:t>32</a:t>
             </a:fld>
             <a:endParaRPr lang="en-US"/>
           </a:p>
@@ -28572,6 +28666,481 @@
       </p:sp>
       <p:sp>
         <p:nvSpPr>
+          <p:cNvPr id="7" name="TextBox 6"/>
+          <p:cNvSpPr txBox="1"/>
+          <p:nvPr/>
+        </p:nvSpPr>
+        <p:spPr>
+          <a:xfrm>
+            <a:off x="833472" y="263449"/>
+            <a:ext cx="8380865" cy="430887"/>
+          </a:xfrm>
+          <a:prstGeom prst="rect">
+            <a:avLst/>
+          </a:prstGeom>
+          <a:noFill/>
+        </p:spPr>
+        <p:txBody>
+          <a:bodyPr wrap="square" lIns="0" tIns="0" rIns="0" bIns="0" rtlCol="0">
+            <a:spAutoFit/>
+          </a:bodyPr>
+          <a:lstStyle/>
+          <a:p>
+            <a:r>
+              <a:rPr lang="en-US" sz="2800" dirty="0"/>
+              <a:t>More Tips</a:t>
+            </a:r>
+            <a:endParaRPr lang="en-US" sz="2000" dirty="0">
+              <a:latin typeface="GE汉仪中圆简" panose="02010600000101010101" pitchFamily="2" charset="-122"/>
+              <a:ea typeface="GE汉仪中圆简" panose="02010600000101010101" pitchFamily="2" charset="-122"/>
+            </a:endParaRPr>
+          </a:p>
+        </p:txBody>
+      </p:sp>
+      <p:sp>
+        <p:nvSpPr>
+          <p:cNvPr id="6" name="Rectangle 2"/>
+          <p:cNvSpPr>
+            <a:spLocks noChangeArrowheads="1"/>
+          </p:cNvSpPr>
+          <p:nvPr/>
+        </p:nvSpPr>
+        <p:spPr bwMode="auto">
+          <a:xfrm>
+            <a:off x="1250898" y="1362075"/>
+            <a:ext cx="10591331" cy="3591512"/>
+          </a:xfrm>
+          <a:prstGeom prst="rect">
+            <a:avLst/>
+          </a:prstGeom>
+          <a:noFill/>
+          <a:ln>
+            <a:noFill/>
+          </a:ln>
+          <a:effectLst/>
+          <a:extLst>
+            <a:ext uri="{909E8E84-426E-40DD-AFC4-6F175D3DCCD1}">
+              <a14:hiddenFill xmlns:a14="http://schemas.microsoft.com/office/drawing/2010/main">
+                <a:solidFill>
+                  <a:schemeClr val="accent1"/>
+                </a:solidFill>
+              </a14:hiddenFill>
+            </a:ext>
+            <a:ext uri="{91240B29-F687-4F45-9708-019B960494DF}">
+              <a14:hiddenLine xmlns:a14="http://schemas.microsoft.com/office/drawing/2010/main" w="12700">
+                <a:solidFill>
+                  <a:schemeClr val="tx1"/>
+                </a:solidFill>
+                <a:miter lim="800000"/>
+                <a:headEnd type="none" w="sm" len="sm"/>
+                <a:tailEnd type="none" w="sm" len="sm"/>
+              </a14:hiddenLine>
+            </a:ext>
+            <a:ext uri="{AF507438-7753-43E0-B8FC-AC1667EBCBE1}">
+              <a14:hiddenEffects xmlns:a14="http://schemas.microsoft.com/office/drawing/2010/main">
+                <a:effectLst>
+                  <a:outerShdw dist="35921" dir="2700000" algn="ctr" rotWithShape="0">
+                    <a:schemeClr val="bg2"/>
+                  </a:outerShdw>
+                </a:effectLst>
+              </a14:hiddenEffects>
+            </a:ext>
+          </a:extLst>
+        </p:spPr>
+        <p:txBody>
+          <a:bodyPr wrap="square" lIns="82058" tIns="41029" rIns="82058" bIns="41029">
+            <a:spAutoFit/>
+          </a:bodyPr>
+          <a:lstStyle/>
+          <a:p>
+            <a:pPr marL="342900" indent="-342900">
+              <a:buFont typeface="Arial" panose="020B0604020202020204" pitchFamily="34" charset="0"/>
+              <a:buChar char="•"/>
+            </a:pPr>
+            <a:r>
+              <a:rPr lang="zh-CN" altLang="en-US" b="1" dirty="0">
+                <a:solidFill>
+                  <a:schemeClr val="accent1">
+                    <a:lumMod val="75000"/>
+                  </a:schemeClr>
+                </a:solidFill>
+              </a:rPr>
+              <a:t>输入方式</a:t>
+            </a:r>
+            <a:r>
+              <a:rPr lang="en-US" altLang="zh-CN" b="1" dirty="0">
+                <a:solidFill>
+                  <a:schemeClr val="accent1">
+                    <a:lumMod val="75000"/>
+                  </a:schemeClr>
+                </a:solidFill>
+              </a:rPr>
+              <a:t>: </a:t>
+            </a:r>
+            <a:r>
+              <a:rPr lang="zh-CN" altLang="en-US" b="1" dirty="0">
+                <a:solidFill>
+                  <a:schemeClr val="accent1">
+                    <a:lumMod val="75000"/>
+                  </a:schemeClr>
+                </a:solidFill>
+              </a:rPr>
+              <a:t>可以通过</a:t>
+            </a:r>
+            <a:r>
+              <a:rPr lang="en-US" altLang="zh-CN" b="1" dirty="0">
+                <a:solidFill>
+                  <a:schemeClr val="accent1">
+                    <a:lumMod val="75000"/>
+                  </a:schemeClr>
+                </a:solidFill>
+              </a:rPr>
+              <a:t>p:commandButton </a:t>
+            </a:r>
+            <a:r>
+              <a:rPr lang="zh-CN" altLang="en-US" b="1" dirty="0">
+                <a:solidFill>
+                  <a:schemeClr val="accent1">
+                    <a:lumMod val="75000"/>
+                  </a:schemeClr>
+                </a:solidFill>
+              </a:rPr>
+              <a:t>实现自定义的输入方式，比如弹出对话框等</a:t>
+            </a:r>
+            <a:r>
+              <a:rPr lang="en-US" altLang="zh-CN" b="1" dirty="0">
+                <a:solidFill>
+                  <a:schemeClr val="accent1">
+                    <a:lumMod val="75000"/>
+                  </a:schemeClr>
+                </a:solidFill>
+              </a:rPr>
+              <a:t>.</a:t>
+            </a:r>
+          </a:p>
+          <a:p>
+            <a:pPr marL="226478" lvl="2"/>
+            <a:r>
+              <a:rPr lang="zh-CN" altLang="en-US" sz="1600" dirty="0"/>
+              <a:t>如果下拉框不适合，而是要弹出对话框的时候，比如，如果某个输入框，是要选择一个设备，希望使用部门</a:t>
+            </a:r>
+            <a:r>
+              <a:rPr lang="en-US" altLang="zh-CN" sz="1600" dirty="0"/>
+              <a:t>-&gt;</a:t>
+            </a:r>
+            <a:r>
+              <a:rPr lang="zh-CN" altLang="en-US" sz="1600" dirty="0"/>
+              <a:t>设备的树状的方式选择设备，则可以使用上述方式，通过 </a:t>
+            </a:r>
+            <a:r>
+              <a:rPr lang="en-US" altLang="zh-CN" sz="1600" dirty="0"/>
+              <a:t>p:commandButton </a:t>
+            </a:r>
+            <a:r>
+              <a:rPr lang="zh-CN" altLang="en-US" sz="1600" dirty="0"/>
+              <a:t>弹出对话框，在对话框中使用树状展示设备，让用户选择设备。</a:t>
+            </a:r>
+            <a:endParaRPr lang="en-US" altLang="zh-CN" sz="1600" dirty="0"/>
+          </a:p>
+          <a:p>
+            <a:pPr marL="226478" lvl="2"/>
+            <a:endParaRPr lang="en-US" altLang="zh-CN" sz="1600" dirty="0"/>
+          </a:p>
+          <a:p>
+            <a:pPr marL="226478" lvl="2"/>
+            <a:r>
+              <a:rPr lang="zh-CN" altLang="en-US" sz="1600" dirty="0"/>
+              <a:t>页面效果图：</a:t>
+            </a:r>
+            <a:endParaRPr lang="en-US" altLang="zh-CN" sz="1600" dirty="0"/>
+          </a:p>
+          <a:p>
+            <a:pPr marL="226478" lvl="2"/>
+            <a:endParaRPr lang="en-US" altLang="zh-CN" sz="1600" dirty="0"/>
+          </a:p>
+          <a:p>
+            <a:pPr marL="226478" lvl="2"/>
+            <a:endParaRPr lang="en-US" altLang="zh-CN" sz="1600" dirty="0"/>
+          </a:p>
+          <a:p>
+            <a:pPr marL="226478" lvl="2"/>
+            <a:r>
+              <a:rPr lang="zh-CN" altLang="en-US" sz="1600" dirty="0"/>
+              <a:t>页面</a:t>
+            </a:r>
+            <a:r>
+              <a:rPr lang="en-US" altLang="zh-CN" sz="1600" dirty="0" err="1"/>
+              <a:t>xhtml</a:t>
+            </a:r>
+            <a:r>
+              <a:rPr lang="zh-CN" altLang="en-US" sz="1600" dirty="0"/>
+              <a:t>样例</a:t>
+            </a:r>
+            <a:r>
+              <a:rPr lang="en-US" altLang="zh-CN" sz="1600" dirty="0"/>
+              <a:t>:</a:t>
+            </a:r>
+          </a:p>
+          <a:p>
+            <a:pPr marL="226478" lvl="2"/>
+            <a:r>
+              <a:rPr lang="en-US" altLang="zh-CN" sz="1600" dirty="0"/>
+              <a:t>	</a:t>
+            </a:r>
+            <a:r>
+              <a:rPr lang="en-US" altLang="zh-CN" sz="1200" dirty="0"/>
+              <a:t>&lt;</a:t>
+            </a:r>
+            <a:r>
+              <a:rPr lang="en-US" altLang="zh-CN" sz="1200" dirty="0" err="1"/>
+              <a:t>h:panelGroup</a:t>
+            </a:r>
+            <a:r>
+              <a:rPr lang="en-US" altLang="zh-CN" sz="1200" dirty="0"/>
+              <a:t> </a:t>
+            </a:r>
+            <a:r>
+              <a:rPr lang="en-US" altLang="zh-CN" sz="1200" dirty="0" err="1"/>
+              <a:t>styleClass</a:t>
+            </a:r>
+            <a:r>
+              <a:rPr lang="en-US" altLang="zh-CN" sz="1200" dirty="0"/>
+              <a:t>="md-</a:t>
+            </a:r>
+            <a:r>
+              <a:rPr lang="en-US" altLang="zh-CN" sz="1200" dirty="0" err="1"/>
+              <a:t>inputfield</a:t>
+            </a:r>
+            <a:r>
+              <a:rPr lang="en-US" altLang="zh-CN" sz="1200" dirty="0"/>
+              <a:t>"&gt;</a:t>
+            </a:r>
+          </a:p>
+          <a:p>
+            <a:pPr marL="226478" lvl="2"/>
+            <a:r>
+              <a:rPr lang="en-US" altLang="zh-CN" sz="1200" dirty="0"/>
+              <a:t>		&lt;</a:t>
+            </a:r>
+            <a:r>
+              <a:rPr lang="en-US" altLang="zh-CN" sz="1200" dirty="0" err="1"/>
+              <a:t>p:inputText</a:t>
+            </a:r>
+            <a:r>
+              <a:rPr lang="en-US" altLang="zh-CN" sz="1200" dirty="0"/>
+              <a:t>  </a:t>
+            </a:r>
+            <a:r>
+              <a:rPr lang="en-US" altLang="zh-CN" sz="1200" dirty="0" err="1">
+                <a:solidFill>
+                  <a:srgbClr val="FF0000"/>
+                </a:solidFill>
+              </a:rPr>
+              <a:t>readonly</a:t>
+            </a:r>
+            <a:r>
+              <a:rPr lang="en-US" altLang="zh-CN" sz="1200" dirty="0">
+                <a:solidFill>
+                  <a:srgbClr val="FF0000"/>
+                </a:solidFill>
+              </a:rPr>
+              <a:t>=“true”</a:t>
+            </a:r>
+            <a:r>
+              <a:rPr lang="en-US" altLang="zh-CN" sz="1200" dirty="0"/>
+              <a:t>/&gt;</a:t>
+            </a:r>
+          </a:p>
+          <a:p>
+            <a:pPr marL="226478" lvl="2"/>
+            <a:r>
+              <a:rPr lang="en-US" altLang="zh-CN" sz="1200" dirty="0"/>
+              <a:t>		&lt;label&gt;Name&lt;/label&gt;</a:t>
+            </a:r>
+          </a:p>
+          <a:p>
+            <a:pPr marL="226478" lvl="2"/>
+            <a:r>
+              <a:rPr lang="en-US" altLang="zh-CN" sz="1200" dirty="0"/>
+              <a:t>		&lt;</a:t>
+            </a:r>
+            <a:r>
+              <a:rPr lang="en-US" altLang="zh-CN" sz="1200" dirty="0" err="1"/>
+              <a:t>p:commandButton</a:t>
+            </a:r>
+            <a:r>
+              <a:rPr lang="en-US" altLang="zh-CN" sz="1200" dirty="0"/>
+              <a:t> </a:t>
+            </a:r>
+            <a:r>
+              <a:rPr lang="en-US" altLang="zh-CN" sz="1200" dirty="0">
+                <a:solidFill>
+                  <a:srgbClr val="FF0000"/>
+                </a:solidFill>
+              </a:rPr>
+              <a:t>type="button" icon="</a:t>
+            </a:r>
+            <a:r>
+              <a:rPr lang="en-US" altLang="zh-CN" sz="1200" dirty="0" err="1">
+                <a:solidFill>
+                  <a:srgbClr val="FF0000"/>
+                </a:solidFill>
+              </a:rPr>
+              <a:t>ui</a:t>
+            </a:r>
+            <a:r>
+              <a:rPr lang="en-US" altLang="zh-CN" sz="1200" dirty="0">
+                <a:solidFill>
+                  <a:srgbClr val="FF0000"/>
+                </a:solidFill>
+              </a:rPr>
+              <a:t>-icon-arrow-drop-down“ class="</a:t>
+            </a:r>
+            <a:r>
+              <a:rPr lang="en-US" altLang="zh-CN" sz="1200" dirty="0" err="1">
+                <a:solidFill>
+                  <a:srgbClr val="FF0000"/>
+                </a:solidFill>
+              </a:rPr>
+              <a:t>popupIconButton</a:t>
+            </a:r>
+            <a:r>
+              <a:rPr lang="en-US" altLang="zh-CN" sz="1200" dirty="0">
+                <a:solidFill>
+                  <a:srgbClr val="FF0000"/>
+                </a:solidFill>
+              </a:rPr>
+              <a:t>"</a:t>
+            </a:r>
+            <a:r>
+              <a:rPr lang="en-US" altLang="zh-CN" sz="1200" dirty="0"/>
+              <a:t>/&gt;</a:t>
+            </a:r>
+          </a:p>
+          <a:p>
+            <a:pPr marL="226478" lvl="2"/>
+            <a:r>
+              <a:rPr lang="en-US" altLang="zh-CN" sz="1200" dirty="0"/>
+              <a:t>	&lt;/</a:t>
+            </a:r>
+            <a:r>
+              <a:rPr lang="en-US" altLang="zh-CN" sz="1200" dirty="0" err="1"/>
+              <a:t>h:panelGroup</a:t>
+            </a:r>
+            <a:r>
+              <a:rPr lang="en-US" altLang="zh-CN" sz="1200" dirty="0"/>
+              <a:t>&gt;</a:t>
+            </a:r>
+            <a:endParaRPr lang="en-US" altLang="zh-CN" sz="1200" dirty="0"/>
+          </a:p>
+          <a:p>
+            <a:pPr marL="226478" lvl="2"/>
+            <a:endParaRPr lang="en-US" altLang="zh-CN" dirty="0"/>
+          </a:p>
+        </p:txBody>
+      </p:sp>
+      <p:pic>
+        <p:nvPicPr>
+          <p:cNvPr id="2" name="Picture 1"/>
+          <p:cNvPicPr>
+            <a:picLocks noChangeAspect="1"/>
+          </p:cNvPicPr>
+          <p:nvPr/>
+        </p:nvPicPr>
+        <p:blipFill>
+          <a:blip r:embed="rId3"/>
+          <a:stretch>
+            <a:fillRect/>
+          </a:stretch>
+        </p:blipFill>
+        <p:spPr>
+          <a:xfrm>
+            <a:off x="2977689" y="2626577"/>
+            <a:ext cx="1653683" cy="373412"/>
+          </a:xfrm>
+          <a:prstGeom prst="rect">
+            <a:avLst/>
+          </a:prstGeom>
+        </p:spPr>
+      </p:pic>
+    </p:spTree>
+    <p:extLst>
+      <p:ext uri="{BB962C8B-B14F-4D97-AF65-F5344CB8AC3E}">
+        <p14:creationId xmlns:p14="http://schemas.microsoft.com/office/powerpoint/2010/main" val="1447717320"/>
+      </p:ext>
+    </p:extLst>
+  </p:cSld>
+  <p:clrMapOvr>
+    <a:masterClrMapping/>
+  </p:clrMapOvr>
+</p:sld>
+</file>
+
+<file path=ppt/slides/slide26.xml><?xml version="1.0" encoding="utf-8"?>
+<p:sld xmlns:a="http://schemas.openxmlformats.org/drawingml/2006/main" xmlns:r="http://schemas.openxmlformats.org/officeDocument/2006/relationships" xmlns:p="http://schemas.openxmlformats.org/presentationml/2006/main">
+  <p:cSld>
+    <p:spTree>
+      <p:nvGrpSpPr>
+        <p:cNvPr id="1" name=""/>
+        <p:cNvGrpSpPr/>
+        <p:nvPr/>
+      </p:nvGrpSpPr>
+      <p:grpSpPr>
+        <a:xfrm>
+          <a:off x="0" y="0"/>
+          <a:ext cx="0" cy="0"/>
+          <a:chOff x="0" y="0"/>
+          <a:chExt cx="0" cy="0"/>
+        </a:xfrm>
+      </p:grpSpPr>
+      <p:sp>
+        <p:nvSpPr>
+          <p:cNvPr id="5" name="矩形 4"/>
+          <p:cNvSpPr/>
+          <p:nvPr/>
+        </p:nvSpPr>
+        <p:spPr>
+          <a:xfrm>
+            <a:off x="-9839" y="915023"/>
+            <a:ext cx="12198664" cy="111210"/>
+          </a:xfrm>
+          <a:prstGeom prst="rect">
+            <a:avLst/>
+          </a:prstGeom>
+          <a:solidFill>
+            <a:srgbClr val="00B0F0"/>
+          </a:solidFill>
+          <a:ln>
+            <a:noFill/>
+          </a:ln>
+        </p:spPr>
+        <p:style>
+          <a:lnRef idx="2">
+            <a:schemeClr val="accent1">
+              <a:shade val="50000"/>
+            </a:schemeClr>
+          </a:lnRef>
+          <a:fillRef idx="1">
+            <a:schemeClr val="accent1"/>
+          </a:fillRef>
+          <a:effectRef idx="0">
+            <a:schemeClr val="accent1"/>
+          </a:effectRef>
+          <a:fontRef idx="minor">
+            <a:schemeClr val="lt1"/>
+          </a:fontRef>
+        </p:style>
+        <p:txBody>
+          <a:bodyPr rtlCol="0" anchor="ctr"/>
+          <a:lstStyle/>
+          <a:p>
+            <a:pPr algn="ctr"/>
+            <a:endParaRPr lang="zh-CN" altLang="en-US"/>
+          </a:p>
+        </p:txBody>
+      </p:sp>
+      <p:sp>
+        <p:nvSpPr>
           <p:cNvPr id="2" name="矩形 1"/>
           <p:cNvSpPr/>
           <p:nvPr/>
@@ -28969,7 +29538,7 @@
 </p:sld>
 </file>
 
-<file path=ppt/slides/slide26.xml><?xml version="1.0" encoding="utf-8"?>
+<file path=ppt/slides/slide27.xml><?xml version="1.0" encoding="utf-8"?>
 <p:sld xmlns:a="http://schemas.openxmlformats.org/drawingml/2006/main" xmlns:r="http://schemas.openxmlformats.org/officeDocument/2006/relationships" xmlns:p="http://schemas.openxmlformats.org/presentationml/2006/main">
   <p:cSld>
     <p:spTree>
@@ -30408,7 +30977,7 @@
 </p:sld>
 </file>
 
-<file path=ppt/slides/slide27.xml><?xml version="1.0" encoding="utf-8"?>
+<file path=ppt/slides/slide28.xml><?xml version="1.0" encoding="utf-8"?>
 <p:sld xmlns:a="http://schemas.openxmlformats.org/drawingml/2006/main" xmlns:r="http://schemas.openxmlformats.org/officeDocument/2006/relationships" xmlns:p="http://schemas.openxmlformats.org/presentationml/2006/main">
   <p:cSld>
     <p:spTree>
@@ -30850,7 +31419,7 @@
 </p:sld>
 </file>
 
-<file path=ppt/slides/slide28.xml><?xml version="1.0" encoding="utf-8"?>
+<file path=ppt/slides/slide29.xml><?xml version="1.0" encoding="utf-8"?>
 <p:sld xmlns:a="http://schemas.openxmlformats.org/drawingml/2006/main" xmlns:r="http://schemas.openxmlformats.org/officeDocument/2006/relationships" xmlns:p="http://schemas.openxmlformats.org/presentationml/2006/main">
   <p:cSld>
     <p:spTree>
@@ -31626,7 +32195,7 @@
 </p:sld>
 </file>
 
-<file path=ppt/slides/slide29.xml><?xml version="1.0" encoding="utf-8"?>
+<file path=ppt/slides/slide3.xml><?xml version="1.0" encoding="utf-8"?>
 <p:sld xmlns:a="http://schemas.openxmlformats.org/drawingml/2006/main" xmlns:r="http://schemas.openxmlformats.org/officeDocument/2006/relationships" xmlns:p="http://schemas.openxmlformats.org/presentationml/2006/main">
   <p:cSld>
     <p:spTree>
@@ -31759,11 +32328,7 @@
           <a:p>
             <a:r>
               <a:rPr lang="en-US" sz="2800" dirty="0"/>
-              <a:t>Native SQL </a:t>
-            </a:r>
-            <a:r>
-              <a:rPr lang="en-US" sz="2800" dirty="0" err="1"/>
-              <a:t>Utils</a:t>
+              <a:t>Project Code Structure</a:t>
             </a:r>
             <a:endParaRPr lang="en-US" sz="2000" dirty="0">
               <a:latin typeface="GE汉仪中圆简" panose="02010600000101010101" pitchFamily="2" charset="-122"/>
@@ -31782,8 +32347,8 @@
         </p:nvSpPr>
         <p:spPr bwMode="auto">
           <a:xfrm>
-            <a:off x="1250899" y="1362075"/>
-            <a:ext cx="9961052" cy="4976507"/>
+            <a:off x="1250898" y="1362075"/>
+            <a:ext cx="10591331" cy="3376069"/>
           </a:xfrm>
           <a:prstGeom prst="rect">
             <a:avLst/>
@@ -31828,544 +32393,145 @@
           </a:bodyPr>
           <a:lstStyle/>
           <a:p>
-            <a:pPr defTabSz="820738">
-              <a:buFont typeface="Wingdings" pitchFamily="2" charset="2"/>
-              <a:buChar char="ü"/>
+            <a:pPr defTabSz="820738"/>
+            <a:r>
+              <a:rPr lang="en-US" altLang="zh-CN" sz="2200" b="1" dirty="0">
+                <a:solidFill>
+                  <a:schemeClr val="accent1"/>
+                </a:solidFill>
+                <a:latin typeface="微软雅黑" panose="020B0503020204020204" pitchFamily="34" charset="-122"/>
+                <a:ea typeface="微软雅黑" panose="020B0503020204020204" pitchFamily="34" charset="-122"/>
+              </a:rPr>
+              <a:t>Java packages</a:t>
+            </a:r>
+          </a:p>
+          <a:p>
+            <a:pPr marL="342900" indent="-342900">
+              <a:buFont typeface="Arial" panose="020B0604020202020204" pitchFamily="34" charset="0"/>
+              <a:buChar char="•"/>
             </a:pPr>
             <a:r>
-              <a:rPr lang="zh-CN" altLang="en-US" sz="2000" b="1" dirty="0">
-                <a:latin typeface="微软雅黑" panose="020B0503020204020204" pitchFamily="34" charset="-122"/>
-                <a:ea typeface="微软雅黑" panose="020B0503020204020204" pitchFamily="34" charset="-122"/>
-              </a:rPr>
-              <a:t>做报表的时候，可能使用 </a:t>
-            </a:r>
-            <a:r>
-              <a:rPr lang="en-US" altLang="zh-CN" sz="2000" b="1" dirty="0" err="1">
-                <a:latin typeface="微软雅黑" panose="020B0503020204020204" pitchFamily="34" charset="-122"/>
-                <a:ea typeface="微软雅黑" panose="020B0503020204020204" pitchFamily="34" charset="-122"/>
-              </a:rPr>
-              <a:t>NativeSQL</a:t>
-            </a:r>
-            <a:r>
-              <a:rPr lang="en-US" altLang="zh-CN" sz="2000" b="1" dirty="0">
-                <a:latin typeface="微软雅黑" panose="020B0503020204020204" pitchFamily="34" charset="-122"/>
-                <a:ea typeface="微软雅黑" panose="020B0503020204020204" pitchFamily="34" charset="-122"/>
-              </a:rPr>
-              <a:t> </a:t>
-            </a:r>
-            <a:r>
-              <a:rPr lang="zh-CN" altLang="en-US" sz="2000" b="1" dirty="0">
-                <a:latin typeface="微软雅黑" panose="020B0503020204020204" pitchFamily="34" charset="-122"/>
-                <a:ea typeface="微软雅黑" panose="020B0503020204020204" pitchFamily="34" charset="-122"/>
-              </a:rPr>
-              <a:t>比</a:t>
-            </a:r>
-            <a:r>
-              <a:rPr lang="en-US" altLang="zh-CN" sz="2000" b="1" dirty="0">
-                <a:latin typeface="微软雅黑" panose="020B0503020204020204" pitchFamily="34" charset="-122"/>
-                <a:ea typeface="微软雅黑" panose="020B0503020204020204" pitchFamily="34" charset="-122"/>
-              </a:rPr>
-              <a:t>JPA</a:t>
-            </a:r>
-            <a:r>
-              <a:rPr lang="zh-CN" altLang="en-US" sz="2000" b="1" dirty="0">
-                <a:latin typeface="微软雅黑" panose="020B0503020204020204" pitchFamily="34" charset="-122"/>
-                <a:ea typeface="微软雅黑" panose="020B0503020204020204" pitchFamily="34" charset="-122"/>
-              </a:rPr>
-              <a:t>更方便</a:t>
-            </a:r>
-            <a:endParaRPr lang="en-US" altLang="zh-CN" sz="2000" b="1" dirty="0">
-              <a:latin typeface="微软雅黑" panose="020B0503020204020204" pitchFamily="34" charset="-122"/>
-              <a:ea typeface="微软雅黑" panose="020B0503020204020204" pitchFamily="34" charset="-122"/>
-            </a:endParaRPr>
-          </a:p>
-          <a:p>
-            <a:pPr defTabSz="820738"/>
-            <a:r>
-              <a:rPr lang="zh-CN" altLang="en-US" sz="2000" dirty="0">
-                <a:latin typeface="微软雅黑" panose="020B0503020204020204" pitchFamily="34" charset="-122"/>
-                <a:ea typeface="微软雅黑" panose="020B0503020204020204" pitchFamily="34" charset="-122"/>
-              </a:rPr>
-              <a:t>下面是使用 </a:t>
-            </a:r>
-            <a:r>
-              <a:rPr lang="en-US" altLang="zh-CN" sz="2000" dirty="0" err="1">
-                <a:latin typeface="微软雅黑" panose="020B0503020204020204" pitchFamily="34" charset="-122"/>
-                <a:ea typeface="微软雅黑" panose="020B0503020204020204" pitchFamily="34" charset="-122"/>
-              </a:rPr>
-              <a:t>NativeSQL</a:t>
-            </a:r>
-            <a:r>
-              <a:rPr lang="en-US" altLang="zh-CN" sz="2000" dirty="0">
-                <a:latin typeface="微软雅黑" panose="020B0503020204020204" pitchFamily="34" charset="-122"/>
-                <a:ea typeface="微软雅黑" panose="020B0503020204020204" pitchFamily="34" charset="-122"/>
-              </a:rPr>
-              <a:t> </a:t>
-            </a:r>
-            <a:r>
-              <a:rPr lang="zh-CN" altLang="en-US" sz="2000" dirty="0">
-                <a:latin typeface="微软雅黑" panose="020B0503020204020204" pitchFamily="34" charset="-122"/>
-                <a:ea typeface="微软雅黑" panose="020B0503020204020204" pitchFamily="34" charset="-122"/>
-              </a:rPr>
-              <a:t>的例子</a:t>
-            </a:r>
-            <a:r>
-              <a:rPr lang="en-US" altLang="zh-CN" sz="2000" dirty="0">
-                <a:latin typeface="微软雅黑" panose="020B0503020204020204" pitchFamily="34" charset="-122"/>
-                <a:ea typeface="微软雅黑" panose="020B0503020204020204" pitchFamily="34" charset="-122"/>
-              </a:rPr>
-              <a:t>:</a:t>
-            </a:r>
-          </a:p>
-          <a:p>
-            <a:pPr defTabSz="820738"/>
-            <a:endParaRPr lang="en-US" altLang="zh-CN" sz="2000" dirty="0">
-              <a:latin typeface="微软雅黑" panose="020B0503020204020204" pitchFamily="34" charset="-122"/>
-              <a:ea typeface="微软雅黑" panose="020B0503020204020204" pitchFamily="34" charset="-122"/>
-            </a:endParaRPr>
-          </a:p>
-          <a:p>
-            <a:pPr lvl="1" defTabSz="820738"/>
-            <a:r>
-              <a:rPr lang="en-US" altLang="zh-CN" sz="1600" dirty="0">
-                <a:latin typeface="微软雅黑" panose="020B0503020204020204" pitchFamily="34" charset="-122"/>
-                <a:ea typeface="微软雅黑" panose="020B0503020204020204" pitchFamily="34" charset="-122"/>
-              </a:rPr>
-              <a:t>//</a:t>
-            </a:r>
-            <a:r>
-              <a:rPr lang="zh-CN" altLang="en-US" sz="1600" dirty="0">
-                <a:latin typeface="微软雅黑" panose="020B0503020204020204" pitchFamily="34" charset="-122"/>
-                <a:ea typeface="微软雅黑" panose="020B0503020204020204" pitchFamily="34" charset="-122"/>
-              </a:rPr>
-              <a:t>准备 </a:t>
-            </a:r>
-            <a:r>
-              <a:rPr lang="en-US" altLang="zh-CN" sz="1600" dirty="0">
-                <a:latin typeface="微软雅黑" panose="020B0503020204020204" pitchFamily="34" charset="-122"/>
-                <a:ea typeface="微软雅黑" panose="020B0503020204020204" pitchFamily="34" charset="-122"/>
-              </a:rPr>
-              <a:t>SQL </a:t>
-            </a:r>
-            <a:r>
-              <a:rPr lang="zh-CN" altLang="en-US" sz="1600" dirty="0">
-                <a:latin typeface="微软雅黑" panose="020B0503020204020204" pitchFamily="34" charset="-122"/>
-                <a:ea typeface="微软雅黑" panose="020B0503020204020204" pitchFamily="34" charset="-122"/>
-              </a:rPr>
-              <a:t>参数</a:t>
-            </a:r>
-          </a:p>
-          <a:p>
-            <a:pPr lvl="1" defTabSz="820738"/>
-            <a:r>
-              <a:rPr lang="en-US" altLang="zh-CN" sz="1600" dirty="0">
-                <a:latin typeface="微软雅黑" panose="020B0503020204020204" pitchFamily="34" charset="-122"/>
-                <a:ea typeface="微软雅黑" panose="020B0503020204020204" pitchFamily="34" charset="-122"/>
-              </a:rPr>
-              <a:t>Map&lt;String, Object&gt; </a:t>
-            </a:r>
-            <a:r>
-              <a:rPr lang="en-US" altLang="zh-CN" sz="1600" dirty="0" err="1">
-                <a:latin typeface="微软雅黑" panose="020B0503020204020204" pitchFamily="34" charset="-122"/>
-                <a:ea typeface="微软雅黑" panose="020B0503020204020204" pitchFamily="34" charset="-122"/>
-              </a:rPr>
-              <a:t>sqlParams</a:t>
-            </a:r>
-            <a:r>
-              <a:rPr lang="en-US" altLang="zh-CN" sz="1600" dirty="0">
-                <a:latin typeface="微软雅黑" panose="020B0503020204020204" pitchFamily="34" charset="-122"/>
-                <a:ea typeface="微软雅黑" panose="020B0503020204020204" pitchFamily="34" charset="-122"/>
-              </a:rPr>
-              <a:t> = new </a:t>
-            </a:r>
-            <a:r>
-              <a:rPr lang="en-US" altLang="zh-CN" sz="1600" dirty="0" err="1">
-                <a:latin typeface="微软雅黑" panose="020B0503020204020204" pitchFamily="34" charset="-122"/>
-                <a:ea typeface="微软雅黑" panose="020B0503020204020204" pitchFamily="34" charset="-122"/>
-              </a:rPr>
-              <a:t>HashMap</a:t>
-            </a:r>
-            <a:r>
-              <a:rPr lang="en-US" altLang="zh-CN" sz="1600" dirty="0">
-                <a:latin typeface="微软雅黑" panose="020B0503020204020204" pitchFamily="34" charset="-122"/>
-                <a:ea typeface="微软雅黑" panose="020B0503020204020204" pitchFamily="34" charset="-122"/>
-              </a:rPr>
-              <a:t>&lt;&gt;();</a:t>
-            </a:r>
-          </a:p>
-          <a:p>
-            <a:pPr lvl="1" defTabSz="820738"/>
-            <a:r>
-              <a:rPr lang="en-US" altLang="zh-CN" sz="1600" dirty="0" err="1">
-                <a:latin typeface="微软雅黑" panose="020B0503020204020204" pitchFamily="34" charset="-122"/>
-                <a:ea typeface="微软雅黑" panose="020B0503020204020204" pitchFamily="34" charset="-122"/>
-              </a:rPr>
-              <a:t>sqlParams.put</a:t>
-            </a:r>
-            <a:r>
-              <a:rPr lang="en-US" altLang="zh-CN" sz="1600" dirty="0">
-                <a:latin typeface="微软雅黑" panose="020B0503020204020204" pitchFamily="34" charset="-122"/>
-                <a:ea typeface="微软雅黑" panose="020B0503020204020204" pitchFamily="34" charset="-122"/>
-              </a:rPr>
-              <a:t>("</a:t>
-            </a:r>
-            <a:r>
-              <a:rPr lang="en-US" altLang="zh-CN" sz="1600" dirty="0" err="1">
-                <a:latin typeface="微软雅黑" panose="020B0503020204020204" pitchFamily="34" charset="-122"/>
-                <a:ea typeface="微软雅黑" panose="020B0503020204020204" pitchFamily="34" charset="-122"/>
-              </a:rPr>
-              <a:t>hospitalId</a:t>
-            </a:r>
-            <a:r>
-              <a:rPr lang="en-US" altLang="zh-CN" sz="1600" dirty="0">
-                <a:latin typeface="微软雅黑" panose="020B0503020204020204" pitchFamily="34" charset="-122"/>
-                <a:ea typeface="微软雅黑" panose="020B0503020204020204" pitchFamily="34" charset="-122"/>
-              </a:rPr>
-              <a:t>", 1);</a:t>
-            </a:r>
-          </a:p>
-          <a:p>
-            <a:pPr lvl="1" defTabSz="820738"/>
-            <a:r>
-              <a:rPr lang="en-US" altLang="zh-CN" sz="1600" dirty="0" err="1">
-                <a:latin typeface="微软雅黑" panose="020B0503020204020204" pitchFamily="34" charset="-122"/>
-                <a:ea typeface="微软雅黑" panose="020B0503020204020204" pitchFamily="34" charset="-122"/>
-              </a:rPr>
-              <a:t>sqlParams.put</a:t>
-            </a:r>
-            <a:r>
-              <a:rPr lang="en-US" altLang="zh-CN" sz="1600" dirty="0">
-                <a:latin typeface="微软雅黑" panose="020B0503020204020204" pitchFamily="34" charset="-122"/>
-                <a:ea typeface="微软雅黑" panose="020B0503020204020204" pitchFamily="34" charset="-122"/>
-              </a:rPr>
-              <a:t>("</a:t>
-            </a:r>
-            <a:r>
-              <a:rPr lang="en-US" altLang="zh-CN" sz="1600" dirty="0" err="1">
-                <a:latin typeface="微软雅黑" panose="020B0503020204020204" pitchFamily="34" charset="-122"/>
-                <a:ea typeface="微软雅黑" panose="020B0503020204020204" pitchFamily="34" charset="-122"/>
-              </a:rPr>
-              <a:t>assetName</a:t>
-            </a:r>
-            <a:r>
-              <a:rPr lang="en-US" altLang="zh-CN" sz="1600" dirty="0">
-                <a:latin typeface="微软雅黑" panose="020B0503020204020204" pitchFamily="34" charset="-122"/>
-                <a:ea typeface="微软雅黑" panose="020B0503020204020204" pitchFamily="34" charset="-122"/>
-              </a:rPr>
-              <a:t>", "%CT%");</a:t>
-            </a:r>
-          </a:p>
-          <a:p>
-            <a:pPr lvl="1" defTabSz="820738"/>
-            <a:endParaRPr lang="en-US" altLang="zh-CN" sz="1600" dirty="0">
-              <a:latin typeface="微软雅黑" panose="020B0503020204020204" pitchFamily="34" charset="-122"/>
-              <a:ea typeface="微软雅黑" panose="020B0503020204020204" pitchFamily="34" charset="-122"/>
-            </a:endParaRPr>
-          </a:p>
-          <a:p>
-            <a:pPr lvl="1" defTabSz="820738"/>
-            <a:r>
-              <a:rPr lang="en-US" altLang="zh-CN" sz="1600" dirty="0">
-                <a:latin typeface="微软雅黑" panose="020B0503020204020204" pitchFamily="34" charset="-122"/>
-                <a:ea typeface="微软雅黑" panose="020B0503020204020204" pitchFamily="34" charset="-122"/>
-              </a:rPr>
-              <a:t>//</a:t>
-            </a:r>
-            <a:r>
-              <a:rPr lang="zh-CN" altLang="en-US" sz="1600" dirty="0">
-                <a:latin typeface="微软雅黑" panose="020B0503020204020204" pitchFamily="34" charset="-122"/>
-                <a:ea typeface="微软雅黑" panose="020B0503020204020204" pitchFamily="34" charset="-122"/>
-              </a:rPr>
-              <a:t>执行 </a:t>
-            </a:r>
-            <a:r>
-              <a:rPr lang="en-US" altLang="zh-CN" sz="1600" dirty="0">
-                <a:latin typeface="微软雅黑" panose="020B0503020204020204" pitchFamily="34" charset="-122"/>
-                <a:ea typeface="微软雅黑" panose="020B0503020204020204" pitchFamily="34" charset="-122"/>
-              </a:rPr>
-              <a:t>SQL</a:t>
-            </a:r>
-          </a:p>
-          <a:p>
-            <a:pPr lvl="1" defTabSz="820738"/>
-            <a:r>
-              <a:rPr lang="en-US" altLang="zh-CN" sz="1600" dirty="0">
-                <a:latin typeface="微软雅黑" panose="020B0503020204020204" pitchFamily="34" charset="-122"/>
-                <a:ea typeface="微软雅黑" panose="020B0503020204020204" pitchFamily="34" charset="-122"/>
-              </a:rPr>
-              <a:t>List&lt;Map&lt;String, Object&gt;&gt; result = </a:t>
-            </a:r>
-            <a:r>
-              <a:rPr lang="en-US" altLang="zh-CN" sz="1600" dirty="0" err="1">
-                <a:latin typeface="微软雅黑" panose="020B0503020204020204" pitchFamily="34" charset="-122"/>
-                <a:ea typeface="微软雅黑" panose="020B0503020204020204" pitchFamily="34" charset="-122"/>
-              </a:rPr>
-              <a:t>NativeSqlUtil.queryForList</a:t>
-            </a:r>
-            <a:r>
-              <a:rPr lang="en-US" altLang="zh-CN" sz="1600" dirty="0">
-                <a:latin typeface="微软雅黑" panose="020B0503020204020204" pitchFamily="34" charset="-122"/>
-                <a:ea typeface="微软雅黑" panose="020B0503020204020204" pitchFamily="34" charset="-122"/>
-              </a:rPr>
-              <a:t>("select * from </a:t>
-            </a:r>
-            <a:r>
-              <a:rPr lang="en-US" altLang="zh-CN" sz="1600" dirty="0" err="1">
-                <a:latin typeface="微软雅黑" panose="020B0503020204020204" pitchFamily="34" charset="-122"/>
-                <a:ea typeface="微软雅黑" panose="020B0503020204020204" pitchFamily="34" charset="-122"/>
-              </a:rPr>
-              <a:t>asset_info</a:t>
-            </a:r>
-            <a:r>
-              <a:rPr lang="en-US" altLang="zh-CN" sz="1600" dirty="0">
-                <a:latin typeface="微软雅黑" panose="020B0503020204020204" pitchFamily="34" charset="-122"/>
-                <a:ea typeface="微软雅黑" panose="020B0503020204020204" pitchFamily="34" charset="-122"/>
-              </a:rPr>
-              <a:t> where </a:t>
-            </a:r>
-            <a:r>
-              <a:rPr lang="en-US" altLang="zh-CN" sz="1600" dirty="0" err="1">
-                <a:latin typeface="微软雅黑" panose="020B0503020204020204" pitchFamily="34" charset="-122"/>
-                <a:ea typeface="微软雅黑" panose="020B0503020204020204" pitchFamily="34" charset="-122"/>
-              </a:rPr>
-              <a:t>hospital_id</a:t>
-            </a:r>
-            <a:r>
-              <a:rPr lang="en-US" altLang="zh-CN" sz="1600" dirty="0">
-                <a:latin typeface="微软雅黑" panose="020B0503020204020204" pitchFamily="34" charset="-122"/>
-                <a:ea typeface="微软雅黑" panose="020B0503020204020204" pitchFamily="34" charset="-122"/>
-              </a:rPr>
-              <a:t>=:#</a:t>
-            </a:r>
-            <a:r>
-              <a:rPr lang="en-US" altLang="zh-CN" sz="1600" dirty="0" err="1">
-                <a:latin typeface="微软雅黑" panose="020B0503020204020204" pitchFamily="34" charset="-122"/>
-                <a:ea typeface="微软雅黑" panose="020B0503020204020204" pitchFamily="34" charset="-122"/>
-              </a:rPr>
-              <a:t>hospitalId</a:t>
-            </a:r>
-            <a:r>
-              <a:rPr lang="en-US" altLang="zh-CN" sz="1600" dirty="0">
-                <a:latin typeface="微软雅黑" panose="020B0503020204020204" pitchFamily="34" charset="-122"/>
-                <a:ea typeface="微软雅黑" panose="020B0503020204020204" pitchFamily="34" charset="-122"/>
-              </a:rPr>
-              <a:t> and name like :#</a:t>
-            </a:r>
-            <a:r>
-              <a:rPr lang="en-US" altLang="zh-CN" sz="1600" dirty="0" err="1">
-                <a:latin typeface="微软雅黑" panose="020B0503020204020204" pitchFamily="34" charset="-122"/>
-                <a:ea typeface="微软雅黑" panose="020B0503020204020204" pitchFamily="34" charset="-122"/>
-              </a:rPr>
-              <a:t>assetName</a:t>
-            </a:r>
-            <a:r>
-              <a:rPr lang="en-US" altLang="zh-CN" sz="1600" dirty="0">
-                <a:latin typeface="微软雅黑" panose="020B0503020204020204" pitchFamily="34" charset="-122"/>
-                <a:ea typeface="微软雅黑" panose="020B0503020204020204" pitchFamily="34" charset="-122"/>
-              </a:rPr>
-              <a:t>", </a:t>
-            </a:r>
-            <a:r>
-              <a:rPr lang="en-US" altLang="zh-CN" sz="1600" dirty="0" err="1">
-                <a:latin typeface="微软雅黑" panose="020B0503020204020204" pitchFamily="34" charset="-122"/>
-                <a:ea typeface="微软雅黑" panose="020B0503020204020204" pitchFamily="34" charset="-122"/>
-              </a:rPr>
-              <a:t>sqlParams</a:t>
-            </a:r>
-            <a:r>
-              <a:rPr lang="en-US" altLang="zh-CN" sz="1600" dirty="0">
-                <a:latin typeface="微软雅黑" panose="020B0503020204020204" pitchFamily="34" charset="-122"/>
-                <a:ea typeface="微软雅黑" panose="020B0503020204020204" pitchFamily="34" charset="-122"/>
-              </a:rPr>
-              <a:t>);</a:t>
-            </a:r>
-          </a:p>
-          <a:p>
-            <a:pPr lvl="1" defTabSz="820738"/>
-            <a:endParaRPr lang="en-US" altLang="zh-CN" sz="1600" dirty="0">
-              <a:latin typeface="微软雅黑" panose="020B0503020204020204" pitchFamily="34" charset="-122"/>
-              <a:ea typeface="微软雅黑" panose="020B0503020204020204" pitchFamily="34" charset="-122"/>
-            </a:endParaRPr>
-          </a:p>
-          <a:p>
-            <a:pPr lvl="1" defTabSz="820738"/>
-            <a:r>
-              <a:rPr lang="en-US" altLang="zh-CN" sz="1600" dirty="0">
-                <a:latin typeface="微软雅黑" panose="020B0503020204020204" pitchFamily="34" charset="-122"/>
-                <a:ea typeface="微软雅黑" panose="020B0503020204020204" pitchFamily="34" charset="-122"/>
-              </a:rPr>
-              <a:t>//</a:t>
-            </a:r>
-            <a:r>
-              <a:rPr lang="zh-CN" altLang="en-US" sz="1600" dirty="0">
-                <a:latin typeface="微软雅黑" panose="020B0503020204020204" pitchFamily="34" charset="-122"/>
-                <a:ea typeface="微软雅黑" panose="020B0503020204020204" pitchFamily="34" charset="-122"/>
-              </a:rPr>
-              <a:t>取第一行记录的资产名称字段</a:t>
-            </a:r>
-          </a:p>
-          <a:p>
-            <a:pPr lvl="1" defTabSz="820738"/>
-            <a:r>
-              <a:rPr lang="en-US" altLang="zh-CN" sz="1600" dirty="0">
-                <a:latin typeface="微软雅黑" panose="020B0503020204020204" pitchFamily="34" charset="-122"/>
-                <a:ea typeface="微软雅黑" panose="020B0503020204020204" pitchFamily="34" charset="-122"/>
-              </a:rPr>
-              <a:t>String </a:t>
-            </a:r>
-            <a:r>
-              <a:rPr lang="en-US" altLang="zh-CN" sz="1600" dirty="0" err="1">
-                <a:latin typeface="微软雅黑" panose="020B0503020204020204" pitchFamily="34" charset="-122"/>
-                <a:ea typeface="微软雅黑" panose="020B0503020204020204" pitchFamily="34" charset="-122"/>
-              </a:rPr>
-              <a:t>assetName</a:t>
-            </a:r>
-            <a:r>
-              <a:rPr lang="en-US" altLang="zh-CN" sz="1600" dirty="0">
-                <a:latin typeface="微软雅黑" panose="020B0503020204020204" pitchFamily="34" charset="-122"/>
-                <a:ea typeface="微软雅黑" panose="020B0503020204020204" pitchFamily="34" charset="-122"/>
-              </a:rPr>
-              <a:t> = </a:t>
-            </a:r>
-            <a:r>
-              <a:rPr lang="en-US" altLang="zh-CN" sz="1600" dirty="0" err="1">
-                <a:latin typeface="微软雅黑" panose="020B0503020204020204" pitchFamily="34" charset="-122"/>
-                <a:ea typeface="微软雅黑" panose="020B0503020204020204" pitchFamily="34" charset="-122"/>
-              </a:rPr>
-              <a:t>result.get</a:t>
-            </a:r>
-            <a:r>
-              <a:rPr lang="en-US" altLang="zh-CN" sz="1600" dirty="0">
-                <a:latin typeface="微软雅黑" panose="020B0503020204020204" pitchFamily="34" charset="-122"/>
-                <a:ea typeface="微软雅黑" panose="020B0503020204020204" pitchFamily="34" charset="-122"/>
-              </a:rPr>
-              <a:t>(0).get("name").</a:t>
-            </a:r>
-            <a:r>
-              <a:rPr lang="en-US" altLang="zh-CN" sz="1600" dirty="0" err="1">
-                <a:latin typeface="微软雅黑" panose="020B0503020204020204" pitchFamily="34" charset="-122"/>
-                <a:ea typeface="微软雅黑" panose="020B0503020204020204" pitchFamily="34" charset="-122"/>
-              </a:rPr>
-              <a:t>toString</a:t>
-            </a:r>
-            <a:r>
-              <a:rPr lang="en-US" altLang="zh-CN" sz="1600" dirty="0">
-                <a:latin typeface="微软雅黑" panose="020B0503020204020204" pitchFamily="34" charset="-122"/>
-                <a:ea typeface="微软雅黑" panose="020B0503020204020204" pitchFamily="34" charset="-122"/>
-              </a:rPr>
-              <a:t>();</a:t>
-            </a:r>
-          </a:p>
-          <a:p>
-            <a:pPr defTabSz="820738"/>
-            <a:endParaRPr lang="en-US" altLang="zh-CN" sz="2000" dirty="0">
-              <a:latin typeface="微软雅黑" panose="020B0503020204020204" pitchFamily="34" charset="-122"/>
-              <a:ea typeface="微软雅黑" panose="020B0503020204020204" pitchFamily="34" charset="-122"/>
-            </a:endParaRPr>
-          </a:p>
-          <a:p>
-            <a:pPr defTabSz="820738"/>
-            <a:r>
-              <a:rPr lang="en-US" altLang="zh-CN" sz="2000" dirty="0">
-                <a:latin typeface="微软雅黑" panose="020B0503020204020204" pitchFamily="34" charset="-122"/>
-                <a:ea typeface="微软雅黑" panose="020B0503020204020204" pitchFamily="34" charset="-122"/>
-              </a:rPr>
-              <a:t>SQL</a:t>
-            </a:r>
-            <a:r>
-              <a:rPr lang="zh-CN" altLang="en-US" sz="2000" dirty="0">
-                <a:latin typeface="微软雅黑" panose="020B0503020204020204" pitchFamily="34" charset="-122"/>
-                <a:ea typeface="微软雅黑" panose="020B0503020204020204" pitchFamily="34" charset="-122"/>
-              </a:rPr>
-              <a:t>语句中的参数名称必须要使用前缀 </a:t>
-            </a:r>
-            <a:r>
-              <a:rPr lang="en-US" altLang="zh-CN" sz="2000" dirty="0">
-                <a:solidFill>
-                  <a:srgbClr val="FF0000"/>
-                </a:solidFill>
-                <a:highlight>
-                  <a:srgbClr val="FFFF00"/>
-                </a:highlight>
-                <a:latin typeface="微软雅黑" panose="020B0503020204020204" pitchFamily="34" charset="-122"/>
-                <a:ea typeface="微软雅黑" panose="020B0503020204020204" pitchFamily="34" charset="-122"/>
-              </a:rPr>
-              <a:t>:#</a:t>
-            </a:r>
-            <a:r>
-              <a:rPr lang="en-US" altLang="zh-CN" sz="2000" dirty="0">
-                <a:latin typeface="微软雅黑" panose="020B0503020204020204" pitchFamily="34" charset="-122"/>
-                <a:ea typeface="微软雅黑" panose="020B0503020204020204" pitchFamily="34" charset="-122"/>
-              </a:rPr>
-              <a:t>, </a:t>
-            </a:r>
-            <a:r>
-              <a:rPr lang="zh-CN" altLang="en-US" sz="2000" dirty="0">
-                <a:latin typeface="微软雅黑" panose="020B0503020204020204" pitchFamily="34" charset="-122"/>
-                <a:ea typeface="微软雅黑" panose="020B0503020204020204" pitchFamily="34" charset="-122"/>
-              </a:rPr>
-              <a:t>比如上面的参数 </a:t>
-            </a:r>
-            <a:r>
-              <a:rPr lang="en-US" altLang="zh-CN" sz="2000" dirty="0">
-                <a:latin typeface="微软雅黑" panose="020B0503020204020204" pitchFamily="34" charset="-122"/>
-                <a:ea typeface="微软雅黑" panose="020B0503020204020204" pitchFamily="34" charset="-122"/>
-              </a:rPr>
-              <a:t>:#</a:t>
-            </a:r>
-            <a:r>
-              <a:rPr lang="en-US" altLang="zh-CN" sz="2000" dirty="0" err="1">
-                <a:latin typeface="微软雅黑" panose="020B0503020204020204" pitchFamily="34" charset="-122"/>
-                <a:ea typeface="微软雅黑" panose="020B0503020204020204" pitchFamily="34" charset="-122"/>
-              </a:rPr>
-              <a:t>hospitalId</a:t>
-            </a:r>
-            <a:r>
-              <a:rPr lang="en-US" altLang="zh-CN" sz="2000" dirty="0">
-                <a:latin typeface="微软雅黑" panose="020B0503020204020204" pitchFamily="34" charset="-122"/>
-                <a:ea typeface="微软雅黑" panose="020B0503020204020204" pitchFamily="34" charset="-122"/>
-              </a:rPr>
-              <a:t> </a:t>
-            </a:r>
-            <a:r>
-              <a:rPr lang="zh-CN" altLang="en-US" sz="2000" dirty="0">
-                <a:latin typeface="微软雅黑" panose="020B0503020204020204" pitchFamily="34" charset="-122"/>
-                <a:ea typeface="微软雅黑" panose="020B0503020204020204" pitchFamily="34" charset="-122"/>
-              </a:rPr>
-              <a:t>和 </a:t>
-            </a:r>
-            <a:r>
-              <a:rPr lang="en-US" altLang="zh-CN" sz="2000" dirty="0">
-                <a:latin typeface="微软雅黑" panose="020B0503020204020204" pitchFamily="34" charset="-122"/>
-                <a:ea typeface="微软雅黑" panose="020B0503020204020204" pitchFamily="34" charset="-122"/>
-              </a:rPr>
-              <a:t>:#</a:t>
-            </a:r>
-            <a:r>
-              <a:rPr lang="en-US" altLang="zh-CN" sz="2000" dirty="0" err="1">
-                <a:latin typeface="微软雅黑" panose="020B0503020204020204" pitchFamily="34" charset="-122"/>
-                <a:ea typeface="微软雅黑" panose="020B0503020204020204" pitchFamily="34" charset="-122"/>
-              </a:rPr>
-              <a:t>assetName</a:t>
-            </a:r>
-            <a:endParaRPr lang="en-US" altLang="zh-CN" sz="2000" dirty="0">
-              <a:latin typeface="微软雅黑" panose="020B0503020204020204" pitchFamily="34" charset="-122"/>
-              <a:ea typeface="微软雅黑" panose="020B0503020204020204" pitchFamily="34" charset="-122"/>
-            </a:endParaRPr>
-          </a:p>
-          <a:p>
-            <a:pPr defTabSz="820738"/>
-            <a:endParaRPr lang="en-US" altLang="zh-CN" sz="1600" dirty="0">
-              <a:latin typeface="微软雅黑" panose="020B0503020204020204" pitchFamily="34" charset="-122"/>
-              <a:ea typeface="微软雅黑" panose="020B0503020204020204" pitchFamily="34" charset="-122"/>
-            </a:endParaRPr>
+              <a:rPr lang="en-US" altLang="zh-CN" sz="2400" dirty="0" err="1"/>
+              <a:t>com.ge.apm.domain</a:t>
+            </a:r>
+            <a:r>
+              <a:rPr lang="en-US" altLang="zh-CN" sz="2400" dirty="0"/>
+              <a:t>:  entity objects</a:t>
+            </a:r>
+          </a:p>
+          <a:p>
+            <a:pPr marL="342900" indent="-342900">
+              <a:buFont typeface="Arial" panose="020B0604020202020204" pitchFamily="34" charset="0"/>
+              <a:buChar char="•"/>
+            </a:pPr>
+            <a:r>
+              <a:rPr lang="en-US" altLang="zh-CN" sz="2400" dirty="0" err="1"/>
+              <a:t>com.ge.apm.dao</a:t>
+            </a:r>
+            <a:r>
+              <a:rPr lang="en-US" altLang="zh-CN" sz="2400" dirty="0"/>
+              <a:t>:  data access objects</a:t>
+            </a:r>
+          </a:p>
+          <a:p>
+            <a:pPr marL="342900" indent="-342900">
+              <a:buFont typeface="Arial" panose="020B0604020202020204" pitchFamily="34" charset="0"/>
+              <a:buChar char="•"/>
+            </a:pPr>
+            <a:r>
+              <a:rPr lang="en-US" altLang="zh-CN" sz="2400" dirty="0" err="1"/>
+              <a:t>com.ge.apm.service</a:t>
+            </a:r>
+            <a:r>
+              <a:rPr lang="en-US" altLang="zh-CN" sz="2400" dirty="0"/>
+              <a:t>:  business logic beans</a:t>
+            </a:r>
+          </a:p>
+          <a:p>
+            <a:pPr marL="342900" indent="-342900">
+              <a:buFont typeface="Arial" panose="020B0604020202020204" pitchFamily="34" charset="0"/>
+              <a:buChar char="•"/>
+            </a:pPr>
+            <a:r>
+              <a:rPr lang="en-US" altLang="zh-CN" sz="2400" dirty="0" err="1"/>
+              <a:t>com.ge.apm.view</a:t>
+            </a:r>
+            <a:r>
+              <a:rPr lang="en-US" altLang="zh-CN" sz="2400" dirty="0"/>
+              <a:t>:  JSF managed beans</a:t>
+            </a:r>
+          </a:p>
+          <a:p>
+            <a:pPr marL="342900" indent="-342900">
+              <a:buFont typeface="Arial" panose="020B0604020202020204" pitchFamily="34" charset="0"/>
+              <a:buChar char="•"/>
+            </a:pPr>
+            <a:r>
+              <a:rPr lang="en-US" altLang="zh-CN" sz="2400" dirty="0" err="1"/>
+              <a:t>com.ge.apm.web</a:t>
+            </a:r>
+            <a:r>
+              <a:rPr lang="en-US" altLang="zh-CN" sz="2400" dirty="0"/>
+              <a:t>:  Spring MVC controllers</a:t>
+            </a:r>
+          </a:p>
+          <a:p>
+            <a:pPr marL="342900" indent="-342900">
+              <a:buFont typeface="Arial" panose="020B0604020202020204" pitchFamily="34" charset="0"/>
+              <a:buChar char="•"/>
+            </a:pPr>
+            <a:endParaRPr lang="en-US" altLang="zh-CN" sz="2400" dirty="0"/>
+          </a:p>
+          <a:p>
+            <a:r>
+              <a:rPr lang="en-US" altLang="zh-CN" sz="2400" dirty="0">
+                <a:solidFill>
+                  <a:schemeClr val="accent1"/>
+                </a:solidFill>
+              </a:rPr>
+              <a:t>Web App folders</a:t>
+            </a:r>
+          </a:p>
+          <a:p>
+            <a:pPr marL="342900" indent="-342900">
+              <a:buFont typeface="Arial" panose="020B0604020202020204" pitchFamily="34" charset="0"/>
+              <a:buChar char="•"/>
+            </a:pPr>
+            <a:r>
+              <a:rPr lang="en-US" altLang="zh-CN" sz="2400" dirty="0"/>
+              <a:t>resources: resource files( </a:t>
+            </a:r>
+            <a:r>
+              <a:rPr lang="en-US" altLang="zh-CN" sz="2400" dirty="0" err="1"/>
+              <a:t>js</a:t>
+            </a:r>
+            <a:r>
+              <a:rPr lang="en-US" altLang="zh-CN" sz="2400" dirty="0"/>
+              <a:t>/</a:t>
+            </a:r>
+            <a:r>
+              <a:rPr lang="en-US" altLang="zh-CN" sz="2400" dirty="0" err="1"/>
+              <a:t>css</a:t>
+            </a:r>
+            <a:r>
+              <a:rPr lang="en-US" altLang="zh-CN" sz="2400" dirty="0"/>
+              <a:t>/icon/</a:t>
+            </a:r>
+            <a:r>
+              <a:rPr lang="en-US" altLang="zh-CN" sz="2400" dirty="0" err="1"/>
+              <a:t>img</a:t>
+            </a:r>
+            <a:r>
+              <a:rPr lang="en-US" altLang="zh-CN" sz="2400" dirty="0"/>
+              <a:t>, etc.)</a:t>
+            </a:r>
           </a:p>
         </p:txBody>
       </p:sp>
     </p:spTree>
     <p:extLst>
       <p:ext uri="{BB962C8B-B14F-4D97-AF65-F5344CB8AC3E}">
-        <p14:creationId xmlns:p14="http://schemas.microsoft.com/office/powerpoint/2010/main" val="527787828"/>
+        <p14:creationId xmlns:p14="http://schemas.microsoft.com/office/powerpoint/2010/main" val="190351268"/>
       </p:ext>
     </p:extLst>
   </p:cSld>
@@ -32375,7 +32541,7 @@
 </p:sld>
 </file>
 
-<file path=ppt/slides/slide3.xml><?xml version="1.0" encoding="utf-8"?>
+<file path=ppt/slides/slide30.xml><?xml version="1.0" encoding="utf-8"?>
 <p:sld xmlns:a="http://schemas.openxmlformats.org/drawingml/2006/main" xmlns:r="http://schemas.openxmlformats.org/officeDocument/2006/relationships" xmlns:p="http://schemas.openxmlformats.org/presentationml/2006/main">
   <p:cSld>
     <p:spTree>
@@ -32508,7 +32674,11 @@
           <a:p>
             <a:r>
               <a:rPr lang="en-US" sz="2800" dirty="0"/>
-              <a:t>Project Code Structure</a:t>
+              <a:t>Native SQL </a:t>
+            </a:r>
+            <a:r>
+              <a:rPr lang="en-US" sz="2800" dirty="0" err="1"/>
+              <a:t>Utils</a:t>
             </a:r>
             <a:endParaRPr lang="en-US" sz="2000" dirty="0">
               <a:latin typeface="GE汉仪中圆简" panose="02010600000101010101" pitchFamily="2" charset="-122"/>
@@ -32527,8 +32697,8 @@
         </p:nvSpPr>
         <p:spPr bwMode="auto">
           <a:xfrm>
-            <a:off x="1250898" y="1362075"/>
-            <a:ext cx="10591331" cy="3376069"/>
+            <a:off x="1250899" y="1362075"/>
+            <a:ext cx="9961052" cy="4976507"/>
           </a:xfrm>
           <a:prstGeom prst="rect">
             <a:avLst/>
@@ -32573,145 +32743,544 @@
           </a:bodyPr>
           <a:lstStyle/>
           <a:p>
+            <a:pPr defTabSz="820738">
+              <a:buFont typeface="Wingdings" pitchFamily="2" charset="2"/>
+              <a:buChar char="ü"/>
+            </a:pPr>
+            <a:r>
+              <a:rPr lang="zh-CN" altLang="en-US" sz="2000" b="1" dirty="0">
+                <a:latin typeface="微软雅黑" panose="020B0503020204020204" pitchFamily="34" charset="-122"/>
+                <a:ea typeface="微软雅黑" panose="020B0503020204020204" pitchFamily="34" charset="-122"/>
+              </a:rPr>
+              <a:t>做报表的时候，可能使用 </a:t>
+            </a:r>
+            <a:r>
+              <a:rPr lang="en-US" altLang="zh-CN" sz="2000" b="1" dirty="0" err="1">
+                <a:latin typeface="微软雅黑" panose="020B0503020204020204" pitchFamily="34" charset="-122"/>
+                <a:ea typeface="微软雅黑" panose="020B0503020204020204" pitchFamily="34" charset="-122"/>
+              </a:rPr>
+              <a:t>NativeSQL</a:t>
+            </a:r>
+            <a:r>
+              <a:rPr lang="en-US" altLang="zh-CN" sz="2000" b="1" dirty="0">
+                <a:latin typeface="微软雅黑" panose="020B0503020204020204" pitchFamily="34" charset="-122"/>
+                <a:ea typeface="微软雅黑" panose="020B0503020204020204" pitchFamily="34" charset="-122"/>
+              </a:rPr>
+              <a:t> </a:t>
+            </a:r>
+            <a:r>
+              <a:rPr lang="zh-CN" altLang="en-US" sz="2000" b="1" dirty="0">
+                <a:latin typeface="微软雅黑" panose="020B0503020204020204" pitchFamily="34" charset="-122"/>
+                <a:ea typeface="微软雅黑" panose="020B0503020204020204" pitchFamily="34" charset="-122"/>
+              </a:rPr>
+              <a:t>比</a:t>
+            </a:r>
+            <a:r>
+              <a:rPr lang="en-US" altLang="zh-CN" sz="2000" b="1" dirty="0">
+                <a:latin typeface="微软雅黑" panose="020B0503020204020204" pitchFamily="34" charset="-122"/>
+                <a:ea typeface="微软雅黑" panose="020B0503020204020204" pitchFamily="34" charset="-122"/>
+              </a:rPr>
+              <a:t>JPA</a:t>
+            </a:r>
+            <a:r>
+              <a:rPr lang="zh-CN" altLang="en-US" sz="2000" b="1" dirty="0">
+                <a:latin typeface="微软雅黑" panose="020B0503020204020204" pitchFamily="34" charset="-122"/>
+                <a:ea typeface="微软雅黑" panose="020B0503020204020204" pitchFamily="34" charset="-122"/>
+              </a:rPr>
+              <a:t>更方便</a:t>
+            </a:r>
+            <a:endParaRPr lang="en-US" altLang="zh-CN" sz="2000" b="1" dirty="0">
+              <a:latin typeface="微软雅黑" panose="020B0503020204020204" pitchFamily="34" charset="-122"/>
+              <a:ea typeface="微软雅黑" panose="020B0503020204020204" pitchFamily="34" charset="-122"/>
+            </a:endParaRPr>
+          </a:p>
+          <a:p>
             <a:pPr defTabSz="820738"/>
             <a:r>
-              <a:rPr lang="en-US" altLang="zh-CN" sz="2200" b="1" dirty="0">
-                <a:solidFill>
-                  <a:schemeClr val="accent1"/>
-                </a:solidFill>
+              <a:rPr lang="zh-CN" altLang="en-US" sz="2000" dirty="0">
                 <a:latin typeface="微软雅黑" panose="020B0503020204020204" pitchFamily="34" charset="-122"/>
                 <a:ea typeface="微软雅黑" panose="020B0503020204020204" pitchFamily="34" charset="-122"/>
               </a:rPr>
-              <a:t>Java packages</a:t>
-            </a:r>
-          </a:p>
-          <a:p>
-            <a:pPr marL="342900" indent="-342900">
-              <a:buFont typeface="Arial" panose="020B0604020202020204" pitchFamily="34" charset="0"/>
-              <a:buChar char="•"/>
-            </a:pPr>
-            <a:r>
-              <a:rPr lang="en-US" altLang="zh-CN" sz="2400" dirty="0" err="1"/>
-              <a:t>com.ge.apm.domain</a:t>
-            </a:r>
-            <a:r>
-              <a:rPr lang="en-US" altLang="zh-CN" sz="2400" dirty="0"/>
-              <a:t>:  entity objects</a:t>
-            </a:r>
-          </a:p>
-          <a:p>
-            <a:pPr marL="342900" indent="-342900">
-              <a:buFont typeface="Arial" panose="020B0604020202020204" pitchFamily="34" charset="0"/>
-              <a:buChar char="•"/>
-            </a:pPr>
-            <a:r>
-              <a:rPr lang="en-US" altLang="zh-CN" sz="2400" dirty="0" err="1"/>
-              <a:t>com.ge.apm.dao</a:t>
-            </a:r>
-            <a:r>
-              <a:rPr lang="en-US" altLang="zh-CN" sz="2400" dirty="0"/>
-              <a:t>:  data access objects</a:t>
-            </a:r>
-          </a:p>
-          <a:p>
-            <a:pPr marL="342900" indent="-342900">
-              <a:buFont typeface="Arial" panose="020B0604020202020204" pitchFamily="34" charset="0"/>
-              <a:buChar char="•"/>
-            </a:pPr>
-            <a:r>
-              <a:rPr lang="en-US" altLang="zh-CN" sz="2400" dirty="0" err="1"/>
-              <a:t>com.ge.apm.service</a:t>
-            </a:r>
-            <a:r>
-              <a:rPr lang="en-US" altLang="zh-CN" sz="2400" dirty="0"/>
-              <a:t>:  business logic beans</a:t>
-            </a:r>
-          </a:p>
-          <a:p>
-            <a:pPr marL="342900" indent="-342900">
-              <a:buFont typeface="Arial" panose="020B0604020202020204" pitchFamily="34" charset="0"/>
-              <a:buChar char="•"/>
-            </a:pPr>
-            <a:r>
-              <a:rPr lang="en-US" altLang="zh-CN" sz="2400" dirty="0" err="1"/>
-              <a:t>com.ge.apm.view</a:t>
-            </a:r>
-            <a:r>
-              <a:rPr lang="en-US" altLang="zh-CN" sz="2400" dirty="0"/>
-              <a:t>:  JSF managed beans</a:t>
-            </a:r>
-          </a:p>
-          <a:p>
-            <a:pPr marL="342900" indent="-342900">
-              <a:buFont typeface="Arial" panose="020B0604020202020204" pitchFamily="34" charset="0"/>
-              <a:buChar char="•"/>
-            </a:pPr>
-            <a:r>
-              <a:rPr lang="en-US" altLang="zh-CN" sz="2400" dirty="0" err="1"/>
-              <a:t>com.ge.apm.web</a:t>
-            </a:r>
-            <a:r>
-              <a:rPr lang="en-US" altLang="zh-CN" sz="2400" dirty="0"/>
-              <a:t>:  Spring MVC controllers</a:t>
-            </a:r>
-          </a:p>
-          <a:p>
-            <a:pPr marL="342900" indent="-342900">
-              <a:buFont typeface="Arial" panose="020B0604020202020204" pitchFamily="34" charset="0"/>
-              <a:buChar char="•"/>
-            </a:pPr>
-            <a:endParaRPr lang="en-US" altLang="zh-CN" sz="2400" dirty="0"/>
-          </a:p>
-          <a:p>
-            <a:r>
-              <a:rPr lang="en-US" altLang="zh-CN" sz="2400" dirty="0">
-                <a:solidFill>
-                  <a:schemeClr val="accent1"/>
-                </a:solidFill>
-              </a:rPr>
-              <a:t>Web App folders</a:t>
-            </a:r>
-          </a:p>
-          <a:p>
-            <a:pPr marL="342900" indent="-342900">
-              <a:buFont typeface="Arial" panose="020B0604020202020204" pitchFamily="34" charset="0"/>
-              <a:buChar char="•"/>
-            </a:pPr>
-            <a:r>
-              <a:rPr lang="en-US" altLang="zh-CN" sz="2400" dirty="0"/>
-              <a:t>resources: resource files( </a:t>
-            </a:r>
-            <a:r>
-              <a:rPr lang="en-US" altLang="zh-CN" sz="2400" dirty="0" err="1"/>
-              <a:t>js</a:t>
-            </a:r>
-            <a:r>
-              <a:rPr lang="en-US" altLang="zh-CN" sz="2400" dirty="0"/>
-              <a:t>/</a:t>
-            </a:r>
-            <a:r>
-              <a:rPr lang="en-US" altLang="zh-CN" sz="2400" dirty="0" err="1"/>
-              <a:t>css</a:t>
-            </a:r>
-            <a:r>
-              <a:rPr lang="en-US" altLang="zh-CN" sz="2400" dirty="0"/>
-              <a:t>/icon/</a:t>
-            </a:r>
-            <a:r>
-              <a:rPr lang="en-US" altLang="zh-CN" sz="2400" dirty="0" err="1"/>
-              <a:t>img</a:t>
-            </a:r>
-            <a:r>
-              <a:rPr lang="en-US" altLang="zh-CN" sz="2400" dirty="0"/>
-              <a:t>, etc.)</a:t>
-            </a:r>
+              <a:t>下面是使用 </a:t>
+            </a:r>
+            <a:r>
+              <a:rPr lang="en-US" altLang="zh-CN" sz="2000" dirty="0" err="1">
+                <a:latin typeface="微软雅黑" panose="020B0503020204020204" pitchFamily="34" charset="-122"/>
+                <a:ea typeface="微软雅黑" panose="020B0503020204020204" pitchFamily="34" charset="-122"/>
+              </a:rPr>
+              <a:t>NativeSQL</a:t>
+            </a:r>
+            <a:r>
+              <a:rPr lang="en-US" altLang="zh-CN" sz="2000" dirty="0">
+                <a:latin typeface="微软雅黑" panose="020B0503020204020204" pitchFamily="34" charset="-122"/>
+                <a:ea typeface="微软雅黑" panose="020B0503020204020204" pitchFamily="34" charset="-122"/>
+              </a:rPr>
+              <a:t> </a:t>
+            </a:r>
+            <a:r>
+              <a:rPr lang="zh-CN" altLang="en-US" sz="2000" dirty="0">
+                <a:latin typeface="微软雅黑" panose="020B0503020204020204" pitchFamily="34" charset="-122"/>
+                <a:ea typeface="微软雅黑" panose="020B0503020204020204" pitchFamily="34" charset="-122"/>
+              </a:rPr>
+              <a:t>的例子</a:t>
+            </a:r>
+            <a:r>
+              <a:rPr lang="en-US" altLang="zh-CN" sz="2000" dirty="0">
+                <a:latin typeface="微软雅黑" panose="020B0503020204020204" pitchFamily="34" charset="-122"/>
+                <a:ea typeface="微软雅黑" panose="020B0503020204020204" pitchFamily="34" charset="-122"/>
+              </a:rPr>
+              <a:t>:</a:t>
+            </a:r>
+          </a:p>
+          <a:p>
+            <a:pPr defTabSz="820738"/>
+            <a:endParaRPr lang="en-US" altLang="zh-CN" sz="2000" dirty="0">
+              <a:latin typeface="微软雅黑" panose="020B0503020204020204" pitchFamily="34" charset="-122"/>
+              <a:ea typeface="微软雅黑" panose="020B0503020204020204" pitchFamily="34" charset="-122"/>
+            </a:endParaRPr>
+          </a:p>
+          <a:p>
+            <a:pPr lvl="1" defTabSz="820738"/>
+            <a:r>
+              <a:rPr lang="en-US" altLang="zh-CN" sz="1600" dirty="0">
+                <a:latin typeface="微软雅黑" panose="020B0503020204020204" pitchFamily="34" charset="-122"/>
+                <a:ea typeface="微软雅黑" panose="020B0503020204020204" pitchFamily="34" charset="-122"/>
+              </a:rPr>
+              <a:t>//</a:t>
+            </a:r>
+            <a:r>
+              <a:rPr lang="zh-CN" altLang="en-US" sz="1600" dirty="0">
+                <a:latin typeface="微软雅黑" panose="020B0503020204020204" pitchFamily="34" charset="-122"/>
+                <a:ea typeface="微软雅黑" panose="020B0503020204020204" pitchFamily="34" charset="-122"/>
+              </a:rPr>
+              <a:t>准备 </a:t>
+            </a:r>
+            <a:r>
+              <a:rPr lang="en-US" altLang="zh-CN" sz="1600" dirty="0">
+                <a:latin typeface="微软雅黑" panose="020B0503020204020204" pitchFamily="34" charset="-122"/>
+                <a:ea typeface="微软雅黑" panose="020B0503020204020204" pitchFamily="34" charset="-122"/>
+              </a:rPr>
+              <a:t>SQL </a:t>
+            </a:r>
+            <a:r>
+              <a:rPr lang="zh-CN" altLang="en-US" sz="1600" dirty="0">
+                <a:latin typeface="微软雅黑" panose="020B0503020204020204" pitchFamily="34" charset="-122"/>
+                <a:ea typeface="微软雅黑" panose="020B0503020204020204" pitchFamily="34" charset="-122"/>
+              </a:rPr>
+              <a:t>参数</a:t>
+            </a:r>
+          </a:p>
+          <a:p>
+            <a:pPr lvl="1" defTabSz="820738"/>
+            <a:r>
+              <a:rPr lang="en-US" altLang="zh-CN" sz="1600" dirty="0">
+                <a:latin typeface="微软雅黑" panose="020B0503020204020204" pitchFamily="34" charset="-122"/>
+                <a:ea typeface="微软雅黑" panose="020B0503020204020204" pitchFamily="34" charset="-122"/>
+              </a:rPr>
+              <a:t>Map&lt;String, Object&gt; </a:t>
+            </a:r>
+            <a:r>
+              <a:rPr lang="en-US" altLang="zh-CN" sz="1600" dirty="0" err="1">
+                <a:latin typeface="微软雅黑" panose="020B0503020204020204" pitchFamily="34" charset="-122"/>
+                <a:ea typeface="微软雅黑" panose="020B0503020204020204" pitchFamily="34" charset="-122"/>
+              </a:rPr>
+              <a:t>sqlParams</a:t>
+            </a:r>
+            <a:r>
+              <a:rPr lang="en-US" altLang="zh-CN" sz="1600" dirty="0">
+                <a:latin typeface="微软雅黑" panose="020B0503020204020204" pitchFamily="34" charset="-122"/>
+                <a:ea typeface="微软雅黑" panose="020B0503020204020204" pitchFamily="34" charset="-122"/>
+              </a:rPr>
+              <a:t> = new </a:t>
+            </a:r>
+            <a:r>
+              <a:rPr lang="en-US" altLang="zh-CN" sz="1600" dirty="0" err="1">
+                <a:latin typeface="微软雅黑" panose="020B0503020204020204" pitchFamily="34" charset="-122"/>
+                <a:ea typeface="微软雅黑" panose="020B0503020204020204" pitchFamily="34" charset="-122"/>
+              </a:rPr>
+              <a:t>HashMap</a:t>
+            </a:r>
+            <a:r>
+              <a:rPr lang="en-US" altLang="zh-CN" sz="1600" dirty="0">
+                <a:latin typeface="微软雅黑" panose="020B0503020204020204" pitchFamily="34" charset="-122"/>
+                <a:ea typeface="微软雅黑" panose="020B0503020204020204" pitchFamily="34" charset="-122"/>
+              </a:rPr>
+              <a:t>&lt;&gt;();</a:t>
+            </a:r>
+          </a:p>
+          <a:p>
+            <a:pPr lvl="1" defTabSz="820738"/>
+            <a:r>
+              <a:rPr lang="en-US" altLang="zh-CN" sz="1600" dirty="0" err="1">
+                <a:latin typeface="微软雅黑" panose="020B0503020204020204" pitchFamily="34" charset="-122"/>
+                <a:ea typeface="微软雅黑" panose="020B0503020204020204" pitchFamily="34" charset="-122"/>
+              </a:rPr>
+              <a:t>sqlParams.put</a:t>
+            </a:r>
+            <a:r>
+              <a:rPr lang="en-US" altLang="zh-CN" sz="1600" dirty="0">
+                <a:latin typeface="微软雅黑" panose="020B0503020204020204" pitchFamily="34" charset="-122"/>
+                <a:ea typeface="微软雅黑" panose="020B0503020204020204" pitchFamily="34" charset="-122"/>
+              </a:rPr>
+              <a:t>("</a:t>
+            </a:r>
+            <a:r>
+              <a:rPr lang="en-US" altLang="zh-CN" sz="1600" dirty="0" err="1">
+                <a:latin typeface="微软雅黑" panose="020B0503020204020204" pitchFamily="34" charset="-122"/>
+                <a:ea typeface="微软雅黑" panose="020B0503020204020204" pitchFamily="34" charset="-122"/>
+              </a:rPr>
+              <a:t>hospitalId</a:t>
+            </a:r>
+            <a:r>
+              <a:rPr lang="en-US" altLang="zh-CN" sz="1600" dirty="0">
+                <a:latin typeface="微软雅黑" panose="020B0503020204020204" pitchFamily="34" charset="-122"/>
+                <a:ea typeface="微软雅黑" panose="020B0503020204020204" pitchFamily="34" charset="-122"/>
+              </a:rPr>
+              <a:t>", 1);</a:t>
+            </a:r>
+          </a:p>
+          <a:p>
+            <a:pPr lvl="1" defTabSz="820738"/>
+            <a:r>
+              <a:rPr lang="en-US" altLang="zh-CN" sz="1600" dirty="0" err="1">
+                <a:latin typeface="微软雅黑" panose="020B0503020204020204" pitchFamily="34" charset="-122"/>
+                <a:ea typeface="微软雅黑" panose="020B0503020204020204" pitchFamily="34" charset="-122"/>
+              </a:rPr>
+              <a:t>sqlParams.put</a:t>
+            </a:r>
+            <a:r>
+              <a:rPr lang="en-US" altLang="zh-CN" sz="1600" dirty="0">
+                <a:latin typeface="微软雅黑" panose="020B0503020204020204" pitchFamily="34" charset="-122"/>
+                <a:ea typeface="微软雅黑" panose="020B0503020204020204" pitchFamily="34" charset="-122"/>
+              </a:rPr>
+              <a:t>("</a:t>
+            </a:r>
+            <a:r>
+              <a:rPr lang="en-US" altLang="zh-CN" sz="1600" dirty="0" err="1">
+                <a:latin typeface="微软雅黑" panose="020B0503020204020204" pitchFamily="34" charset="-122"/>
+                <a:ea typeface="微软雅黑" panose="020B0503020204020204" pitchFamily="34" charset="-122"/>
+              </a:rPr>
+              <a:t>assetName</a:t>
+            </a:r>
+            <a:r>
+              <a:rPr lang="en-US" altLang="zh-CN" sz="1600" dirty="0">
+                <a:latin typeface="微软雅黑" panose="020B0503020204020204" pitchFamily="34" charset="-122"/>
+                <a:ea typeface="微软雅黑" panose="020B0503020204020204" pitchFamily="34" charset="-122"/>
+              </a:rPr>
+              <a:t>", "%CT%");</a:t>
+            </a:r>
+          </a:p>
+          <a:p>
+            <a:pPr lvl="1" defTabSz="820738"/>
+            <a:endParaRPr lang="en-US" altLang="zh-CN" sz="1600" dirty="0">
+              <a:latin typeface="微软雅黑" panose="020B0503020204020204" pitchFamily="34" charset="-122"/>
+              <a:ea typeface="微软雅黑" panose="020B0503020204020204" pitchFamily="34" charset="-122"/>
+            </a:endParaRPr>
+          </a:p>
+          <a:p>
+            <a:pPr lvl="1" defTabSz="820738"/>
+            <a:r>
+              <a:rPr lang="en-US" altLang="zh-CN" sz="1600" dirty="0">
+                <a:latin typeface="微软雅黑" panose="020B0503020204020204" pitchFamily="34" charset="-122"/>
+                <a:ea typeface="微软雅黑" panose="020B0503020204020204" pitchFamily="34" charset="-122"/>
+              </a:rPr>
+              <a:t>//</a:t>
+            </a:r>
+            <a:r>
+              <a:rPr lang="zh-CN" altLang="en-US" sz="1600" dirty="0">
+                <a:latin typeface="微软雅黑" panose="020B0503020204020204" pitchFamily="34" charset="-122"/>
+                <a:ea typeface="微软雅黑" panose="020B0503020204020204" pitchFamily="34" charset="-122"/>
+              </a:rPr>
+              <a:t>执行 </a:t>
+            </a:r>
+            <a:r>
+              <a:rPr lang="en-US" altLang="zh-CN" sz="1600" dirty="0">
+                <a:latin typeface="微软雅黑" panose="020B0503020204020204" pitchFamily="34" charset="-122"/>
+                <a:ea typeface="微软雅黑" panose="020B0503020204020204" pitchFamily="34" charset="-122"/>
+              </a:rPr>
+              <a:t>SQL</a:t>
+            </a:r>
+          </a:p>
+          <a:p>
+            <a:pPr lvl="1" defTabSz="820738"/>
+            <a:r>
+              <a:rPr lang="en-US" altLang="zh-CN" sz="1600" dirty="0">
+                <a:latin typeface="微软雅黑" panose="020B0503020204020204" pitchFamily="34" charset="-122"/>
+                <a:ea typeface="微软雅黑" panose="020B0503020204020204" pitchFamily="34" charset="-122"/>
+              </a:rPr>
+              <a:t>List&lt;Map&lt;String, Object&gt;&gt; result = </a:t>
+            </a:r>
+            <a:r>
+              <a:rPr lang="en-US" altLang="zh-CN" sz="1600" dirty="0" err="1">
+                <a:latin typeface="微软雅黑" panose="020B0503020204020204" pitchFamily="34" charset="-122"/>
+                <a:ea typeface="微软雅黑" panose="020B0503020204020204" pitchFamily="34" charset="-122"/>
+              </a:rPr>
+              <a:t>NativeSqlUtil.queryForList</a:t>
+            </a:r>
+            <a:r>
+              <a:rPr lang="en-US" altLang="zh-CN" sz="1600" dirty="0">
+                <a:latin typeface="微软雅黑" panose="020B0503020204020204" pitchFamily="34" charset="-122"/>
+                <a:ea typeface="微软雅黑" panose="020B0503020204020204" pitchFamily="34" charset="-122"/>
+              </a:rPr>
+              <a:t>("select * from </a:t>
+            </a:r>
+            <a:r>
+              <a:rPr lang="en-US" altLang="zh-CN" sz="1600" dirty="0" err="1">
+                <a:latin typeface="微软雅黑" panose="020B0503020204020204" pitchFamily="34" charset="-122"/>
+                <a:ea typeface="微软雅黑" panose="020B0503020204020204" pitchFamily="34" charset="-122"/>
+              </a:rPr>
+              <a:t>asset_info</a:t>
+            </a:r>
+            <a:r>
+              <a:rPr lang="en-US" altLang="zh-CN" sz="1600" dirty="0">
+                <a:latin typeface="微软雅黑" panose="020B0503020204020204" pitchFamily="34" charset="-122"/>
+                <a:ea typeface="微软雅黑" panose="020B0503020204020204" pitchFamily="34" charset="-122"/>
+              </a:rPr>
+              <a:t> where </a:t>
+            </a:r>
+            <a:r>
+              <a:rPr lang="en-US" altLang="zh-CN" sz="1600" dirty="0" err="1">
+                <a:latin typeface="微软雅黑" panose="020B0503020204020204" pitchFamily="34" charset="-122"/>
+                <a:ea typeface="微软雅黑" panose="020B0503020204020204" pitchFamily="34" charset="-122"/>
+              </a:rPr>
+              <a:t>hospital_id</a:t>
+            </a:r>
+            <a:r>
+              <a:rPr lang="en-US" altLang="zh-CN" sz="1600" dirty="0">
+                <a:latin typeface="微软雅黑" panose="020B0503020204020204" pitchFamily="34" charset="-122"/>
+                <a:ea typeface="微软雅黑" panose="020B0503020204020204" pitchFamily="34" charset="-122"/>
+              </a:rPr>
+              <a:t>=:#</a:t>
+            </a:r>
+            <a:r>
+              <a:rPr lang="en-US" altLang="zh-CN" sz="1600" dirty="0" err="1">
+                <a:latin typeface="微软雅黑" panose="020B0503020204020204" pitchFamily="34" charset="-122"/>
+                <a:ea typeface="微软雅黑" panose="020B0503020204020204" pitchFamily="34" charset="-122"/>
+              </a:rPr>
+              <a:t>hospitalId</a:t>
+            </a:r>
+            <a:r>
+              <a:rPr lang="en-US" altLang="zh-CN" sz="1600" dirty="0">
+                <a:latin typeface="微软雅黑" panose="020B0503020204020204" pitchFamily="34" charset="-122"/>
+                <a:ea typeface="微软雅黑" panose="020B0503020204020204" pitchFamily="34" charset="-122"/>
+              </a:rPr>
+              <a:t> and name like :#</a:t>
+            </a:r>
+            <a:r>
+              <a:rPr lang="en-US" altLang="zh-CN" sz="1600" dirty="0" err="1">
+                <a:latin typeface="微软雅黑" panose="020B0503020204020204" pitchFamily="34" charset="-122"/>
+                <a:ea typeface="微软雅黑" panose="020B0503020204020204" pitchFamily="34" charset="-122"/>
+              </a:rPr>
+              <a:t>assetName</a:t>
+            </a:r>
+            <a:r>
+              <a:rPr lang="en-US" altLang="zh-CN" sz="1600" dirty="0">
+                <a:latin typeface="微软雅黑" panose="020B0503020204020204" pitchFamily="34" charset="-122"/>
+                <a:ea typeface="微软雅黑" panose="020B0503020204020204" pitchFamily="34" charset="-122"/>
+              </a:rPr>
+              <a:t>", </a:t>
+            </a:r>
+            <a:r>
+              <a:rPr lang="en-US" altLang="zh-CN" sz="1600" dirty="0" err="1">
+                <a:latin typeface="微软雅黑" panose="020B0503020204020204" pitchFamily="34" charset="-122"/>
+                <a:ea typeface="微软雅黑" panose="020B0503020204020204" pitchFamily="34" charset="-122"/>
+              </a:rPr>
+              <a:t>sqlParams</a:t>
+            </a:r>
+            <a:r>
+              <a:rPr lang="en-US" altLang="zh-CN" sz="1600" dirty="0">
+                <a:latin typeface="微软雅黑" panose="020B0503020204020204" pitchFamily="34" charset="-122"/>
+                <a:ea typeface="微软雅黑" panose="020B0503020204020204" pitchFamily="34" charset="-122"/>
+              </a:rPr>
+              <a:t>);</a:t>
+            </a:r>
+          </a:p>
+          <a:p>
+            <a:pPr lvl="1" defTabSz="820738"/>
+            <a:endParaRPr lang="en-US" altLang="zh-CN" sz="1600" dirty="0">
+              <a:latin typeface="微软雅黑" panose="020B0503020204020204" pitchFamily="34" charset="-122"/>
+              <a:ea typeface="微软雅黑" panose="020B0503020204020204" pitchFamily="34" charset="-122"/>
+            </a:endParaRPr>
+          </a:p>
+          <a:p>
+            <a:pPr lvl="1" defTabSz="820738"/>
+            <a:r>
+              <a:rPr lang="en-US" altLang="zh-CN" sz="1600" dirty="0">
+                <a:latin typeface="微软雅黑" panose="020B0503020204020204" pitchFamily="34" charset="-122"/>
+                <a:ea typeface="微软雅黑" panose="020B0503020204020204" pitchFamily="34" charset="-122"/>
+              </a:rPr>
+              <a:t>//</a:t>
+            </a:r>
+            <a:r>
+              <a:rPr lang="zh-CN" altLang="en-US" sz="1600" dirty="0">
+                <a:latin typeface="微软雅黑" panose="020B0503020204020204" pitchFamily="34" charset="-122"/>
+                <a:ea typeface="微软雅黑" panose="020B0503020204020204" pitchFamily="34" charset="-122"/>
+              </a:rPr>
+              <a:t>取第一行记录的资产名称字段</a:t>
+            </a:r>
+          </a:p>
+          <a:p>
+            <a:pPr lvl="1" defTabSz="820738"/>
+            <a:r>
+              <a:rPr lang="en-US" altLang="zh-CN" sz="1600" dirty="0">
+                <a:latin typeface="微软雅黑" panose="020B0503020204020204" pitchFamily="34" charset="-122"/>
+                <a:ea typeface="微软雅黑" panose="020B0503020204020204" pitchFamily="34" charset="-122"/>
+              </a:rPr>
+              <a:t>String </a:t>
+            </a:r>
+            <a:r>
+              <a:rPr lang="en-US" altLang="zh-CN" sz="1600" dirty="0" err="1">
+                <a:latin typeface="微软雅黑" panose="020B0503020204020204" pitchFamily="34" charset="-122"/>
+                <a:ea typeface="微软雅黑" panose="020B0503020204020204" pitchFamily="34" charset="-122"/>
+              </a:rPr>
+              <a:t>assetName</a:t>
+            </a:r>
+            <a:r>
+              <a:rPr lang="en-US" altLang="zh-CN" sz="1600" dirty="0">
+                <a:latin typeface="微软雅黑" panose="020B0503020204020204" pitchFamily="34" charset="-122"/>
+                <a:ea typeface="微软雅黑" panose="020B0503020204020204" pitchFamily="34" charset="-122"/>
+              </a:rPr>
+              <a:t> = </a:t>
+            </a:r>
+            <a:r>
+              <a:rPr lang="en-US" altLang="zh-CN" sz="1600" dirty="0" err="1">
+                <a:latin typeface="微软雅黑" panose="020B0503020204020204" pitchFamily="34" charset="-122"/>
+                <a:ea typeface="微软雅黑" panose="020B0503020204020204" pitchFamily="34" charset="-122"/>
+              </a:rPr>
+              <a:t>result.get</a:t>
+            </a:r>
+            <a:r>
+              <a:rPr lang="en-US" altLang="zh-CN" sz="1600" dirty="0">
+                <a:latin typeface="微软雅黑" panose="020B0503020204020204" pitchFamily="34" charset="-122"/>
+                <a:ea typeface="微软雅黑" panose="020B0503020204020204" pitchFamily="34" charset="-122"/>
+              </a:rPr>
+              <a:t>(0).get("name").</a:t>
+            </a:r>
+            <a:r>
+              <a:rPr lang="en-US" altLang="zh-CN" sz="1600" dirty="0" err="1">
+                <a:latin typeface="微软雅黑" panose="020B0503020204020204" pitchFamily="34" charset="-122"/>
+                <a:ea typeface="微软雅黑" panose="020B0503020204020204" pitchFamily="34" charset="-122"/>
+              </a:rPr>
+              <a:t>toString</a:t>
+            </a:r>
+            <a:r>
+              <a:rPr lang="en-US" altLang="zh-CN" sz="1600" dirty="0">
+                <a:latin typeface="微软雅黑" panose="020B0503020204020204" pitchFamily="34" charset="-122"/>
+                <a:ea typeface="微软雅黑" panose="020B0503020204020204" pitchFamily="34" charset="-122"/>
+              </a:rPr>
+              <a:t>();</a:t>
+            </a:r>
+          </a:p>
+          <a:p>
+            <a:pPr defTabSz="820738"/>
+            <a:endParaRPr lang="en-US" altLang="zh-CN" sz="2000" dirty="0">
+              <a:latin typeface="微软雅黑" panose="020B0503020204020204" pitchFamily="34" charset="-122"/>
+              <a:ea typeface="微软雅黑" panose="020B0503020204020204" pitchFamily="34" charset="-122"/>
+            </a:endParaRPr>
+          </a:p>
+          <a:p>
+            <a:pPr defTabSz="820738"/>
+            <a:r>
+              <a:rPr lang="en-US" altLang="zh-CN" sz="2000" dirty="0">
+                <a:latin typeface="微软雅黑" panose="020B0503020204020204" pitchFamily="34" charset="-122"/>
+                <a:ea typeface="微软雅黑" panose="020B0503020204020204" pitchFamily="34" charset="-122"/>
+              </a:rPr>
+              <a:t>SQL</a:t>
+            </a:r>
+            <a:r>
+              <a:rPr lang="zh-CN" altLang="en-US" sz="2000" dirty="0">
+                <a:latin typeface="微软雅黑" panose="020B0503020204020204" pitchFamily="34" charset="-122"/>
+                <a:ea typeface="微软雅黑" panose="020B0503020204020204" pitchFamily="34" charset="-122"/>
+              </a:rPr>
+              <a:t>语句中的参数名称必须要使用前缀 </a:t>
+            </a:r>
+            <a:r>
+              <a:rPr lang="en-US" altLang="zh-CN" sz="2000" dirty="0">
+                <a:solidFill>
+                  <a:srgbClr val="FF0000"/>
+                </a:solidFill>
+                <a:highlight>
+                  <a:srgbClr val="FFFF00"/>
+                </a:highlight>
+                <a:latin typeface="微软雅黑" panose="020B0503020204020204" pitchFamily="34" charset="-122"/>
+                <a:ea typeface="微软雅黑" panose="020B0503020204020204" pitchFamily="34" charset="-122"/>
+              </a:rPr>
+              <a:t>:#</a:t>
+            </a:r>
+            <a:r>
+              <a:rPr lang="en-US" altLang="zh-CN" sz="2000" dirty="0">
+                <a:latin typeface="微软雅黑" panose="020B0503020204020204" pitchFamily="34" charset="-122"/>
+                <a:ea typeface="微软雅黑" panose="020B0503020204020204" pitchFamily="34" charset="-122"/>
+              </a:rPr>
+              <a:t>, </a:t>
+            </a:r>
+            <a:r>
+              <a:rPr lang="zh-CN" altLang="en-US" sz="2000" dirty="0">
+                <a:latin typeface="微软雅黑" panose="020B0503020204020204" pitchFamily="34" charset="-122"/>
+                <a:ea typeface="微软雅黑" panose="020B0503020204020204" pitchFamily="34" charset="-122"/>
+              </a:rPr>
+              <a:t>比如上面的参数 </a:t>
+            </a:r>
+            <a:r>
+              <a:rPr lang="en-US" altLang="zh-CN" sz="2000" dirty="0">
+                <a:latin typeface="微软雅黑" panose="020B0503020204020204" pitchFamily="34" charset="-122"/>
+                <a:ea typeface="微软雅黑" panose="020B0503020204020204" pitchFamily="34" charset="-122"/>
+              </a:rPr>
+              <a:t>:#</a:t>
+            </a:r>
+            <a:r>
+              <a:rPr lang="en-US" altLang="zh-CN" sz="2000" dirty="0" err="1">
+                <a:latin typeface="微软雅黑" panose="020B0503020204020204" pitchFamily="34" charset="-122"/>
+                <a:ea typeface="微软雅黑" panose="020B0503020204020204" pitchFamily="34" charset="-122"/>
+              </a:rPr>
+              <a:t>hospitalId</a:t>
+            </a:r>
+            <a:r>
+              <a:rPr lang="en-US" altLang="zh-CN" sz="2000" dirty="0">
+                <a:latin typeface="微软雅黑" panose="020B0503020204020204" pitchFamily="34" charset="-122"/>
+                <a:ea typeface="微软雅黑" panose="020B0503020204020204" pitchFamily="34" charset="-122"/>
+              </a:rPr>
+              <a:t> </a:t>
+            </a:r>
+            <a:r>
+              <a:rPr lang="zh-CN" altLang="en-US" sz="2000" dirty="0">
+                <a:latin typeface="微软雅黑" panose="020B0503020204020204" pitchFamily="34" charset="-122"/>
+                <a:ea typeface="微软雅黑" panose="020B0503020204020204" pitchFamily="34" charset="-122"/>
+              </a:rPr>
+              <a:t>和 </a:t>
+            </a:r>
+            <a:r>
+              <a:rPr lang="en-US" altLang="zh-CN" sz="2000" dirty="0">
+                <a:latin typeface="微软雅黑" panose="020B0503020204020204" pitchFamily="34" charset="-122"/>
+                <a:ea typeface="微软雅黑" panose="020B0503020204020204" pitchFamily="34" charset="-122"/>
+              </a:rPr>
+              <a:t>:#</a:t>
+            </a:r>
+            <a:r>
+              <a:rPr lang="en-US" altLang="zh-CN" sz="2000" dirty="0" err="1">
+                <a:latin typeface="微软雅黑" panose="020B0503020204020204" pitchFamily="34" charset="-122"/>
+                <a:ea typeface="微软雅黑" panose="020B0503020204020204" pitchFamily="34" charset="-122"/>
+              </a:rPr>
+              <a:t>assetName</a:t>
+            </a:r>
+            <a:endParaRPr lang="en-US" altLang="zh-CN" sz="2000" dirty="0">
+              <a:latin typeface="微软雅黑" panose="020B0503020204020204" pitchFamily="34" charset="-122"/>
+              <a:ea typeface="微软雅黑" panose="020B0503020204020204" pitchFamily="34" charset="-122"/>
+            </a:endParaRPr>
+          </a:p>
+          <a:p>
+            <a:pPr defTabSz="820738"/>
+            <a:endParaRPr lang="en-US" altLang="zh-CN" sz="1600" dirty="0">
+              <a:latin typeface="微软雅黑" panose="020B0503020204020204" pitchFamily="34" charset="-122"/>
+              <a:ea typeface="微软雅黑" panose="020B0503020204020204" pitchFamily="34" charset="-122"/>
+            </a:endParaRPr>
           </a:p>
         </p:txBody>
       </p:sp>
     </p:spTree>
     <p:extLst>
       <p:ext uri="{BB962C8B-B14F-4D97-AF65-F5344CB8AC3E}">
-        <p14:creationId xmlns:p14="http://schemas.microsoft.com/office/powerpoint/2010/main" val="190351268"/>
+        <p14:creationId xmlns:p14="http://schemas.microsoft.com/office/powerpoint/2010/main" val="527787828"/>
       </p:ext>
     </p:extLst>
   </p:cSld>
@@ -32721,7 +33290,7 @@
 </p:sld>
 </file>
 
-<file path=ppt/slides/slide30.xml><?xml version="1.0" encoding="utf-8"?>
+<file path=ppt/slides/slide31.xml><?xml version="1.0" encoding="utf-8"?>
 <p:sld xmlns:a="http://schemas.openxmlformats.org/drawingml/2006/main" xmlns:r="http://schemas.openxmlformats.org/officeDocument/2006/relationships" xmlns:p="http://schemas.openxmlformats.org/presentationml/2006/main">
   <p:cSld>
     <p:spTree>
@@ -33088,7 +33657,7 @@
 </p:sld>
 </file>
 
-<file path=ppt/slides/slide31.xml><?xml version="1.0" encoding="utf-8"?>
+<file path=ppt/slides/slide32.xml><?xml version="1.0" encoding="utf-8"?>
 <p:sld xmlns:a="http://schemas.openxmlformats.org/drawingml/2006/main" xmlns:r="http://schemas.openxmlformats.org/officeDocument/2006/relationships" xmlns:p="http://schemas.openxmlformats.org/presentationml/2006/main">
   <p:cSld>
     <p:spTree>
